--- a/documents/worldMap発表資料.pptx
+++ b/documents/worldMap発表資料.pptx
@@ -5,10 +5,10 @@
     <p:sldMasterId id="2147483723" r:id="rId1"/>
   </p:sldMasterIdLst>
   <p:notesMasterIdLst>
-    <p:notesMasterId r:id="rId26"/>
+    <p:notesMasterId r:id="rId28"/>
   </p:notesMasterIdLst>
   <p:handoutMasterIdLst>
-    <p:handoutMasterId r:id="rId27"/>
+    <p:handoutMasterId r:id="rId29"/>
   </p:handoutMasterIdLst>
   <p:sldIdLst>
     <p:sldId id="296" r:id="rId2"/>
@@ -17,24 +17,26 @@
     <p:sldId id="317" r:id="rId5"/>
     <p:sldId id="336" r:id="rId6"/>
     <p:sldId id="321" r:id="rId7"/>
-    <p:sldId id="329" r:id="rId8"/>
+    <p:sldId id="338" r:id="rId8"/>
     <p:sldId id="322" r:id="rId9"/>
     <p:sldId id="305" r:id="rId10"/>
-    <p:sldId id="311" r:id="rId11"/>
-    <p:sldId id="328" r:id="rId12"/>
-    <p:sldId id="323" r:id="rId13"/>
-    <p:sldId id="335" r:id="rId14"/>
-    <p:sldId id="320" r:id="rId15"/>
-    <p:sldId id="330" r:id="rId16"/>
-    <p:sldId id="324" r:id="rId17"/>
-    <p:sldId id="309" r:id="rId18"/>
-    <p:sldId id="316" r:id="rId19"/>
-    <p:sldId id="326" r:id="rId20"/>
-    <p:sldId id="331" r:id="rId21"/>
-    <p:sldId id="325" r:id="rId22"/>
-    <p:sldId id="314" r:id="rId23"/>
-    <p:sldId id="304" r:id="rId24"/>
-    <p:sldId id="315" r:id="rId25"/>
+    <p:sldId id="337" r:id="rId11"/>
+    <p:sldId id="311" r:id="rId12"/>
+    <p:sldId id="328" r:id="rId13"/>
+    <p:sldId id="323" r:id="rId14"/>
+    <p:sldId id="335" r:id="rId15"/>
+    <p:sldId id="320" r:id="rId16"/>
+    <p:sldId id="330" r:id="rId17"/>
+    <p:sldId id="324" r:id="rId18"/>
+    <p:sldId id="309" r:id="rId19"/>
+    <p:sldId id="316" r:id="rId20"/>
+    <p:sldId id="326" r:id="rId21"/>
+    <p:sldId id="331" r:id="rId22"/>
+    <p:sldId id="325" r:id="rId23"/>
+    <p:sldId id="314" r:id="rId24"/>
+    <p:sldId id="339" r:id="rId25"/>
+    <p:sldId id="304" r:id="rId26"/>
+    <p:sldId id="315" r:id="rId27"/>
   </p:sldIdLst>
   <p:sldSz cx="12192000" cy="6858000"/>
   <p:notesSz cx="6858000" cy="9144000"/>
@@ -878,47 +880,16 @@
         </p:nvSpPr>
         <p:spPr/>
         <p:txBody>
-          <a:bodyPr rtlCol="0"/>
+          <a:bodyPr/>
           <a:lstStyle/>
           <a:p>
-            <a:pPr rtl="0"/>
-            <a:endParaRPr lang="en-US" dirty="0"/>
-          </a:p>
-        </p:txBody>
-      </p:sp>
-      <p:sp>
-        <p:nvSpPr>
-          <p:cNvPr id="4" name="スライド番号プレースホルダー 3"/>
-          <p:cNvSpPr>
-            <a:spLocks noGrp="1"/>
-          </p:cNvSpPr>
-          <p:nvPr>
-            <p:ph type="sldNum" sz="quarter" idx="10"/>
-          </p:nvPr>
-        </p:nvSpPr>
-        <p:spPr/>
-        <p:txBody>
-          <a:bodyPr rtlCol="0"/>
-          <a:lstStyle/>
-          <a:p>
-            <a:pPr rtl="0"/>
-            <a:fld id="{DB303FA8-A3F3-7640-B13D-36C73B3E5587}" type="slidenum">
-              <a:rPr lang="en-US" smtClean="0"/>
-              <a:t>11</a:t>
-            </a:fld>
-            <a:endParaRPr lang="en-US" dirty="0"/>
-          </a:p>
-        </p:txBody>
-      </p:sp>
-      <p:sp>
-        <p:nvSpPr>
-          <p:cNvPr id="5" name="日付プレースホルダー 4">
-            <a:extLst>
-              <a:ext uri="{FF2B5EF4-FFF2-40B4-BE49-F238E27FC236}">
-                <a16:creationId xmlns:a16="http://schemas.microsoft.com/office/drawing/2014/main" id="{6ECC05B7-0442-4806-BC60-0B08F2803A9B}"/>
-              </a:ext>
-            </a:extLst>
-          </p:cNvPr>
+            <a:endParaRPr kumimoji="1" lang="ja-JP" altLang="en-US" dirty="0"/>
+          </a:p>
+        </p:txBody>
+      </p:sp>
+      <p:sp>
+        <p:nvSpPr>
+          <p:cNvPr id="4" name="日付プレースホルダー 3"/>
           <p:cNvSpPr>
             <a:spLocks noGrp="1"/>
           </p:cNvSpPr>
@@ -931,19 +902,43 @@
           <a:bodyPr/>
           <a:lstStyle/>
           <a:p>
-            <a:pPr rtl="0"/>
-            <a:fld id="{3F53CC94-2004-4B32-B217-F28A8D0859A7}" type="datetime1">
-              <a:rPr lang="ja-JP" altLang="en-US" noProof="0" smtClean="0"/>
+            <a:fld id="{75C12AA9-855C-4BEA-B07F-DB8A0CF7ED54}" type="datetime1">
+              <a:rPr lang="ja-JP" altLang="en-US" smtClean="0"/>
+              <a:pPr/>
               <a:t>2021/6/25</a:t>
             </a:fld>
-            <a:endParaRPr lang="en-US" noProof="0" dirty="0"/>
+            <a:endParaRPr lang="en-US" dirty="0"/>
+          </a:p>
+        </p:txBody>
+      </p:sp>
+      <p:sp>
+        <p:nvSpPr>
+          <p:cNvPr id="5" name="スライド番号プレースホルダー 4"/>
+          <p:cNvSpPr>
+            <a:spLocks noGrp="1"/>
+          </p:cNvSpPr>
+          <p:nvPr>
+            <p:ph type="sldNum" sz="quarter" idx="5"/>
+          </p:nvPr>
+        </p:nvSpPr>
+        <p:spPr/>
+        <p:txBody>
+          <a:bodyPr/>
+          <a:lstStyle/>
+          <a:p>
+            <a:fld id="{DB303FA8-A3F3-7640-B13D-36C73B3E5587}" type="slidenum">
+              <a:rPr lang="en-US" smtClean="0"/>
+              <a:pPr/>
+              <a:t>10</a:t>
+            </a:fld>
+            <a:endParaRPr lang="en-US" dirty="0"/>
           </a:p>
         </p:txBody>
       </p:sp>
     </p:spTree>
     <p:extLst>
       <p:ext uri="{BB962C8B-B14F-4D97-AF65-F5344CB8AC3E}">
-        <p14:creationId xmlns:p14="http://schemas.microsoft.com/office/powerpoint/2010/main" val="2932355217"/>
+        <p14:creationId xmlns:p14="http://schemas.microsoft.com/office/powerpoint/2010/main" val="2741982581"/>
       </p:ext>
     </p:extLst>
   </p:cSld>
@@ -1059,7 +1054,7 @@
     </p:spTree>
     <p:extLst>
       <p:ext uri="{BB962C8B-B14F-4D97-AF65-F5344CB8AC3E}">
-        <p14:creationId xmlns:p14="http://schemas.microsoft.com/office/powerpoint/2010/main" val="3370555159"/>
+        <p14:creationId xmlns:p14="http://schemas.microsoft.com/office/powerpoint/2010/main" val="2932355217"/>
       </p:ext>
     </p:extLst>
   </p:cSld>
@@ -1110,16 +1105,47 @@
         </p:nvSpPr>
         <p:spPr/>
         <p:txBody>
-          <a:bodyPr/>
+          <a:bodyPr rtlCol="0"/>
           <a:lstStyle/>
           <a:p>
-            <a:endParaRPr kumimoji="1" lang="ja-JP" altLang="en-US" dirty="0"/>
-          </a:p>
-        </p:txBody>
-      </p:sp>
-      <p:sp>
-        <p:nvSpPr>
-          <p:cNvPr id="4" name="日付プレースホルダー 3"/>
+            <a:pPr rtl="0"/>
+            <a:endParaRPr lang="en-US" dirty="0"/>
+          </a:p>
+        </p:txBody>
+      </p:sp>
+      <p:sp>
+        <p:nvSpPr>
+          <p:cNvPr id="4" name="スライド番号プレースホルダー 3"/>
+          <p:cNvSpPr>
+            <a:spLocks noGrp="1"/>
+          </p:cNvSpPr>
+          <p:nvPr>
+            <p:ph type="sldNum" sz="quarter" idx="10"/>
+          </p:nvPr>
+        </p:nvSpPr>
+        <p:spPr/>
+        <p:txBody>
+          <a:bodyPr rtlCol="0"/>
+          <a:lstStyle/>
+          <a:p>
+            <a:pPr rtl="0"/>
+            <a:fld id="{DB303FA8-A3F3-7640-B13D-36C73B3E5587}" type="slidenum">
+              <a:rPr lang="en-US" smtClean="0"/>
+              <a:t>13</a:t>
+            </a:fld>
+            <a:endParaRPr lang="en-US" dirty="0"/>
+          </a:p>
+        </p:txBody>
+      </p:sp>
+      <p:sp>
+        <p:nvSpPr>
+          <p:cNvPr id="5" name="日付プレースホルダー 4">
+            <a:extLst>
+              <a:ext uri="{FF2B5EF4-FFF2-40B4-BE49-F238E27FC236}">
+                <a16:creationId xmlns:a16="http://schemas.microsoft.com/office/drawing/2014/main" id="{6ECC05B7-0442-4806-BC60-0B08F2803A9B}"/>
+              </a:ext>
+            </a:extLst>
+          </p:cNvPr>
           <p:cNvSpPr>
             <a:spLocks noGrp="1"/>
           </p:cNvSpPr>
@@ -1132,43 +1158,19 @@
           <a:bodyPr/>
           <a:lstStyle/>
           <a:p>
-            <a:fld id="{75C12AA9-855C-4BEA-B07F-DB8A0CF7ED54}" type="datetime1">
-              <a:rPr lang="ja-JP" altLang="en-US" smtClean="0"/>
-              <a:pPr/>
+            <a:pPr rtl="0"/>
+            <a:fld id="{3F53CC94-2004-4B32-B217-F28A8D0859A7}" type="datetime1">
+              <a:rPr lang="ja-JP" altLang="en-US" noProof="0" smtClean="0"/>
               <a:t>2021/6/25</a:t>
             </a:fld>
-            <a:endParaRPr lang="en-US" dirty="0"/>
-          </a:p>
-        </p:txBody>
-      </p:sp>
-      <p:sp>
-        <p:nvSpPr>
-          <p:cNvPr id="5" name="スライド番号プレースホルダー 4"/>
-          <p:cNvSpPr>
-            <a:spLocks noGrp="1"/>
-          </p:cNvSpPr>
-          <p:nvPr>
-            <p:ph type="sldNum" sz="quarter" idx="5"/>
-          </p:nvPr>
-        </p:nvSpPr>
-        <p:spPr/>
-        <p:txBody>
-          <a:bodyPr/>
-          <a:lstStyle/>
-          <a:p>
-            <a:fld id="{DB303FA8-A3F3-7640-B13D-36C73B3E5587}" type="slidenum">
-              <a:rPr lang="en-US" smtClean="0"/>
-              <a:pPr/>
-              <a:t>14</a:t>
-            </a:fld>
-            <a:endParaRPr lang="en-US" dirty="0"/>
+            <a:endParaRPr lang="en-US" noProof="0" dirty="0"/>
           </a:p>
         </p:txBody>
       </p:sp>
     </p:spTree>
     <p:extLst>
       <p:ext uri="{BB962C8B-B14F-4D97-AF65-F5344CB8AC3E}">
-        <p14:creationId xmlns:p14="http://schemas.microsoft.com/office/powerpoint/2010/main" val="2772772870"/>
+        <p14:creationId xmlns:p14="http://schemas.microsoft.com/office/powerpoint/2010/main" val="3370555159"/>
       </p:ext>
     </p:extLst>
   </p:cSld>
@@ -1219,47 +1221,16 @@
         </p:nvSpPr>
         <p:spPr/>
         <p:txBody>
-          <a:bodyPr rtlCol="0"/>
+          <a:bodyPr/>
           <a:lstStyle/>
           <a:p>
-            <a:pPr rtl="0"/>
-            <a:endParaRPr lang="en-US" dirty="0"/>
-          </a:p>
-        </p:txBody>
-      </p:sp>
-      <p:sp>
-        <p:nvSpPr>
-          <p:cNvPr id="4" name="スライド番号プレースホルダー 3"/>
-          <p:cNvSpPr>
-            <a:spLocks noGrp="1"/>
-          </p:cNvSpPr>
-          <p:nvPr>
-            <p:ph type="sldNum" sz="quarter" idx="10"/>
-          </p:nvPr>
-        </p:nvSpPr>
-        <p:spPr/>
-        <p:txBody>
-          <a:bodyPr rtlCol="0"/>
-          <a:lstStyle/>
-          <a:p>
-            <a:pPr rtl="0"/>
-            <a:fld id="{DB303FA8-A3F3-7640-B13D-36C73B3E5587}" type="slidenum">
-              <a:rPr lang="en-US" smtClean="0"/>
-              <a:t>15</a:t>
-            </a:fld>
-            <a:endParaRPr lang="en-US" dirty="0"/>
-          </a:p>
-        </p:txBody>
-      </p:sp>
-      <p:sp>
-        <p:nvSpPr>
-          <p:cNvPr id="5" name="日付プレースホルダー 4">
-            <a:extLst>
-              <a:ext uri="{FF2B5EF4-FFF2-40B4-BE49-F238E27FC236}">
-                <a16:creationId xmlns:a16="http://schemas.microsoft.com/office/drawing/2014/main" id="{6ECC05B7-0442-4806-BC60-0B08F2803A9B}"/>
-              </a:ext>
-            </a:extLst>
-          </p:cNvPr>
+            <a:endParaRPr kumimoji="1" lang="ja-JP" altLang="en-US" dirty="0"/>
+          </a:p>
+        </p:txBody>
+      </p:sp>
+      <p:sp>
+        <p:nvSpPr>
+          <p:cNvPr id="4" name="日付プレースホルダー 3"/>
           <p:cNvSpPr>
             <a:spLocks noGrp="1"/>
           </p:cNvSpPr>
@@ -1272,19 +1243,43 @@
           <a:bodyPr/>
           <a:lstStyle/>
           <a:p>
-            <a:pPr rtl="0"/>
-            <a:fld id="{3F53CC94-2004-4B32-B217-F28A8D0859A7}" type="datetime1">
-              <a:rPr lang="ja-JP" altLang="en-US" noProof="0" smtClean="0"/>
+            <a:fld id="{75C12AA9-855C-4BEA-B07F-DB8A0CF7ED54}" type="datetime1">
+              <a:rPr lang="ja-JP" altLang="en-US" smtClean="0"/>
+              <a:pPr/>
               <a:t>2021/6/25</a:t>
             </a:fld>
-            <a:endParaRPr lang="en-US" noProof="0" dirty="0"/>
+            <a:endParaRPr lang="en-US" dirty="0"/>
+          </a:p>
+        </p:txBody>
+      </p:sp>
+      <p:sp>
+        <p:nvSpPr>
+          <p:cNvPr id="5" name="スライド番号プレースホルダー 4"/>
+          <p:cNvSpPr>
+            <a:spLocks noGrp="1"/>
+          </p:cNvSpPr>
+          <p:nvPr>
+            <p:ph type="sldNum" sz="quarter" idx="5"/>
+          </p:nvPr>
+        </p:nvSpPr>
+        <p:spPr/>
+        <p:txBody>
+          <a:bodyPr/>
+          <a:lstStyle/>
+          <a:p>
+            <a:fld id="{DB303FA8-A3F3-7640-B13D-36C73B3E5587}" type="slidenum">
+              <a:rPr lang="en-US" smtClean="0"/>
+              <a:pPr/>
+              <a:t>15</a:t>
+            </a:fld>
+            <a:endParaRPr lang="en-US" dirty="0"/>
           </a:p>
         </p:txBody>
       </p:sp>
     </p:spTree>
     <p:extLst>
       <p:ext uri="{BB962C8B-B14F-4D97-AF65-F5344CB8AC3E}">
-        <p14:creationId xmlns:p14="http://schemas.microsoft.com/office/powerpoint/2010/main" val="1301899057"/>
+        <p14:creationId xmlns:p14="http://schemas.microsoft.com/office/powerpoint/2010/main" val="2772772870"/>
       </p:ext>
     </p:extLst>
   </p:cSld>
@@ -1400,7 +1395,7 @@
     </p:spTree>
     <p:extLst>
       <p:ext uri="{BB962C8B-B14F-4D97-AF65-F5344CB8AC3E}">
-        <p14:creationId xmlns:p14="http://schemas.microsoft.com/office/powerpoint/2010/main" val="4168808553"/>
+        <p14:creationId xmlns:p14="http://schemas.microsoft.com/office/powerpoint/2010/main" val="1301899057"/>
       </p:ext>
     </p:extLst>
   </p:cSld>
@@ -1477,7 +1472,7 @@
             <a:pPr rtl="0"/>
             <a:fld id="{DB303FA8-A3F3-7640-B13D-36C73B3E5587}" type="slidenum">
               <a:rPr lang="en-US" smtClean="0"/>
-              <a:t>20</a:t>
+              <a:t>17</a:t>
             </a:fld>
             <a:endParaRPr lang="en-US" dirty="0"/>
           </a:p>
@@ -1516,7 +1511,7 @@
     </p:spTree>
     <p:extLst>
       <p:ext uri="{BB962C8B-B14F-4D97-AF65-F5344CB8AC3E}">
-        <p14:creationId xmlns:p14="http://schemas.microsoft.com/office/powerpoint/2010/main" val="1349334602"/>
+        <p14:creationId xmlns:p14="http://schemas.microsoft.com/office/powerpoint/2010/main" val="4168808553"/>
       </p:ext>
     </p:extLst>
   </p:cSld>
@@ -1632,7 +1627,7 @@
     </p:spTree>
     <p:extLst>
       <p:ext uri="{BB962C8B-B14F-4D97-AF65-F5344CB8AC3E}">
-        <p14:creationId xmlns:p14="http://schemas.microsoft.com/office/powerpoint/2010/main" val="3121433867"/>
+        <p14:creationId xmlns:p14="http://schemas.microsoft.com/office/powerpoint/2010/main" val="1349334602"/>
       </p:ext>
     </p:extLst>
   </p:cSld>
@@ -1683,6 +1678,122 @@
         </p:nvSpPr>
         <p:spPr/>
         <p:txBody>
+          <a:bodyPr rtlCol="0"/>
+          <a:lstStyle/>
+          <a:p>
+            <a:pPr rtl="0"/>
+            <a:endParaRPr lang="en-US" dirty="0"/>
+          </a:p>
+        </p:txBody>
+      </p:sp>
+      <p:sp>
+        <p:nvSpPr>
+          <p:cNvPr id="4" name="スライド番号プレースホルダー 3"/>
+          <p:cNvSpPr>
+            <a:spLocks noGrp="1"/>
+          </p:cNvSpPr>
+          <p:nvPr>
+            <p:ph type="sldNum" sz="quarter" idx="10"/>
+          </p:nvPr>
+        </p:nvSpPr>
+        <p:spPr/>
+        <p:txBody>
+          <a:bodyPr rtlCol="0"/>
+          <a:lstStyle/>
+          <a:p>
+            <a:pPr rtl="0"/>
+            <a:fld id="{DB303FA8-A3F3-7640-B13D-36C73B3E5587}" type="slidenum">
+              <a:rPr lang="en-US" smtClean="0"/>
+              <a:t>22</a:t>
+            </a:fld>
+            <a:endParaRPr lang="en-US" dirty="0"/>
+          </a:p>
+        </p:txBody>
+      </p:sp>
+      <p:sp>
+        <p:nvSpPr>
+          <p:cNvPr id="5" name="日付プレースホルダー 4">
+            <a:extLst>
+              <a:ext uri="{FF2B5EF4-FFF2-40B4-BE49-F238E27FC236}">
+                <a16:creationId xmlns:a16="http://schemas.microsoft.com/office/drawing/2014/main" id="{6ECC05B7-0442-4806-BC60-0B08F2803A9B}"/>
+              </a:ext>
+            </a:extLst>
+          </p:cNvPr>
+          <p:cNvSpPr>
+            <a:spLocks noGrp="1"/>
+          </p:cNvSpPr>
+          <p:nvPr>
+            <p:ph type="dt" idx="1"/>
+          </p:nvPr>
+        </p:nvSpPr>
+        <p:spPr/>
+        <p:txBody>
+          <a:bodyPr/>
+          <a:lstStyle/>
+          <a:p>
+            <a:pPr rtl="0"/>
+            <a:fld id="{3F53CC94-2004-4B32-B217-F28A8D0859A7}" type="datetime1">
+              <a:rPr lang="ja-JP" altLang="en-US" noProof="0" smtClean="0"/>
+              <a:t>2021/6/25</a:t>
+            </a:fld>
+            <a:endParaRPr lang="en-US" noProof="0" dirty="0"/>
+          </a:p>
+        </p:txBody>
+      </p:sp>
+    </p:spTree>
+    <p:extLst>
+      <p:ext uri="{BB962C8B-B14F-4D97-AF65-F5344CB8AC3E}">
+        <p14:creationId xmlns:p14="http://schemas.microsoft.com/office/powerpoint/2010/main" val="3121433867"/>
+      </p:ext>
+    </p:extLst>
+  </p:cSld>
+  <p:clrMapOvr>
+    <a:masterClrMapping/>
+  </p:clrMapOvr>
+</p:notes>
+</file>
+
+<file path=ppt/notesSlides/notesSlide18.xml><?xml version="1.0" encoding="utf-8"?>
+<p:notes xmlns:a="http://schemas.openxmlformats.org/drawingml/2006/main" xmlns:r="http://schemas.openxmlformats.org/officeDocument/2006/relationships" xmlns:p="http://schemas.openxmlformats.org/presentationml/2006/main">
+  <p:cSld>
+    <p:spTree>
+      <p:nvGrpSpPr>
+        <p:cNvPr id="1" name=""/>
+        <p:cNvGrpSpPr/>
+        <p:nvPr/>
+      </p:nvGrpSpPr>
+      <p:grpSpPr>
+        <a:xfrm>
+          <a:off x="0" y="0"/>
+          <a:ext cx="0" cy="0"/>
+          <a:chOff x="0" y="0"/>
+          <a:chExt cx="0" cy="0"/>
+        </a:xfrm>
+      </p:grpSpPr>
+      <p:sp>
+        <p:nvSpPr>
+          <p:cNvPr id="2" name="スライド イメージ プレースホルダー 1"/>
+          <p:cNvSpPr>
+            <a:spLocks noGrp="1" noRot="1" noChangeAspect="1"/>
+          </p:cNvSpPr>
+          <p:nvPr>
+            <p:ph type="sldImg"/>
+          </p:nvPr>
+        </p:nvSpPr>
+        <p:spPr/>
+      </p:sp>
+      <p:sp>
+        <p:nvSpPr>
+          <p:cNvPr id="3" name="ノート プレースホルダー 2"/>
+          <p:cNvSpPr>
+            <a:spLocks noGrp="1"/>
+          </p:cNvSpPr>
+          <p:nvPr>
+            <p:ph type="body" idx="1"/>
+          </p:nvPr>
+        </p:nvSpPr>
+        <p:spPr/>
+        <p:txBody>
           <a:bodyPr/>
           <a:lstStyle/>
           <a:p>
@@ -1732,7 +1843,7 @@
             <a:fld id="{DB303FA8-A3F3-7640-B13D-36C73B3E5587}" type="slidenum">
               <a:rPr lang="en-US" smtClean="0"/>
               <a:pPr/>
-              <a:t>22</a:t>
+              <a:t>23</a:t>
             </a:fld>
             <a:endParaRPr lang="en-US" dirty="0"/>
           </a:p>
@@ -1742,6 +1853,115 @@
     <p:extLst>
       <p:ext uri="{BB962C8B-B14F-4D97-AF65-F5344CB8AC3E}">
         <p14:creationId xmlns:p14="http://schemas.microsoft.com/office/powerpoint/2010/main" val="307823710"/>
+      </p:ext>
+    </p:extLst>
+  </p:cSld>
+  <p:clrMapOvr>
+    <a:masterClrMapping/>
+  </p:clrMapOvr>
+</p:notes>
+</file>
+
+<file path=ppt/notesSlides/notesSlide19.xml><?xml version="1.0" encoding="utf-8"?>
+<p:notes xmlns:a="http://schemas.openxmlformats.org/drawingml/2006/main" xmlns:r="http://schemas.openxmlformats.org/officeDocument/2006/relationships" xmlns:p="http://schemas.openxmlformats.org/presentationml/2006/main">
+  <p:cSld>
+    <p:spTree>
+      <p:nvGrpSpPr>
+        <p:cNvPr id="1" name=""/>
+        <p:cNvGrpSpPr/>
+        <p:nvPr/>
+      </p:nvGrpSpPr>
+      <p:grpSpPr>
+        <a:xfrm>
+          <a:off x="0" y="0"/>
+          <a:ext cx="0" cy="0"/>
+          <a:chOff x="0" y="0"/>
+          <a:chExt cx="0" cy="0"/>
+        </a:xfrm>
+      </p:grpSpPr>
+      <p:sp>
+        <p:nvSpPr>
+          <p:cNvPr id="2" name="スライド イメージ プレースホルダー 1"/>
+          <p:cNvSpPr>
+            <a:spLocks noGrp="1" noRot="1" noChangeAspect="1"/>
+          </p:cNvSpPr>
+          <p:nvPr>
+            <p:ph type="sldImg"/>
+          </p:nvPr>
+        </p:nvSpPr>
+        <p:spPr/>
+      </p:sp>
+      <p:sp>
+        <p:nvSpPr>
+          <p:cNvPr id="3" name="ノート プレースホルダー 2"/>
+          <p:cNvSpPr>
+            <a:spLocks noGrp="1"/>
+          </p:cNvSpPr>
+          <p:nvPr>
+            <p:ph type="body" idx="1"/>
+          </p:nvPr>
+        </p:nvSpPr>
+        <p:spPr/>
+        <p:txBody>
+          <a:bodyPr/>
+          <a:lstStyle/>
+          <a:p>
+            <a:endParaRPr kumimoji="1" lang="ja-JP" altLang="en-US" dirty="0"/>
+          </a:p>
+        </p:txBody>
+      </p:sp>
+      <p:sp>
+        <p:nvSpPr>
+          <p:cNvPr id="4" name="日付プレースホルダー 3"/>
+          <p:cNvSpPr>
+            <a:spLocks noGrp="1"/>
+          </p:cNvSpPr>
+          <p:nvPr>
+            <p:ph type="dt" idx="1"/>
+          </p:nvPr>
+        </p:nvSpPr>
+        <p:spPr/>
+        <p:txBody>
+          <a:bodyPr/>
+          <a:lstStyle/>
+          <a:p>
+            <a:fld id="{75C12AA9-855C-4BEA-B07F-DB8A0CF7ED54}" type="datetime1">
+              <a:rPr lang="ja-JP" altLang="en-US" smtClean="0"/>
+              <a:pPr/>
+              <a:t>2021/6/25</a:t>
+            </a:fld>
+            <a:endParaRPr lang="en-US" dirty="0"/>
+          </a:p>
+        </p:txBody>
+      </p:sp>
+      <p:sp>
+        <p:nvSpPr>
+          <p:cNvPr id="5" name="スライド番号プレースホルダー 4"/>
+          <p:cNvSpPr>
+            <a:spLocks noGrp="1"/>
+          </p:cNvSpPr>
+          <p:nvPr>
+            <p:ph type="sldNum" sz="quarter" idx="5"/>
+          </p:nvPr>
+        </p:nvSpPr>
+        <p:spPr/>
+        <p:txBody>
+          <a:bodyPr/>
+          <a:lstStyle/>
+          <a:p>
+            <a:fld id="{DB303FA8-A3F3-7640-B13D-36C73B3E5587}" type="slidenum">
+              <a:rPr lang="en-US" smtClean="0"/>
+              <a:pPr/>
+              <a:t>24</a:t>
+            </a:fld>
+            <a:endParaRPr lang="en-US" dirty="0"/>
+          </a:p>
+        </p:txBody>
+      </p:sp>
+    </p:spTree>
+    <p:extLst>
+      <p:ext uri="{BB962C8B-B14F-4D97-AF65-F5344CB8AC3E}">
+        <p14:creationId xmlns:p14="http://schemas.microsoft.com/office/powerpoint/2010/main" val="2474999513"/>
       </p:ext>
     </p:extLst>
   </p:cSld>
@@ -2437,7 +2657,7 @@
     </p:spTree>
     <p:extLst>
       <p:ext uri="{BB962C8B-B14F-4D97-AF65-F5344CB8AC3E}">
-        <p14:creationId xmlns:p14="http://schemas.microsoft.com/office/powerpoint/2010/main" val="1250186234"/>
+        <p14:creationId xmlns:p14="http://schemas.microsoft.com/office/powerpoint/2010/main" val="3215478372"/>
       </p:ext>
     </p:extLst>
   </p:cSld>
@@ -6493,6 +6713,1618 @@
       </p:sp>
       <p:sp>
         <p:nvSpPr>
+          <p:cNvPr id="9" name="正方形/長方形 8">
+            <a:extLst>
+              <a:ext uri="{FF2B5EF4-FFF2-40B4-BE49-F238E27FC236}">
+                <a16:creationId xmlns:a16="http://schemas.microsoft.com/office/drawing/2014/main" id="{D3632E8C-1726-4C0F-8CD1-0C2B8BF96658}"/>
+              </a:ext>
+            </a:extLst>
+          </p:cNvPr>
+          <p:cNvSpPr/>
+          <p:nvPr/>
+        </p:nvSpPr>
+        <p:spPr>
+          <a:xfrm>
+            <a:off x="-4914" y="2469737"/>
+            <a:ext cx="5603822" cy="4019553"/>
+          </a:xfrm>
+          <a:prstGeom prst="rect">
+            <a:avLst/>
+          </a:prstGeom>
+          <a:solidFill>
+            <a:srgbClr val="FFFFFF"/>
+          </a:solidFill>
+          <a:ln w="38100">
+            <a:solidFill>
+              <a:schemeClr val="bg1">
+                <a:lumMod val="90000"/>
+              </a:schemeClr>
+            </a:solidFill>
+          </a:ln>
+        </p:spPr>
+        <p:style>
+          <a:lnRef idx="2">
+            <a:schemeClr val="accent1">
+              <a:shade val="50000"/>
+            </a:schemeClr>
+          </a:lnRef>
+          <a:fillRef idx="1">
+            <a:schemeClr val="accent1"/>
+          </a:fillRef>
+          <a:effectRef idx="0">
+            <a:schemeClr val="accent1"/>
+          </a:effectRef>
+          <a:fontRef idx="minor">
+            <a:schemeClr val="lt1"/>
+          </a:fontRef>
+        </p:style>
+        <p:txBody>
+          <a:bodyPr rtlCol="0" anchor="t" anchorCtr="0"/>
+          <a:lstStyle/>
+          <a:p>
+            <a:pPr algn="ctr"/>
+            <a:endParaRPr kumimoji="1" lang="ja-JP" altLang="en-US" dirty="0"/>
+          </a:p>
+        </p:txBody>
+      </p:sp>
+      <p:sp>
+        <p:nvSpPr>
+          <p:cNvPr id="10" name="正方形/長方形 9">
+            <a:extLst>
+              <a:ext uri="{FF2B5EF4-FFF2-40B4-BE49-F238E27FC236}">
+                <a16:creationId xmlns:a16="http://schemas.microsoft.com/office/drawing/2014/main" id="{6F6A5D1A-3101-441B-8F93-BEB8C440C7ED}"/>
+              </a:ext>
+            </a:extLst>
+          </p:cNvPr>
+          <p:cNvSpPr/>
+          <p:nvPr/>
+        </p:nvSpPr>
+        <p:spPr>
+          <a:xfrm>
+            <a:off x="6593093" y="2469736"/>
+            <a:ext cx="5598908" cy="4019553"/>
+          </a:xfrm>
+          <a:prstGeom prst="rect">
+            <a:avLst/>
+          </a:prstGeom>
+          <a:solidFill>
+            <a:srgbClr val="FFFFFF"/>
+          </a:solidFill>
+          <a:ln w="38100">
+            <a:solidFill>
+              <a:schemeClr val="bg1">
+                <a:lumMod val="90000"/>
+              </a:schemeClr>
+            </a:solidFill>
+          </a:ln>
+        </p:spPr>
+        <p:style>
+          <a:lnRef idx="2">
+            <a:schemeClr val="accent1">
+              <a:shade val="50000"/>
+            </a:schemeClr>
+          </a:lnRef>
+          <a:fillRef idx="1">
+            <a:schemeClr val="accent1"/>
+          </a:fillRef>
+          <a:effectRef idx="0">
+            <a:schemeClr val="accent1"/>
+          </a:effectRef>
+          <a:fontRef idx="minor">
+            <a:schemeClr val="lt1"/>
+          </a:fontRef>
+        </p:style>
+        <p:txBody>
+          <a:bodyPr rtlCol="0" anchor="ctr"/>
+          <a:lstStyle/>
+          <a:p>
+            <a:pPr algn="ctr"/>
+            <a:r>
+              <a:rPr kumimoji="1" lang="ja-JP" altLang="en-US" sz="2800" dirty="0">
+                <a:solidFill>
+                  <a:schemeClr val="tx1"/>
+                </a:solidFill>
+              </a:rPr>
+              <a:t>受講生同士の気軽な教え合い</a:t>
+            </a:r>
+            <a:endParaRPr kumimoji="1" lang="en-US" altLang="ja-JP" sz="2800" dirty="0">
+              <a:solidFill>
+                <a:schemeClr val="tx1"/>
+              </a:solidFill>
+            </a:endParaRPr>
+          </a:p>
+          <a:p>
+            <a:pPr algn="ctr"/>
+            <a:endParaRPr kumimoji="1" lang="en-US" altLang="ja-JP" sz="2800" dirty="0">
+              <a:solidFill>
+                <a:schemeClr val="tx1"/>
+              </a:solidFill>
+            </a:endParaRPr>
+          </a:p>
+          <a:p>
+            <a:pPr algn="ctr"/>
+            <a:r>
+              <a:rPr kumimoji="1" lang="ja-JP" altLang="en-US" sz="2800" dirty="0">
+                <a:solidFill>
+                  <a:schemeClr val="tx1"/>
+                </a:solidFill>
+              </a:rPr>
+              <a:t>いろんな人のノートを見て</a:t>
+            </a:r>
+            <a:endParaRPr kumimoji="1" lang="en-US" altLang="ja-JP" sz="2800" dirty="0">
+              <a:solidFill>
+                <a:schemeClr val="tx1"/>
+              </a:solidFill>
+            </a:endParaRPr>
+          </a:p>
+          <a:p>
+            <a:pPr algn="ctr"/>
+            <a:r>
+              <a:rPr kumimoji="1" lang="ja-JP" altLang="en-US" sz="2800" dirty="0">
+                <a:solidFill>
+                  <a:schemeClr val="tx1"/>
+                </a:solidFill>
+              </a:rPr>
+              <a:t>学びを深められる</a:t>
+            </a:r>
+            <a:endParaRPr kumimoji="1" lang="en-US" altLang="ja-JP" sz="2800" dirty="0">
+              <a:solidFill>
+                <a:schemeClr val="tx1"/>
+              </a:solidFill>
+            </a:endParaRPr>
+          </a:p>
+          <a:p>
+            <a:pPr algn="ctr"/>
+            <a:endParaRPr kumimoji="1" lang="en-US" altLang="ja-JP" sz="2800" dirty="0">
+              <a:solidFill>
+                <a:schemeClr val="tx1"/>
+              </a:solidFill>
+            </a:endParaRPr>
+          </a:p>
+          <a:p>
+            <a:pPr algn="ctr"/>
+            <a:r>
+              <a:rPr kumimoji="1" lang="ja-JP" altLang="en-US" sz="2800" dirty="0">
+                <a:solidFill>
+                  <a:schemeClr val="tx1"/>
+                </a:solidFill>
+              </a:rPr>
+              <a:t>ついでにノートの管理もできる　</a:t>
+            </a:r>
+          </a:p>
+        </p:txBody>
+      </p:sp>
+      <p:sp>
+        <p:nvSpPr>
+          <p:cNvPr id="13" name="コンテンツ プレースホルダー 2">
+            <a:extLst>
+              <a:ext uri="{FF2B5EF4-FFF2-40B4-BE49-F238E27FC236}">
+                <a16:creationId xmlns:a16="http://schemas.microsoft.com/office/drawing/2014/main" id="{0C1467D4-8113-4AC5-9950-6856343C3612}"/>
+              </a:ext>
+            </a:extLst>
+          </p:cNvPr>
+          <p:cNvSpPr txBox="1">
+            <a:spLocks/>
+          </p:cNvSpPr>
+          <p:nvPr/>
+        </p:nvSpPr>
+        <p:spPr>
+          <a:xfrm>
+            <a:off x="0" y="2469738"/>
+            <a:ext cx="5846164" cy="4019552"/>
+          </a:xfrm>
+          <a:prstGeom prst="rect">
+            <a:avLst/>
+          </a:prstGeom>
+        </p:spPr>
+        <p:txBody>
+          <a:bodyPr vert="horz" lIns="91440" tIns="45720" rIns="91440" bIns="45720" rtlCol="0" anchor="t" anchorCtr="0">
+            <a:normAutofit/>
+          </a:bodyPr>
+          <a:lstStyle>
+            <a:lvl1pPr marL="228600" indent="-228600" algn="l" defTabSz="914400" rtl="0" eaLnBrk="1" latinLnBrk="0" hangingPunct="1">
+              <a:lnSpc>
+                <a:spcPct val="150000"/>
+              </a:lnSpc>
+              <a:spcBef>
+                <a:spcPts val="1500"/>
+              </a:spcBef>
+              <a:buClr>
+                <a:schemeClr val="accent2"/>
+              </a:buClr>
+              <a:buFont typeface="Wingdings" panose="05000000000000000000" pitchFamily="2" charset="2"/>
+              <a:buChar char="§"/>
+              <a:defRPr kumimoji="1" sz="1500" kern="1200" spc="150" baseline="0">
+                <a:solidFill>
+                  <a:schemeClr val="tx1"/>
+                </a:solidFill>
+                <a:latin typeface="+mj-lt"/>
+                <a:ea typeface="Meiryo UI" panose="020B0604030504040204" pitchFamily="34" charset="-128"/>
+                <a:cs typeface="+mn-cs"/>
+              </a:defRPr>
+            </a:lvl1pPr>
+            <a:lvl2pPr marL="685800" indent="-228600" algn="l" defTabSz="914400" rtl="0" eaLnBrk="1" latinLnBrk="0" hangingPunct="1">
+              <a:lnSpc>
+                <a:spcPct val="150000"/>
+              </a:lnSpc>
+              <a:spcBef>
+                <a:spcPts val="500"/>
+              </a:spcBef>
+              <a:buClr>
+                <a:schemeClr val="accent2"/>
+              </a:buClr>
+              <a:buFont typeface="Wingdings" panose="05000000000000000000" pitchFamily="2" charset="2"/>
+              <a:buChar char="§"/>
+              <a:defRPr kumimoji="1" sz="1500" kern="1200" spc="150" baseline="0">
+                <a:solidFill>
+                  <a:schemeClr val="tx1"/>
+                </a:solidFill>
+                <a:latin typeface="+mj-lt"/>
+                <a:ea typeface="Meiryo UI" panose="020B0604030504040204" pitchFamily="34" charset="-128"/>
+                <a:cs typeface="+mn-cs"/>
+              </a:defRPr>
+            </a:lvl2pPr>
+            <a:lvl3pPr marL="1143000" indent="-228600" algn="l" defTabSz="914400" rtl="0" eaLnBrk="1" latinLnBrk="0" hangingPunct="1">
+              <a:lnSpc>
+                <a:spcPct val="150000"/>
+              </a:lnSpc>
+              <a:spcBef>
+                <a:spcPts val="500"/>
+              </a:spcBef>
+              <a:buClr>
+                <a:schemeClr val="accent2"/>
+              </a:buClr>
+              <a:buFont typeface="Wingdings" panose="05000000000000000000" pitchFamily="2" charset="2"/>
+              <a:buChar char="§"/>
+              <a:defRPr kumimoji="1" sz="1400" kern="1200" spc="150" baseline="0">
+                <a:solidFill>
+                  <a:schemeClr val="tx1"/>
+                </a:solidFill>
+                <a:latin typeface="+mj-lt"/>
+                <a:ea typeface="Meiryo UI" panose="020B0604030504040204" pitchFamily="34" charset="-128"/>
+                <a:cs typeface="+mn-cs"/>
+              </a:defRPr>
+            </a:lvl3pPr>
+            <a:lvl4pPr marL="1600200" indent="-228600" algn="l" defTabSz="914400" rtl="0" eaLnBrk="1" latinLnBrk="0" hangingPunct="1">
+              <a:lnSpc>
+                <a:spcPct val="150000"/>
+              </a:lnSpc>
+              <a:spcBef>
+                <a:spcPts val="500"/>
+              </a:spcBef>
+              <a:buClr>
+                <a:schemeClr val="accent2"/>
+              </a:buClr>
+              <a:buFont typeface="Wingdings" panose="05000000000000000000" pitchFamily="2" charset="2"/>
+              <a:buChar char="§"/>
+              <a:defRPr kumimoji="1" sz="1400" kern="1200" spc="150" baseline="0">
+                <a:solidFill>
+                  <a:schemeClr val="tx1"/>
+                </a:solidFill>
+                <a:latin typeface="+mj-lt"/>
+                <a:ea typeface="Meiryo UI" panose="020B0604030504040204" pitchFamily="34" charset="-128"/>
+                <a:cs typeface="+mn-cs"/>
+              </a:defRPr>
+            </a:lvl4pPr>
+            <a:lvl5pPr marL="2057400" indent="-228600" algn="l" defTabSz="914400" rtl="0" eaLnBrk="1" latinLnBrk="0" hangingPunct="1">
+              <a:lnSpc>
+                <a:spcPct val="150000"/>
+              </a:lnSpc>
+              <a:spcBef>
+                <a:spcPts val="500"/>
+              </a:spcBef>
+              <a:buClr>
+                <a:schemeClr val="accent2"/>
+              </a:buClr>
+              <a:buFont typeface="Wingdings" panose="05000000000000000000" pitchFamily="2" charset="2"/>
+              <a:buChar char="§"/>
+              <a:defRPr kumimoji="1" sz="1400" kern="1200" spc="150" baseline="0">
+                <a:solidFill>
+                  <a:schemeClr val="tx1"/>
+                </a:solidFill>
+                <a:latin typeface="+mj-lt"/>
+                <a:ea typeface="Meiryo UI" panose="020B0604030504040204" pitchFamily="34" charset="-128"/>
+                <a:cs typeface="+mn-cs"/>
+              </a:defRPr>
+            </a:lvl5pPr>
+            <a:lvl6pPr marL="2514600" indent="-228600" algn="l" defTabSz="914400" rtl="0" eaLnBrk="1" latinLnBrk="0" hangingPunct="1">
+              <a:lnSpc>
+                <a:spcPct val="90000"/>
+              </a:lnSpc>
+              <a:spcBef>
+                <a:spcPts val="500"/>
+              </a:spcBef>
+              <a:buFont typeface="Arial" panose="020B0604020202020204" pitchFamily="34" charset="0"/>
+              <a:buChar char="•"/>
+              <a:defRPr kumimoji="1" sz="1800" kern="1200">
+                <a:solidFill>
+                  <a:schemeClr val="tx1"/>
+                </a:solidFill>
+                <a:latin typeface="+mn-lt"/>
+                <a:ea typeface="+mn-ea"/>
+                <a:cs typeface="+mn-cs"/>
+              </a:defRPr>
+            </a:lvl6pPr>
+            <a:lvl7pPr marL="2971800" indent="-228600" algn="l" defTabSz="914400" rtl="0" eaLnBrk="1" latinLnBrk="0" hangingPunct="1">
+              <a:lnSpc>
+                <a:spcPct val="90000"/>
+              </a:lnSpc>
+              <a:spcBef>
+                <a:spcPts val="500"/>
+              </a:spcBef>
+              <a:buFont typeface="Arial" panose="020B0604020202020204" pitchFamily="34" charset="0"/>
+              <a:buChar char="•"/>
+              <a:defRPr kumimoji="1" sz="1800" kern="1200">
+                <a:solidFill>
+                  <a:schemeClr val="tx1"/>
+                </a:solidFill>
+                <a:latin typeface="+mn-lt"/>
+                <a:ea typeface="+mn-ea"/>
+                <a:cs typeface="+mn-cs"/>
+              </a:defRPr>
+            </a:lvl7pPr>
+            <a:lvl8pPr marL="3429000" indent="-228600" algn="l" defTabSz="914400" rtl="0" eaLnBrk="1" latinLnBrk="0" hangingPunct="1">
+              <a:lnSpc>
+                <a:spcPct val="90000"/>
+              </a:lnSpc>
+              <a:spcBef>
+                <a:spcPts val="500"/>
+              </a:spcBef>
+              <a:buFont typeface="Arial" panose="020B0604020202020204" pitchFamily="34" charset="0"/>
+              <a:buChar char="•"/>
+              <a:defRPr kumimoji="1" sz="1800" kern="1200">
+                <a:solidFill>
+                  <a:schemeClr val="tx1"/>
+                </a:solidFill>
+                <a:latin typeface="+mn-lt"/>
+                <a:ea typeface="+mn-ea"/>
+                <a:cs typeface="+mn-cs"/>
+              </a:defRPr>
+            </a:lvl8pPr>
+            <a:lvl9pPr marL="3886200" indent="-228600" algn="l" defTabSz="914400" rtl="0" eaLnBrk="1" latinLnBrk="0" hangingPunct="1">
+              <a:lnSpc>
+                <a:spcPct val="90000"/>
+              </a:lnSpc>
+              <a:spcBef>
+                <a:spcPts val="500"/>
+              </a:spcBef>
+              <a:buFont typeface="Arial" panose="020B0604020202020204" pitchFamily="34" charset="0"/>
+              <a:buChar char="•"/>
+              <a:defRPr kumimoji="1" sz="1800" kern="1200">
+                <a:solidFill>
+                  <a:schemeClr val="tx1"/>
+                </a:solidFill>
+                <a:latin typeface="+mn-lt"/>
+                <a:ea typeface="+mn-ea"/>
+                <a:cs typeface="+mn-cs"/>
+              </a:defRPr>
+            </a:lvl9pPr>
+          </a:lstStyle>
+          <a:p>
+            <a:pPr marL="0" indent="0" algn="ctr">
+              <a:lnSpc>
+                <a:spcPct val="100000"/>
+              </a:lnSpc>
+              <a:buFont typeface="Wingdings" panose="05000000000000000000" pitchFamily="2" charset="2"/>
+              <a:buNone/>
+            </a:pPr>
+            <a:endParaRPr lang="en-US" altLang="ja-JP" sz="1800" dirty="0"/>
+          </a:p>
+          <a:p>
+            <a:pPr marL="0" indent="0" algn="ctr">
+              <a:lnSpc>
+                <a:spcPct val="100000"/>
+              </a:lnSpc>
+              <a:buFont typeface="Wingdings" panose="05000000000000000000" pitchFamily="2" charset="2"/>
+              <a:buNone/>
+            </a:pPr>
+            <a:r>
+              <a:rPr lang="ja-JP" altLang="en-US" sz="2800" b="1" dirty="0"/>
+              <a:t>オンライン研修では</a:t>
+            </a:r>
+            <a:r>
+              <a:rPr lang="en-US" altLang="ja-JP" sz="2800" b="1" dirty="0"/>
+              <a:t>…</a:t>
+            </a:r>
+          </a:p>
+        </p:txBody>
+      </p:sp>
+      <p:sp>
+        <p:nvSpPr>
+          <p:cNvPr id="14" name="四角形: 対角を切り取る 13">
+            <a:extLst>
+              <a:ext uri="{FF2B5EF4-FFF2-40B4-BE49-F238E27FC236}">
+                <a16:creationId xmlns:a16="http://schemas.microsoft.com/office/drawing/2014/main" id="{C9B1494C-7CF6-4583-80DD-38E673F2C82F}"/>
+              </a:ext>
+            </a:extLst>
+          </p:cNvPr>
+          <p:cNvSpPr/>
+          <p:nvPr/>
+        </p:nvSpPr>
+        <p:spPr>
+          <a:xfrm>
+            <a:off x="180054" y="2009122"/>
+            <a:ext cx="1737236" cy="693174"/>
+          </a:xfrm>
+          <a:prstGeom prst="snip2DiagRect">
+            <a:avLst/>
+          </a:prstGeom>
+          <a:solidFill>
+            <a:schemeClr val="accent4"/>
+          </a:solidFill>
+          <a:ln w="28575">
+            <a:solidFill>
+              <a:schemeClr val="accent4">
+                <a:lumMod val="50000"/>
+              </a:schemeClr>
+            </a:solidFill>
+            <a:prstDash val="dash"/>
+          </a:ln>
+        </p:spPr>
+        <p:style>
+          <a:lnRef idx="2">
+            <a:schemeClr val="accent1">
+              <a:shade val="50000"/>
+            </a:schemeClr>
+          </a:lnRef>
+          <a:fillRef idx="1">
+            <a:schemeClr val="accent1"/>
+          </a:fillRef>
+          <a:effectRef idx="0">
+            <a:schemeClr val="accent1"/>
+          </a:effectRef>
+          <a:fontRef idx="minor">
+            <a:schemeClr val="lt1"/>
+          </a:fontRef>
+        </p:style>
+        <p:txBody>
+          <a:bodyPr rtlCol="0" anchor="ctr"/>
+          <a:lstStyle/>
+          <a:p>
+            <a:pPr algn="ctr"/>
+            <a:r>
+              <a:rPr kumimoji="1" lang="ja-JP" altLang="en-US" sz="2800" dirty="0">
+                <a:solidFill>
+                  <a:schemeClr val="tx1"/>
+                </a:solidFill>
+              </a:rPr>
+              <a:t>背景</a:t>
+            </a:r>
+          </a:p>
+        </p:txBody>
+      </p:sp>
+      <p:sp>
+        <p:nvSpPr>
+          <p:cNvPr id="16" name="コンテンツ プレースホルダー 2">
+            <a:extLst>
+              <a:ext uri="{FF2B5EF4-FFF2-40B4-BE49-F238E27FC236}">
+                <a16:creationId xmlns:a16="http://schemas.microsoft.com/office/drawing/2014/main" id="{597C62F6-2443-4C2A-873D-BF3210EB1754}"/>
+              </a:ext>
+            </a:extLst>
+          </p:cNvPr>
+          <p:cNvSpPr txBox="1">
+            <a:spLocks/>
+          </p:cNvSpPr>
+          <p:nvPr/>
+        </p:nvSpPr>
+        <p:spPr>
+          <a:xfrm>
+            <a:off x="6310859" y="2469738"/>
+            <a:ext cx="5886056" cy="4019552"/>
+          </a:xfrm>
+          <a:prstGeom prst="rect">
+            <a:avLst/>
+          </a:prstGeom>
+        </p:spPr>
+        <p:txBody>
+          <a:bodyPr vert="horz" lIns="91440" tIns="45720" rIns="91440" bIns="45720" rtlCol="0" anchor="ctr" anchorCtr="0">
+            <a:normAutofit/>
+          </a:bodyPr>
+          <a:lstStyle>
+            <a:lvl1pPr marL="228600" indent="-228600" algn="l" defTabSz="914400" rtl="0" eaLnBrk="1" latinLnBrk="0" hangingPunct="1">
+              <a:lnSpc>
+                <a:spcPct val="150000"/>
+              </a:lnSpc>
+              <a:spcBef>
+                <a:spcPts val="1500"/>
+              </a:spcBef>
+              <a:buClr>
+                <a:schemeClr val="accent2"/>
+              </a:buClr>
+              <a:buFont typeface="Wingdings" panose="05000000000000000000" pitchFamily="2" charset="2"/>
+              <a:buChar char="§"/>
+              <a:defRPr kumimoji="1" sz="1500" kern="1200" spc="150" baseline="0">
+                <a:solidFill>
+                  <a:schemeClr val="tx1"/>
+                </a:solidFill>
+                <a:latin typeface="+mj-lt"/>
+                <a:ea typeface="Meiryo UI" panose="020B0604030504040204" pitchFamily="34" charset="-128"/>
+                <a:cs typeface="+mn-cs"/>
+              </a:defRPr>
+            </a:lvl1pPr>
+            <a:lvl2pPr marL="685800" indent="-228600" algn="l" defTabSz="914400" rtl="0" eaLnBrk="1" latinLnBrk="0" hangingPunct="1">
+              <a:lnSpc>
+                <a:spcPct val="150000"/>
+              </a:lnSpc>
+              <a:spcBef>
+                <a:spcPts val="500"/>
+              </a:spcBef>
+              <a:buClr>
+                <a:schemeClr val="accent2"/>
+              </a:buClr>
+              <a:buFont typeface="Wingdings" panose="05000000000000000000" pitchFamily="2" charset="2"/>
+              <a:buChar char="§"/>
+              <a:defRPr kumimoji="1" sz="1500" kern="1200" spc="150" baseline="0">
+                <a:solidFill>
+                  <a:schemeClr val="tx1"/>
+                </a:solidFill>
+                <a:latin typeface="+mj-lt"/>
+                <a:ea typeface="Meiryo UI" panose="020B0604030504040204" pitchFamily="34" charset="-128"/>
+                <a:cs typeface="+mn-cs"/>
+              </a:defRPr>
+            </a:lvl2pPr>
+            <a:lvl3pPr marL="1143000" indent="-228600" algn="l" defTabSz="914400" rtl="0" eaLnBrk="1" latinLnBrk="0" hangingPunct="1">
+              <a:lnSpc>
+                <a:spcPct val="150000"/>
+              </a:lnSpc>
+              <a:spcBef>
+                <a:spcPts val="500"/>
+              </a:spcBef>
+              <a:buClr>
+                <a:schemeClr val="accent2"/>
+              </a:buClr>
+              <a:buFont typeface="Wingdings" panose="05000000000000000000" pitchFamily="2" charset="2"/>
+              <a:buChar char="§"/>
+              <a:defRPr kumimoji="1" sz="1400" kern="1200" spc="150" baseline="0">
+                <a:solidFill>
+                  <a:schemeClr val="tx1"/>
+                </a:solidFill>
+                <a:latin typeface="+mj-lt"/>
+                <a:ea typeface="Meiryo UI" panose="020B0604030504040204" pitchFamily="34" charset="-128"/>
+                <a:cs typeface="+mn-cs"/>
+              </a:defRPr>
+            </a:lvl3pPr>
+            <a:lvl4pPr marL="1600200" indent="-228600" algn="l" defTabSz="914400" rtl="0" eaLnBrk="1" latinLnBrk="0" hangingPunct="1">
+              <a:lnSpc>
+                <a:spcPct val="150000"/>
+              </a:lnSpc>
+              <a:spcBef>
+                <a:spcPts val="500"/>
+              </a:spcBef>
+              <a:buClr>
+                <a:schemeClr val="accent2"/>
+              </a:buClr>
+              <a:buFont typeface="Wingdings" panose="05000000000000000000" pitchFamily="2" charset="2"/>
+              <a:buChar char="§"/>
+              <a:defRPr kumimoji="1" sz="1400" kern="1200" spc="150" baseline="0">
+                <a:solidFill>
+                  <a:schemeClr val="tx1"/>
+                </a:solidFill>
+                <a:latin typeface="+mj-lt"/>
+                <a:ea typeface="Meiryo UI" panose="020B0604030504040204" pitchFamily="34" charset="-128"/>
+                <a:cs typeface="+mn-cs"/>
+              </a:defRPr>
+            </a:lvl4pPr>
+            <a:lvl5pPr marL="2057400" indent="-228600" algn="l" defTabSz="914400" rtl="0" eaLnBrk="1" latinLnBrk="0" hangingPunct="1">
+              <a:lnSpc>
+                <a:spcPct val="150000"/>
+              </a:lnSpc>
+              <a:spcBef>
+                <a:spcPts val="500"/>
+              </a:spcBef>
+              <a:buClr>
+                <a:schemeClr val="accent2"/>
+              </a:buClr>
+              <a:buFont typeface="Wingdings" panose="05000000000000000000" pitchFamily="2" charset="2"/>
+              <a:buChar char="§"/>
+              <a:defRPr kumimoji="1" sz="1400" kern="1200" spc="150" baseline="0">
+                <a:solidFill>
+                  <a:schemeClr val="tx1"/>
+                </a:solidFill>
+                <a:latin typeface="+mj-lt"/>
+                <a:ea typeface="Meiryo UI" panose="020B0604030504040204" pitchFamily="34" charset="-128"/>
+                <a:cs typeface="+mn-cs"/>
+              </a:defRPr>
+            </a:lvl5pPr>
+            <a:lvl6pPr marL="2514600" indent="-228600" algn="l" defTabSz="914400" rtl="0" eaLnBrk="1" latinLnBrk="0" hangingPunct="1">
+              <a:lnSpc>
+                <a:spcPct val="90000"/>
+              </a:lnSpc>
+              <a:spcBef>
+                <a:spcPts val="500"/>
+              </a:spcBef>
+              <a:buFont typeface="Arial" panose="020B0604020202020204" pitchFamily="34" charset="0"/>
+              <a:buChar char="•"/>
+              <a:defRPr kumimoji="1" sz="1800" kern="1200">
+                <a:solidFill>
+                  <a:schemeClr val="tx1"/>
+                </a:solidFill>
+                <a:latin typeface="+mn-lt"/>
+                <a:ea typeface="+mn-ea"/>
+                <a:cs typeface="+mn-cs"/>
+              </a:defRPr>
+            </a:lvl6pPr>
+            <a:lvl7pPr marL="2971800" indent="-228600" algn="l" defTabSz="914400" rtl="0" eaLnBrk="1" latinLnBrk="0" hangingPunct="1">
+              <a:lnSpc>
+                <a:spcPct val="90000"/>
+              </a:lnSpc>
+              <a:spcBef>
+                <a:spcPts val="500"/>
+              </a:spcBef>
+              <a:buFont typeface="Arial" panose="020B0604020202020204" pitchFamily="34" charset="0"/>
+              <a:buChar char="•"/>
+              <a:defRPr kumimoji="1" sz="1800" kern="1200">
+                <a:solidFill>
+                  <a:schemeClr val="tx1"/>
+                </a:solidFill>
+                <a:latin typeface="+mn-lt"/>
+                <a:ea typeface="+mn-ea"/>
+                <a:cs typeface="+mn-cs"/>
+              </a:defRPr>
+            </a:lvl7pPr>
+            <a:lvl8pPr marL="3429000" indent="-228600" algn="l" defTabSz="914400" rtl="0" eaLnBrk="1" latinLnBrk="0" hangingPunct="1">
+              <a:lnSpc>
+                <a:spcPct val="90000"/>
+              </a:lnSpc>
+              <a:spcBef>
+                <a:spcPts val="500"/>
+              </a:spcBef>
+              <a:buFont typeface="Arial" panose="020B0604020202020204" pitchFamily="34" charset="0"/>
+              <a:buChar char="•"/>
+              <a:defRPr kumimoji="1" sz="1800" kern="1200">
+                <a:solidFill>
+                  <a:schemeClr val="tx1"/>
+                </a:solidFill>
+                <a:latin typeface="+mn-lt"/>
+                <a:ea typeface="+mn-ea"/>
+                <a:cs typeface="+mn-cs"/>
+              </a:defRPr>
+            </a:lvl8pPr>
+            <a:lvl9pPr marL="3886200" indent="-228600" algn="l" defTabSz="914400" rtl="0" eaLnBrk="1" latinLnBrk="0" hangingPunct="1">
+              <a:lnSpc>
+                <a:spcPct val="90000"/>
+              </a:lnSpc>
+              <a:spcBef>
+                <a:spcPts val="500"/>
+              </a:spcBef>
+              <a:buFont typeface="Arial" panose="020B0604020202020204" pitchFamily="34" charset="0"/>
+              <a:buChar char="•"/>
+              <a:defRPr kumimoji="1" sz="1800" kern="1200">
+                <a:solidFill>
+                  <a:schemeClr val="tx1"/>
+                </a:solidFill>
+                <a:latin typeface="+mn-lt"/>
+                <a:ea typeface="+mn-ea"/>
+                <a:cs typeface="+mn-cs"/>
+              </a:defRPr>
+            </a:lvl9pPr>
+          </a:lstStyle>
+          <a:p>
+            <a:pPr marL="0" indent="0" algn="ctr">
+              <a:lnSpc>
+                <a:spcPct val="100000"/>
+              </a:lnSpc>
+              <a:buFont typeface="Wingdings" panose="05000000000000000000" pitchFamily="2" charset="2"/>
+              <a:buNone/>
+            </a:pPr>
+            <a:endParaRPr lang="en-US" altLang="ja-JP" sz="2400" dirty="0"/>
+          </a:p>
+        </p:txBody>
+      </p:sp>
+      <p:sp>
+        <p:nvSpPr>
+          <p:cNvPr id="19" name="タイトル 1">
+            <a:extLst>
+              <a:ext uri="{FF2B5EF4-FFF2-40B4-BE49-F238E27FC236}">
+                <a16:creationId xmlns:a16="http://schemas.microsoft.com/office/drawing/2014/main" id="{E9EF7A90-A4FF-4A5D-A7C9-DB981020436A}"/>
+              </a:ext>
+            </a:extLst>
+          </p:cNvPr>
+          <p:cNvSpPr>
+            <a:spLocks noGrp="1"/>
+          </p:cNvSpPr>
+          <p:nvPr>
+            <p:ph type="title"/>
+          </p:nvPr>
+        </p:nvSpPr>
+        <p:spPr>
+          <a:xfrm>
+            <a:off x="1378975" y="483440"/>
+            <a:ext cx="10164876" cy="583800"/>
+          </a:xfrm>
+        </p:spPr>
+        <p:txBody>
+          <a:bodyPr rtlCol="0"/>
+          <a:lstStyle/>
+          <a:p>
+            <a:pPr rtl="0"/>
+            <a:r>
+              <a:rPr lang="ja-JP" altLang="en-US" sz="3200" b="0" dirty="0"/>
+              <a:t>システムについて</a:t>
+            </a:r>
+            <a:endParaRPr lang="ja" sz="3200" b="0" dirty="0"/>
+          </a:p>
+        </p:txBody>
+      </p:sp>
+      <p:pic>
+        <p:nvPicPr>
+          <p:cNvPr id="20" name="グラフィックス 19" descr="地球: 南北アメリカ 単色塗りつぶし">
+            <a:extLst>
+              <a:ext uri="{FF2B5EF4-FFF2-40B4-BE49-F238E27FC236}">
+                <a16:creationId xmlns:a16="http://schemas.microsoft.com/office/drawing/2014/main" id="{1F28D181-57FD-4254-AE4F-CA1F75985BB3}"/>
+              </a:ext>
+            </a:extLst>
+          </p:cNvPr>
+          <p:cNvPicPr>
+            <a:picLocks noChangeAspect="1"/>
+          </p:cNvPicPr>
+          <p:nvPr/>
+        </p:nvPicPr>
+        <p:blipFill>
+          <a:blip r:embed="rId3">
+            <a:extLst>
+              <a:ext uri="{96DAC541-7B7A-43D3-8B79-37D633B846F1}">
+                <asvg:svgBlip xmlns:asvg="http://schemas.microsoft.com/office/drawing/2016/SVG/main" r:embed="rId4"/>
+              </a:ext>
+            </a:extLst>
+          </a:blip>
+          <a:stretch>
+            <a:fillRect/>
+          </a:stretch>
+        </p:blipFill>
+        <p:spPr>
+          <a:xfrm>
+            <a:off x="599052" y="385379"/>
+            <a:ext cx="779922" cy="779922"/>
+          </a:xfrm>
+          <a:prstGeom prst="rect">
+            <a:avLst/>
+          </a:prstGeom>
+        </p:spPr>
+      </p:pic>
+      <p:sp>
+        <p:nvSpPr>
+          <p:cNvPr id="8" name="吹き出し: 角を丸めた四角形 7">
+            <a:extLst>
+              <a:ext uri="{FF2B5EF4-FFF2-40B4-BE49-F238E27FC236}">
+                <a16:creationId xmlns:a16="http://schemas.microsoft.com/office/drawing/2014/main" id="{BF79CD7B-4DC8-42F7-83D5-78E5E816766E}"/>
+              </a:ext>
+            </a:extLst>
+          </p:cNvPr>
+          <p:cNvSpPr/>
+          <p:nvPr/>
+        </p:nvSpPr>
+        <p:spPr>
+          <a:xfrm>
+            <a:off x="608413" y="3758799"/>
+            <a:ext cx="4629337" cy="1090763"/>
+          </a:xfrm>
+          <a:prstGeom prst="wedgeRoundRectCallout">
+            <a:avLst>
+              <a:gd name="adj1" fmla="val -61288"/>
+              <a:gd name="adj2" fmla="val 34840"/>
+              <a:gd name="adj3" fmla="val 16667"/>
+            </a:avLst>
+          </a:prstGeom>
+          <a:solidFill>
+            <a:srgbClr val="FEFBF5"/>
+          </a:solidFill>
+          <a:ln w="28575">
+            <a:solidFill>
+              <a:schemeClr val="bg2">
+                <a:lumMod val="75000"/>
+              </a:schemeClr>
+            </a:solidFill>
+          </a:ln>
+        </p:spPr>
+        <p:style>
+          <a:lnRef idx="2">
+            <a:schemeClr val="accent1">
+              <a:shade val="50000"/>
+            </a:schemeClr>
+          </a:lnRef>
+          <a:fillRef idx="1">
+            <a:schemeClr val="accent1"/>
+          </a:fillRef>
+          <a:effectRef idx="0">
+            <a:schemeClr val="accent1"/>
+          </a:effectRef>
+          <a:fontRef idx="minor">
+            <a:schemeClr val="lt1"/>
+          </a:fontRef>
+        </p:style>
+        <p:txBody>
+          <a:bodyPr rtlCol="0" anchor="ctr"/>
+          <a:lstStyle/>
+          <a:p>
+            <a:pPr algn="ctr">
+              <a:lnSpc>
+                <a:spcPct val="150000"/>
+              </a:lnSpc>
+            </a:pPr>
+            <a:r>
+              <a:rPr kumimoji="1" lang="ja-JP" altLang="en-US" dirty="0">
+                <a:solidFill>
+                  <a:sysClr val="windowText" lastClr="000000"/>
+                </a:solidFill>
+              </a:rPr>
+              <a:t>「教えてほしい」　「教えてあげたい」</a:t>
+            </a:r>
+            <a:endParaRPr kumimoji="1" lang="en-US" altLang="ja-JP" dirty="0">
+              <a:solidFill>
+                <a:sysClr val="windowText" lastClr="000000"/>
+              </a:solidFill>
+            </a:endParaRPr>
+          </a:p>
+          <a:p>
+            <a:pPr algn="ctr">
+              <a:lnSpc>
+                <a:spcPct val="150000"/>
+              </a:lnSpc>
+            </a:pPr>
+            <a:r>
+              <a:rPr kumimoji="1" lang="ja-JP" altLang="en-US" dirty="0">
+                <a:solidFill>
+                  <a:sysClr val="windowText" lastClr="000000"/>
+                </a:solidFill>
+              </a:rPr>
+              <a:t>が　</a:t>
+            </a:r>
+            <a:r>
+              <a:rPr kumimoji="1" lang="ja-JP" altLang="en-US" sz="2000" b="1" dirty="0">
+                <a:solidFill>
+                  <a:sysClr val="windowText" lastClr="000000"/>
+                </a:solidFill>
+              </a:rPr>
+              <a:t>言いにくい！</a:t>
+            </a:r>
+            <a:endParaRPr kumimoji="1" lang="en-US" altLang="ja-JP" b="1" dirty="0">
+              <a:solidFill>
+                <a:sysClr val="windowText" lastClr="000000"/>
+              </a:solidFill>
+            </a:endParaRPr>
+          </a:p>
+        </p:txBody>
+      </p:sp>
+      <p:sp>
+        <p:nvSpPr>
+          <p:cNvPr id="25" name="四角形: 対角を切り取る 24">
+            <a:extLst>
+              <a:ext uri="{FF2B5EF4-FFF2-40B4-BE49-F238E27FC236}">
+                <a16:creationId xmlns:a16="http://schemas.microsoft.com/office/drawing/2014/main" id="{0F5B9137-4715-4874-A80F-FF25921ECEE7}"/>
+              </a:ext>
+            </a:extLst>
+          </p:cNvPr>
+          <p:cNvSpPr/>
+          <p:nvPr/>
+        </p:nvSpPr>
+        <p:spPr>
+          <a:xfrm>
+            <a:off x="10274710" y="2009122"/>
+            <a:ext cx="1737236" cy="693174"/>
+          </a:xfrm>
+          <a:prstGeom prst="snip2DiagRect">
+            <a:avLst/>
+          </a:prstGeom>
+          <a:solidFill>
+            <a:schemeClr val="accent4"/>
+          </a:solidFill>
+          <a:ln w="28575">
+            <a:solidFill>
+              <a:schemeClr val="accent4">
+                <a:lumMod val="50000"/>
+              </a:schemeClr>
+            </a:solidFill>
+            <a:prstDash val="dash"/>
+          </a:ln>
+        </p:spPr>
+        <p:style>
+          <a:lnRef idx="2">
+            <a:schemeClr val="accent1">
+              <a:shade val="50000"/>
+            </a:schemeClr>
+          </a:lnRef>
+          <a:fillRef idx="1">
+            <a:schemeClr val="accent1"/>
+          </a:fillRef>
+          <a:effectRef idx="0">
+            <a:schemeClr val="accent1"/>
+          </a:effectRef>
+          <a:fontRef idx="minor">
+            <a:schemeClr val="lt1"/>
+          </a:fontRef>
+        </p:style>
+        <p:txBody>
+          <a:bodyPr rtlCol="0" anchor="ctr"/>
+          <a:lstStyle/>
+          <a:p>
+            <a:pPr algn="ctr"/>
+            <a:r>
+              <a:rPr kumimoji="1" lang="ja-JP" altLang="en-US" sz="2800" dirty="0">
+                <a:solidFill>
+                  <a:schemeClr val="tx1"/>
+                </a:solidFill>
+              </a:rPr>
+              <a:t>目的</a:t>
+            </a:r>
+          </a:p>
+        </p:txBody>
+      </p:sp>
+      <p:sp>
+        <p:nvSpPr>
+          <p:cNvPr id="27" name="吹き出し: 角を丸めた四角形 26">
+            <a:extLst>
+              <a:ext uri="{FF2B5EF4-FFF2-40B4-BE49-F238E27FC236}">
+                <a16:creationId xmlns:a16="http://schemas.microsoft.com/office/drawing/2014/main" id="{98AC4359-8B57-4EE6-A128-725A4F988CE1}"/>
+              </a:ext>
+            </a:extLst>
+          </p:cNvPr>
+          <p:cNvSpPr/>
+          <p:nvPr/>
+        </p:nvSpPr>
+        <p:spPr>
+          <a:xfrm>
+            <a:off x="608413" y="5030605"/>
+            <a:ext cx="4629337" cy="1090763"/>
+          </a:xfrm>
+          <a:prstGeom prst="wedgeRoundRectCallout">
+            <a:avLst>
+              <a:gd name="adj1" fmla="val -61288"/>
+              <a:gd name="adj2" fmla="val 34840"/>
+              <a:gd name="adj3" fmla="val 16667"/>
+            </a:avLst>
+          </a:prstGeom>
+          <a:solidFill>
+            <a:srgbClr val="FEFBF5"/>
+          </a:solidFill>
+          <a:ln w="28575">
+            <a:solidFill>
+              <a:schemeClr val="bg2">
+                <a:lumMod val="75000"/>
+              </a:schemeClr>
+            </a:solidFill>
+          </a:ln>
+        </p:spPr>
+        <p:style>
+          <a:lnRef idx="2">
+            <a:schemeClr val="accent1">
+              <a:shade val="50000"/>
+            </a:schemeClr>
+          </a:lnRef>
+          <a:fillRef idx="1">
+            <a:schemeClr val="accent1"/>
+          </a:fillRef>
+          <a:effectRef idx="0">
+            <a:schemeClr val="accent1"/>
+          </a:effectRef>
+          <a:fontRef idx="minor">
+            <a:schemeClr val="lt1"/>
+          </a:fontRef>
+        </p:style>
+        <p:txBody>
+          <a:bodyPr rtlCol="0" anchor="ctr"/>
+          <a:lstStyle/>
+          <a:p>
+            <a:pPr algn="ctr">
+              <a:lnSpc>
+                <a:spcPct val="150000"/>
+              </a:lnSpc>
+            </a:pPr>
+            <a:r>
+              <a:rPr kumimoji="1" lang="ja-JP" altLang="en-US" dirty="0">
+                <a:solidFill>
+                  <a:sysClr val="windowText" lastClr="000000"/>
+                </a:solidFill>
+              </a:rPr>
+              <a:t>、</a:t>
+            </a:r>
+            <a:endParaRPr kumimoji="1" lang="en-US" altLang="ja-JP" dirty="0">
+              <a:solidFill>
+                <a:sysClr val="windowText" lastClr="000000"/>
+              </a:solidFill>
+            </a:endParaRPr>
+          </a:p>
+          <a:p>
+            <a:pPr algn="ctr">
+              <a:lnSpc>
+                <a:spcPct val="150000"/>
+              </a:lnSpc>
+            </a:pPr>
+            <a:r>
+              <a:rPr kumimoji="1" lang="ja-JP" altLang="en-US" sz="2000" b="1" dirty="0">
+                <a:solidFill>
+                  <a:sysClr val="windowText" lastClr="000000"/>
+                </a:solidFill>
+              </a:rPr>
+              <a:t>質問するタ</a:t>
+            </a:r>
+            <a:endParaRPr kumimoji="1" lang="en-US" altLang="ja-JP" sz="2000" b="1" dirty="0">
+              <a:solidFill>
+                <a:sysClr val="windowText" lastClr="000000"/>
+              </a:solidFill>
+            </a:endParaRPr>
+          </a:p>
+        </p:txBody>
+      </p:sp>
+      <p:pic>
+        <p:nvPicPr>
+          <p:cNvPr id="12" name="グラフィックス 11" descr="山形の矢印 単色塗りつぶし">
+            <a:extLst>
+              <a:ext uri="{FF2B5EF4-FFF2-40B4-BE49-F238E27FC236}">
+                <a16:creationId xmlns:a16="http://schemas.microsoft.com/office/drawing/2014/main" id="{1BEB4FC7-D182-4D28-BDCA-2EDC5F32660C}"/>
+              </a:ext>
+            </a:extLst>
+          </p:cNvPr>
+          <p:cNvPicPr>
+            <a:picLocks noChangeAspect="1"/>
+          </p:cNvPicPr>
+          <p:nvPr/>
+        </p:nvPicPr>
+        <p:blipFill>
+          <a:blip r:embed="rId5">
+            <a:extLst>
+              <a:ext uri="{96DAC541-7B7A-43D3-8B79-37D633B846F1}">
+                <asvg:svgBlip xmlns:asvg="http://schemas.microsoft.com/office/drawing/2016/SVG/main" r:embed="rId6"/>
+              </a:ext>
+            </a:extLst>
+          </a:blip>
+          <a:stretch>
+            <a:fillRect/>
+          </a:stretch>
+        </p:blipFill>
+        <p:spPr>
+          <a:xfrm>
+            <a:off x="5694787" y="4065887"/>
+            <a:ext cx="827250" cy="827250"/>
+          </a:xfrm>
+          <a:prstGeom prst="rect">
+            <a:avLst/>
+          </a:prstGeom>
+        </p:spPr>
+      </p:pic>
+    </p:spTree>
+    <p:extLst>
+      <p:ext uri="{BB962C8B-B14F-4D97-AF65-F5344CB8AC3E}">
+        <p14:creationId xmlns:p14="http://schemas.microsoft.com/office/powerpoint/2010/main" val="1300099128"/>
+      </p:ext>
+    </p:extLst>
+  </p:cSld>
+  <p:clrMapOvr>
+    <a:masterClrMapping/>
+  </p:clrMapOvr>
+  <p:timing>
+    <p:tnLst>
+      <p:par>
+        <p:cTn id="1" dur="indefinite" restart="never" nodeType="tmRoot">
+          <p:childTnLst>
+            <p:seq concurrent="1" nextAc="seek">
+              <p:cTn id="2" dur="indefinite" nodeType="mainSeq">
+                <p:childTnLst>
+                  <p:par>
+                    <p:cTn id="3" fill="hold">
+                      <p:stCondLst>
+                        <p:cond delay="indefinite"/>
+                      </p:stCondLst>
+                      <p:childTnLst>
+                        <p:par>
+                          <p:cTn id="4" fill="hold">
+                            <p:stCondLst>
+                              <p:cond delay="0"/>
+                            </p:stCondLst>
+                            <p:childTnLst>
+                              <p:par>
+                                <p:cTn id="5" presetID="26" presetClass="emph" presetSubtype="0" fill="hold" nodeType="clickEffect">
+                                  <p:stCondLst>
+                                    <p:cond delay="0"/>
+                                  </p:stCondLst>
+                                  <p:childTnLst>
+                                    <p:animEffect transition="out" filter="fade">
+                                      <p:cBhvr>
+                                        <p:cTn id="6" dur="500" tmFilter="0, 0; .2, .5; .8, .5; 1, 0"/>
+                                        <p:tgtEl>
+                                          <p:spTgt spid="10">
+                                            <p:txEl>
+                                              <p:pRg st="0" end="0"/>
+                                            </p:txEl>
+                                          </p:spTgt>
+                                        </p:tgtEl>
+                                      </p:cBhvr>
+                                    </p:animEffect>
+                                    <p:animScale>
+                                      <p:cBhvr>
+                                        <p:cTn id="7" dur="250" autoRev="1" fill="hold"/>
+                                        <p:tgtEl>
+                                          <p:spTgt spid="10">
+                                            <p:txEl>
+                                              <p:pRg st="0" end="0"/>
+                                            </p:txEl>
+                                          </p:spTgt>
+                                        </p:tgtEl>
+                                      </p:cBhvr>
+                                      <p:by x="105000" y="105000"/>
+                                    </p:animScale>
+                                  </p:childTnLst>
+                                </p:cTn>
+                              </p:par>
+                            </p:childTnLst>
+                          </p:cTn>
+                        </p:par>
+                      </p:childTnLst>
+                    </p:cTn>
+                  </p:par>
+                  <p:par>
+                    <p:cTn id="8" fill="hold">
+                      <p:stCondLst>
+                        <p:cond delay="indefinite"/>
+                      </p:stCondLst>
+                      <p:childTnLst>
+                        <p:par>
+                          <p:cTn id="9" fill="hold">
+                            <p:stCondLst>
+                              <p:cond delay="0"/>
+                            </p:stCondLst>
+                            <p:childTnLst>
+                              <p:par>
+                                <p:cTn id="10" presetID="26" presetClass="emph" presetSubtype="0" fill="hold" nodeType="clickEffect">
+                                  <p:stCondLst>
+                                    <p:cond delay="0"/>
+                                  </p:stCondLst>
+                                  <p:childTnLst>
+                                    <p:animEffect transition="out" filter="fade">
+                                      <p:cBhvr>
+                                        <p:cTn id="11" dur="500" tmFilter="0, 0; .2, .5; .8, .5; 1, 0"/>
+                                        <p:tgtEl>
+                                          <p:spTgt spid="10">
+                                            <p:txEl>
+                                              <p:pRg st="2" end="2"/>
+                                            </p:txEl>
+                                          </p:spTgt>
+                                        </p:tgtEl>
+                                      </p:cBhvr>
+                                    </p:animEffect>
+                                    <p:animScale>
+                                      <p:cBhvr>
+                                        <p:cTn id="12" dur="250" autoRev="1" fill="hold"/>
+                                        <p:tgtEl>
+                                          <p:spTgt spid="10">
+                                            <p:txEl>
+                                              <p:pRg st="2" end="2"/>
+                                            </p:txEl>
+                                          </p:spTgt>
+                                        </p:tgtEl>
+                                      </p:cBhvr>
+                                      <p:by x="105000" y="105000"/>
+                                    </p:animScale>
+                                  </p:childTnLst>
+                                </p:cTn>
+                              </p:par>
+                              <p:par>
+                                <p:cTn id="13" presetID="26" presetClass="emph" presetSubtype="0" fill="hold" nodeType="withEffect">
+                                  <p:stCondLst>
+                                    <p:cond delay="0"/>
+                                  </p:stCondLst>
+                                  <p:childTnLst>
+                                    <p:animEffect transition="out" filter="fade">
+                                      <p:cBhvr>
+                                        <p:cTn id="14" dur="500" tmFilter="0, 0; .2, .5; .8, .5; 1, 0"/>
+                                        <p:tgtEl>
+                                          <p:spTgt spid="10">
+                                            <p:txEl>
+                                              <p:pRg st="3" end="3"/>
+                                            </p:txEl>
+                                          </p:spTgt>
+                                        </p:tgtEl>
+                                      </p:cBhvr>
+                                    </p:animEffect>
+                                    <p:animScale>
+                                      <p:cBhvr>
+                                        <p:cTn id="15" dur="250" autoRev="1" fill="hold"/>
+                                        <p:tgtEl>
+                                          <p:spTgt spid="10">
+                                            <p:txEl>
+                                              <p:pRg st="3" end="3"/>
+                                            </p:txEl>
+                                          </p:spTgt>
+                                        </p:tgtEl>
+                                      </p:cBhvr>
+                                      <p:by x="105000" y="105000"/>
+                                    </p:animScale>
+                                  </p:childTnLst>
+                                </p:cTn>
+                              </p:par>
+                            </p:childTnLst>
+                          </p:cTn>
+                        </p:par>
+                      </p:childTnLst>
+                    </p:cTn>
+                  </p:par>
+                  <p:par>
+                    <p:cTn id="16" fill="hold">
+                      <p:stCondLst>
+                        <p:cond delay="indefinite"/>
+                      </p:stCondLst>
+                      <p:childTnLst>
+                        <p:par>
+                          <p:cTn id="17" fill="hold">
+                            <p:stCondLst>
+                              <p:cond delay="0"/>
+                            </p:stCondLst>
+                            <p:childTnLst>
+                              <p:par>
+                                <p:cTn id="18" presetID="26" presetClass="emph" presetSubtype="0" fill="hold" nodeType="clickEffect">
+                                  <p:stCondLst>
+                                    <p:cond delay="0"/>
+                                  </p:stCondLst>
+                                  <p:childTnLst>
+                                    <p:animEffect transition="out" filter="fade">
+                                      <p:cBhvr>
+                                        <p:cTn id="19" dur="500" tmFilter="0, 0; .2, .5; .8, .5; 1, 0"/>
+                                        <p:tgtEl>
+                                          <p:spTgt spid="10">
+                                            <p:txEl>
+                                              <p:pRg st="5" end="5"/>
+                                            </p:txEl>
+                                          </p:spTgt>
+                                        </p:tgtEl>
+                                      </p:cBhvr>
+                                    </p:animEffect>
+                                    <p:animScale>
+                                      <p:cBhvr>
+                                        <p:cTn id="20" dur="250" autoRev="1" fill="hold"/>
+                                        <p:tgtEl>
+                                          <p:spTgt spid="10">
+                                            <p:txEl>
+                                              <p:pRg st="5" end="5"/>
+                                            </p:txEl>
+                                          </p:spTgt>
+                                        </p:tgtEl>
+                                      </p:cBhvr>
+                                      <p:by x="105000" y="105000"/>
+                                    </p:animScale>
+                                  </p:childTnLst>
+                                </p:cTn>
+                              </p:par>
+                            </p:childTnLst>
+                          </p:cTn>
+                        </p:par>
+                      </p:childTnLst>
+                    </p:cTn>
+                  </p:par>
+                  <p:par>
+                    <p:cTn id="21" fill="hold">
+                      <p:stCondLst>
+                        <p:cond delay="indefinite"/>
+                      </p:stCondLst>
+                      <p:childTnLst>
+                        <p:par>
+                          <p:cTn id="22" fill="hold">
+                            <p:stCondLst>
+                              <p:cond delay="0"/>
+                            </p:stCondLst>
+                            <p:childTnLst>
+                              <p:par>
+                                <p:cTn id="23" presetID="16" presetClass="entr" presetSubtype="21" fill="hold" grpId="0" nodeType="clickEffect">
+                                  <p:stCondLst>
+                                    <p:cond delay="0"/>
+                                  </p:stCondLst>
+                                  <p:childTnLst>
+                                    <p:set>
+                                      <p:cBhvr>
+                                        <p:cTn id="24" dur="1" fill="hold">
+                                          <p:stCondLst>
+                                            <p:cond delay="0"/>
+                                          </p:stCondLst>
+                                        </p:cTn>
+                                        <p:tgtEl>
+                                          <p:spTgt spid="6"/>
+                                        </p:tgtEl>
+                                        <p:attrNameLst>
+                                          <p:attrName>style.visibility</p:attrName>
+                                        </p:attrNameLst>
+                                      </p:cBhvr>
+                                      <p:to>
+                                        <p:strVal val="visible"/>
+                                      </p:to>
+                                    </p:set>
+                                    <p:animEffect transition="in" filter="barn(inVertical)">
+                                      <p:cBhvr>
+                                        <p:cTn id="25" dur="1000"/>
+                                        <p:tgtEl>
+                                          <p:spTgt spid="6"/>
+                                        </p:tgtEl>
+                                      </p:cBhvr>
+                                    </p:animEffect>
+                                  </p:childTnLst>
+                                </p:cTn>
+                              </p:par>
+                            </p:childTnLst>
+                          </p:cTn>
+                        </p:par>
+                      </p:childTnLst>
+                    </p:cTn>
+                  </p:par>
+                </p:childTnLst>
+              </p:cTn>
+              <p:prevCondLst>
+                <p:cond evt="onPrev" delay="0">
+                  <p:tgtEl>
+                    <p:sldTgt/>
+                  </p:tgtEl>
+                </p:cond>
+              </p:prevCondLst>
+              <p:nextCondLst>
+                <p:cond evt="onNext" delay="0">
+                  <p:tgtEl>
+                    <p:sldTgt/>
+                  </p:tgtEl>
+                </p:cond>
+              </p:nextCondLst>
+            </p:seq>
+          </p:childTnLst>
+        </p:cTn>
+      </p:par>
+    </p:tnLst>
+    <p:bldLst>
+      <p:bldP spid="6" grpId="0"/>
+    </p:bldLst>
+  </p:timing>
+</p:sld>
+</file>
+
+<file path=ppt/slides/slide11.xml><?xml version="1.0" encoding="utf-8"?>
+<p:sld xmlns:a="http://schemas.openxmlformats.org/drawingml/2006/main" xmlns:r="http://schemas.openxmlformats.org/officeDocument/2006/relationships" xmlns:p="http://schemas.openxmlformats.org/presentationml/2006/main">
+  <p:cSld>
+    <p:spTree>
+      <p:nvGrpSpPr>
+        <p:cNvPr id="1" name=""/>
+        <p:cNvGrpSpPr/>
+        <p:nvPr/>
+      </p:nvGrpSpPr>
+      <p:grpSpPr>
+        <a:xfrm>
+          <a:off x="0" y="0"/>
+          <a:ext cx="0" cy="0"/>
+          <a:chOff x="0" y="0"/>
+          <a:chExt cx="0" cy="0"/>
+        </a:xfrm>
+      </p:grpSpPr>
+      <p:sp>
+        <p:nvSpPr>
+          <p:cNvPr id="6" name="コンテンツ プレースホルダー 3">
+            <a:extLst>
+              <a:ext uri="{FF2B5EF4-FFF2-40B4-BE49-F238E27FC236}">
+                <a16:creationId xmlns:a16="http://schemas.microsoft.com/office/drawing/2014/main" id="{A9F2C10F-B6CF-4074-BBCD-84567EEAA614}"/>
+              </a:ext>
+            </a:extLst>
+          </p:cNvPr>
+          <p:cNvSpPr txBox="1">
+            <a:spLocks/>
+          </p:cNvSpPr>
+          <p:nvPr/>
+        </p:nvSpPr>
+        <p:spPr>
+          <a:xfrm>
+            <a:off x="747198" y="1305035"/>
+            <a:ext cx="10904088" cy="1017638"/>
+          </a:xfrm>
+          <a:prstGeom prst="rect">
+            <a:avLst/>
+          </a:prstGeom>
+        </p:spPr>
+        <p:txBody>
+          <a:bodyPr vert="horz" lIns="91440" tIns="45720" rIns="91440" bIns="45720" rtlCol="0">
+            <a:noAutofit/>
+          </a:bodyPr>
+          <a:lstStyle>
+            <a:lvl1pPr marL="228600" indent="-228600" algn="l" defTabSz="914400" rtl="0" eaLnBrk="1" latinLnBrk="0" hangingPunct="1">
+              <a:lnSpc>
+                <a:spcPct val="150000"/>
+              </a:lnSpc>
+              <a:spcBef>
+                <a:spcPts val="1500"/>
+              </a:spcBef>
+              <a:buClr>
+                <a:schemeClr val="accent2"/>
+              </a:buClr>
+              <a:buFont typeface="Wingdings" panose="05000000000000000000" pitchFamily="2" charset="2"/>
+              <a:buChar char="§"/>
+              <a:defRPr kumimoji="1" sz="1500" kern="1200" spc="150" baseline="0">
+                <a:solidFill>
+                  <a:schemeClr val="tx1"/>
+                </a:solidFill>
+                <a:latin typeface="+mj-lt"/>
+                <a:ea typeface="Meiryo UI" panose="020B0604030504040204" pitchFamily="34" charset="-128"/>
+                <a:cs typeface="+mn-cs"/>
+              </a:defRPr>
+            </a:lvl1pPr>
+            <a:lvl2pPr marL="685800" indent="-228600" algn="l" defTabSz="914400" rtl="0" eaLnBrk="1" latinLnBrk="0" hangingPunct="1">
+              <a:lnSpc>
+                <a:spcPct val="150000"/>
+              </a:lnSpc>
+              <a:spcBef>
+                <a:spcPts val="500"/>
+              </a:spcBef>
+              <a:buClr>
+                <a:schemeClr val="accent2"/>
+              </a:buClr>
+              <a:buFont typeface="Wingdings" panose="05000000000000000000" pitchFamily="2" charset="2"/>
+              <a:buChar char="§"/>
+              <a:defRPr kumimoji="1" sz="1500" kern="1200" spc="150" baseline="0">
+                <a:solidFill>
+                  <a:schemeClr val="tx1"/>
+                </a:solidFill>
+                <a:latin typeface="+mj-lt"/>
+                <a:ea typeface="Meiryo UI" panose="020B0604030504040204" pitchFamily="34" charset="-128"/>
+                <a:cs typeface="+mn-cs"/>
+              </a:defRPr>
+            </a:lvl2pPr>
+            <a:lvl3pPr marL="1143000" indent="-228600" algn="l" defTabSz="914400" rtl="0" eaLnBrk="1" latinLnBrk="0" hangingPunct="1">
+              <a:lnSpc>
+                <a:spcPct val="150000"/>
+              </a:lnSpc>
+              <a:spcBef>
+                <a:spcPts val="500"/>
+              </a:spcBef>
+              <a:buClr>
+                <a:schemeClr val="accent2"/>
+              </a:buClr>
+              <a:buFont typeface="Wingdings" panose="05000000000000000000" pitchFamily="2" charset="2"/>
+              <a:buChar char="§"/>
+              <a:defRPr kumimoji="1" sz="1400" kern="1200" spc="150" baseline="0">
+                <a:solidFill>
+                  <a:schemeClr val="tx1"/>
+                </a:solidFill>
+                <a:latin typeface="+mj-lt"/>
+                <a:ea typeface="Meiryo UI" panose="020B0604030504040204" pitchFamily="34" charset="-128"/>
+                <a:cs typeface="+mn-cs"/>
+              </a:defRPr>
+            </a:lvl3pPr>
+            <a:lvl4pPr marL="1600200" indent="-228600" algn="l" defTabSz="914400" rtl="0" eaLnBrk="1" latinLnBrk="0" hangingPunct="1">
+              <a:lnSpc>
+                <a:spcPct val="150000"/>
+              </a:lnSpc>
+              <a:spcBef>
+                <a:spcPts val="500"/>
+              </a:spcBef>
+              <a:buClr>
+                <a:schemeClr val="accent2"/>
+              </a:buClr>
+              <a:buFont typeface="Wingdings" panose="05000000000000000000" pitchFamily="2" charset="2"/>
+              <a:buChar char="§"/>
+              <a:defRPr kumimoji="1" sz="1400" kern="1200" spc="150" baseline="0">
+                <a:solidFill>
+                  <a:schemeClr val="tx1"/>
+                </a:solidFill>
+                <a:latin typeface="+mj-lt"/>
+                <a:ea typeface="Meiryo UI" panose="020B0604030504040204" pitchFamily="34" charset="-128"/>
+                <a:cs typeface="+mn-cs"/>
+              </a:defRPr>
+            </a:lvl4pPr>
+            <a:lvl5pPr marL="2057400" indent="-228600" algn="l" defTabSz="914400" rtl="0" eaLnBrk="1" latinLnBrk="0" hangingPunct="1">
+              <a:lnSpc>
+                <a:spcPct val="150000"/>
+              </a:lnSpc>
+              <a:spcBef>
+                <a:spcPts val="500"/>
+              </a:spcBef>
+              <a:buClr>
+                <a:schemeClr val="accent2"/>
+              </a:buClr>
+              <a:buFont typeface="Wingdings" panose="05000000000000000000" pitchFamily="2" charset="2"/>
+              <a:buChar char="§"/>
+              <a:defRPr kumimoji="1" sz="1400" kern="1200" spc="150" baseline="0">
+                <a:solidFill>
+                  <a:schemeClr val="tx1"/>
+                </a:solidFill>
+                <a:latin typeface="+mj-lt"/>
+                <a:ea typeface="Meiryo UI" panose="020B0604030504040204" pitchFamily="34" charset="-128"/>
+                <a:cs typeface="+mn-cs"/>
+              </a:defRPr>
+            </a:lvl5pPr>
+            <a:lvl6pPr marL="2514600" indent="-228600" algn="l" defTabSz="914400" rtl="0" eaLnBrk="1" latinLnBrk="0" hangingPunct="1">
+              <a:lnSpc>
+                <a:spcPct val="90000"/>
+              </a:lnSpc>
+              <a:spcBef>
+                <a:spcPts val="500"/>
+              </a:spcBef>
+              <a:buFont typeface="Arial" panose="020B0604020202020204" pitchFamily="34" charset="0"/>
+              <a:buChar char="•"/>
+              <a:defRPr kumimoji="1" sz="1800" kern="1200">
+                <a:solidFill>
+                  <a:schemeClr val="tx1"/>
+                </a:solidFill>
+                <a:latin typeface="+mn-lt"/>
+                <a:ea typeface="+mn-ea"/>
+                <a:cs typeface="+mn-cs"/>
+              </a:defRPr>
+            </a:lvl6pPr>
+            <a:lvl7pPr marL="2971800" indent="-228600" algn="l" defTabSz="914400" rtl="0" eaLnBrk="1" latinLnBrk="0" hangingPunct="1">
+              <a:lnSpc>
+                <a:spcPct val="90000"/>
+              </a:lnSpc>
+              <a:spcBef>
+                <a:spcPts val="500"/>
+              </a:spcBef>
+              <a:buFont typeface="Arial" panose="020B0604020202020204" pitchFamily="34" charset="0"/>
+              <a:buChar char="•"/>
+              <a:defRPr kumimoji="1" sz="1800" kern="1200">
+                <a:solidFill>
+                  <a:schemeClr val="tx1"/>
+                </a:solidFill>
+                <a:latin typeface="+mn-lt"/>
+                <a:ea typeface="+mn-ea"/>
+                <a:cs typeface="+mn-cs"/>
+              </a:defRPr>
+            </a:lvl7pPr>
+            <a:lvl8pPr marL="3429000" indent="-228600" algn="l" defTabSz="914400" rtl="0" eaLnBrk="1" latinLnBrk="0" hangingPunct="1">
+              <a:lnSpc>
+                <a:spcPct val="90000"/>
+              </a:lnSpc>
+              <a:spcBef>
+                <a:spcPts val="500"/>
+              </a:spcBef>
+              <a:buFont typeface="Arial" panose="020B0604020202020204" pitchFamily="34" charset="0"/>
+              <a:buChar char="•"/>
+              <a:defRPr kumimoji="1" sz="1800" kern="1200">
+                <a:solidFill>
+                  <a:schemeClr val="tx1"/>
+                </a:solidFill>
+                <a:latin typeface="+mn-lt"/>
+                <a:ea typeface="+mn-ea"/>
+                <a:cs typeface="+mn-cs"/>
+              </a:defRPr>
+            </a:lvl8pPr>
+            <a:lvl9pPr marL="3886200" indent="-228600" algn="l" defTabSz="914400" rtl="0" eaLnBrk="1" latinLnBrk="0" hangingPunct="1">
+              <a:lnSpc>
+                <a:spcPct val="90000"/>
+              </a:lnSpc>
+              <a:spcBef>
+                <a:spcPts val="500"/>
+              </a:spcBef>
+              <a:buFont typeface="Arial" panose="020B0604020202020204" pitchFamily="34" charset="0"/>
+              <a:buChar char="•"/>
+              <a:defRPr kumimoji="1" sz="1800" kern="1200">
+                <a:solidFill>
+                  <a:schemeClr val="tx1"/>
+                </a:solidFill>
+                <a:latin typeface="+mn-lt"/>
+                <a:ea typeface="+mn-ea"/>
+                <a:cs typeface="+mn-cs"/>
+              </a:defRPr>
+            </a:lvl9pPr>
+          </a:lstStyle>
+          <a:p>
+            <a:pPr marL="0" indent="0" algn="ctr">
+              <a:lnSpc>
+                <a:spcPct val="100000"/>
+              </a:lnSpc>
+              <a:buFont typeface="Wingdings" panose="05000000000000000000" pitchFamily="2" charset="2"/>
+              <a:buNone/>
+            </a:pPr>
+            <a:r>
+              <a:rPr lang="en-US" altLang="ja-JP" sz="6000" dirty="0">
+                <a:latin typeface="Arial Black" panose="020B0A04020102020204" pitchFamily="34" charset="0"/>
+              </a:rPr>
+              <a:t>mynote++</a:t>
+            </a:r>
+          </a:p>
+          <a:p>
+            <a:pPr marL="0" indent="0" algn="ctr">
+              <a:lnSpc>
+                <a:spcPct val="100000"/>
+              </a:lnSpc>
+              <a:buFont typeface="Wingdings" panose="05000000000000000000" pitchFamily="2" charset="2"/>
+              <a:buNone/>
+            </a:pPr>
+            <a:endParaRPr lang="ja-JP" altLang="en-US" sz="6000" dirty="0">
+              <a:latin typeface="Arial Black" panose="020B0A04020102020204" pitchFamily="34" charset="0"/>
+            </a:endParaRPr>
+          </a:p>
+        </p:txBody>
+      </p:sp>
+      <p:sp>
+        <p:nvSpPr>
           <p:cNvPr id="12" name="正方形/長方形 11">
             <a:extLst>
               <a:ext uri="{FF2B5EF4-FFF2-40B4-BE49-F238E27FC236}">
@@ -6877,10 +8709,223 @@
   <p:clrMapOvr>
     <a:masterClrMapping/>
   </p:clrMapOvr>
+  <p:timing>
+    <p:tnLst>
+      <p:par>
+        <p:cTn id="1" dur="indefinite" restart="never" nodeType="tmRoot">
+          <p:childTnLst>
+            <p:seq concurrent="1" nextAc="seek">
+              <p:cTn id="2" dur="indefinite" nodeType="mainSeq">
+                <p:childTnLst>
+                  <p:par>
+                    <p:cTn id="3" fill="hold">
+                      <p:stCondLst>
+                        <p:cond delay="indefinite"/>
+                      </p:stCondLst>
+                      <p:childTnLst>
+                        <p:par>
+                          <p:cTn id="4" fill="hold">
+                            <p:stCondLst>
+                              <p:cond delay="0"/>
+                            </p:stCondLst>
+                            <p:childTnLst>
+                              <p:par>
+                                <p:cTn id="5" presetID="10" presetClass="entr" presetSubtype="0" fill="hold" nodeType="clickEffect">
+                                  <p:stCondLst>
+                                    <p:cond delay="0"/>
+                                  </p:stCondLst>
+                                  <p:childTnLst>
+                                    <p:set>
+                                      <p:cBhvr>
+                                        <p:cTn id="6" dur="1" fill="hold">
+                                          <p:stCondLst>
+                                            <p:cond delay="0"/>
+                                          </p:stCondLst>
+                                        </p:cTn>
+                                        <p:tgtEl>
+                                          <p:spTgt spid="12">
+                                            <p:txEl>
+                                              <p:pRg st="0" end="0"/>
+                                            </p:txEl>
+                                          </p:spTgt>
+                                        </p:tgtEl>
+                                        <p:attrNameLst>
+                                          <p:attrName>style.visibility</p:attrName>
+                                        </p:attrNameLst>
+                                      </p:cBhvr>
+                                      <p:to>
+                                        <p:strVal val="visible"/>
+                                      </p:to>
+                                    </p:set>
+                                    <p:animEffect transition="in" filter="fade">
+                                      <p:cBhvr>
+                                        <p:cTn id="7" dur="500"/>
+                                        <p:tgtEl>
+                                          <p:spTgt spid="12">
+                                            <p:txEl>
+                                              <p:pRg st="0" end="0"/>
+                                            </p:txEl>
+                                          </p:spTgt>
+                                        </p:tgtEl>
+                                      </p:cBhvr>
+                                    </p:animEffect>
+                                  </p:childTnLst>
+                                </p:cTn>
+                              </p:par>
+                            </p:childTnLst>
+                          </p:cTn>
+                        </p:par>
+                      </p:childTnLst>
+                    </p:cTn>
+                  </p:par>
+                  <p:par>
+                    <p:cTn id="8" fill="hold">
+                      <p:stCondLst>
+                        <p:cond delay="indefinite"/>
+                      </p:stCondLst>
+                      <p:childTnLst>
+                        <p:par>
+                          <p:cTn id="9" fill="hold">
+                            <p:stCondLst>
+                              <p:cond delay="0"/>
+                            </p:stCondLst>
+                            <p:childTnLst>
+                              <p:par>
+                                <p:cTn id="10" presetID="10" presetClass="entr" presetSubtype="0" fill="hold" nodeType="clickEffect">
+                                  <p:stCondLst>
+                                    <p:cond delay="0"/>
+                                  </p:stCondLst>
+                                  <p:childTnLst>
+                                    <p:set>
+                                      <p:cBhvr>
+                                        <p:cTn id="11" dur="1" fill="hold">
+                                          <p:stCondLst>
+                                            <p:cond delay="0"/>
+                                          </p:stCondLst>
+                                        </p:cTn>
+                                        <p:tgtEl>
+                                          <p:spTgt spid="12">
+                                            <p:txEl>
+                                              <p:pRg st="2" end="2"/>
+                                            </p:txEl>
+                                          </p:spTgt>
+                                        </p:tgtEl>
+                                        <p:attrNameLst>
+                                          <p:attrName>style.visibility</p:attrName>
+                                        </p:attrNameLst>
+                                      </p:cBhvr>
+                                      <p:to>
+                                        <p:strVal val="visible"/>
+                                      </p:to>
+                                    </p:set>
+                                    <p:animEffect transition="in" filter="fade">
+                                      <p:cBhvr>
+                                        <p:cTn id="12" dur="500"/>
+                                        <p:tgtEl>
+                                          <p:spTgt spid="12">
+                                            <p:txEl>
+                                              <p:pRg st="2" end="2"/>
+                                            </p:txEl>
+                                          </p:spTgt>
+                                        </p:tgtEl>
+                                      </p:cBhvr>
+                                    </p:animEffect>
+                                  </p:childTnLst>
+                                </p:cTn>
+                              </p:par>
+                            </p:childTnLst>
+                          </p:cTn>
+                        </p:par>
+                      </p:childTnLst>
+                    </p:cTn>
+                  </p:par>
+                  <p:par>
+                    <p:cTn id="13" fill="hold">
+                      <p:stCondLst>
+                        <p:cond delay="indefinite"/>
+                      </p:stCondLst>
+                      <p:childTnLst>
+                        <p:par>
+                          <p:cTn id="14" fill="hold">
+                            <p:stCondLst>
+                              <p:cond delay="0"/>
+                            </p:stCondLst>
+                            <p:childTnLst>
+                              <p:par>
+                                <p:cTn id="15" presetID="10" presetClass="entr" presetSubtype="0" fill="hold" nodeType="clickEffect">
+                                  <p:stCondLst>
+                                    <p:cond delay="0"/>
+                                  </p:stCondLst>
+                                  <p:childTnLst>
+                                    <p:set>
+                                      <p:cBhvr>
+                                        <p:cTn id="16" dur="1" fill="hold">
+                                          <p:stCondLst>
+                                            <p:cond delay="0"/>
+                                          </p:stCondLst>
+                                        </p:cTn>
+                                        <p:tgtEl>
+                                          <p:spTgt spid="12">
+                                            <p:txEl>
+                                              <p:pRg st="4" end="4"/>
+                                            </p:txEl>
+                                          </p:spTgt>
+                                        </p:tgtEl>
+                                        <p:attrNameLst>
+                                          <p:attrName>style.visibility</p:attrName>
+                                        </p:attrNameLst>
+                                      </p:cBhvr>
+                                      <p:to>
+                                        <p:strVal val="visible"/>
+                                      </p:to>
+                                    </p:set>
+                                    <p:animEffect transition="in" filter="fade">
+                                      <p:cBhvr>
+                                        <p:cTn id="17" dur="500"/>
+                                        <p:tgtEl>
+                                          <p:spTgt spid="12">
+                                            <p:txEl>
+                                              <p:pRg st="4" end="4"/>
+                                            </p:txEl>
+                                          </p:spTgt>
+                                        </p:tgtEl>
+                                      </p:cBhvr>
+                                    </p:animEffect>
+                                  </p:childTnLst>
+                                </p:cTn>
+                              </p:par>
+                            </p:childTnLst>
+                          </p:cTn>
+                        </p:par>
+                      </p:childTnLst>
+                    </p:cTn>
+                  </p:par>
+                </p:childTnLst>
+              </p:cTn>
+              <p:prevCondLst>
+                <p:cond evt="onPrev" delay="0">
+                  <p:tgtEl>
+                    <p:sldTgt/>
+                  </p:tgtEl>
+                </p:cond>
+              </p:prevCondLst>
+              <p:nextCondLst>
+                <p:cond evt="onNext" delay="0">
+                  <p:tgtEl>
+                    <p:sldTgt/>
+                  </p:tgtEl>
+                </p:cond>
+              </p:nextCondLst>
+            </p:seq>
+          </p:childTnLst>
+        </p:cTn>
+      </p:par>
+    </p:tnLst>
+  </p:timing>
 </p:sld>
 </file>
 
-<file path=ppt/slides/slide11.xml><?xml version="1.0" encoding="utf-8"?>
+<file path=ppt/slides/slide12.xml><?xml version="1.0" encoding="utf-8"?>
 <p:sld xmlns:a="http://schemas.openxmlformats.org/drawingml/2006/main" xmlns:r="http://schemas.openxmlformats.org/officeDocument/2006/relationships" xmlns:p="http://schemas.openxmlformats.org/presentationml/2006/main">
   <p:cSld>
     <p:spTree>
@@ -7230,7 +9275,7 @@
 </p:sld>
 </file>
 
-<file path=ppt/slides/slide12.xml><?xml version="1.0" encoding="utf-8"?>
+<file path=ppt/slides/slide13.xml><?xml version="1.0" encoding="utf-8"?>
 <p:sld xmlns:a="http://schemas.openxmlformats.org/drawingml/2006/main" xmlns:r="http://schemas.openxmlformats.org/officeDocument/2006/relationships" xmlns:p="http://schemas.openxmlformats.org/presentationml/2006/main">
   <p:cSld>
     <p:spTree>
@@ -7592,7 +9637,7 @@
 </p:sld>
 </file>
 
-<file path=ppt/slides/slide13.xml><?xml version="1.0" encoding="utf-8"?>
+<file path=ppt/slides/slide14.xml><?xml version="1.0" encoding="utf-8"?>
 <p:sld xmlns:a="http://schemas.openxmlformats.org/drawingml/2006/main" xmlns:r="http://schemas.openxmlformats.org/officeDocument/2006/relationships" xmlns:p="http://schemas.openxmlformats.org/presentationml/2006/main" show="0">
   <p:cSld>
     <p:spTree>
@@ -7752,7 +9797,7 @@
 </p:sld>
 </file>
 
-<file path=ppt/slides/slide14.xml><?xml version="1.0" encoding="utf-8"?>
+<file path=ppt/slides/slide15.xml><?xml version="1.0" encoding="utf-8"?>
 <p:sld xmlns:a="http://schemas.openxmlformats.org/drawingml/2006/main" xmlns:r="http://schemas.openxmlformats.org/officeDocument/2006/relationships" xmlns:p="http://schemas.openxmlformats.org/presentationml/2006/main">
   <p:cSld>
     <p:spTree>
@@ -8589,10 +10634,486 @@
   <p:clrMapOvr>
     <a:masterClrMapping/>
   </p:clrMapOvr>
+  <p:timing>
+    <p:tnLst>
+      <p:par>
+        <p:cTn id="1" dur="indefinite" restart="never" nodeType="tmRoot">
+          <p:childTnLst>
+            <p:seq concurrent="1" nextAc="seek">
+              <p:cTn id="2" dur="indefinite" nodeType="mainSeq">
+                <p:childTnLst>
+                  <p:par>
+                    <p:cTn id="3" fill="hold">
+                      <p:stCondLst>
+                        <p:cond delay="indefinite"/>
+                      </p:stCondLst>
+                      <p:childTnLst>
+                        <p:par>
+                          <p:cTn id="4" fill="hold">
+                            <p:stCondLst>
+                              <p:cond delay="0"/>
+                            </p:stCondLst>
+                            <p:childTnLst>
+                              <p:par>
+                                <p:cTn id="5" presetID="10" presetClass="entr" presetSubtype="0" fill="hold" grpId="0" nodeType="clickEffect">
+                                  <p:stCondLst>
+                                    <p:cond delay="0"/>
+                                  </p:stCondLst>
+                                  <p:childTnLst>
+                                    <p:set>
+                                      <p:cBhvr>
+                                        <p:cTn id="6" dur="1" fill="hold">
+                                          <p:stCondLst>
+                                            <p:cond delay="0"/>
+                                          </p:stCondLst>
+                                        </p:cTn>
+                                        <p:tgtEl>
+                                          <p:spTgt spid="10"/>
+                                        </p:tgtEl>
+                                        <p:attrNameLst>
+                                          <p:attrName>style.visibility</p:attrName>
+                                        </p:attrNameLst>
+                                      </p:cBhvr>
+                                      <p:to>
+                                        <p:strVal val="visible"/>
+                                      </p:to>
+                                    </p:set>
+                                    <p:animEffect transition="in" filter="fade">
+                                      <p:cBhvr>
+                                        <p:cTn id="7" dur="500"/>
+                                        <p:tgtEl>
+                                          <p:spTgt spid="10"/>
+                                        </p:tgtEl>
+                                      </p:cBhvr>
+                                    </p:animEffect>
+                                  </p:childTnLst>
+                                </p:cTn>
+                              </p:par>
+                              <p:par>
+                                <p:cTn id="8" presetID="10" presetClass="entr" presetSubtype="0" fill="hold" nodeType="withEffect">
+                                  <p:stCondLst>
+                                    <p:cond delay="0"/>
+                                  </p:stCondLst>
+                                  <p:childTnLst>
+                                    <p:set>
+                                      <p:cBhvr>
+                                        <p:cTn id="9" dur="1" fill="hold">
+                                          <p:stCondLst>
+                                            <p:cond delay="0"/>
+                                          </p:stCondLst>
+                                        </p:cTn>
+                                        <p:tgtEl>
+                                          <p:spTgt spid="7"/>
+                                        </p:tgtEl>
+                                        <p:attrNameLst>
+                                          <p:attrName>style.visibility</p:attrName>
+                                        </p:attrNameLst>
+                                      </p:cBhvr>
+                                      <p:to>
+                                        <p:strVal val="visible"/>
+                                      </p:to>
+                                    </p:set>
+                                    <p:animEffect transition="in" filter="fade">
+                                      <p:cBhvr>
+                                        <p:cTn id="10" dur="500"/>
+                                        <p:tgtEl>
+                                          <p:spTgt spid="7"/>
+                                        </p:tgtEl>
+                                      </p:cBhvr>
+                                    </p:animEffect>
+                                  </p:childTnLst>
+                                </p:cTn>
+                              </p:par>
+                              <p:par>
+                                <p:cTn id="11" presetID="10" presetClass="entr" presetSubtype="0" fill="hold" grpId="0" nodeType="withEffect">
+                                  <p:stCondLst>
+                                    <p:cond delay="500"/>
+                                  </p:stCondLst>
+                                  <p:childTnLst>
+                                    <p:set>
+                                      <p:cBhvr>
+                                        <p:cTn id="12" dur="1" fill="hold">
+                                          <p:stCondLst>
+                                            <p:cond delay="0"/>
+                                          </p:stCondLst>
+                                        </p:cTn>
+                                        <p:tgtEl>
+                                          <p:spTgt spid="24"/>
+                                        </p:tgtEl>
+                                        <p:attrNameLst>
+                                          <p:attrName>style.visibility</p:attrName>
+                                        </p:attrNameLst>
+                                      </p:cBhvr>
+                                      <p:to>
+                                        <p:strVal val="visible"/>
+                                      </p:to>
+                                    </p:set>
+                                    <p:animEffect transition="in" filter="fade">
+                                      <p:cBhvr>
+                                        <p:cTn id="13" dur="500"/>
+                                        <p:tgtEl>
+                                          <p:spTgt spid="24"/>
+                                        </p:tgtEl>
+                                      </p:cBhvr>
+                                    </p:animEffect>
+                                  </p:childTnLst>
+                                </p:cTn>
+                              </p:par>
+                              <p:par>
+                                <p:cTn id="14" presetID="10" presetClass="entr" presetSubtype="0" fill="hold" nodeType="withEffect">
+                                  <p:stCondLst>
+                                    <p:cond delay="500"/>
+                                  </p:stCondLst>
+                                  <p:childTnLst>
+                                    <p:set>
+                                      <p:cBhvr>
+                                        <p:cTn id="15" dur="1" fill="hold">
+                                          <p:stCondLst>
+                                            <p:cond delay="0"/>
+                                          </p:stCondLst>
+                                        </p:cTn>
+                                        <p:tgtEl>
+                                          <p:spTgt spid="5"/>
+                                        </p:tgtEl>
+                                        <p:attrNameLst>
+                                          <p:attrName>style.visibility</p:attrName>
+                                        </p:attrNameLst>
+                                      </p:cBhvr>
+                                      <p:to>
+                                        <p:strVal val="visible"/>
+                                      </p:to>
+                                    </p:set>
+                                    <p:animEffect transition="in" filter="fade">
+                                      <p:cBhvr>
+                                        <p:cTn id="16" dur="500"/>
+                                        <p:tgtEl>
+                                          <p:spTgt spid="5"/>
+                                        </p:tgtEl>
+                                      </p:cBhvr>
+                                    </p:animEffect>
+                                  </p:childTnLst>
+                                </p:cTn>
+                              </p:par>
+                              <p:par>
+                                <p:cTn id="17" presetID="10" presetClass="entr" presetSubtype="0" fill="hold" nodeType="withEffect">
+                                  <p:stCondLst>
+                                    <p:cond delay="1000"/>
+                                  </p:stCondLst>
+                                  <p:childTnLst>
+                                    <p:set>
+                                      <p:cBhvr>
+                                        <p:cTn id="18" dur="1" fill="hold">
+                                          <p:stCondLst>
+                                            <p:cond delay="0"/>
+                                          </p:stCondLst>
+                                        </p:cTn>
+                                        <p:tgtEl>
+                                          <p:spTgt spid="9"/>
+                                        </p:tgtEl>
+                                        <p:attrNameLst>
+                                          <p:attrName>style.visibility</p:attrName>
+                                        </p:attrNameLst>
+                                      </p:cBhvr>
+                                      <p:to>
+                                        <p:strVal val="visible"/>
+                                      </p:to>
+                                    </p:set>
+                                    <p:animEffect transition="in" filter="fade">
+                                      <p:cBhvr>
+                                        <p:cTn id="19" dur="500"/>
+                                        <p:tgtEl>
+                                          <p:spTgt spid="9"/>
+                                        </p:tgtEl>
+                                      </p:cBhvr>
+                                    </p:animEffect>
+                                  </p:childTnLst>
+                                </p:cTn>
+                              </p:par>
+                              <p:par>
+                                <p:cTn id="20" presetID="10" presetClass="entr" presetSubtype="0" fill="hold" grpId="0" nodeType="withEffect">
+                                  <p:stCondLst>
+                                    <p:cond delay="1000"/>
+                                  </p:stCondLst>
+                                  <p:childTnLst>
+                                    <p:set>
+                                      <p:cBhvr>
+                                        <p:cTn id="21" dur="1" fill="hold">
+                                          <p:stCondLst>
+                                            <p:cond delay="0"/>
+                                          </p:stCondLst>
+                                        </p:cTn>
+                                        <p:tgtEl>
+                                          <p:spTgt spid="25"/>
+                                        </p:tgtEl>
+                                        <p:attrNameLst>
+                                          <p:attrName>style.visibility</p:attrName>
+                                        </p:attrNameLst>
+                                      </p:cBhvr>
+                                      <p:to>
+                                        <p:strVal val="visible"/>
+                                      </p:to>
+                                    </p:set>
+                                    <p:animEffect transition="in" filter="fade">
+                                      <p:cBhvr>
+                                        <p:cTn id="22" dur="500"/>
+                                        <p:tgtEl>
+                                          <p:spTgt spid="25"/>
+                                        </p:tgtEl>
+                                      </p:cBhvr>
+                                    </p:animEffect>
+                                  </p:childTnLst>
+                                </p:cTn>
+                              </p:par>
+                            </p:childTnLst>
+                          </p:cTn>
+                        </p:par>
+                      </p:childTnLst>
+                    </p:cTn>
+                  </p:par>
+                  <p:par>
+                    <p:cTn id="23" fill="hold">
+                      <p:stCondLst>
+                        <p:cond delay="indefinite"/>
+                      </p:stCondLst>
+                      <p:childTnLst>
+                        <p:par>
+                          <p:cTn id="24" fill="hold">
+                            <p:stCondLst>
+                              <p:cond delay="0"/>
+                            </p:stCondLst>
+                            <p:childTnLst>
+                              <p:par>
+                                <p:cTn id="25" presetID="26" presetClass="emph" presetSubtype="0" fill="hold" grpId="1" nodeType="clickEffect">
+                                  <p:stCondLst>
+                                    <p:cond delay="0"/>
+                                  </p:stCondLst>
+                                  <p:childTnLst>
+                                    <p:animEffect transition="out" filter="fade">
+                                      <p:cBhvr>
+                                        <p:cTn id="26" dur="500" tmFilter="0, 0; .2, .5; .8, .5; 1, 0"/>
+                                        <p:tgtEl>
+                                          <p:spTgt spid="10"/>
+                                        </p:tgtEl>
+                                      </p:cBhvr>
+                                    </p:animEffect>
+                                    <p:animScale>
+                                      <p:cBhvr>
+                                        <p:cTn id="27" dur="250" autoRev="1" fill="hold"/>
+                                        <p:tgtEl>
+                                          <p:spTgt spid="10"/>
+                                        </p:tgtEl>
+                                      </p:cBhvr>
+                                      <p:by x="105000" y="105000"/>
+                                    </p:animScale>
+                                  </p:childTnLst>
+                                </p:cTn>
+                              </p:par>
+                              <p:par>
+                                <p:cTn id="28" presetID="26" presetClass="emph" presetSubtype="0" fill="hold" nodeType="withEffect">
+                                  <p:stCondLst>
+                                    <p:cond delay="0"/>
+                                  </p:stCondLst>
+                                  <p:childTnLst>
+                                    <p:animEffect transition="out" filter="fade">
+                                      <p:cBhvr>
+                                        <p:cTn id="29" dur="500" tmFilter="0, 0; .2, .5; .8, .5; 1, 0"/>
+                                        <p:tgtEl>
+                                          <p:spTgt spid="7"/>
+                                        </p:tgtEl>
+                                      </p:cBhvr>
+                                    </p:animEffect>
+                                    <p:animScale>
+                                      <p:cBhvr>
+                                        <p:cTn id="30" dur="250" autoRev="1" fill="hold"/>
+                                        <p:tgtEl>
+                                          <p:spTgt spid="7"/>
+                                        </p:tgtEl>
+                                      </p:cBhvr>
+                                      <p:by x="105000" y="105000"/>
+                                    </p:animScale>
+                                  </p:childTnLst>
+                                </p:cTn>
+                              </p:par>
+                            </p:childTnLst>
+                          </p:cTn>
+                        </p:par>
+                      </p:childTnLst>
+                    </p:cTn>
+                  </p:par>
+                  <p:par>
+                    <p:cTn id="31" fill="hold">
+                      <p:stCondLst>
+                        <p:cond delay="indefinite"/>
+                      </p:stCondLst>
+                      <p:childTnLst>
+                        <p:par>
+                          <p:cTn id="32" fill="hold">
+                            <p:stCondLst>
+                              <p:cond delay="0"/>
+                            </p:stCondLst>
+                            <p:childTnLst>
+                              <p:par>
+                                <p:cTn id="33" presetID="26" presetClass="emph" presetSubtype="0" fill="hold" grpId="1" nodeType="clickEffect">
+                                  <p:stCondLst>
+                                    <p:cond delay="0"/>
+                                  </p:stCondLst>
+                                  <p:childTnLst>
+                                    <p:animEffect transition="out" filter="fade">
+                                      <p:cBhvr>
+                                        <p:cTn id="34" dur="500" tmFilter="0, 0; .2, .5; .8, .5; 1, 0"/>
+                                        <p:tgtEl>
+                                          <p:spTgt spid="24"/>
+                                        </p:tgtEl>
+                                      </p:cBhvr>
+                                    </p:animEffect>
+                                    <p:animScale>
+                                      <p:cBhvr>
+                                        <p:cTn id="35" dur="250" autoRev="1" fill="hold"/>
+                                        <p:tgtEl>
+                                          <p:spTgt spid="24"/>
+                                        </p:tgtEl>
+                                      </p:cBhvr>
+                                      <p:by x="105000" y="105000"/>
+                                    </p:animScale>
+                                  </p:childTnLst>
+                                </p:cTn>
+                              </p:par>
+                              <p:par>
+                                <p:cTn id="36" presetID="26" presetClass="emph" presetSubtype="0" fill="hold" nodeType="withEffect">
+                                  <p:stCondLst>
+                                    <p:cond delay="0"/>
+                                  </p:stCondLst>
+                                  <p:childTnLst>
+                                    <p:animEffect transition="out" filter="fade">
+                                      <p:cBhvr>
+                                        <p:cTn id="37" dur="500" tmFilter="0, 0; .2, .5; .8, .5; 1, 0"/>
+                                        <p:tgtEl>
+                                          <p:spTgt spid="5"/>
+                                        </p:tgtEl>
+                                      </p:cBhvr>
+                                    </p:animEffect>
+                                    <p:animScale>
+                                      <p:cBhvr>
+                                        <p:cTn id="38" dur="250" autoRev="1" fill="hold"/>
+                                        <p:tgtEl>
+                                          <p:spTgt spid="5"/>
+                                        </p:tgtEl>
+                                      </p:cBhvr>
+                                      <p:by x="105000" y="105000"/>
+                                    </p:animScale>
+                                  </p:childTnLst>
+                                </p:cTn>
+                              </p:par>
+                            </p:childTnLst>
+                          </p:cTn>
+                        </p:par>
+                      </p:childTnLst>
+                    </p:cTn>
+                  </p:par>
+                  <p:par>
+                    <p:cTn id="39" fill="hold">
+                      <p:stCondLst>
+                        <p:cond delay="indefinite"/>
+                      </p:stCondLst>
+                      <p:childTnLst>
+                        <p:par>
+                          <p:cTn id="40" fill="hold">
+                            <p:stCondLst>
+                              <p:cond delay="0"/>
+                            </p:stCondLst>
+                            <p:childTnLst>
+                              <p:par>
+                                <p:cTn id="41" presetID="26" presetClass="emph" presetSubtype="0" fill="hold" nodeType="clickEffect">
+                                  <p:stCondLst>
+                                    <p:cond delay="0"/>
+                                  </p:stCondLst>
+                                  <p:childTnLst>
+                                    <p:animEffect transition="out" filter="fade">
+                                      <p:cBhvr>
+                                        <p:cTn id="42" dur="500" tmFilter="0, 0; .2, .5; .8, .5; 1, 0"/>
+                                        <p:tgtEl>
+                                          <p:spTgt spid="9"/>
+                                        </p:tgtEl>
+                                      </p:cBhvr>
+                                    </p:animEffect>
+                                    <p:animScale>
+                                      <p:cBhvr>
+                                        <p:cTn id="43" dur="250" autoRev="1" fill="hold"/>
+                                        <p:tgtEl>
+                                          <p:spTgt spid="9"/>
+                                        </p:tgtEl>
+                                      </p:cBhvr>
+                                      <p:by x="105000" y="105000"/>
+                                    </p:animScale>
+                                  </p:childTnLst>
+                                </p:cTn>
+                              </p:par>
+                              <p:par>
+                                <p:cTn id="44" presetID="26" presetClass="emph" presetSubtype="0" fill="hold" grpId="1" nodeType="withEffect">
+                                  <p:stCondLst>
+                                    <p:cond delay="0"/>
+                                  </p:stCondLst>
+                                  <p:childTnLst>
+                                    <p:animEffect transition="out" filter="fade">
+                                      <p:cBhvr>
+                                        <p:cTn id="45" dur="500" tmFilter="0, 0; .2, .5; .8, .5; 1, 0"/>
+                                        <p:tgtEl>
+                                          <p:spTgt spid="25"/>
+                                        </p:tgtEl>
+                                      </p:cBhvr>
+                                    </p:animEffect>
+                                    <p:animScale>
+                                      <p:cBhvr>
+                                        <p:cTn id="46" dur="250" autoRev="1" fill="hold"/>
+                                        <p:tgtEl>
+                                          <p:spTgt spid="25"/>
+                                        </p:tgtEl>
+                                      </p:cBhvr>
+                                      <p:by x="105000" y="105000"/>
+                                    </p:animScale>
+                                  </p:childTnLst>
+                                </p:cTn>
+                              </p:par>
+                            </p:childTnLst>
+                          </p:cTn>
+                        </p:par>
+                      </p:childTnLst>
+                    </p:cTn>
+                  </p:par>
+                </p:childTnLst>
+              </p:cTn>
+              <p:prevCondLst>
+                <p:cond evt="onPrev" delay="0">
+                  <p:tgtEl>
+                    <p:sldTgt/>
+                  </p:tgtEl>
+                </p:cond>
+              </p:prevCondLst>
+              <p:nextCondLst>
+                <p:cond evt="onNext" delay="0">
+                  <p:tgtEl>
+                    <p:sldTgt/>
+                  </p:tgtEl>
+                </p:cond>
+              </p:nextCondLst>
+            </p:seq>
+          </p:childTnLst>
+        </p:cTn>
+      </p:par>
+    </p:tnLst>
+    <p:bldLst>
+      <p:bldP spid="10" grpId="0"/>
+      <p:bldP spid="10" grpId="1"/>
+      <p:bldP spid="24" grpId="0"/>
+      <p:bldP spid="24" grpId="1"/>
+      <p:bldP spid="25" grpId="0"/>
+      <p:bldP spid="25" grpId="1"/>
+    </p:bldLst>
+  </p:timing>
 </p:sld>
 </file>
 
-<file path=ppt/slides/slide15.xml><?xml version="1.0" encoding="utf-8"?>
+<file path=ppt/slides/slide16.xml><?xml version="1.0" encoding="utf-8"?>
 <p:sld xmlns:a="http://schemas.openxmlformats.org/drawingml/2006/main" xmlns:r="http://schemas.openxmlformats.org/officeDocument/2006/relationships" xmlns:p="http://schemas.openxmlformats.org/presentationml/2006/main">
   <p:cSld>
     <p:spTree>
@@ -8942,7 +11463,7 @@
 </p:sld>
 </file>
 
-<file path=ppt/slides/slide16.xml><?xml version="1.0" encoding="utf-8"?>
+<file path=ppt/slides/slide17.xml><?xml version="1.0" encoding="utf-8"?>
 <p:sld xmlns:a="http://schemas.openxmlformats.org/drawingml/2006/main" xmlns:r="http://schemas.openxmlformats.org/officeDocument/2006/relationships" xmlns:p="http://schemas.openxmlformats.org/presentationml/2006/main">
   <p:cSld>
     <p:spTree>
@@ -9304,7 +11825,7 @@
 </p:sld>
 </file>
 
-<file path=ppt/slides/slide17.xml><?xml version="1.0" encoding="utf-8"?>
+<file path=ppt/slides/slide18.xml><?xml version="1.0" encoding="utf-8"?>
 <p:sld xmlns:a="http://schemas.openxmlformats.org/drawingml/2006/main" xmlns:r="http://schemas.openxmlformats.org/officeDocument/2006/relationships" xmlns:p="http://schemas.openxmlformats.org/presentationml/2006/main" show="0">
   <p:cSld>
     <p:spTree>
@@ -10603,7 +13124,7 @@
 </p:sld>
 </file>
 
-<file path=ppt/slides/slide18.xml><?xml version="1.0" encoding="utf-8"?>
+<file path=ppt/slides/slide19.xml><?xml version="1.0" encoding="utf-8"?>
 <p:sld xmlns:a="http://schemas.openxmlformats.org/drawingml/2006/main" xmlns:r="http://schemas.openxmlformats.org/officeDocument/2006/relationships" xmlns:p="http://schemas.openxmlformats.org/presentationml/2006/main">
   <p:cSld>
     <p:spTree>
@@ -10634,7 +13155,7 @@
         </p:nvSpPr>
         <p:spPr>
           <a:xfrm>
-            <a:off x="873876" y="2596737"/>
+            <a:off x="873876" y="2347588"/>
             <a:ext cx="5329125" cy="1104748"/>
           </a:xfrm>
           <a:prstGeom prst="rect">
@@ -10702,7 +13223,7 @@
         </p:nvSpPr>
         <p:spPr>
           <a:xfrm>
-            <a:off x="415427" y="1607719"/>
+            <a:off x="415427" y="1358570"/>
             <a:ext cx="11361146" cy="693174"/>
           </a:xfrm>
           <a:prstGeom prst="snip2DiagRect">
@@ -10766,7 +13287,7 @@
         </p:nvSpPr>
         <p:spPr>
           <a:xfrm>
-            <a:off x="873876" y="3934723"/>
+            <a:off x="873876" y="3685574"/>
             <a:ext cx="5329125" cy="1104748"/>
           </a:xfrm>
           <a:prstGeom prst="rect">
@@ -10834,7 +13355,7 @@
         </p:nvSpPr>
         <p:spPr>
           <a:xfrm>
-            <a:off x="873876" y="5272709"/>
+            <a:off x="873876" y="5023560"/>
             <a:ext cx="5329125" cy="1104748"/>
           </a:xfrm>
           <a:prstGeom prst="rect">
@@ -10987,7 +13508,7 @@
         </p:blipFill>
         <p:spPr>
           <a:xfrm>
-            <a:off x="6388138" y="2841373"/>
+            <a:off x="6388138" y="2592224"/>
             <a:ext cx="615476" cy="615476"/>
           </a:xfrm>
           <a:prstGeom prst="rect">
@@ -11023,7 +13544,7 @@
         </p:blipFill>
         <p:spPr>
           <a:xfrm>
-            <a:off x="6388138" y="4177721"/>
+            <a:off x="6388138" y="3928572"/>
             <a:ext cx="615476" cy="615476"/>
           </a:xfrm>
           <a:prstGeom prst="rect">
@@ -11059,7 +13580,7 @@
         </p:blipFill>
         <p:spPr>
           <a:xfrm>
-            <a:off x="6388138" y="5517345"/>
+            <a:off x="6388138" y="5268196"/>
             <a:ext cx="615476" cy="615476"/>
           </a:xfrm>
           <a:prstGeom prst="rect">
@@ -11081,7 +13602,7 @@
         </p:nvSpPr>
         <p:spPr>
           <a:xfrm>
-            <a:off x="7148076" y="2596738"/>
+            <a:off x="7148076" y="2347589"/>
             <a:ext cx="4473744" cy="1104748"/>
           </a:xfrm>
           <a:prstGeom prst="rect">
@@ -11171,7 +13692,7 @@
         </p:nvSpPr>
         <p:spPr>
           <a:xfrm>
-            <a:off x="7148076" y="3934723"/>
+            <a:off x="7148076" y="3685574"/>
             <a:ext cx="4473744" cy="1104748"/>
           </a:xfrm>
           <a:prstGeom prst="rect">
@@ -11237,7 +13758,7 @@
                   <a:schemeClr val="tx1"/>
                 </a:solidFill>
               </a:rPr>
-              <a:t>・ チーム内での問題解決力</a:t>
+              <a:t>・ チーム内での問題解決力の高さ</a:t>
             </a:r>
             <a:endParaRPr kumimoji="1" lang="en-US" altLang="ja-JP" sz="2400" dirty="0">
               <a:solidFill>
@@ -11261,7 +13782,7 @@
         </p:nvSpPr>
         <p:spPr>
           <a:xfrm>
-            <a:off x="7148075" y="5272708"/>
+            <a:off x="7148075" y="5023559"/>
             <a:ext cx="5043925" cy="1104748"/>
           </a:xfrm>
           <a:prstGeom prst="rect">
@@ -11347,22 +13868,546 @@
   <p:clrMapOvr>
     <a:masterClrMapping/>
   </p:clrMapOvr>
-  <mc:AlternateContent xmlns:mc="http://schemas.openxmlformats.org/markup-compatibility/2006">
-    <mc:Choice xmlns:p159="http://schemas.microsoft.com/office/powerpoint/2015/09/main" Requires="p159">
-      <p:transition xmlns:p14="http://schemas.microsoft.com/office/powerpoint/2010/main" spd="slow" p14:dur="2000">
-        <p159:morph option="byObject"/>
-      </p:transition>
-    </mc:Choice>
-    <mc:Fallback>
-      <p:transition spd="slow">
-        <p:fade/>
-      </p:transition>
-    </mc:Fallback>
-  </mc:AlternateContent>
+  <p:timing>
+    <p:tnLst>
+      <p:par>
+        <p:cTn id="1" dur="indefinite" restart="never" nodeType="tmRoot">
+          <p:childTnLst>
+            <p:seq concurrent="1" nextAc="seek">
+              <p:cTn id="2" dur="indefinite" nodeType="mainSeq">
+                <p:childTnLst>
+                  <p:par>
+                    <p:cTn id="3" fill="hold">
+                      <p:stCondLst>
+                        <p:cond delay="indefinite"/>
+                      </p:stCondLst>
+                      <p:childTnLst>
+                        <p:par>
+                          <p:cTn id="4" fill="hold">
+                            <p:stCondLst>
+                              <p:cond delay="0"/>
+                            </p:stCondLst>
+                            <p:childTnLst>
+                              <p:par>
+                                <p:cTn id="5" presetID="22" presetClass="entr" presetSubtype="4" fill="hold" nodeType="clickEffect">
+                                  <p:stCondLst>
+                                    <p:cond delay="0"/>
+                                  </p:stCondLst>
+                                  <p:childTnLst>
+                                    <p:set>
+                                      <p:cBhvr>
+                                        <p:cTn id="6" dur="1" fill="hold">
+                                          <p:stCondLst>
+                                            <p:cond delay="0"/>
+                                          </p:stCondLst>
+                                        </p:cTn>
+                                        <p:tgtEl>
+                                          <p:spTgt spid="31"/>
+                                        </p:tgtEl>
+                                        <p:attrNameLst>
+                                          <p:attrName>style.visibility</p:attrName>
+                                        </p:attrNameLst>
+                                      </p:cBhvr>
+                                      <p:to>
+                                        <p:strVal val="visible"/>
+                                      </p:to>
+                                    </p:set>
+                                    <p:animEffect transition="in" filter="wipe(down)">
+                                      <p:cBhvr>
+                                        <p:cTn id="7" dur="500"/>
+                                        <p:tgtEl>
+                                          <p:spTgt spid="31"/>
+                                        </p:tgtEl>
+                                      </p:cBhvr>
+                                    </p:animEffect>
+                                  </p:childTnLst>
+                                </p:cTn>
+                              </p:par>
+                              <p:par>
+                                <p:cTn id="8" presetID="22" presetClass="entr" presetSubtype="4" fill="hold" grpId="0" nodeType="withEffect">
+                                  <p:stCondLst>
+                                    <p:cond delay="0"/>
+                                  </p:stCondLst>
+                                  <p:childTnLst>
+                                    <p:set>
+                                      <p:cBhvr>
+                                        <p:cTn id="9" dur="1" fill="hold">
+                                          <p:stCondLst>
+                                            <p:cond delay="0"/>
+                                          </p:stCondLst>
+                                        </p:cTn>
+                                        <p:tgtEl>
+                                          <p:spTgt spid="34"/>
+                                        </p:tgtEl>
+                                        <p:attrNameLst>
+                                          <p:attrName>style.visibility</p:attrName>
+                                        </p:attrNameLst>
+                                      </p:cBhvr>
+                                      <p:to>
+                                        <p:strVal val="visible"/>
+                                      </p:to>
+                                    </p:set>
+                                    <p:animEffect transition="in" filter="wipe(down)">
+                                      <p:cBhvr>
+                                        <p:cTn id="10" dur="500"/>
+                                        <p:tgtEl>
+                                          <p:spTgt spid="34"/>
+                                        </p:tgtEl>
+                                      </p:cBhvr>
+                                    </p:animEffect>
+                                  </p:childTnLst>
+                                </p:cTn>
+                              </p:par>
+                            </p:childTnLst>
+                          </p:cTn>
+                        </p:par>
+                      </p:childTnLst>
+                    </p:cTn>
+                  </p:par>
+                  <p:par>
+                    <p:cTn id="11" fill="hold">
+                      <p:stCondLst>
+                        <p:cond delay="indefinite"/>
+                      </p:stCondLst>
+                      <p:childTnLst>
+                        <p:par>
+                          <p:cTn id="12" fill="hold">
+                            <p:stCondLst>
+                              <p:cond delay="0"/>
+                            </p:stCondLst>
+                            <p:childTnLst>
+                              <p:par>
+                                <p:cTn id="13" presetID="22" presetClass="entr" presetSubtype="4" fill="hold" grpId="0" nodeType="clickEffect">
+                                  <p:stCondLst>
+                                    <p:cond delay="0"/>
+                                  </p:stCondLst>
+                                  <p:childTnLst>
+                                    <p:set>
+                                      <p:cBhvr>
+                                        <p:cTn id="14" dur="1" fill="hold">
+                                          <p:stCondLst>
+                                            <p:cond delay="0"/>
+                                          </p:stCondLst>
+                                        </p:cTn>
+                                        <p:tgtEl>
+                                          <p:spTgt spid="35"/>
+                                        </p:tgtEl>
+                                        <p:attrNameLst>
+                                          <p:attrName>style.visibility</p:attrName>
+                                        </p:attrNameLst>
+                                      </p:cBhvr>
+                                      <p:to>
+                                        <p:strVal val="visible"/>
+                                      </p:to>
+                                    </p:set>
+                                    <p:animEffect transition="in" filter="wipe(down)">
+                                      <p:cBhvr>
+                                        <p:cTn id="15" dur="500"/>
+                                        <p:tgtEl>
+                                          <p:spTgt spid="35"/>
+                                        </p:tgtEl>
+                                      </p:cBhvr>
+                                    </p:animEffect>
+                                  </p:childTnLst>
+                                </p:cTn>
+                              </p:par>
+                              <p:par>
+                                <p:cTn id="16" presetID="22" presetClass="entr" presetSubtype="4" fill="hold" nodeType="withEffect">
+                                  <p:stCondLst>
+                                    <p:cond delay="0"/>
+                                  </p:stCondLst>
+                                  <p:childTnLst>
+                                    <p:set>
+                                      <p:cBhvr>
+                                        <p:cTn id="17" dur="1" fill="hold">
+                                          <p:stCondLst>
+                                            <p:cond delay="0"/>
+                                          </p:stCondLst>
+                                        </p:cTn>
+                                        <p:tgtEl>
+                                          <p:spTgt spid="32"/>
+                                        </p:tgtEl>
+                                        <p:attrNameLst>
+                                          <p:attrName>style.visibility</p:attrName>
+                                        </p:attrNameLst>
+                                      </p:cBhvr>
+                                      <p:to>
+                                        <p:strVal val="visible"/>
+                                      </p:to>
+                                    </p:set>
+                                    <p:animEffect transition="in" filter="wipe(down)">
+                                      <p:cBhvr>
+                                        <p:cTn id="18" dur="500"/>
+                                        <p:tgtEl>
+                                          <p:spTgt spid="32"/>
+                                        </p:tgtEl>
+                                      </p:cBhvr>
+                                    </p:animEffect>
+                                  </p:childTnLst>
+                                </p:cTn>
+                              </p:par>
+                            </p:childTnLst>
+                          </p:cTn>
+                        </p:par>
+                      </p:childTnLst>
+                    </p:cTn>
+                  </p:par>
+                  <p:par>
+                    <p:cTn id="19" fill="hold">
+                      <p:stCondLst>
+                        <p:cond delay="indefinite"/>
+                      </p:stCondLst>
+                      <p:childTnLst>
+                        <p:par>
+                          <p:cTn id="20" fill="hold">
+                            <p:stCondLst>
+                              <p:cond delay="0"/>
+                            </p:stCondLst>
+                            <p:childTnLst>
+                              <p:par>
+                                <p:cTn id="21" presetID="22" presetClass="entr" presetSubtype="4" fill="hold" nodeType="clickEffect">
+                                  <p:stCondLst>
+                                    <p:cond delay="0"/>
+                                  </p:stCondLst>
+                                  <p:childTnLst>
+                                    <p:set>
+                                      <p:cBhvr>
+                                        <p:cTn id="22" dur="1" fill="hold">
+                                          <p:stCondLst>
+                                            <p:cond delay="0"/>
+                                          </p:stCondLst>
+                                        </p:cTn>
+                                        <p:tgtEl>
+                                          <p:spTgt spid="33"/>
+                                        </p:tgtEl>
+                                        <p:attrNameLst>
+                                          <p:attrName>style.visibility</p:attrName>
+                                        </p:attrNameLst>
+                                      </p:cBhvr>
+                                      <p:to>
+                                        <p:strVal val="visible"/>
+                                      </p:to>
+                                    </p:set>
+                                    <p:animEffect transition="in" filter="wipe(down)">
+                                      <p:cBhvr>
+                                        <p:cTn id="23" dur="500"/>
+                                        <p:tgtEl>
+                                          <p:spTgt spid="33"/>
+                                        </p:tgtEl>
+                                      </p:cBhvr>
+                                    </p:animEffect>
+                                  </p:childTnLst>
+                                </p:cTn>
+                              </p:par>
+                              <p:par>
+                                <p:cTn id="24" presetID="22" presetClass="entr" presetSubtype="4" fill="hold" grpId="0" nodeType="withEffect">
+                                  <p:stCondLst>
+                                    <p:cond delay="0"/>
+                                  </p:stCondLst>
+                                  <p:childTnLst>
+                                    <p:set>
+                                      <p:cBhvr>
+                                        <p:cTn id="25" dur="1" fill="hold">
+                                          <p:stCondLst>
+                                            <p:cond delay="0"/>
+                                          </p:stCondLst>
+                                        </p:cTn>
+                                        <p:tgtEl>
+                                          <p:spTgt spid="36"/>
+                                        </p:tgtEl>
+                                        <p:attrNameLst>
+                                          <p:attrName>style.visibility</p:attrName>
+                                        </p:attrNameLst>
+                                      </p:cBhvr>
+                                      <p:to>
+                                        <p:strVal val="visible"/>
+                                      </p:to>
+                                    </p:set>
+                                    <p:animEffect transition="in" filter="wipe(down)">
+                                      <p:cBhvr>
+                                        <p:cTn id="26" dur="500"/>
+                                        <p:tgtEl>
+                                          <p:spTgt spid="36"/>
+                                        </p:tgtEl>
+                                      </p:cBhvr>
+                                    </p:animEffect>
+                                  </p:childTnLst>
+                                </p:cTn>
+                              </p:par>
+                            </p:childTnLst>
+                          </p:cTn>
+                        </p:par>
+                      </p:childTnLst>
+                    </p:cTn>
+                  </p:par>
+                </p:childTnLst>
+              </p:cTn>
+              <p:prevCondLst>
+                <p:cond evt="onPrev" delay="0">
+                  <p:tgtEl>
+                    <p:sldTgt/>
+                  </p:tgtEl>
+                </p:cond>
+              </p:prevCondLst>
+              <p:nextCondLst>
+                <p:cond evt="onNext" delay="0">
+                  <p:tgtEl>
+                    <p:sldTgt/>
+                  </p:tgtEl>
+                </p:cond>
+              </p:nextCondLst>
+            </p:seq>
+          </p:childTnLst>
+        </p:cTn>
+      </p:par>
+    </p:tnLst>
+    <p:bldLst>
+      <p:bldP spid="34" grpId="0" animBg="1"/>
+      <p:bldP spid="35" grpId="0" animBg="1"/>
+      <p:bldP spid="36" grpId="0" animBg="1"/>
+    </p:bldLst>
+  </p:timing>
 </p:sld>
 </file>
 
-<file path=ppt/slides/slide19.xml><?xml version="1.0" encoding="utf-8"?>
+<file path=ppt/slides/slide2.xml><?xml version="1.0" encoding="utf-8"?>
+<p:sld xmlns:a="http://schemas.openxmlformats.org/drawingml/2006/main" xmlns:r="http://schemas.openxmlformats.org/officeDocument/2006/relationships" xmlns:p="http://schemas.openxmlformats.org/presentationml/2006/main" show="0">
+  <p:cSld>
+    <p:spTree>
+      <p:nvGrpSpPr>
+        <p:cNvPr id="1" name=""/>
+        <p:cNvGrpSpPr/>
+        <p:nvPr/>
+      </p:nvGrpSpPr>
+      <p:grpSpPr>
+        <a:xfrm>
+          <a:off x="0" y="0"/>
+          <a:ext cx="0" cy="0"/>
+          <a:chOff x="0" y="0"/>
+          <a:chExt cx="0" cy="0"/>
+        </a:xfrm>
+      </p:grpSpPr>
+      <p:sp>
+        <p:nvSpPr>
+          <p:cNvPr id="3" name="コンテンツ プレースホルダー 2">
+            <a:extLst>
+              <a:ext uri="{FF2B5EF4-FFF2-40B4-BE49-F238E27FC236}">
+                <a16:creationId xmlns:a16="http://schemas.microsoft.com/office/drawing/2014/main" id="{7D3A1EDC-CF41-4438-BB57-18569B953129}"/>
+              </a:ext>
+            </a:extLst>
+          </p:cNvPr>
+          <p:cNvSpPr>
+            <a:spLocks noGrp="1"/>
+          </p:cNvSpPr>
+          <p:nvPr>
+            <p:ph idx="4294967295"/>
+          </p:nvPr>
+        </p:nvSpPr>
+        <p:spPr>
+          <a:xfrm>
+            <a:off x="639247" y="1469745"/>
+            <a:ext cx="10913505" cy="4707218"/>
+          </a:xfrm>
+        </p:spPr>
+        <p:txBody>
+          <a:bodyPr rtlCol="0">
+            <a:normAutofit/>
+          </a:bodyPr>
+          <a:lstStyle/>
+          <a:p>
+            <a:pPr marL="0" indent="0">
+              <a:lnSpc>
+                <a:spcPct val="100000"/>
+              </a:lnSpc>
+              <a:buNone/>
+            </a:pPr>
+            <a:r>
+              <a:rPr lang="en-US" altLang="ja-JP" dirty="0"/>
+              <a:t>【</a:t>
+            </a:r>
+            <a:r>
+              <a:rPr lang="ja-JP" altLang="en-US" dirty="0"/>
+              <a:t>型　案</a:t>
+            </a:r>
+            <a:r>
+              <a:rPr lang="en-US" altLang="ja-JP" dirty="0"/>
+              <a:t>】</a:t>
+            </a:r>
+          </a:p>
+          <a:p>
+            <a:pPr marL="0" indent="0">
+              <a:lnSpc>
+                <a:spcPct val="100000"/>
+              </a:lnSpc>
+              <a:buNone/>
+            </a:pPr>
+            <a:r>
+              <a:rPr lang="ja-JP" altLang="en-US" dirty="0"/>
+              <a:t>チーム紹介（チーム名、メンバーおよび担当）</a:t>
+            </a:r>
+            <a:endParaRPr lang="en-US" altLang="ja-JP" dirty="0"/>
+          </a:p>
+          <a:p>
+            <a:pPr marL="0" indent="0">
+              <a:lnSpc>
+                <a:spcPct val="100000"/>
+              </a:lnSpc>
+              <a:buNone/>
+            </a:pPr>
+            <a:r>
+              <a:rPr lang="ja-JP" altLang="en-US" dirty="0"/>
+              <a:t>システム紹介（システム名、コンセプト、生まれた背景）</a:t>
+            </a:r>
+            <a:endParaRPr lang="en-US" altLang="ja-JP" dirty="0"/>
+          </a:p>
+          <a:p>
+            <a:pPr marL="0" indent="0">
+              <a:lnSpc>
+                <a:spcPct val="100000"/>
+              </a:lnSpc>
+              <a:buNone/>
+            </a:pPr>
+            <a:r>
+              <a:rPr lang="ja-JP" altLang="en-US" dirty="0"/>
+              <a:t>デモンストレーション</a:t>
+            </a:r>
+            <a:endParaRPr lang="en-US" altLang="ja-JP" dirty="0"/>
+          </a:p>
+          <a:p>
+            <a:pPr marL="0" indent="0">
+              <a:lnSpc>
+                <a:spcPct val="100000"/>
+              </a:lnSpc>
+              <a:buNone/>
+            </a:pPr>
+            <a:r>
+              <a:rPr lang="ja-JP" altLang="en-US" dirty="0"/>
+              <a:t>システムの課題や問題点、できたこと・できなかったこと</a:t>
+            </a:r>
+            <a:endParaRPr lang="en-US" altLang="ja-JP" dirty="0"/>
+          </a:p>
+          <a:p>
+            <a:pPr marL="0" indent="0">
+              <a:lnSpc>
+                <a:spcPct val="100000"/>
+              </a:lnSpc>
+              <a:buNone/>
+            </a:pPr>
+            <a:r>
+              <a:rPr lang="ja-JP" altLang="en-US" dirty="0"/>
+              <a:t>チームとしてぶつかった壁</a:t>
+            </a:r>
+            <a:endParaRPr lang="en-US" altLang="ja-JP" dirty="0"/>
+          </a:p>
+          <a:p>
+            <a:pPr marL="0" indent="0">
+              <a:lnSpc>
+                <a:spcPct val="100000"/>
+              </a:lnSpc>
+              <a:buNone/>
+            </a:pPr>
+            <a:r>
+              <a:rPr lang="ja-JP" altLang="en-US" dirty="0"/>
+              <a:t>個人ごとの振り返り（担当を踏まえて）</a:t>
+            </a:r>
+            <a:endParaRPr lang="en-US" altLang="ja" dirty="0"/>
+          </a:p>
+          <a:p>
+            <a:pPr marL="0" indent="0" rtl="0">
+              <a:lnSpc>
+                <a:spcPct val="200000"/>
+              </a:lnSpc>
+              <a:buNone/>
+            </a:pPr>
+            <a:r>
+              <a:rPr lang="en-US" altLang="ja-JP" dirty="0"/>
+              <a:t>【</a:t>
+            </a:r>
+            <a:r>
+              <a:rPr lang="ja-JP" altLang="en-US" dirty="0"/>
+              <a:t>その他　案</a:t>
+            </a:r>
+            <a:r>
+              <a:rPr lang="en-US" altLang="ja-JP" dirty="0"/>
+              <a:t>】</a:t>
+            </a:r>
+          </a:p>
+          <a:p>
+            <a:pPr marL="0" indent="0" rtl="0">
+              <a:lnSpc>
+                <a:spcPct val="100000"/>
+              </a:lnSpc>
+              <a:buNone/>
+            </a:pPr>
+            <a:r>
+              <a:rPr lang="ja-JP" altLang="en-US" dirty="0"/>
+              <a:t>楽しかったこと・辛かったこと</a:t>
+            </a:r>
+            <a:endParaRPr lang="en-US" altLang="ja-JP" dirty="0"/>
+          </a:p>
+          <a:p>
+            <a:pPr marL="0" indent="0" rtl="0">
+              <a:lnSpc>
+                <a:spcPct val="100000"/>
+              </a:lnSpc>
+              <a:buNone/>
+            </a:pPr>
+            <a:r>
+              <a:rPr lang="ja-JP" altLang="en-US" dirty="0"/>
+              <a:t>各所</a:t>
+            </a:r>
+            <a:r>
+              <a:rPr lang="en-US" altLang="ja-JP" dirty="0"/>
+              <a:t>MVP…</a:t>
+            </a:r>
+            <a:endParaRPr lang="ja" dirty="0"/>
+          </a:p>
+        </p:txBody>
+      </p:sp>
+      <p:sp>
+        <p:nvSpPr>
+          <p:cNvPr id="2" name="タイトル 1">
+            <a:extLst>
+              <a:ext uri="{FF2B5EF4-FFF2-40B4-BE49-F238E27FC236}">
+                <a16:creationId xmlns:a16="http://schemas.microsoft.com/office/drawing/2014/main" id="{5CFB284A-573D-46BB-8DDB-1E198A12A19F}"/>
+              </a:ext>
+            </a:extLst>
+          </p:cNvPr>
+          <p:cNvSpPr>
+            <a:spLocks noGrp="1"/>
+          </p:cNvSpPr>
+          <p:nvPr>
+            <p:ph type="title"/>
+          </p:nvPr>
+        </p:nvSpPr>
+        <p:spPr/>
+        <p:txBody>
+          <a:bodyPr rtlCol="0"/>
+          <a:lstStyle/>
+          <a:p>
+            <a:pPr rtl="0"/>
+            <a:r>
+              <a:rPr lang="ja-JP" altLang="en-US" sz="4000" dirty="0"/>
+              <a:t>発表の流れ　案</a:t>
+            </a:r>
+            <a:endParaRPr lang="ja" sz="4000" dirty="0"/>
+          </a:p>
+        </p:txBody>
+      </p:sp>
+    </p:spTree>
+    <p:extLst>
+      <p:ext uri="{BB962C8B-B14F-4D97-AF65-F5344CB8AC3E}">
+        <p14:creationId xmlns:p14="http://schemas.microsoft.com/office/powerpoint/2010/main" val="1459366218"/>
+      </p:ext>
+    </p:extLst>
+  </p:cSld>
+  <p:clrMapOvr>
+    <a:masterClrMapping/>
+  </p:clrMapOvr>
+</p:sld>
+</file>
+
+<file path=ppt/slides/slide20.xml><?xml version="1.0" encoding="utf-8"?>
 <p:sld xmlns:a="http://schemas.openxmlformats.org/drawingml/2006/main" xmlns:r="http://schemas.openxmlformats.org/officeDocument/2006/relationships" xmlns:p="http://schemas.openxmlformats.org/presentationml/2006/main">
   <p:cSld>
     <p:spTree>
@@ -11393,7 +14438,7 @@
         </p:nvSpPr>
         <p:spPr>
           <a:xfrm>
-            <a:off x="639413" y="2528137"/>
+            <a:off x="639413" y="2269869"/>
             <a:ext cx="10904438" cy="872438"/>
           </a:xfrm>
           <a:prstGeom prst="rect">
@@ -11475,7 +14520,7 @@
         </p:blipFill>
         <p:spPr>
           <a:xfrm>
-            <a:off x="2839066" y="3518325"/>
+            <a:off x="2839066" y="3260057"/>
             <a:ext cx="615476" cy="615476"/>
           </a:xfrm>
           <a:prstGeom prst="rect">
@@ -11497,7 +14542,7 @@
         </p:nvSpPr>
         <p:spPr>
           <a:xfrm>
-            <a:off x="3454542" y="3518324"/>
+            <a:off x="3454542" y="3260056"/>
             <a:ext cx="7307243" cy="1104747"/>
           </a:xfrm>
           <a:prstGeom prst="rect">
@@ -11628,7 +14673,7 @@
         </p:nvSpPr>
         <p:spPr>
           <a:xfrm>
-            <a:off x="2696308" y="4786722"/>
+            <a:off x="2696308" y="4528454"/>
             <a:ext cx="8847543" cy="693175"/>
           </a:xfrm>
           <a:prstGeom prst="rect">
@@ -11696,7 +14741,7 @@
         </p:nvSpPr>
         <p:spPr>
           <a:xfrm>
-            <a:off x="648150" y="4786723"/>
+            <a:off x="648150" y="4528455"/>
             <a:ext cx="2294556" cy="693174"/>
           </a:xfrm>
           <a:prstGeom prst="snip2DiagRect">
@@ -11902,7 +14947,7 @@
         </p:blipFill>
         <p:spPr>
           <a:xfrm>
-            <a:off x="2839066" y="5551651"/>
+            <a:off x="2839066" y="5293383"/>
             <a:ext cx="615476" cy="615476"/>
           </a:xfrm>
           <a:prstGeom prst="rect">
@@ -11924,7 +14969,7 @@
         </p:nvSpPr>
         <p:spPr>
           <a:xfrm>
-            <a:off x="3454542" y="5643548"/>
+            <a:off x="3454542" y="5385280"/>
             <a:ext cx="8089309" cy="1034702"/>
           </a:xfrm>
           <a:prstGeom prst="rect">
@@ -12047,7 +15092,7 @@
         </p:nvSpPr>
         <p:spPr>
           <a:xfrm>
-            <a:off x="415427" y="1607719"/>
+            <a:off x="415427" y="1349451"/>
             <a:ext cx="11361146" cy="693174"/>
           </a:xfrm>
           <a:prstGeom prst="snip2DiagRect">
@@ -12107,533 +15152,332 @@
   <p:clrMapOvr>
     <a:masterClrMapping/>
   </p:clrMapOvr>
+  <mc:AlternateContent xmlns:mc="http://schemas.openxmlformats.org/markup-compatibility/2006">
+    <mc:Choice xmlns:p14="http://schemas.microsoft.com/office/powerpoint/2010/main" Requires="p14">
+      <p:transition p14:dur="10"/>
+    </mc:Choice>
+    <mc:Fallback>
+      <p:transition/>
+    </mc:Fallback>
+  </mc:AlternateContent>
+  <p:timing>
+    <p:tnLst>
+      <p:par>
+        <p:cTn id="1" dur="indefinite" restart="never" nodeType="tmRoot">
+          <p:childTnLst>
+            <p:seq concurrent="1" nextAc="seek">
+              <p:cTn id="2" dur="indefinite" nodeType="mainSeq">
+                <p:childTnLst>
+                  <p:par>
+                    <p:cTn id="3" fill="hold">
+                      <p:stCondLst>
+                        <p:cond delay="indefinite"/>
+                      </p:stCondLst>
+                      <p:childTnLst>
+                        <p:par>
+                          <p:cTn id="4" fill="hold">
+                            <p:stCondLst>
+                              <p:cond delay="0"/>
+                            </p:stCondLst>
+                            <p:childTnLst>
+                              <p:par>
+                                <p:cTn id="5" presetID="26" presetClass="emph" presetSubtype="0" fill="hold" nodeType="clickEffect">
+                                  <p:stCondLst>
+                                    <p:cond delay="0"/>
+                                  </p:stCondLst>
+                                  <p:childTnLst>
+                                    <p:animEffect transition="out" filter="fade">
+                                      <p:cBhvr>
+                                        <p:cTn id="6" dur="500" tmFilter="0, 0; .2, .5; .8, .5; 1, 0"/>
+                                        <p:tgtEl>
+                                          <p:spTgt spid="27">
+                                            <p:txEl>
+                                              <p:pRg st="0" end="0"/>
+                                            </p:txEl>
+                                          </p:spTgt>
+                                        </p:tgtEl>
+                                      </p:cBhvr>
+                                    </p:animEffect>
+                                    <p:animScale>
+                                      <p:cBhvr>
+                                        <p:cTn id="7" dur="250" autoRev="1" fill="hold"/>
+                                        <p:tgtEl>
+                                          <p:spTgt spid="27">
+                                            <p:txEl>
+                                              <p:pRg st="0" end="0"/>
+                                            </p:txEl>
+                                          </p:spTgt>
+                                        </p:tgtEl>
+                                      </p:cBhvr>
+                                      <p:by x="105000" y="105000"/>
+                                    </p:animScale>
+                                  </p:childTnLst>
+                                </p:cTn>
+                              </p:par>
+                            </p:childTnLst>
+                          </p:cTn>
+                        </p:par>
+                      </p:childTnLst>
+                    </p:cTn>
+                  </p:par>
+                  <p:par>
+                    <p:cTn id="8" fill="hold">
+                      <p:stCondLst>
+                        <p:cond delay="indefinite"/>
+                      </p:stCondLst>
+                      <p:childTnLst>
+                        <p:par>
+                          <p:cTn id="9" fill="hold">
+                            <p:stCondLst>
+                              <p:cond delay="0"/>
+                            </p:stCondLst>
+                            <p:childTnLst>
+                              <p:par>
+                                <p:cTn id="10" presetID="10" presetClass="entr" presetSubtype="0" fill="hold" grpId="0" nodeType="clickEffect">
+                                  <p:stCondLst>
+                                    <p:cond delay="0"/>
+                                  </p:stCondLst>
+                                  <p:childTnLst>
+                                    <p:set>
+                                      <p:cBhvr>
+                                        <p:cTn id="11" dur="1" fill="hold">
+                                          <p:stCondLst>
+                                            <p:cond delay="0"/>
+                                          </p:stCondLst>
+                                        </p:cTn>
+                                        <p:tgtEl>
+                                          <p:spTgt spid="17"/>
+                                        </p:tgtEl>
+                                        <p:attrNameLst>
+                                          <p:attrName>style.visibility</p:attrName>
+                                        </p:attrNameLst>
+                                      </p:cBhvr>
+                                      <p:to>
+                                        <p:strVal val="visible"/>
+                                      </p:to>
+                                    </p:set>
+                                    <p:animEffect transition="in" filter="fade">
+                                      <p:cBhvr>
+                                        <p:cTn id="12" dur="500"/>
+                                        <p:tgtEl>
+                                          <p:spTgt spid="17"/>
+                                        </p:tgtEl>
+                                      </p:cBhvr>
+                                    </p:animEffect>
+                                  </p:childTnLst>
+                                </p:cTn>
+                              </p:par>
+                              <p:par>
+                                <p:cTn id="13" presetID="10" presetClass="entr" presetSubtype="0" fill="hold" nodeType="withEffect">
+                                  <p:stCondLst>
+                                    <p:cond delay="0"/>
+                                  </p:stCondLst>
+                                  <p:childTnLst>
+                                    <p:set>
+                                      <p:cBhvr>
+                                        <p:cTn id="14" dur="1" fill="hold">
+                                          <p:stCondLst>
+                                            <p:cond delay="0"/>
+                                          </p:stCondLst>
+                                        </p:cTn>
+                                        <p:tgtEl>
+                                          <p:spTgt spid="15"/>
+                                        </p:tgtEl>
+                                        <p:attrNameLst>
+                                          <p:attrName>style.visibility</p:attrName>
+                                        </p:attrNameLst>
+                                      </p:cBhvr>
+                                      <p:to>
+                                        <p:strVal val="visible"/>
+                                      </p:to>
+                                    </p:set>
+                                    <p:animEffect transition="in" filter="fade">
+                                      <p:cBhvr>
+                                        <p:cTn id="15" dur="500"/>
+                                        <p:tgtEl>
+                                          <p:spTgt spid="15"/>
+                                        </p:tgtEl>
+                                      </p:cBhvr>
+                                    </p:animEffect>
+                                  </p:childTnLst>
+                                </p:cTn>
+                              </p:par>
+                            </p:childTnLst>
+                          </p:cTn>
+                        </p:par>
+                      </p:childTnLst>
+                    </p:cTn>
+                  </p:par>
+                  <p:par>
+                    <p:cTn id="16" fill="hold">
+                      <p:stCondLst>
+                        <p:cond delay="indefinite"/>
+                      </p:stCondLst>
+                      <p:childTnLst>
+                        <p:par>
+                          <p:cTn id="17" fill="hold">
+                            <p:stCondLst>
+                              <p:cond delay="0"/>
+                            </p:stCondLst>
+                            <p:childTnLst>
+                              <p:par>
+                                <p:cTn id="18" presetID="26" presetClass="emph" presetSubtype="0" fill="hold" nodeType="clickEffect">
+                                  <p:stCondLst>
+                                    <p:cond delay="0"/>
+                                  </p:stCondLst>
+                                  <p:childTnLst>
+                                    <p:animEffect transition="out" filter="fade">
+                                      <p:cBhvr>
+                                        <p:cTn id="19" dur="500" tmFilter="0, 0; .2, .5; .8, .5; 1, 0"/>
+                                        <p:tgtEl>
+                                          <p:spTgt spid="25">
+                                            <p:txEl>
+                                              <p:pRg st="0" end="0"/>
+                                            </p:txEl>
+                                          </p:spTgt>
+                                        </p:tgtEl>
+                                      </p:cBhvr>
+                                    </p:animEffect>
+                                    <p:animScale>
+                                      <p:cBhvr>
+                                        <p:cTn id="20" dur="250" autoRev="1" fill="hold"/>
+                                        <p:tgtEl>
+                                          <p:spTgt spid="25">
+                                            <p:txEl>
+                                              <p:pRg st="0" end="0"/>
+                                            </p:txEl>
+                                          </p:spTgt>
+                                        </p:tgtEl>
+                                      </p:cBhvr>
+                                      <p:by x="105000" y="105000"/>
+                                    </p:animScale>
+                                  </p:childTnLst>
+                                </p:cTn>
+                              </p:par>
+                            </p:childTnLst>
+                          </p:cTn>
+                        </p:par>
+                      </p:childTnLst>
+                    </p:cTn>
+                  </p:par>
+                  <p:par>
+                    <p:cTn id="21" fill="hold">
+                      <p:stCondLst>
+                        <p:cond delay="indefinite"/>
+                      </p:stCondLst>
+                      <p:childTnLst>
+                        <p:par>
+                          <p:cTn id="22" fill="hold">
+                            <p:stCondLst>
+                              <p:cond delay="0"/>
+                            </p:stCondLst>
+                            <p:childTnLst>
+                              <p:par>
+                                <p:cTn id="23" presetID="10" presetClass="entr" presetSubtype="0" fill="hold" nodeType="clickEffect">
+                                  <p:stCondLst>
+                                    <p:cond delay="0"/>
+                                  </p:stCondLst>
+                                  <p:childTnLst>
+                                    <p:set>
+                                      <p:cBhvr>
+                                        <p:cTn id="24" dur="1" fill="hold">
+                                          <p:stCondLst>
+                                            <p:cond delay="0"/>
+                                          </p:stCondLst>
+                                        </p:cTn>
+                                        <p:tgtEl>
+                                          <p:spTgt spid="38"/>
+                                        </p:tgtEl>
+                                        <p:attrNameLst>
+                                          <p:attrName>style.visibility</p:attrName>
+                                        </p:attrNameLst>
+                                      </p:cBhvr>
+                                      <p:to>
+                                        <p:strVal val="visible"/>
+                                      </p:to>
+                                    </p:set>
+                                    <p:animEffect transition="in" filter="fade">
+                                      <p:cBhvr>
+                                        <p:cTn id="25" dur="500"/>
+                                        <p:tgtEl>
+                                          <p:spTgt spid="38"/>
+                                        </p:tgtEl>
+                                      </p:cBhvr>
+                                    </p:animEffect>
+                                  </p:childTnLst>
+                                </p:cTn>
+                              </p:par>
+                              <p:par>
+                                <p:cTn id="26" presetID="10" presetClass="entr" presetSubtype="0" fill="hold" grpId="0" nodeType="withEffect">
+                                  <p:stCondLst>
+                                    <p:cond delay="0"/>
+                                  </p:stCondLst>
+                                  <p:childTnLst>
+                                    <p:set>
+                                      <p:cBhvr>
+                                        <p:cTn id="27" dur="1" fill="hold">
+                                          <p:stCondLst>
+                                            <p:cond delay="0"/>
+                                          </p:stCondLst>
+                                        </p:cTn>
+                                        <p:tgtEl>
+                                          <p:spTgt spid="39"/>
+                                        </p:tgtEl>
+                                        <p:attrNameLst>
+                                          <p:attrName>style.visibility</p:attrName>
+                                        </p:attrNameLst>
+                                      </p:cBhvr>
+                                      <p:to>
+                                        <p:strVal val="visible"/>
+                                      </p:to>
+                                    </p:set>
+                                    <p:animEffect transition="in" filter="fade">
+                                      <p:cBhvr>
+                                        <p:cTn id="28" dur="500"/>
+                                        <p:tgtEl>
+                                          <p:spTgt spid="39"/>
+                                        </p:tgtEl>
+                                      </p:cBhvr>
+                                    </p:animEffect>
+                                  </p:childTnLst>
+                                </p:cTn>
+                              </p:par>
+                            </p:childTnLst>
+                          </p:cTn>
+                        </p:par>
+                      </p:childTnLst>
+                    </p:cTn>
+                  </p:par>
+                </p:childTnLst>
+              </p:cTn>
+              <p:prevCondLst>
+                <p:cond evt="onPrev" delay="0">
+                  <p:tgtEl>
+                    <p:sldTgt/>
+                  </p:tgtEl>
+                </p:cond>
+              </p:prevCondLst>
+              <p:nextCondLst>
+                <p:cond evt="onNext" delay="0">
+                  <p:tgtEl>
+                    <p:sldTgt/>
+                  </p:tgtEl>
+                </p:cond>
+              </p:nextCondLst>
+            </p:seq>
+          </p:childTnLst>
+        </p:cTn>
+      </p:par>
+    </p:tnLst>
+    <p:bldLst>
+      <p:bldP spid="17" grpId="0" animBg="1"/>
+      <p:bldP spid="39" grpId="0" animBg="1"/>
+    </p:bldLst>
+  </p:timing>
 </p:sld>
 </file>
 
-<file path=ppt/slides/slide2.xml><?xml version="1.0" encoding="utf-8"?>
-<p:sld xmlns:a="http://schemas.openxmlformats.org/drawingml/2006/main" xmlns:r="http://schemas.openxmlformats.org/officeDocument/2006/relationships" xmlns:p="http://schemas.openxmlformats.org/presentationml/2006/main" show="0">
-  <p:cSld>
-    <p:spTree>
-      <p:nvGrpSpPr>
-        <p:cNvPr id="1" name=""/>
-        <p:cNvGrpSpPr/>
-        <p:nvPr/>
-      </p:nvGrpSpPr>
-      <p:grpSpPr>
-        <a:xfrm>
-          <a:off x="0" y="0"/>
-          <a:ext cx="0" cy="0"/>
-          <a:chOff x="0" y="0"/>
-          <a:chExt cx="0" cy="0"/>
-        </a:xfrm>
-      </p:grpSpPr>
-      <p:sp>
-        <p:nvSpPr>
-          <p:cNvPr id="3" name="コンテンツ プレースホルダー 2">
-            <a:extLst>
-              <a:ext uri="{FF2B5EF4-FFF2-40B4-BE49-F238E27FC236}">
-                <a16:creationId xmlns:a16="http://schemas.microsoft.com/office/drawing/2014/main" id="{7D3A1EDC-CF41-4438-BB57-18569B953129}"/>
-              </a:ext>
-            </a:extLst>
-          </p:cNvPr>
-          <p:cNvSpPr>
-            <a:spLocks noGrp="1"/>
-          </p:cNvSpPr>
-          <p:nvPr>
-            <p:ph idx="4294967295"/>
-          </p:nvPr>
-        </p:nvSpPr>
-        <p:spPr>
-          <a:xfrm>
-            <a:off x="639247" y="1469745"/>
-            <a:ext cx="10913505" cy="4707218"/>
-          </a:xfrm>
-        </p:spPr>
-        <p:txBody>
-          <a:bodyPr rtlCol="0">
-            <a:normAutofit fontScale="92500" lnSpcReduction="10000"/>
-          </a:bodyPr>
-          <a:lstStyle/>
-          <a:p>
-            <a:pPr marL="0" indent="0">
-              <a:lnSpc>
-                <a:spcPct val="100000"/>
-              </a:lnSpc>
-              <a:buNone/>
-            </a:pPr>
-            <a:r>
-              <a:rPr lang="en-US" altLang="ja-JP" dirty="0"/>
-              <a:t>【</a:t>
-            </a:r>
-            <a:r>
-              <a:rPr lang="ja-JP" altLang="en-US" dirty="0"/>
-              <a:t>型　案</a:t>
-            </a:r>
-            <a:r>
-              <a:rPr lang="en-US" altLang="ja-JP" dirty="0"/>
-              <a:t>】</a:t>
-            </a:r>
-          </a:p>
-          <a:p>
-            <a:pPr marL="0" indent="0">
-              <a:lnSpc>
-                <a:spcPct val="100000"/>
-              </a:lnSpc>
-              <a:buNone/>
-            </a:pPr>
-            <a:r>
-              <a:rPr lang="ja-JP" altLang="en-US" dirty="0"/>
-              <a:t>チーム紹介（チーム名、メンバーおよび担当）</a:t>
-            </a:r>
-            <a:endParaRPr lang="en-US" altLang="ja-JP" dirty="0"/>
-          </a:p>
-          <a:p>
-            <a:pPr marL="0" indent="0">
-              <a:lnSpc>
-                <a:spcPct val="100000"/>
-              </a:lnSpc>
-              <a:buNone/>
-            </a:pPr>
-            <a:r>
-              <a:rPr lang="ja-JP" altLang="en-US" dirty="0"/>
-              <a:t>システム紹介（システム名、コンセプト、生まれた背景）</a:t>
-            </a:r>
-            <a:endParaRPr lang="en-US" altLang="ja-JP" dirty="0"/>
-          </a:p>
-          <a:p>
-            <a:pPr marL="0" indent="0">
-              <a:lnSpc>
-                <a:spcPct val="100000"/>
-              </a:lnSpc>
-              <a:buNone/>
-            </a:pPr>
-            <a:r>
-              <a:rPr lang="ja-JP" altLang="en-US" dirty="0"/>
-              <a:t>デモンストレーション</a:t>
-            </a:r>
-            <a:endParaRPr lang="en-US" altLang="ja-JP" dirty="0"/>
-          </a:p>
-          <a:p>
-            <a:pPr marL="0" indent="0">
-              <a:lnSpc>
-                <a:spcPct val="100000"/>
-              </a:lnSpc>
-              <a:buNone/>
-            </a:pPr>
-            <a:r>
-              <a:rPr lang="ja-JP" altLang="en-US" dirty="0"/>
-              <a:t>システムの課題や問題点、できたこと・できなかったこと</a:t>
-            </a:r>
-            <a:endParaRPr lang="en-US" altLang="ja-JP" dirty="0"/>
-          </a:p>
-          <a:p>
-            <a:pPr marL="0" indent="0">
-              <a:lnSpc>
-                <a:spcPct val="100000"/>
-              </a:lnSpc>
-              <a:buNone/>
-            </a:pPr>
-            <a:r>
-              <a:rPr lang="ja-JP" altLang="en-US" dirty="0"/>
-              <a:t>チームとしてぶつかった壁</a:t>
-            </a:r>
-            <a:endParaRPr lang="en-US" altLang="ja-JP" dirty="0"/>
-          </a:p>
-          <a:p>
-            <a:pPr marL="0" indent="0">
-              <a:lnSpc>
-                <a:spcPct val="100000"/>
-              </a:lnSpc>
-              <a:buNone/>
-            </a:pPr>
-            <a:r>
-              <a:rPr lang="ja-JP" altLang="en-US" dirty="0"/>
-              <a:t>個人ごとの振り返り（担当を踏まえて）</a:t>
-            </a:r>
-            <a:endParaRPr lang="en-US" altLang="ja" dirty="0"/>
-          </a:p>
-          <a:p>
-            <a:pPr marL="0" indent="0" rtl="0">
-              <a:lnSpc>
-                <a:spcPct val="200000"/>
-              </a:lnSpc>
-              <a:buNone/>
-            </a:pPr>
-            <a:r>
-              <a:rPr lang="en-US" altLang="ja-JP" dirty="0"/>
-              <a:t>【</a:t>
-            </a:r>
-            <a:r>
-              <a:rPr lang="ja-JP" altLang="en-US" dirty="0"/>
-              <a:t>その他　案</a:t>
-            </a:r>
-            <a:r>
-              <a:rPr lang="en-US" altLang="ja-JP" dirty="0"/>
-              <a:t>】</a:t>
-            </a:r>
-          </a:p>
-          <a:p>
-            <a:pPr marL="0" indent="0" rtl="0">
-              <a:lnSpc>
-                <a:spcPct val="100000"/>
-              </a:lnSpc>
-              <a:buNone/>
-            </a:pPr>
-            <a:r>
-              <a:rPr lang="ja-JP" altLang="en-US" dirty="0"/>
-              <a:t>楽しかったこと・辛かったこと</a:t>
-            </a:r>
-            <a:endParaRPr lang="en-US" altLang="ja-JP" dirty="0"/>
-          </a:p>
-          <a:p>
-            <a:pPr marL="0" indent="0" rtl="0">
-              <a:lnSpc>
-                <a:spcPct val="100000"/>
-              </a:lnSpc>
-              <a:buNone/>
-            </a:pPr>
-            <a:r>
-              <a:rPr lang="ja-JP" altLang="en-US" dirty="0"/>
-              <a:t>各所</a:t>
-            </a:r>
-            <a:r>
-              <a:rPr lang="en-US" altLang="ja-JP" dirty="0"/>
-              <a:t>MVP</a:t>
-            </a:r>
-          </a:p>
-          <a:p>
-            <a:pPr marL="0" indent="0" rtl="0">
-              <a:lnSpc>
-                <a:spcPct val="100000"/>
-              </a:lnSpc>
-              <a:buNone/>
-            </a:pPr>
-            <a:r>
-              <a:rPr lang="ja-JP" altLang="en-US" dirty="0"/>
-              <a:t>時間をフルに使ってギリギリまで機能面を頑張っ（ていただい）たこともアピールしたい　講師にいちばん世話になった自信がある</a:t>
-            </a:r>
-            <a:endParaRPr lang="en-US" altLang="ja-JP" dirty="0"/>
-          </a:p>
-          <a:p>
-            <a:pPr marL="0" indent="0" rtl="0">
-              <a:lnSpc>
-                <a:spcPct val="100000"/>
-              </a:lnSpc>
-              <a:buNone/>
-            </a:pPr>
-            <a:r>
-              <a:rPr lang="ja-JP" altLang="en-US" dirty="0"/>
-              <a:t>　　みなさん絶対めちゃくちゃ成長しているはずなので</a:t>
-            </a:r>
-            <a:r>
-              <a:rPr lang="en-US" altLang="ja-JP" dirty="0"/>
-              <a:t>…</a:t>
-            </a:r>
-            <a:r>
-              <a:rPr lang="ja-JP" altLang="en-US" dirty="0"/>
-              <a:t>アピールしましょう</a:t>
-            </a:r>
-            <a:r>
-              <a:rPr lang="en-US" altLang="ja-JP" dirty="0"/>
-              <a:t>…</a:t>
-            </a:r>
-            <a:endParaRPr lang="ja" dirty="0"/>
-          </a:p>
-        </p:txBody>
-      </p:sp>
-      <p:sp>
-        <p:nvSpPr>
-          <p:cNvPr id="2" name="タイトル 1">
-            <a:extLst>
-              <a:ext uri="{FF2B5EF4-FFF2-40B4-BE49-F238E27FC236}">
-                <a16:creationId xmlns:a16="http://schemas.microsoft.com/office/drawing/2014/main" id="{5CFB284A-573D-46BB-8DDB-1E198A12A19F}"/>
-              </a:ext>
-            </a:extLst>
-          </p:cNvPr>
-          <p:cNvSpPr>
-            <a:spLocks noGrp="1"/>
-          </p:cNvSpPr>
-          <p:nvPr>
-            <p:ph type="title"/>
-          </p:nvPr>
-        </p:nvSpPr>
-        <p:spPr/>
-        <p:txBody>
-          <a:bodyPr rtlCol="0"/>
-          <a:lstStyle/>
-          <a:p>
-            <a:pPr rtl="0"/>
-            <a:r>
-              <a:rPr lang="ja-JP" altLang="en-US" sz="4000" dirty="0"/>
-              <a:t>発表の流れ　案</a:t>
-            </a:r>
-            <a:endParaRPr lang="ja" sz="4000" dirty="0"/>
-          </a:p>
-        </p:txBody>
-      </p:sp>
-      <p:sp>
-        <p:nvSpPr>
-          <p:cNvPr id="4" name="四角形: 角を丸くする 3">
-            <a:extLst>
-              <a:ext uri="{FF2B5EF4-FFF2-40B4-BE49-F238E27FC236}">
-                <a16:creationId xmlns:a16="http://schemas.microsoft.com/office/drawing/2014/main" id="{988607FA-F98F-4F93-A7E4-A54A03EB5B7F}"/>
-              </a:ext>
-            </a:extLst>
-          </p:cNvPr>
-          <p:cNvSpPr/>
-          <p:nvPr/>
-        </p:nvSpPr>
-        <p:spPr>
-          <a:xfrm>
-            <a:off x="9632133" y="-827165"/>
-            <a:ext cx="2753032" cy="1022126"/>
-          </a:xfrm>
-          <a:prstGeom prst="roundRect">
-            <a:avLst/>
-          </a:prstGeom>
-          <a:solidFill>
-            <a:schemeClr val="accent5">
-              <a:lumMod val="25000"/>
-              <a:lumOff val="75000"/>
-            </a:schemeClr>
-          </a:solidFill>
-          <a:ln/>
-        </p:spPr>
-        <p:style>
-          <a:lnRef idx="1">
-            <a:schemeClr val="accent4"/>
-          </a:lnRef>
-          <a:fillRef idx="3">
-            <a:schemeClr val="accent4"/>
-          </a:fillRef>
-          <a:effectRef idx="2">
-            <a:schemeClr val="accent4"/>
-          </a:effectRef>
-          <a:fontRef idx="minor">
-            <a:schemeClr val="lt1"/>
-          </a:fontRef>
-        </p:style>
-        <p:txBody>
-          <a:bodyPr rtlCol="0" anchor="ctr" anchorCtr="0"/>
-          <a:lstStyle/>
-          <a:p>
-            <a:pPr algn="ctr"/>
-            <a:r>
-              <a:rPr kumimoji="1" lang="ja-JP" altLang="en-US" sz="2400" dirty="0">
-                <a:solidFill>
-                  <a:schemeClr val="tx1"/>
-                </a:solidFill>
-                <a:latin typeface="Abadi" panose="020B0604020202020204" pitchFamily="34" charset="0"/>
-              </a:rPr>
-              <a:t>赤ペン先生方式とかどないやろか</a:t>
-            </a:r>
-            <a:endParaRPr kumimoji="1" lang="en-US" altLang="ja-JP" sz="2400" dirty="0">
-              <a:solidFill>
-                <a:schemeClr val="tx1"/>
-              </a:solidFill>
-              <a:latin typeface="Abadi" panose="020B0604020202020204" pitchFamily="34" charset="0"/>
-            </a:endParaRPr>
-          </a:p>
-          <a:p>
-            <a:pPr algn="ctr"/>
-            <a:r>
-              <a:rPr kumimoji="1" lang="ja-JP" altLang="en-US" sz="2400" dirty="0">
-                <a:solidFill>
-                  <a:schemeClr val="tx1"/>
-                </a:solidFill>
-                <a:latin typeface="Abadi" panose="020B0604020202020204" pitchFamily="34" charset="0"/>
-              </a:rPr>
-              <a:t>それぞれについて採点していく</a:t>
-            </a:r>
-            <a:endParaRPr kumimoji="1" lang="en-US" altLang="ja-JP" sz="2400" dirty="0">
-              <a:solidFill>
-                <a:schemeClr val="tx1"/>
-              </a:solidFill>
-              <a:latin typeface="Abadi" panose="020B0604020202020204" pitchFamily="34" charset="0"/>
-            </a:endParaRPr>
-          </a:p>
-          <a:p>
-            <a:pPr algn="ctr"/>
-            <a:r>
-              <a:rPr kumimoji="1" lang="ja-JP" altLang="en-US" sz="2400" dirty="0">
-                <a:solidFill>
-                  <a:schemeClr val="tx1"/>
-                </a:solidFill>
-                <a:latin typeface="Abadi" panose="020B0604020202020204" pitchFamily="34" charset="0"/>
-              </a:rPr>
-              <a:t>樋口講師にも採点してもらうとか？</a:t>
-            </a:r>
-            <a:endParaRPr kumimoji="1" lang="en-US" altLang="ja-JP" sz="2400" dirty="0">
-              <a:solidFill>
-                <a:schemeClr val="tx1"/>
-              </a:solidFill>
-              <a:latin typeface="Abadi" panose="020B0604020202020204" pitchFamily="34" charset="0"/>
-            </a:endParaRPr>
-          </a:p>
-          <a:p>
-            <a:pPr algn="ctr"/>
-            <a:br>
-              <a:rPr kumimoji="1" lang="en-US" altLang="ja-JP" sz="2400" dirty="0">
-                <a:solidFill>
-                  <a:schemeClr val="tx1"/>
-                </a:solidFill>
-                <a:latin typeface="Abadi" panose="020B0604020202020204" pitchFamily="34" charset="0"/>
-              </a:rPr>
-            </a:br>
-            <a:endParaRPr kumimoji="1" lang="en-US" altLang="ja-JP" sz="2400" dirty="0">
-              <a:solidFill>
-                <a:schemeClr val="tx1"/>
-              </a:solidFill>
-              <a:latin typeface="Abadi" panose="020B0604020202020204" pitchFamily="34" charset="0"/>
-            </a:endParaRPr>
-          </a:p>
-          <a:p>
-            <a:pPr algn="ctr"/>
-            <a:endParaRPr kumimoji="1" lang="ja-JP" altLang="en-US" sz="2400" dirty="0">
-              <a:solidFill>
-                <a:schemeClr val="tx1"/>
-              </a:solidFill>
-              <a:latin typeface="Abadi" panose="020B0604020202020204" pitchFamily="34" charset="0"/>
-            </a:endParaRPr>
-          </a:p>
-        </p:txBody>
-      </p:sp>
-      <p:sp>
-        <p:nvSpPr>
-          <p:cNvPr id="5" name="四角形: 角を丸くする 4">
-            <a:extLst>
-              <a:ext uri="{FF2B5EF4-FFF2-40B4-BE49-F238E27FC236}">
-                <a16:creationId xmlns:a16="http://schemas.microsoft.com/office/drawing/2014/main" id="{5698B8D4-8F04-4732-AF53-1FD9C974E0CC}"/>
-              </a:ext>
-            </a:extLst>
-          </p:cNvPr>
-          <p:cNvSpPr/>
-          <p:nvPr/>
-        </p:nvSpPr>
-        <p:spPr>
-          <a:xfrm>
-            <a:off x="6961012" y="2902183"/>
-            <a:ext cx="5342243" cy="1576871"/>
-          </a:xfrm>
-          <a:prstGeom prst="roundRect">
-            <a:avLst/>
-          </a:prstGeom>
-          <a:solidFill>
-            <a:schemeClr val="accent5">
-              <a:lumMod val="25000"/>
-              <a:lumOff val="75000"/>
-            </a:schemeClr>
-          </a:solidFill>
-          <a:ln/>
-        </p:spPr>
-        <p:style>
-          <a:lnRef idx="1">
-            <a:schemeClr val="accent4"/>
-          </a:lnRef>
-          <a:fillRef idx="3">
-            <a:schemeClr val="accent4"/>
-          </a:fillRef>
-          <a:effectRef idx="2">
-            <a:schemeClr val="accent4"/>
-          </a:effectRef>
-          <a:fontRef idx="minor">
-            <a:schemeClr val="lt1"/>
-          </a:fontRef>
-        </p:style>
-        <p:txBody>
-          <a:bodyPr rtlCol="0" anchor="ctr" anchorCtr="0"/>
-          <a:lstStyle/>
-          <a:p>
-            <a:pPr algn="ctr"/>
-            <a:r>
-              <a:rPr kumimoji="1" lang="en-US" altLang="ja-JP" sz="2400" dirty="0">
-                <a:solidFill>
-                  <a:schemeClr val="tx1"/>
-                </a:solidFill>
-                <a:latin typeface="Abadi" panose="020B0604020202020204" pitchFamily="34" charset="0"/>
-              </a:rPr>
-              <a:t>【</a:t>
-            </a:r>
-            <a:r>
-              <a:rPr kumimoji="1" lang="ja-JP" altLang="en-US" sz="2400" dirty="0">
-                <a:solidFill>
-                  <a:schemeClr val="tx1"/>
-                </a:solidFill>
-                <a:latin typeface="Abadi" panose="020B0604020202020204" pitchFamily="34" charset="0"/>
-              </a:rPr>
-              <a:t>言いたい</a:t>
-            </a:r>
-            <a:r>
-              <a:rPr kumimoji="1" lang="en-US" altLang="ja-JP" sz="2400" dirty="0">
-                <a:solidFill>
-                  <a:schemeClr val="tx1"/>
-                </a:solidFill>
-                <a:latin typeface="Abadi" panose="020B0604020202020204" pitchFamily="34" charset="0"/>
-              </a:rPr>
-              <a:t>】</a:t>
-            </a:r>
-          </a:p>
-          <a:p>
-            <a:pPr algn="ctr"/>
-            <a:r>
-              <a:rPr kumimoji="1" lang="ja-JP" altLang="en-US" sz="2400" dirty="0">
-                <a:solidFill>
-                  <a:schemeClr val="tx1"/>
-                </a:solidFill>
-                <a:latin typeface="Abadi" panose="020B0604020202020204" pitchFamily="34" charset="0"/>
-              </a:rPr>
-              <a:t>お気に入りボタン</a:t>
-            </a:r>
-            <a:endParaRPr kumimoji="1" lang="en-US" altLang="ja-JP" sz="2400" dirty="0">
-              <a:solidFill>
-                <a:schemeClr val="tx1"/>
-              </a:solidFill>
-              <a:latin typeface="Abadi" panose="020B0604020202020204" pitchFamily="34" charset="0"/>
-            </a:endParaRPr>
-          </a:p>
-          <a:p>
-            <a:pPr algn="ctr"/>
-            <a:r>
-              <a:rPr kumimoji="1" lang="ja-JP" altLang="en-US" sz="2400" dirty="0">
-                <a:solidFill>
-                  <a:schemeClr val="tx1"/>
-                </a:solidFill>
-                <a:latin typeface="Abadi" panose="020B0604020202020204" pitchFamily="34" charset="0"/>
-              </a:rPr>
-              <a:t>めちゃくちゃがんばっているので</a:t>
-            </a:r>
-            <a:endParaRPr kumimoji="1" lang="en-US" altLang="ja-JP" sz="2400" dirty="0">
-              <a:solidFill>
-                <a:schemeClr val="tx1"/>
-              </a:solidFill>
-              <a:latin typeface="Abadi" panose="020B0604020202020204" pitchFamily="34" charset="0"/>
-            </a:endParaRPr>
-          </a:p>
-          <a:p>
-            <a:pPr algn="ctr"/>
-            <a:endParaRPr kumimoji="1" lang="ja-JP" altLang="en-US" sz="2400" dirty="0">
-              <a:solidFill>
-                <a:schemeClr val="tx1"/>
-              </a:solidFill>
-              <a:latin typeface="Abadi" panose="020B0604020202020204" pitchFamily="34" charset="0"/>
-            </a:endParaRPr>
-          </a:p>
-        </p:txBody>
-      </p:sp>
-    </p:spTree>
-    <p:extLst>
-      <p:ext uri="{BB962C8B-B14F-4D97-AF65-F5344CB8AC3E}">
-        <p14:creationId xmlns:p14="http://schemas.microsoft.com/office/powerpoint/2010/main" val="1459366218"/>
-      </p:ext>
-    </p:extLst>
-  </p:cSld>
-  <p:clrMapOvr>
-    <a:masterClrMapping/>
-  </p:clrMapOvr>
-</p:sld>
-</file>
-
-<file path=ppt/slides/slide20.xml><?xml version="1.0" encoding="utf-8"?>
+<file path=ppt/slides/slide21.xml><?xml version="1.0" encoding="utf-8"?>
 <p:sld xmlns:a="http://schemas.openxmlformats.org/drawingml/2006/main" xmlns:r="http://schemas.openxmlformats.org/officeDocument/2006/relationships" xmlns:p="http://schemas.openxmlformats.org/presentationml/2006/main">
   <p:cSld>
     <p:spTree>
@@ -12983,7 +15827,7 @@
 </p:sld>
 </file>
 
-<file path=ppt/slides/slide21.xml><?xml version="1.0" encoding="utf-8"?>
+<file path=ppt/slides/slide22.xml><?xml version="1.0" encoding="utf-8"?>
 <p:sld xmlns:a="http://schemas.openxmlformats.org/drawingml/2006/main" xmlns:r="http://schemas.openxmlformats.org/officeDocument/2006/relationships" xmlns:p="http://schemas.openxmlformats.org/presentationml/2006/main">
   <p:cSld>
     <p:spTree>
@@ -13285,8 +16129,1254 @@
 </p:sld>
 </file>
 
-<file path=ppt/slides/slide22.xml><?xml version="1.0" encoding="utf-8"?>
+<file path=ppt/slides/slide23.xml><?xml version="1.0" encoding="utf-8"?>
 <p:sld xmlns:a="http://schemas.openxmlformats.org/drawingml/2006/main" xmlns:r="http://schemas.openxmlformats.org/officeDocument/2006/relationships" xmlns:p="http://schemas.openxmlformats.org/presentationml/2006/main">
+  <p:cSld>
+    <p:spTree>
+      <p:nvGrpSpPr>
+        <p:cNvPr id="1" name=""/>
+        <p:cNvGrpSpPr/>
+        <p:nvPr/>
+      </p:nvGrpSpPr>
+      <p:grpSpPr>
+        <a:xfrm>
+          <a:off x="0" y="0"/>
+          <a:ext cx="0" cy="0"/>
+          <a:chOff x="0" y="0"/>
+          <a:chExt cx="0" cy="0"/>
+        </a:xfrm>
+      </p:grpSpPr>
+      <p:sp>
+        <p:nvSpPr>
+          <p:cNvPr id="26" name="正方形/長方形 25">
+            <a:extLst>
+              <a:ext uri="{FF2B5EF4-FFF2-40B4-BE49-F238E27FC236}">
+                <a16:creationId xmlns:a16="http://schemas.microsoft.com/office/drawing/2014/main" id="{15E225F9-1EFF-4C72-A63D-A19A5509DA7F}"/>
+              </a:ext>
+            </a:extLst>
+          </p:cNvPr>
+          <p:cNvSpPr/>
+          <p:nvPr/>
+        </p:nvSpPr>
+        <p:spPr>
+          <a:xfrm>
+            <a:off x="358600" y="2613399"/>
+            <a:ext cx="5313536" cy="1542965"/>
+          </a:xfrm>
+          <a:prstGeom prst="rect">
+            <a:avLst/>
+          </a:prstGeom>
+          <a:solidFill>
+            <a:srgbClr val="FFFFFF"/>
+          </a:solidFill>
+          <a:ln w="28575">
+            <a:solidFill>
+              <a:schemeClr val="bg1">
+                <a:lumMod val="90000"/>
+              </a:schemeClr>
+            </a:solidFill>
+          </a:ln>
+        </p:spPr>
+        <p:style>
+          <a:lnRef idx="1">
+            <a:schemeClr val="accent4"/>
+          </a:lnRef>
+          <a:fillRef idx="3">
+            <a:schemeClr val="accent4"/>
+          </a:fillRef>
+          <a:effectRef idx="2">
+            <a:schemeClr val="accent4"/>
+          </a:effectRef>
+          <a:fontRef idx="minor">
+            <a:schemeClr val="lt1"/>
+          </a:fontRef>
+        </p:style>
+        <p:txBody>
+          <a:bodyPr rtlCol="0" anchor="t" anchorCtr="0"/>
+          <a:lstStyle/>
+          <a:p>
+            <a:r>
+              <a:rPr kumimoji="1" lang="ja-JP" altLang="en-US" sz="2000" dirty="0">
+                <a:solidFill>
+                  <a:schemeClr val="tx1"/>
+                </a:solidFill>
+                <a:latin typeface="HGP教科書体" panose="02020600000000000000" pitchFamily="18" charset="-128"/>
+                <a:ea typeface="HGP教科書体" panose="02020600000000000000" pitchFamily="18" charset="-128"/>
+              </a:rPr>
+              <a:t>最も力を入れたこと</a:t>
+            </a:r>
+          </a:p>
+        </p:txBody>
+      </p:sp>
+      <p:sp>
+        <p:nvSpPr>
+          <p:cNvPr id="27" name="正方形/長方形 26">
+            <a:extLst>
+              <a:ext uri="{FF2B5EF4-FFF2-40B4-BE49-F238E27FC236}">
+                <a16:creationId xmlns:a16="http://schemas.microsoft.com/office/drawing/2014/main" id="{491FFD79-7801-41A6-8327-42B8A51BB0A0}"/>
+              </a:ext>
+            </a:extLst>
+          </p:cNvPr>
+          <p:cNvSpPr/>
+          <p:nvPr/>
+        </p:nvSpPr>
+        <p:spPr>
+          <a:xfrm>
+            <a:off x="5749741" y="5115465"/>
+            <a:ext cx="6045145" cy="1518091"/>
+          </a:xfrm>
+          <a:prstGeom prst="rect">
+            <a:avLst/>
+          </a:prstGeom>
+          <a:solidFill>
+            <a:srgbClr val="FFFFFF"/>
+          </a:solidFill>
+          <a:ln w="28575">
+            <a:solidFill>
+              <a:schemeClr val="bg1">
+                <a:lumMod val="90000"/>
+              </a:schemeClr>
+            </a:solidFill>
+          </a:ln>
+        </p:spPr>
+        <p:style>
+          <a:lnRef idx="1">
+            <a:schemeClr val="accent4"/>
+          </a:lnRef>
+          <a:fillRef idx="3">
+            <a:schemeClr val="accent4"/>
+          </a:fillRef>
+          <a:effectRef idx="2">
+            <a:schemeClr val="accent4"/>
+          </a:effectRef>
+          <a:fontRef idx="minor">
+            <a:schemeClr val="lt1"/>
+          </a:fontRef>
+        </p:style>
+        <p:txBody>
+          <a:bodyPr rtlCol="0" anchor="t" anchorCtr="0"/>
+          <a:lstStyle/>
+          <a:p>
+            <a:r>
+              <a:rPr kumimoji="1" lang="ja-JP" altLang="en-US" sz="2000" dirty="0">
+                <a:solidFill>
+                  <a:schemeClr val="tx1"/>
+                </a:solidFill>
+                <a:latin typeface="HGP教科書体" panose="02020600000000000000" pitchFamily="18" charset="-128"/>
+                <a:ea typeface="HGP教科書体" panose="02020600000000000000" pitchFamily="18" charset="-128"/>
+              </a:rPr>
+              <a:t>メンバーより</a:t>
+            </a:r>
+          </a:p>
+        </p:txBody>
+      </p:sp>
+      <p:sp>
+        <p:nvSpPr>
+          <p:cNvPr id="15" name="正方形/長方形 14">
+            <a:extLst>
+              <a:ext uri="{FF2B5EF4-FFF2-40B4-BE49-F238E27FC236}">
+                <a16:creationId xmlns:a16="http://schemas.microsoft.com/office/drawing/2014/main" id="{AF2861BF-3022-4976-99F4-D0D1F70589FA}"/>
+              </a:ext>
+            </a:extLst>
+          </p:cNvPr>
+          <p:cNvSpPr/>
+          <p:nvPr/>
+        </p:nvSpPr>
+        <p:spPr>
+          <a:xfrm>
+            <a:off x="358601" y="1349603"/>
+            <a:ext cx="9071085" cy="1150363"/>
+          </a:xfrm>
+          <a:prstGeom prst="rect">
+            <a:avLst/>
+          </a:prstGeom>
+          <a:solidFill>
+            <a:srgbClr val="FFFFFF"/>
+          </a:solidFill>
+          <a:ln w="28575">
+            <a:solidFill>
+              <a:schemeClr val="bg1">
+                <a:lumMod val="90000"/>
+              </a:schemeClr>
+            </a:solidFill>
+          </a:ln>
+        </p:spPr>
+        <p:style>
+          <a:lnRef idx="1">
+            <a:schemeClr val="accent4"/>
+          </a:lnRef>
+          <a:fillRef idx="3">
+            <a:schemeClr val="accent4"/>
+          </a:fillRef>
+          <a:effectRef idx="2">
+            <a:schemeClr val="accent4"/>
+          </a:effectRef>
+          <a:fontRef idx="minor">
+            <a:schemeClr val="lt1"/>
+          </a:fontRef>
+        </p:style>
+        <p:txBody>
+          <a:bodyPr rtlCol="0" anchor="t" anchorCtr="0"/>
+          <a:lstStyle/>
+          <a:p>
+            <a:r>
+              <a:rPr kumimoji="1" lang="ja-JP" altLang="en-US" sz="2000" dirty="0">
+                <a:solidFill>
+                  <a:schemeClr val="tx1"/>
+                </a:solidFill>
+                <a:latin typeface="HGP教科書体" panose="02020600000000000000" pitchFamily="18" charset="-128"/>
+                <a:ea typeface="HGP教科書体" panose="02020600000000000000" pitchFamily="18" charset="-128"/>
+              </a:rPr>
+              <a:t>目標</a:t>
+            </a:r>
+            <a:endParaRPr kumimoji="1" lang="en-US" altLang="ja-JP" sz="2000" dirty="0">
+              <a:solidFill>
+                <a:schemeClr val="tx1"/>
+              </a:solidFill>
+              <a:latin typeface="HGP教科書体" panose="02020600000000000000" pitchFamily="18" charset="-128"/>
+              <a:ea typeface="HGP教科書体" panose="02020600000000000000" pitchFamily="18" charset="-128"/>
+            </a:endParaRPr>
+          </a:p>
+        </p:txBody>
+      </p:sp>
+      <p:sp>
+        <p:nvSpPr>
+          <p:cNvPr id="24" name="正方形/長方形 23">
+            <a:extLst>
+              <a:ext uri="{FF2B5EF4-FFF2-40B4-BE49-F238E27FC236}">
+                <a16:creationId xmlns:a16="http://schemas.microsoft.com/office/drawing/2014/main" id="{91C1B418-DC88-48F9-9F51-A0B7F6A9F741}"/>
+              </a:ext>
+            </a:extLst>
+          </p:cNvPr>
+          <p:cNvSpPr/>
+          <p:nvPr/>
+        </p:nvSpPr>
+        <p:spPr>
+          <a:xfrm>
+            <a:off x="9518588" y="1349603"/>
+            <a:ext cx="2300468" cy="1150363"/>
+          </a:xfrm>
+          <a:prstGeom prst="rect">
+            <a:avLst/>
+          </a:prstGeom>
+          <a:solidFill>
+            <a:srgbClr val="FFFFFF"/>
+          </a:solidFill>
+          <a:ln w="28575">
+            <a:solidFill>
+              <a:schemeClr val="bg1">
+                <a:lumMod val="90000"/>
+              </a:schemeClr>
+            </a:solidFill>
+          </a:ln>
+        </p:spPr>
+        <p:style>
+          <a:lnRef idx="1">
+            <a:schemeClr val="accent4"/>
+          </a:lnRef>
+          <a:fillRef idx="3">
+            <a:schemeClr val="accent4"/>
+          </a:fillRef>
+          <a:effectRef idx="2">
+            <a:schemeClr val="accent4"/>
+          </a:effectRef>
+          <a:fontRef idx="minor">
+            <a:schemeClr val="lt1"/>
+          </a:fontRef>
+        </p:style>
+        <p:txBody>
+          <a:bodyPr rtlCol="0" anchor="t" anchorCtr="0"/>
+          <a:lstStyle/>
+          <a:p>
+            <a:r>
+              <a:rPr kumimoji="1" lang="ja-JP" altLang="en-US" sz="2000" dirty="0">
+                <a:solidFill>
+                  <a:schemeClr val="tx1"/>
+                </a:solidFill>
+                <a:latin typeface="HGP教科書体" panose="02020600000000000000" pitchFamily="18" charset="-128"/>
+                <a:ea typeface="HGP教科書体" panose="02020600000000000000" pitchFamily="18" charset="-128"/>
+              </a:rPr>
+              <a:t>自己採点</a:t>
+            </a:r>
+            <a:endParaRPr kumimoji="1" lang="en-US" altLang="ja-JP" sz="2000" dirty="0">
+              <a:solidFill>
+                <a:schemeClr val="tx1"/>
+              </a:solidFill>
+              <a:latin typeface="HGP教科書体" panose="02020600000000000000" pitchFamily="18" charset="-128"/>
+              <a:ea typeface="HGP教科書体" panose="02020600000000000000" pitchFamily="18" charset="-128"/>
+            </a:endParaRPr>
+          </a:p>
+          <a:p>
+            <a:endParaRPr kumimoji="1" lang="en-US" altLang="ja-JP" sz="2000" dirty="0">
+              <a:solidFill>
+                <a:schemeClr val="tx1"/>
+              </a:solidFill>
+              <a:latin typeface="HGP教科書体" panose="02020600000000000000" pitchFamily="18" charset="-128"/>
+              <a:ea typeface="HGP教科書体" panose="02020600000000000000" pitchFamily="18" charset="-128"/>
+            </a:endParaRPr>
+          </a:p>
+        </p:txBody>
+      </p:sp>
+      <p:sp>
+        <p:nvSpPr>
+          <p:cNvPr id="17" name="正方形/長方形 16">
+            <a:extLst>
+              <a:ext uri="{FF2B5EF4-FFF2-40B4-BE49-F238E27FC236}">
+                <a16:creationId xmlns:a16="http://schemas.microsoft.com/office/drawing/2014/main" id="{359D95A9-D123-4000-B5D8-4A6E820B8EB8}"/>
+              </a:ext>
+            </a:extLst>
+          </p:cNvPr>
+          <p:cNvSpPr/>
+          <p:nvPr/>
+        </p:nvSpPr>
+        <p:spPr>
+          <a:xfrm>
+            <a:off x="5773910" y="2613399"/>
+            <a:ext cx="6045145" cy="2408543"/>
+          </a:xfrm>
+          <a:prstGeom prst="rect">
+            <a:avLst/>
+          </a:prstGeom>
+          <a:solidFill>
+            <a:srgbClr val="FFFFFF"/>
+          </a:solidFill>
+          <a:ln w="28575">
+            <a:solidFill>
+              <a:schemeClr val="bg1">
+                <a:lumMod val="90000"/>
+              </a:schemeClr>
+            </a:solidFill>
+          </a:ln>
+        </p:spPr>
+        <p:style>
+          <a:lnRef idx="1">
+            <a:schemeClr val="accent4"/>
+          </a:lnRef>
+          <a:fillRef idx="3">
+            <a:schemeClr val="accent4"/>
+          </a:fillRef>
+          <a:effectRef idx="2">
+            <a:schemeClr val="accent4"/>
+          </a:effectRef>
+          <a:fontRef idx="minor">
+            <a:schemeClr val="lt1"/>
+          </a:fontRef>
+        </p:style>
+        <p:txBody>
+          <a:bodyPr rtlCol="0" anchor="t" anchorCtr="0"/>
+          <a:lstStyle/>
+          <a:p>
+            <a:r>
+              <a:rPr kumimoji="1" lang="ja-JP" altLang="en-US" sz="2000" dirty="0">
+                <a:solidFill>
+                  <a:schemeClr val="tx1"/>
+                </a:solidFill>
+                <a:latin typeface="HGP教科書体" panose="02020600000000000000" pitchFamily="18" charset="-128"/>
+                <a:ea typeface="HGP教科書体" panose="02020600000000000000" pitchFamily="18" charset="-128"/>
+              </a:rPr>
+              <a:t>成果</a:t>
+            </a:r>
+          </a:p>
+        </p:txBody>
+      </p:sp>
+      <p:sp>
+        <p:nvSpPr>
+          <p:cNvPr id="19" name="正方形/長方形 18">
+            <a:extLst>
+              <a:ext uri="{FF2B5EF4-FFF2-40B4-BE49-F238E27FC236}">
+                <a16:creationId xmlns:a16="http://schemas.microsoft.com/office/drawing/2014/main" id="{F874EB24-F6B9-449F-8150-EDAFD505B4A1}"/>
+              </a:ext>
+            </a:extLst>
+          </p:cNvPr>
+          <p:cNvSpPr/>
+          <p:nvPr/>
+        </p:nvSpPr>
+        <p:spPr>
+          <a:xfrm>
+            <a:off x="358600" y="4269797"/>
+            <a:ext cx="5313537" cy="2363759"/>
+          </a:xfrm>
+          <a:prstGeom prst="rect">
+            <a:avLst/>
+          </a:prstGeom>
+          <a:solidFill>
+            <a:srgbClr val="FFFFFF"/>
+          </a:solidFill>
+          <a:ln w="28575">
+            <a:solidFill>
+              <a:schemeClr val="bg1">
+                <a:lumMod val="90000"/>
+              </a:schemeClr>
+            </a:solidFill>
+          </a:ln>
+        </p:spPr>
+        <p:style>
+          <a:lnRef idx="1">
+            <a:schemeClr val="accent4"/>
+          </a:lnRef>
+          <a:fillRef idx="3">
+            <a:schemeClr val="accent4"/>
+          </a:fillRef>
+          <a:effectRef idx="2">
+            <a:schemeClr val="accent4"/>
+          </a:effectRef>
+          <a:fontRef idx="minor">
+            <a:schemeClr val="lt1"/>
+          </a:fontRef>
+        </p:style>
+        <p:txBody>
+          <a:bodyPr rtlCol="0" anchor="t" anchorCtr="0"/>
+          <a:lstStyle/>
+          <a:p>
+            <a:r>
+              <a:rPr kumimoji="1" lang="ja-JP" altLang="en-US" sz="2000" dirty="0">
+                <a:solidFill>
+                  <a:schemeClr val="tx1"/>
+                </a:solidFill>
+                <a:latin typeface="HGP教科書体" panose="02020600000000000000" pitchFamily="18" charset="-128"/>
+                <a:ea typeface="HGP教科書体" panose="02020600000000000000" pitchFamily="18" charset="-128"/>
+              </a:rPr>
+              <a:t>課題</a:t>
+            </a:r>
+          </a:p>
+        </p:txBody>
+      </p:sp>
+      <p:pic>
+        <p:nvPicPr>
+          <p:cNvPr id="22" name="グラフィックス 21" descr="ハート付きの笑顔 (塗りつぶしなし) 単色塗りつぶし">
+            <a:extLst>
+              <a:ext uri="{FF2B5EF4-FFF2-40B4-BE49-F238E27FC236}">
+                <a16:creationId xmlns:a16="http://schemas.microsoft.com/office/drawing/2014/main" id="{7DE3574C-15E9-4D20-A929-C7E2D6DE0836}"/>
+              </a:ext>
+            </a:extLst>
+          </p:cNvPr>
+          <p:cNvPicPr>
+            <a:picLocks noChangeAspect="1"/>
+          </p:cNvPicPr>
+          <p:nvPr/>
+        </p:nvPicPr>
+        <p:blipFill>
+          <a:blip r:embed="rId3">
+            <a:extLst>
+              <a:ext uri="{96DAC541-7B7A-43D3-8B79-37D633B846F1}">
+                <asvg:svgBlip xmlns:asvg="http://schemas.microsoft.com/office/drawing/2016/SVG/main" r:embed="rId4"/>
+              </a:ext>
+            </a:extLst>
+          </a:blip>
+          <a:stretch>
+            <a:fillRect/>
+          </a:stretch>
+        </p:blipFill>
+        <p:spPr>
+          <a:xfrm>
+            <a:off x="6106698" y="471586"/>
+            <a:ext cx="735351" cy="735351"/>
+          </a:xfrm>
+          <a:prstGeom prst="rect">
+            <a:avLst/>
+          </a:prstGeom>
+        </p:spPr>
+      </p:pic>
+      <p:pic>
+        <p:nvPicPr>
+          <p:cNvPr id="10" name="グラフィックス 9" descr="ニヤリとした顔 (塗りつぶしなし) 単色塗りつぶし">
+            <a:extLst>
+              <a:ext uri="{FF2B5EF4-FFF2-40B4-BE49-F238E27FC236}">
+                <a16:creationId xmlns:a16="http://schemas.microsoft.com/office/drawing/2014/main" id="{D68573FE-0FF6-4CE1-95BE-C63109EF9B20}"/>
+              </a:ext>
+            </a:extLst>
+          </p:cNvPr>
+          <p:cNvPicPr>
+            <a:picLocks noChangeAspect="1"/>
+          </p:cNvPicPr>
+          <p:nvPr/>
+        </p:nvPicPr>
+        <p:blipFill>
+          <a:blip r:embed="rId5">
+            <a:extLst>
+              <a:ext uri="{96DAC541-7B7A-43D3-8B79-37D633B846F1}">
+                <asvg:svgBlip xmlns:asvg="http://schemas.microsoft.com/office/drawing/2016/SVG/main" r:embed="rId6"/>
+              </a:ext>
+            </a:extLst>
+          </a:blip>
+          <a:stretch>
+            <a:fillRect/>
+          </a:stretch>
+        </p:blipFill>
+        <p:spPr>
+          <a:xfrm>
+            <a:off x="11038778" y="1382123"/>
+            <a:ext cx="735351" cy="735351"/>
+          </a:xfrm>
+          <a:prstGeom prst="rect">
+            <a:avLst/>
+          </a:prstGeom>
+        </p:spPr>
+      </p:pic>
+      <p:pic>
+        <p:nvPicPr>
+          <p:cNvPr id="20" name="グラフィックス 19" descr="困った顔 (塗りつぶしなし) 単色塗りつぶし">
+            <a:extLst>
+              <a:ext uri="{FF2B5EF4-FFF2-40B4-BE49-F238E27FC236}">
+                <a16:creationId xmlns:a16="http://schemas.microsoft.com/office/drawing/2014/main" id="{17D369F9-96BE-477B-A209-6B76E05CA83A}"/>
+              </a:ext>
+            </a:extLst>
+          </p:cNvPr>
+          <p:cNvPicPr>
+            <a:picLocks noChangeAspect="1"/>
+          </p:cNvPicPr>
+          <p:nvPr/>
+        </p:nvPicPr>
+        <p:blipFill>
+          <a:blip r:embed="rId7">
+            <a:extLst>
+              <a:ext uri="{96DAC541-7B7A-43D3-8B79-37D633B846F1}">
+                <asvg:svgBlip xmlns:asvg="http://schemas.microsoft.com/office/drawing/2016/SVG/main" r:embed="rId8"/>
+              </a:ext>
+            </a:extLst>
+          </a:blip>
+          <a:stretch>
+            <a:fillRect/>
+          </a:stretch>
+        </p:blipFill>
+        <p:spPr>
+          <a:xfrm>
+            <a:off x="8297523" y="471585"/>
+            <a:ext cx="735351" cy="735351"/>
+          </a:xfrm>
+          <a:prstGeom prst="rect">
+            <a:avLst/>
+          </a:prstGeom>
+        </p:spPr>
+      </p:pic>
+      <p:sp>
+        <p:nvSpPr>
+          <p:cNvPr id="21" name="タイトル 1">
+            <a:extLst>
+              <a:ext uri="{FF2B5EF4-FFF2-40B4-BE49-F238E27FC236}">
+                <a16:creationId xmlns:a16="http://schemas.microsoft.com/office/drawing/2014/main" id="{E01F4966-AC20-4CE9-B938-7DD680115297}"/>
+              </a:ext>
+            </a:extLst>
+          </p:cNvPr>
+          <p:cNvSpPr>
+            <a:spLocks noGrp="1"/>
+          </p:cNvSpPr>
+          <p:nvPr>
+            <p:ph type="title"/>
+          </p:nvPr>
+        </p:nvSpPr>
+        <p:spPr>
+          <a:xfrm>
+            <a:off x="1378975" y="483440"/>
+            <a:ext cx="10164876" cy="583800"/>
+          </a:xfrm>
+        </p:spPr>
+        <p:txBody>
+          <a:bodyPr rtlCol="0"/>
+          <a:lstStyle/>
+          <a:p>
+            <a:pPr rtl="0"/>
+            <a:r>
+              <a:rPr lang="ja-JP" altLang="en-US" sz="3200" b="0" dirty="0"/>
+              <a:t>蔭山 ゆり </a:t>
+            </a:r>
+            <a:r>
+              <a:rPr lang="en-US" altLang="ja-JP" b="0" dirty="0"/>
+              <a:t>/ </a:t>
+            </a:r>
+            <a:r>
+              <a:rPr lang="ja-JP" altLang="en-US" b="0" dirty="0"/>
+              <a:t>発表担当</a:t>
+            </a:r>
+            <a:endParaRPr lang="ja" sz="3200" b="0" dirty="0"/>
+          </a:p>
+        </p:txBody>
+      </p:sp>
+      <p:pic>
+        <p:nvPicPr>
+          <p:cNvPr id="23" name="グラフィックス 22" descr="地球: 南北アメリカ 単色塗りつぶし">
+            <a:extLst>
+              <a:ext uri="{FF2B5EF4-FFF2-40B4-BE49-F238E27FC236}">
+                <a16:creationId xmlns:a16="http://schemas.microsoft.com/office/drawing/2014/main" id="{12257C1A-E500-47D5-B295-0D988A417CA9}"/>
+              </a:ext>
+            </a:extLst>
+          </p:cNvPr>
+          <p:cNvPicPr>
+            <a:picLocks noChangeAspect="1"/>
+          </p:cNvPicPr>
+          <p:nvPr/>
+        </p:nvPicPr>
+        <p:blipFill>
+          <a:blip r:embed="rId9">
+            <a:extLst>
+              <a:ext uri="{96DAC541-7B7A-43D3-8B79-37D633B846F1}">
+                <asvg:svgBlip xmlns:asvg="http://schemas.microsoft.com/office/drawing/2016/SVG/main" r:embed="rId10"/>
+              </a:ext>
+            </a:extLst>
+          </a:blip>
+          <a:stretch>
+            <a:fillRect/>
+          </a:stretch>
+        </p:blipFill>
+        <p:spPr>
+          <a:xfrm>
+            <a:off x="599052" y="385379"/>
+            <a:ext cx="779922" cy="779922"/>
+          </a:xfrm>
+          <a:prstGeom prst="rect">
+            <a:avLst/>
+          </a:prstGeom>
+        </p:spPr>
+      </p:pic>
+      <p:sp>
+        <p:nvSpPr>
+          <p:cNvPr id="5" name="テキスト ボックス 4">
+            <a:extLst>
+              <a:ext uri="{FF2B5EF4-FFF2-40B4-BE49-F238E27FC236}">
+                <a16:creationId xmlns:a16="http://schemas.microsoft.com/office/drawing/2014/main" id="{AEC5C30F-A5DC-43EA-8BB6-49AA01310E81}"/>
+              </a:ext>
+            </a:extLst>
+          </p:cNvPr>
+          <p:cNvSpPr txBox="1"/>
+          <p:nvPr/>
+        </p:nvSpPr>
+        <p:spPr>
+          <a:xfrm>
+            <a:off x="9661509" y="1680203"/>
+            <a:ext cx="1511952" cy="707886"/>
+          </a:xfrm>
+          <a:prstGeom prst="rect">
+            <a:avLst/>
+          </a:prstGeom>
+          <a:noFill/>
+        </p:spPr>
+        <p:txBody>
+          <a:bodyPr wrap="none" rtlCol="0">
+            <a:spAutoFit/>
+          </a:bodyPr>
+          <a:lstStyle/>
+          <a:p>
+            <a:r>
+              <a:rPr kumimoji="1" lang="en-US" altLang="ja-JP" sz="4000" dirty="0">
+                <a:solidFill>
+                  <a:schemeClr val="accent3">
+                    <a:lumMod val="50000"/>
+                  </a:schemeClr>
+                </a:solidFill>
+              </a:rPr>
+              <a:t>60</a:t>
+            </a:r>
+            <a:r>
+              <a:rPr kumimoji="1" lang="en-US" altLang="ja-JP" dirty="0">
+                <a:solidFill>
+                  <a:schemeClr val="accent3">
+                    <a:lumMod val="50000"/>
+                  </a:schemeClr>
+                </a:solidFill>
+              </a:rPr>
+              <a:t> </a:t>
+            </a:r>
+            <a:r>
+              <a:rPr kumimoji="1" lang="en-US" altLang="ja-JP" dirty="0">
+                <a:solidFill>
+                  <a:srgbClr val="929292"/>
+                </a:solidFill>
+              </a:rPr>
+              <a:t>/ 100</a:t>
+            </a:r>
+            <a:endParaRPr kumimoji="1" lang="ja-JP" altLang="en-US" dirty="0">
+              <a:solidFill>
+                <a:srgbClr val="929292"/>
+              </a:solidFill>
+            </a:endParaRPr>
+          </a:p>
+        </p:txBody>
+      </p:sp>
+      <p:sp>
+        <p:nvSpPr>
+          <p:cNvPr id="29" name="テキスト ボックス 28">
+            <a:extLst>
+              <a:ext uri="{FF2B5EF4-FFF2-40B4-BE49-F238E27FC236}">
+                <a16:creationId xmlns:a16="http://schemas.microsoft.com/office/drawing/2014/main" id="{63611B4A-A825-4872-958F-D64D6B7D850B}"/>
+              </a:ext>
+            </a:extLst>
+          </p:cNvPr>
+          <p:cNvSpPr txBox="1"/>
+          <p:nvPr/>
+        </p:nvSpPr>
+        <p:spPr>
+          <a:xfrm>
+            <a:off x="599052" y="2991795"/>
+            <a:ext cx="4826849" cy="1015663"/>
+          </a:xfrm>
+          <a:prstGeom prst="rect">
+            <a:avLst/>
+          </a:prstGeom>
+          <a:noFill/>
+        </p:spPr>
+        <p:txBody>
+          <a:bodyPr wrap="square" rtlCol="0">
+            <a:spAutoFit/>
+          </a:bodyPr>
+          <a:lstStyle/>
+          <a:p>
+            <a:r>
+              <a:rPr kumimoji="1" lang="en-US" altLang="ja-JP" sz="2000" dirty="0"/>
+              <a:t>1</a:t>
+            </a:r>
+          </a:p>
+          <a:p>
+            <a:r>
+              <a:rPr kumimoji="1" lang="en-US" altLang="ja-JP" sz="2000" dirty="0"/>
+              <a:t>2</a:t>
+            </a:r>
+          </a:p>
+          <a:p>
+            <a:r>
+              <a:rPr kumimoji="1" lang="en-US" altLang="ja-JP" sz="2000" dirty="0"/>
+              <a:t>3</a:t>
+            </a:r>
+          </a:p>
+        </p:txBody>
+      </p:sp>
+      <p:sp>
+        <p:nvSpPr>
+          <p:cNvPr id="30" name="テキスト ボックス 29">
+            <a:extLst>
+              <a:ext uri="{FF2B5EF4-FFF2-40B4-BE49-F238E27FC236}">
+                <a16:creationId xmlns:a16="http://schemas.microsoft.com/office/drawing/2014/main" id="{90580C80-45E9-4347-979A-9C8534A067A8}"/>
+              </a:ext>
+            </a:extLst>
+          </p:cNvPr>
+          <p:cNvSpPr txBox="1"/>
+          <p:nvPr/>
+        </p:nvSpPr>
+        <p:spPr>
+          <a:xfrm>
+            <a:off x="599051" y="4551071"/>
+            <a:ext cx="4826849" cy="1938992"/>
+          </a:xfrm>
+          <a:prstGeom prst="rect">
+            <a:avLst/>
+          </a:prstGeom>
+          <a:noFill/>
+        </p:spPr>
+        <p:txBody>
+          <a:bodyPr wrap="square" rtlCol="0">
+            <a:spAutoFit/>
+          </a:bodyPr>
+          <a:lstStyle/>
+          <a:p>
+            <a:pPr algn="ctr"/>
+            <a:r>
+              <a:rPr kumimoji="1" lang="ja-JP" altLang="en-US" sz="2000" dirty="0"/>
+              <a:t>作業ペースが遅く、できることも少ない。</a:t>
+            </a:r>
+            <a:endParaRPr kumimoji="1" lang="en-US" altLang="ja-JP" sz="2000" dirty="0"/>
+          </a:p>
+          <a:p>
+            <a:pPr algn="ctr"/>
+            <a:endParaRPr kumimoji="1" lang="en-US" altLang="ja-JP" sz="2000" dirty="0"/>
+          </a:p>
+          <a:p>
+            <a:pPr algn="ctr"/>
+            <a:r>
+              <a:rPr kumimoji="1" lang="ja-JP" altLang="en-US" sz="2000" dirty="0"/>
+              <a:t>自分にプログラミングの力があれば、</a:t>
+            </a:r>
+            <a:endParaRPr kumimoji="1" lang="en-US" altLang="ja-JP" sz="2000" dirty="0"/>
+          </a:p>
+          <a:p>
+            <a:pPr algn="ctr"/>
+            <a:r>
+              <a:rPr kumimoji="1" lang="ja-JP" altLang="en-US" sz="2000" dirty="0"/>
+              <a:t>諦めずに済んだ機能もあったはず</a:t>
+            </a:r>
+            <a:r>
+              <a:rPr kumimoji="1" lang="en-US" altLang="ja-JP" sz="2000" dirty="0"/>
+              <a:t>…</a:t>
+            </a:r>
+            <a:r>
+              <a:rPr kumimoji="1" lang="ja-JP" altLang="en-US" sz="2000" dirty="0"/>
+              <a:t>！</a:t>
+            </a:r>
+            <a:endParaRPr kumimoji="1" lang="en-US" altLang="ja-JP" sz="2000" dirty="0"/>
+          </a:p>
+          <a:p>
+            <a:pPr algn="ctr"/>
+            <a:endParaRPr kumimoji="1" lang="en-US" altLang="ja-JP" sz="2000" dirty="0"/>
+          </a:p>
+          <a:p>
+            <a:pPr algn="ctr"/>
+            <a:r>
+              <a:rPr kumimoji="1" lang="ja-JP" altLang="en-US" sz="2000" dirty="0"/>
+              <a:t>もっと勉強して、</a:t>
+            </a:r>
+            <a:endParaRPr kumimoji="1" lang="en-US" altLang="ja-JP" sz="2000" dirty="0"/>
+          </a:p>
+        </p:txBody>
+      </p:sp>
+      <p:pic>
+        <p:nvPicPr>
+          <p:cNvPr id="31" name="グラフィックス 30" descr="目が回った顔 (塗りつぶしなし) 単色塗りつぶし">
+            <a:extLst>
+              <a:ext uri="{FF2B5EF4-FFF2-40B4-BE49-F238E27FC236}">
+                <a16:creationId xmlns:a16="http://schemas.microsoft.com/office/drawing/2014/main" id="{8E39D110-D9B4-4719-84D6-44AA20793FE8}"/>
+              </a:ext>
+            </a:extLst>
+          </p:cNvPr>
+          <p:cNvPicPr>
+            <a:picLocks noChangeAspect="1"/>
+          </p:cNvPicPr>
+          <p:nvPr/>
+        </p:nvPicPr>
+        <p:blipFill>
+          <a:blip r:embed="rId11">
+            <a:extLst>
+              <a:ext uri="{96DAC541-7B7A-43D3-8B79-37D633B846F1}">
+                <asvg:svgBlip xmlns:asvg="http://schemas.microsoft.com/office/drawing/2016/SVG/main" r:embed="rId12"/>
+              </a:ext>
+            </a:extLst>
+          </a:blip>
+          <a:stretch>
+            <a:fillRect/>
+          </a:stretch>
+        </p:blipFill>
+        <p:spPr>
+          <a:xfrm>
+            <a:off x="9021453" y="479347"/>
+            <a:ext cx="735351" cy="735351"/>
+          </a:xfrm>
+          <a:prstGeom prst="rect">
+            <a:avLst/>
+          </a:prstGeom>
+        </p:spPr>
+      </p:pic>
+      <p:pic>
+        <p:nvPicPr>
+          <p:cNvPr id="36" name="グラフィックス 35" descr="無表情な顔 (塗りつぶしなし) 単色塗りつぶし">
+            <a:extLst>
+              <a:ext uri="{FF2B5EF4-FFF2-40B4-BE49-F238E27FC236}">
+                <a16:creationId xmlns:a16="http://schemas.microsoft.com/office/drawing/2014/main" id="{1EA1EA56-EAD2-4274-AC28-BDC5780DFB69}"/>
+              </a:ext>
+            </a:extLst>
+          </p:cNvPr>
+          <p:cNvPicPr>
+            <a:picLocks noChangeAspect="1"/>
+          </p:cNvPicPr>
+          <p:nvPr/>
+        </p:nvPicPr>
+        <p:blipFill>
+          <a:blip r:embed="rId13">
+            <a:extLst>
+              <a:ext uri="{96DAC541-7B7A-43D3-8B79-37D633B846F1}">
+                <asvg:svgBlip xmlns:asvg="http://schemas.microsoft.com/office/drawing/2016/SVG/main" r:embed="rId14"/>
+              </a:ext>
+            </a:extLst>
+          </a:blip>
+          <a:stretch>
+            <a:fillRect/>
+          </a:stretch>
+        </p:blipFill>
+        <p:spPr>
+          <a:xfrm>
+            <a:off x="7569786" y="471586"/>
+            <a:ext cx="735351" cy="735351"/>
+          </a:xfrm>
+          <a:prstGeom prst="rect">
+            <a:avLst/>
+          </a:prstGeom>
+        </p:spPr>
+      </p:pic>
+      <p:sp>
+        <p:nvSpPr>
+          <p:cNvPr id="37" name="テキスト ボックス 36">
+            <a:extLst>
+              <a:ext uri="{FF2B5EF4-FFF2-40B4-BE49-F238E27FC236}">
+                <a16:creationId xmlns:a16="http://schemas.microsoft.com/office/drawing/2014/main" id="{808DDCC1-F5AD-44EC-B78C-4EF16CF8D694}"/>
+              </a:ext>
+            </a:extLst>
+          </p:cNvPr>
+          <p:cNvSpPr txBox="1"/>
+          <p:nvPr/>
+        </p:nvSpPr>
+        <p:spPr>
+          <a:xfrm>
+            <a:off x="5963833" y="3007634"/>
+            <a:ext cx="5665298" cy="1754326"/>
+          </a:xfrm>
+          <a:prstGeom prst="rect">
+            <a:avLst/>
+          </a:prstGeom>
+          <a:noFill/>
+        </p:spPr>
+        <p:txBody>
+          <a:bodyPr wrap="square" rtlCol="0">
+            <a:spAutoFit/>
+          </a:bodyPr>
+          <a:lstStyle/>
+          <a:p>
+            <a:pPr algn="ctr"/>
+            <a:r>
+              <a:rPr kumimoji="1" lang="ja-JP" altLang="en-US" sz="2000" dirty="0"/>
+              <a:t>各ファイルの役割や連携が、前よりわかる</a:t>
+            </a:r>
+            <a:r>
+              <a:rPr kumimoji="1" lang="en-US" altLang="ja-JP" sz="2000" dirty="0"/>
+              <a:t>…</a:t>
+            </a:r>
+            <a:r>
+              <a:rPr kumimoji="1" lang="ja-JP" altLang="en-US" sz="2000" dirty="0"/>
+              <a:t>！</a:t>
+            </a:r>
+            <a:endParaRPr kumimoji="1" lang="en-US" altLang="ja-JP" sz="2000" dirty="0"/>
+          </a:p>
+          <a:p>
+            <a:pPr algn="ctr"/>
+            <a:r>
+              <a:rPr kumimoji="1" lang="ja-JP" altLang="en-US" sz="2000" dirty="0"/>
+              <a:t>サーブレットに何が書いてあるかも、前よりわかる</a:t>
+            </a:r>
+            <a:r>
+              <a:rPr kumimoji="1" lang="en-US" altLang="ja-JP" sz="2000" dirty="0"/>
+              <a:t>…</a:t>
+            </a:r>
+            <a:r>
+              <a:rPr kumimoji="1" lang="ja-JP" altLang="en-US" sz="2000" dirty="0"/>
+              <a:t>！！</a:t>
+            </a:r>
+            <a:endParaRPr kumimoji="1" lang="en-US" altLang="ja-JP" sz="2000" dirty="0"/>
+          </a:p>
+          <a:p>
+            <a:pPr algn="ctr"/>
+            <a:endParaRPr kumimoji="1" lang="en-US" altLang="ja-JP" sz="2000" dirty="0"/>
+          </a:p>
+          <a:p>
+            <a:pPr algn="ctr"/>
+            <a:r>
+              <a:rPr kumimoji="1" lang="ja-JP" altLang="en-US" sz="2400" dirty="0"/>
+              <a:t>チーム開発ならではの難しさ、</a:t>
+            </a:r>
+            <a:endParaRPr kumimoji="1" lang="en-US" altLang="ja-JP" sz="2400" dirty="0"/>
+          </a:p>
+          <a:p>
+            <a:pPr algn="ctr"/>
+            <a:r>
+              <a:rPr kumimoji="1" lang="ja-JP" altLang="en-US" sz="2400" dirty="0"/>
+              <a:t>そして楽しさを、身をもって学べました。</a:t>
+            </a:r>
+            <a:endParaRPr kumimoji="1" lang="en-US" altLang="ja-JP" sz="2400" dirty="0"/>
+          </a:p>
+        </p:txBody>
+      </p:sp>
+      <p:sp>
+        <p:nvSpPr>
+          <p:cNvPr id="41" name="テキスト ボックス 40">
+            <a:extLst>
+              <a:ext uri="{FF2B5EF4-FFF2-40B4-BE49-F238E27FC236}">
+                <a16:creationId xmlns:a16="http://schemas.microsoft.com/office/drawing/2014/main" id="{F5B6F027-05F2-4C6D-AE1E-9A8D41C0E830}"/>
+              </a:ext>
+            </a:extLst>
+          </p:cNvPr>
+          <p:cNvSpPr txBox="1"/>
+          <p:nvPr/>
+        </p:nvSpPr>
+        <p:spPr>
+          <a:xfrm>
+            <a:off x="1175633" y="1442800"/>
+            <a:ext cx="6269106" cy="954107"/>
+          </a:xfrm>
+          <a:prstGeom prst="rect">
+            <a:avLst/>
+          </a:prstGeom>
+          <a:noFill/>
+        </p:spPr>
+        <p:txBody>
+          <a:bodyPr wrap="square" rtlCol="0">
+            <a:spAutoFit/>
+          </a:bodyPr>
+          <a:lstStyle/>
+          <a:p>
+            <a:r>
+              <a:rPr kumimoji="1" lang="ja-JP" altLang="en-US" sz="2800" dirty="0"/>
+              <a:t>プログラミングにたくさんチャレンジする</a:t>
+            </a:r>
+            <a:endParaRPr kumimoji="1" lang="en-US" altLang="ja-JP" sz="2800" dirty="0"/>
+          </a:p>
+          <a:p>
+            <a:r>
+              <a:rPr kumimoji="1" lang="en-US" altLang="ja-JP" sz="2800" dirty="0"/>
+              <a:t>	</a:t>
+            </a:r>
+            <a:r>
+              <a:rPr kumimoji="1" lang="ja-JP" altLang="en-US" sz="2800" dirty="0"/>
+              <a:t>チーム内の良い空気づくりに貢献する</a:t>
+            </a:r>
+            <a:endParaRPr kumimoji="1" lang="en-US" altLang="ja-JP" sz="2800" dirty="0"/>
+          </a:p>
+        </p:txBody>
+      </p:sp>
+      <p:pic>
+        <p:nvPicPr>
+          <p:cNvPr id="42" name="グラフィックス 41" descr="ユーザー 単色塗りつぶし">
+            <a:extLst>
+              <a:ext uri="{FF2B5EF4-FFF2-40B4-BE49-F238E27FC236}">
+                <a16:creationId xmlns:a16="http://schemas.microsoft.com/office/drawing/2014/main" id="{6CF699F4-CF46-4C02-B200-2B6D830D8BCA}"/>
+              </a:ext>
+            </a:extLst>
+          </p:cNvPr>
+          <p:cNvPicPr>
+            <a:picLocks noChangeAspect="1"/>
+          </p:cNvPicPr>
+          <p:nvPr/>
+        </p:nvPicPr>
+        <p:blipFill>
+          <a:blip r:embed="rId15">
+            <a:extLst>
+              <a:ext uri="{96DAC541-7B7A-43D3-8B79-37D633B846F1}">
+                <asvg:svgBlip xmlns:asvg="http://schemas.microsoft.com/office/drawing/2016/SVG/main" r:embed="rId16"/>
+              </a:ext>
+            </a:extLst>
+          </a:blip>
+          <a:stretch>
+            <a:fillRect/>
+          </a:stretch>
+        </p:blipFill>
+        <p:spPr>
+          <a:xfrm>
+            <a:off x="5927649" y="5530367"/>
+            <a:ext cx="1055042" cy="1055042"/>
+          </a:xfrm>
+          <a:prstGeom prst="rect">
+            <a:avLst/>
+          </a:prstGeom>
+        </p:spPr>
+      </p:pic>
+      <p:sp>
+        <p:nvSpPr>
+          <p:cNvPr id="44" name="吹き出し: 角を丸めた四角形 43">
+            <a:extLst>
+              <a:ext uri="{FF2B5EF4-FFF2-40B4-BE49-F238E27FC236}">
+                <a16:creationId xmlns:a16="http://schemas.microsoft.com/office/drawing/2014/main" id="{DDF871A6-0182-4065-B082-728552ACEB4C}"/>
+              </a:ext>
+            </a:extLst>
+          </p:cNvPr>
+          <p:cNvSpPr/>
+          <p:nvPr/>
+        </p:nvSpPr>
+        <p:spPr>
+          <a:xfrm>
+            <a:off x="7444740" y="5294713"/>
+            <a:ext cx="4148207" cy="1160667"/>
+          </a:xfrm>
+          <a:prstGeom prst="wedgeRoundRectCallout">
+            <a:avLst>
+              <a:gd name="adj1" fmla="val -60539"/>
+              <a:gd name="adj2" fmla="val 22806"/>
+              <a:gd name="adj3" fmla="val 16667"/>
+            </a:avLst>
+          </a:prstGeom>
+          <a:solidFill>
+            <a:srgbClr val="FEFBF5"/>
+          </a:solidFill>
+          <a:ln w="28575">
+            <a:solidFill>
+              <a:schemeClr val="bg2">
+                <a:lumMod val="75000"/>
+              </a:schemeClr>
+            </a:solidFill>
+          </a:ln>
+        </p:spPr>
+        <p:style>
+          <a:lnRef idx="2">
+            <a:schemeClr val="accent1">
+              <a:shade val="50000"/>
+            </a:schemeClr>
+          </a:lnRef>
+          <a:fillRef idx="1">
+            <a:schemeClr val="accent1"/>
+          </a:fillRef>
+          <a:effectRef idx="0">
+            <a:schemeClr val="accent1"/>
+          </a:effectRef>
+          <a:fontRef idx="minor">
+            <a:schemeClr val="lt1"/>
+          </a:fontRef>
+        </p:style>
+        <p:txBody>
+          <a:bodyPr rtlCol="0" anchor="ctr"/>
+          <a:lstStyle/>
+          <a:p>
+            <a:pPr algn="ctr">
+              <a:lnSpc>
+                <a:spcPct val="150000"/>
+              </a:lnSpc>
+            </a:pPr>
+            <a:r>
+              <a:rPr kumimoji="1" lang="ja-JP" altLang="en-US" dirty="0">
+                <a:solidFill>
+                  <a:sysClr val="windowText" lastClr="000000"/>
+                </a:solidFill>
+              </a:rPr>
+              <a:t>わわ</a:t>
+            </a:r>
+            <a:endParaRPr kumimoji="1" lang="en-US" altLang="ja-JP" dirty="0">
+              <a:solidFill>
+                <a:sysClr val="windowText" lastClr="000000"/>
+              </a:solidFill>
+            </a:endParaRPr>
+          </a:p>
+        </p:txBody>
+      </p:sp>
+      <p:sp>
+        <p:nvSpPr>
+          <p:cNvPr id="46" name="正方形/長方形 45">
+            <a:extLst>
+              <a:ext uri="{FF2B5EF4-FFF2-40B4-BE49-F238E27FC236}">
+                <a16:creationId xmlns:a16="http://schemas.microsoft.com/office/drawing/2014/main" id="{B1DF4E41-4A2A-468E-8D3F-B72036B54478}"/>
+              </a:ext>
+            </a:extLst>
+          </p:cNvPr>
+          <p:cNvSpPr/>
+          <p:nvPr/>
+        </p:nvSpPr>
+        <p:spPr>
+          <a:xfrm>
+            <a:off x="7222982" y="1825574"/>
+            <a:ext cx="1130260" cy="583800"/>
+          </a:xfrm>
+          <a:prstGeom prst="rect">
+            <a:avLst/>
+          </a:prstGeom>
+          <a:noFill/>
+          <a:ln w="28575">
+            <a:noFill/>
+          </a:ln>
+        </p:spPr>
+        <p:style>
+          <a:lnRef idx="1">
+            <a:schemeClr val="accent4"/>
+          </a:lnRef>
+          <a:fillRef idx="3">
+            <a:schemeClr val="accent4"/>
+          </a:fillRef>
+          <a:effectRef idx="2">
+            <a:schemeClr val="accent4"/>
+          </a:effectRef>
+          <a:fontRef idx="minor">
+            <a:schemeClr val="lt1"/>
+          </a:fontRef>
+        </p:style>
+        <p:txBody>
+          <a:bodyPr rtlCol="0" anchor="ctr" anchorCtr="0"/>
+          <a:lstStyle/>
+          <a:p>
+            <a:pPr algn="ctr"/>
+            <a:r>
+              <a:rPr kumimoji="1" lang="ja-JP" altLang="en-US" sz="2800" b="1" dirty="0">
+                <a:solidFill>
+                  <a:schemeClr val="accent3">
+                    <a:lumMod val="50000"/>
+                  </a:schemeClr>
+                </a:solidFill>
+                <a:latin typeface="HGP教科書体" panose="02020600000000000000" pitchFamily="18" charset="-128"/>
+                <a:ea typeface="HGP教科書体" panose="02020600000000000000" pitchFamily="18" charset="-128"/>
+              </a:rPr>
+              <a:t>達成</a:t>
+            </a:r>
+            <a:endParaRPr kumimoji="1" lang="en-US" altLang="ja-JP" sz="2800" b="1" dirty="0">
+              <a:solidFill>
+                <a:schemeClr val="tx1"/>
+              </a:solidFill>
+              <a:latin typeface="HGP教科書体" panose="02020600000000000000" pitchFamily="18" charset="-128"/>
+              <a:ea typeface="HGP教科書体" panose="02020600000000000000" pitchFamily="18" charset="-128"/>
+            </a:endParaRPr>
+          </a:p>
+        </p:txBody>
+      </p:sp>
+      <p:sp>
+        <p:nvSpPr>
+          <p:cNvPr id="40" name="正方形/長方形 39">
+            <a:extLst>
+              <a:ext uri="{FF2B5EF4-FFF2-40B4-BE49-F238E27FC236}">
+                <a16:creationId xmlns:a16="http://schemas.microsoft.com/office/drawing/2014/main" id="{99CF4FAB-8655-42E9-B80C-81EAC462BDC5}"/>
+              </a:ext>
+            </a:extLst>
+          </p:cNvPr>
+          <p:cNvSpPr/>
+          <p:nvPr/>
+        </p:nvSpPr>
+        <p:spPr>
+          <a:xfrm>
+            <a:off x="6196265" y="1423537"/>
+            <a:ext cx="1391395" cy="507425"/>
+          </a:xfrm>
+          <a:prstGeom prst="rect">
+            <a:avLst/>
+          </a:prstGeom>
+          <a:noFill/>
+          <a:ln w="28575">
+            <a:noFill/>
+          </a:ln>
+        </p:spPr>
+        <p:style>
+          <a:lnRef idx="1">
+            <a:schemeClr val="accent4"/>
+          </a:lnRef>
+          <a:fillRef idx="3">
+            <a:schemeClr val="accent4"/>
+          </a:fillRef>
+          <a:effectRef idx="2">
+            <a:schemeClr val="accent4"/>
+          </a:effectRef>
+          <a:fontRef idx="minor">
+            <a:schemeClr val="lt1"/>
+          </a:fontRef>
+        </p:style>
+        <p:txBody>
+          <a:bodyPr rtlCol="0" anchor="ctr" anchorCtr="0"/>
+          <a:lstStyle/>
+          <a:p>
+            <a:pPr algn="ctr"/>
+            <a:r>
+              <a:rPr kumimoji="1" lang="ja-JP" altLang="en-US" sz="2800" b="1" dirty="0">
+                <a:solidFill>
+                  <a:schemeClr val="bg1">
+                    <a:lumMod val="50000"/>
+                  </a:schemeClr>
+                </a:solidFill>
+                <a:latin typeface="HGP教科書体" panose="02020600000000000000" pitchFamily="18" charset="-128"/>
+                <a:ea typeface="HGP教科書体" panose="02020600000000000000" pitchFamily="18" charset="-128"/>
+              </a:rPr>
+              <a:t>未達成</a:t>
+            </a:r>
+            <a:endParaRPr kumimoji="1" lang="en-US" altLang="ja-JP" sz="2800" b="1" dirty="0">
+              <a:solidFill>
+                <a:schemeClr val="bg1">
+                  <a:lumMod val="50000"/>
+                </a:schemeClr>
+              </a:solidFill>
+              <a:latin typeface="HGP教科書体" panose="02020600000000000000" pitchFamily="18" charset="-128"/>
+              <a:ea typeface="HGP教科書体" panose="02020600000000000000" pitchFamily="18" charset="-128"/>
+            </a:endParaRPr>
+          </a:p>
+        </p:txBody>
+      </p:sp>
+    </p:spTree>
+    <p:extLst>
+      <p:ext uri="{BB962C8B-B14F-4D97-AF65-F5344CB8AC3E}">
+        <p14:creationId xmlns:p14="http://schemas.microsoft.com/office/powerpoint/2010/main" val="973871994"/>
+      </p:ext>
+    </p:extLst>
+  </p:cSld>
+  <p:clrMapOvr>
+    <a:masterClrMapping/>
+  </p:clrMapOvr>
+</p:sld>
+</file>
+
+<file path=ppt/slides/slide24.xml><?xml version="1.0" encoding="utf-8"?>
+<p:sld xmlns:a="http://schemas.openxmlformats.org/drawingml/2006/main" xmlns:r="http://schemas.openxmlformats.org/officeDocument/2006/relationships" xmlns:p="http://schemas.openxmlformats.org/presentationml/2006/main" show="0">
   <p:cSld>
     <p:spTree>
       <p:nvGrpSpPr>
@@ -13378,8 +17468,8 @@
         </p:nvSpPr>
         <p:spPr>
           <a:xfrm>
-            <a:off x="5749741" y="5207052"/>
-            <a:ext cx="6045145" cy="1498181"/>
+            <a:off x="5749741" y="5115465"/>
+            <a:ext cx="6045145" cy="1518091"/>
           </a:xfrm>
           <a:prstGeom prst="rect">
             <a:avLst/>
@@ -13562,6 +17652,15 @@
               <a:ea typeface="HGP教科書体" panose="02020600000000000000" pitchFamily="18" charset="-128"/>
             </a:endParaRPr>
           </a:p>
+          <a:p>
+            <a:endParaRPr kumimoji="1" lang="en-US" altLang="ja-JP" sz="2000" dirty="0">
+              <a:solidFill>
+                <a:schemeClr val="tx1"/>
+              </a:solidFill>
+              <a:latin typeface="HGP教科書体" panose="02020600000000000000" pitchFamily="18" charset="-128"/>
+              <a:ea typeface="HGP教科書体" panose="02020600000000000000" pitchFamily="18" charset="-128"/>
+            </a:endParaRPr>
+          </a:p>
         </p:txBody>
       </p:sp>
       <p:sp>
@@ -13690,10 +17789,10 @@
       </p:sp>
       <p:pic>
         <p:nvPicPr>
-          <p:cNvPr id="18" name="グラフィックス 17" descr="ハート付きの笑顔 (塗りつぶし) 単色塗りつぶし">
-            <a:extLst>
-              <a:ext uri="{FF2B5EF4-FFF2-40B4-BE49-F238E27FC236}">
-                <a16:creationId xmlns:a16="http://schemas.microsoft.com/office/drawing/2014/main" id="{8763B349-4173-406D-839B-A2FB0C9EEF3D}"/>
+          <p:cNvPr id="22" name="グラフィックス 21" descr="ハート付きの笑顔 (塗りつぶしなし) 単色塗りつぶし">
+            <a:extLst>
+              <a:ext uri="{FF2B5EF4-FFF2-40B4-BE49-F238E27FC236}">
+                <a16:creationId xmlns:a16="http://schemas.microsoft.com/office/drawing/2014/main" id="{7DE3574C-15E9-4D20-A929-C7E2D6DE0836}"/>
               </a:ext>
             </a:extLst>
           </p:cNvPr>
@@ -13716,187 +17815,8 @@
         </p:blipFill>
         <p:spPr>
           <a:xfrm>
-            <a:off x="10815755" y="1467584"/>
-            <a:ext cx="914400" cy="914400"/>
-          </a:xfrm>
-          <a:prstGeom prst="rect">
-            <a:avLst/>
-          </a:prstGeom>
-        </p:spPr>
-      </p:pic>
-      <p:pic>
-        <p:nvPicPr>
-          <p:cNvPr id="14" name="グラフィックス 13" descr="無表情な顔 (塗りつぶしなし) 単色塗りつぶし">
-            <a:extLst>
-              <a:ext uri="{FF2B5EF4-FFF2-40B4-BE49-F238E27FC236}">
-                <a16:creationId xmlns:a16="http://schemas.microsoft.com/office/drawing/2014/main" id="{1D4D3A17-F77C-43E3-AD6A-EF67D59BEB09}"/>
-              </a:ext>
-            </a:extLst>
-          </p:cNvPr>
-          <p:cNvPicPr>
-            <a:picLocks noChangeAspect="1"/>
-          </p:cNvPicPr>
-          <p:nvPr/>
-        </p:nvPicPr>
-        <p:blipFill>
-          <a:blip r:embed="rId5">
-            <a:extLst>
-              <a:ext uri="{96DAC541-7B7A-43D3-8B79-37D633B846F1}">
-                <asvg:svgBlip xmlns:asvg="http://schemas.microsoft.com/office/drawing/2016/SVG/main" r:embed="rId6"/>
-              </a:ext>
-            </a:extLst>
-          </a:blip>
-          <a:stretch>
-            <a:fillRect/>
-          </a:stretch>
-        </p:blipFill>
-        <p:spPr>
-          <a:xfrm>
-            <a:off x="9204309" y="46158"/>
-            <a:ext cx="914400" cy="914400"/>
-          </a:xfrm>
-          <a:prstGeom prst="rect">
-            <a:avLst/>
-          </a:prstGeom>
-        </p:spPr>
-      </p:pic>
-      <p:pic>
-        <p:nvPicPr>
-          <p:cNvPr id="16" name="グラフィックス 15" descr="困った顔 (塗りつぶし) 単色塗りつぶし">
-            <a:extLst>
-              <a:ext uri="{FF2B5EF4-FFF2-40B4-BE49-F238E27FC236}">
-                <a16:creationId xmlns:a16="http://schemas.microsoft.com/office/drawing/2014/main" id="{395972D5-1757-4CBC-800A-EFAFA39E51AD}"/>
-              </a:ext>
-            </a:extLst>
-          </p:cNvPr>
-          <p:cNvPicPr>
-            <a:picLocks noChangeAspect="1"/>
-          </p:cNvPicPr>
-          <p:nvPr/>
-        </p:nvPicPr>
-        <p:blipFill>
-          <a:blip r:embed="rId7">
-            <a:extLst>
-              <a:ext uri="{96DAC541-7B7A-43D3-8B79-37D633B846F1}">
-                <asvg:svgBlip xmlns:asvg="http://schemas.microsoft.com/office/drawing/2016/SVG/main" r:embed="rId8"/>
-              </a:ext>
-            </a:extLst>
-          </a:blip>
-          <a:stretch>
-            <a:fillRect/>
-          </a:stretch>
-        </p:blipFill>
-        <p:spPr>
-          <a:xfrm>
-            <a:off x="7089645" y="102474"/>
-            <a:ext cx="914400" cy="914400"/>
-          </a:xfrm>
-          <a:prstGeom prst="rect">
-            <a:avLst/>
-          </a:prstGeom>
-        </p:spPr>
-      </p:pic>
-      <p:pic>
-        <p:nvPicPr>
-          <p:cNvPr id="22" name="グラフィックス 21" descr="ハート付きの笑顔 (塗りつぶしなし) 単色塗りつぶし">
-            <a:extLst>
-              <a:ext uri="{FF2B5EF4-FFF2-40B4-BE49-F238E27FC236}">
-                <a16:creationId xmlns:a16="http://schemas.microsoft.com/office/drawing/2014/main" id="{7DE3574C-15E9-4D20-A929-C7E2D6DE0836}"/>
-              </a:ext>
-            </a:extLst>
-          </p:cNvPr>
-          <p:cNvPicPr>
-            <a:picLocks noChangeAspect="1"/>
-          </p:cNvPicPr>
-          <p:nvPr/>
-        </p:nvPicPr>
-        <p:blipFill>
-          <a:blip r:embed="rId9">
-            <a:extLst>
-              <a:ext uri="{96DAC541-7B7A-43D3-8B79-37D633B846F1}">
-                <asvg:svgBlip xmlns:asvg="http://schemas.microsoft.com/office/drawing/2016/SVG/main" r:embed="rId10"/>
-              </a:ext>
-            </a:extLst>
-          </a:blip>
-          <a:stretch>
-            <a:fillRect/>
-          </a:stretch>
-        </p:blipFill>
-        <p:spPr>
-          <a:xfrm>
-            <a:off x="8672655" y="378320"/>
-            <a:ext cx="914400" cy="914400"/>
-          </a:xfrm>
-          <a:prstGeom prst="rect">
-            <a:avLst/>
-          </a:prstGeom>
-        </p:spPr>
-      </p:pic>
-      <p:pic>
-        <p:nvPicPr>
-          <p:cNvPr id="8" name="コンテンツ プレースホルダー 7" descr="ニヤリとした顔 (塗りつぶし) 単色塗りつぶし">
-            <a:extLst>
-              <a:ext uri="{FF2B5EF4-FFF2-40B4-BE49-F238E27FC236}">
-                <a16:creationId xmlns:a16="http://schemas.microsoft.com/office/drawing/2014/main" id="{4E66C924-0D37-4E75-AF98-9037CC978C73}"/>
-              </a:ext>
-            </a:extLst>
-          </p:cNvPr>
-          <p:cNvPicPr>
-            <a:picLocks noGrp="1" noChangeAspect="1"/>
-          </p:cNvPicPr>
-          <p:nvPr>
-            <p:ph sz="quarter" idx="13"/>
-          </p:nvPr>
-        </p:nvPicPr>
-        <p:blipFill>
-          <a:blip r:embed="rId11">
-            <a:extLst>
-              <a:ext uri="{96DAC541-7B7A-43D3-8B79-37D633B846F1}">
-                <asvg:svgBlip xmlns:asvg="http://schemas.microsoft.com/office/drawing/2016/SVG/main" r:embed="rId12"/>
-              </a:ext>
-            </a:extLst>
-          </a:blip>
-          <a:stretch>
-            <a:fillRect/>
-          </a:stretch>
-        </p:blipFill>
-        <p:spPr>
-          <a:xfrm>
-            <a:off x="6286500" y="435203"/>
-            <a:ext cx="914400" cy="914400"/>
-          </a:xfrm>
-        </p:spPr>
-      </p:pic>
-      <p:pic>
-        <p:nvPicPr>
-          <p:cNvPr id="10" name="グラフィックス 9" descr="ニヤリとした顔 (塗りつぶしなし) 単色塗りつぶし">
-            <a:extLst>
-              <a:ext uri="{FF2B5EF4-FFF2-40B4-BE49-F238E27FC236}">
-                <a16:creationId xmlns:a16="http://schemas.microsoft.com/office/drawing/2014/main" id="{D68573FE-0FF6-4CE1-95BE-C63109EF9B20}"/>
-              </a:ext>
-            </a:extLst>
-          </p:cNvPr>
-          <p:cNvPicPr>
-            <a:picLocks noChangeAspect="1"/>
-          </p:cNvPicPr>
-          <p:nvPr/>
-        </p:nvPicPr>
-        <p:blipFill>
-          <a:blip r:embed="rId13">
-            <a:extLst>
-              <a:ext uri="{96DAC541-7B7A-43D3-8B79-37D633B846F1}">
-                <asvg:svgBlip xmlns:asvg="http://schemas.microsoft.com/office/drawing/2016/SVG/main" r:embed="rId14"/>
-              </a:ext>
-            </a:extLst>
-          </a:blip>
-          <a:stretch>
-            <a:fillRect/>
-          </a:stretch>
-        </p:blipFill>
-        <p:spPr>
-          <a:xfrm>
-            <a:off x="10064718" y="64947"/>
-            <a:ext cx="914400" cy="914400"/>
+            <a:off x="6106698" y="471586"/>
+            <a:ext cx="735351" cy="735351"/>
           </a:xfrm>
           <a:prstGeom prst="rect">
             <a:avLst/>
@@ -13918,10 +17838,10 @@
           <p:nvPr/>
         </p:nvPicPr>
         <p:blipFill>
-          <a:blip r:embed="rId15">
+          <a:blip r:embed="rId5">
             <a:extLst>
               <a:ext uri="{96DAC541-7B7A-43D3-8B79-37D633B846F1}">
-                <asvg:svgBlip xmlns:asvg="http://schemas.microsoft.com/office/drawing/2016/SVG/main" r:embed="rId16"/>
+                <asvg:svgBlip xmlns:asvg="http://schemas.microsoft.com/office/drawing/2016/SVG/main" r:embed="rId6"/>
               </a:ext>
             </a:extLst>
           </a:blip>
@@ -13931,20 +17851,63 @@
         </p:blipFill>
         <p:spPr>
           <a:xfrm>
-            <a:off x="9607518" y="435203"/>
-            <a:ext cx="914400" cy="914400"/>
+            <a:off x="8297523" y="471585"/>
+            <a:ext cx="735351" cy="735351"/>
           </a:xfrm>
           <a:prstGeom prst="rect">
             <a:avLst/>
           </a:prstGeom>
         </p:spPr>
       </p:pic>
+      <p:sp>
+        <p:nvSpPr>
+          <p:cNvPr id="21" name="タイトル 1">
+            <a:extLst>
+              <a:ext uri="{FF2B5EF4-FFF2-40B4-BE49-F238E27FC236}">
+                <a16:creationId xmlns:a16="http://schemas.microsoft.com/office/drawing/2014/main" id="{E01F4966-AC20-4CE9-B938-7DD680115297}"/>
+              </a:ext>
+            </a:extLst>
+          </p:cNvPr>
+          <p:cNvSpPr>
+            <a:spLocks noGrp="1"/>
+          </p:cNvSpPr>
+          <p:nvPr>
+            <p:ph type="title"/>
+          </p:nvPr>
+        </p:nvSpPr>
+        <p:spPr>
+          <a:xfrm>
+            <a:off x="1378975" y="483440"/>
+            <a:ext cx="10164876" cy="583800"/>
+          </a:xfrm>
+        </p:spPr>
+        <p:txBody>
+          <a:bodyPr rtlCol="0"/>
+          <a:lstStyle/>
+          <a:p>
+            <a:pPr rtl="0"/>
+            <a:r>
+              <a:rPr lang="ja-JP" altLang="en-US" sz="3200" b="0" dirty="0"/>
+              <a:t>姓 名 </a:t>
+            </a:r>
+            <a:r>
+              <a:rPr lang="en-US" altLang="ja-JP" b="0" dirty="0"/>
+              <a:t>/ </a:t>
+            </a:r>
+            <a:r>
+              <a:rPr lang="ja-JP" altLang="en-US" b="0" dirty="0"/>
+              <a:t>担当</a:t>
+            </a:r>
+            <a:endParaRPr lang="ja" sz="3200" b="0" dirty="0"/>
+          </a:p>
+        </p:txBody>
+      </p:sp>
       <p:pic>
         <p:nvPicPr>
-          <p:cNvPr id="12" name="グラフィックス 11" descr="無表情な顔 (塗りつぶし) 単色塗りつぶし">
-            <a:extLst>
-              <a:ext uri="{FF2B5EF4-FFF2-40B4-BE49-F238E27FC236}">
-                <a16:creationId xmlns:a16="http://schemas.microsoft.com/office/drawing/2014/main" id="{2DEBA532-EB78-4D7F-9949-F904D9D6D78C}"/>
+          <p:cNvPr id="23" name="グラフィックス 22" descr="地球: 南北アメリカ 単色塗りつぶし">
+            <a:extLst>
+              <a:ext uri="{FF2B5EF4-FFF2-40B4-BE49-F238E27FC236}">
+                <a16:creationId xmlns:a16="http://schemas.microsoft.com/office/drawing/2014/main" id="{12257C1A-E500-47D5-B295-0D988A417CA9}"/>
               </a:ext>
             </a:extLst>
           </p:cNvPr>
@@ -13954,89 +17917,10 @@
           <p:nvPr/>
         </p:nvPicPr>
         <p:blipFill>
-          <a:blip r:embed="rId17">
+          <a:blip r:embed="rId7">
             <a:extLst>
               <a:ext uri="{96DAC541-7B7A-43D3-8B79-37D633B846F1}">
-                <asvg:svgBlip xmlns:asvg="http://schemas.microsoft.com/office/drawing/2016/SVG/main" r:embed="rId18"/>
-              </a:ext>
-            </a:extLst>
-          </a:blip>
-          <a:stretch>
-            <a:fillRect/>
-          </a:stretch>
-        </p:blipFill>
-        <p:spPr>
-          <a:xfrm>
-            <a:off x="7886700" y="406762"/>
-            <a:ext cx="914400" cy="914400"/>
-          </a:xfrm>
-          <a:prstGeom prst="rect">
-            <a:avLst/>
-          </a:prstGeom>
-        </p:spPr>
-      </p:pic>
-      <p:sp>
-        <p:nvSpPr>
-          <p:cNvPr id="21" name="タイトル 1">
-            <a:extLst>
-              <a:ext uri="{FF2B5EF4-FFF2-40B4-BE49-F238E27FC236}">
-                <a16:creationId xmlns:a16="http://schemas.microsoft.com/office/drawing/2014/main" id="{E01F4966-AC20-4CE9-B938-7DD680115297}"/>
-              </a:ext>
-            </a:extLst>
-          </p:cNvPr>
-          <p:cNvSpPr>
-            <a:spLocks noGrp="1"/>
-          </p:cNvSpPr>
-          <p:nvPr>
-            <p:ph type="title"/>
-          </p:nvPr>
-        </p:nvSpPr>
-        <p:spPr>
-          <a:xfrm>
-            <a:off x="1378975" y="483440"/>
-            <a:ext cx="10164876" cy="583800"/>
-          </a:xfrm>
-        </p:spPr>
-        <p:txBody>
-          <a:bodyPr rtlCol="0"/>
-          <a:lstStyle/>
-          <a:p>
-            <a:pPr rtl="0"/>
-            <a:r>
-              <a:rPr lang="ja-JP" altLang="en-US" sz="3200" b="0" dirty="0"/>
-              <a:t>チームリーダー </a:t>
-            </a:r>
-            <a:r>
-              <a:rPr lang="en-US" altLang="ja-JP" b="0" dirty="0"/>
-              <a:t>/ </a:t>
-            </a:r>
-            <a:r>
-              <a:rPr lang="ja-JP" altLang="en-US" b="0" dirty="0"/>
-              <a:t>小林葵</a:t>
-            </a:r>
-            <a:endParaRPr lang="ja" sz="3200" b="0" dirty="0"/>
-          </a:p>
-        </p:txBody>
-      </p:sp>
-      <p:pic>
-        <p:nvPicPr>
-          <p:cNvPr id="23" name="グラフィックス 22" descr="地球: 南北アメリカ 単色塗りつぶし">
-            <a:extLst>
-              <a:ext uri="{FF2B5EF4-FFF2-40B4-BE49-F238E27FC236}">
-                <a16:creationId xmlns:a16="http://schemas.microsoft.com/office/drawing/2014/main" id="{12257C1A-E500-47D5-B295-0D988A417CA9}"/>
-              </a:ext>
-            </a:extLst>
-          </p:cNvPr>
-          <p:cNvPicPr>
-            <a:picLocks noChangeAspect="1"/>
-          </p:cNvPicPr>
-          <p:nvPr/>
-        </p:nvPicPr>
-        <p:blipFill>
-          <a:blip r:embed="rId19">
-            <a:extLst>
-              <a:ext uri="{96DAC541-7B7A-43D3-8B79-37D633B846F1}">
-                <asvg:svgBlip xmlns:asvg="http://schemas.microsoft.com/office/drawing/2016/SVG/main" r:embed="rId20"/>
+                <asvg:svgBlip xmlns:asvg="http://schemas.microsoft.com/office/drawing/2016/SVG/main" r:embed="rId8"/>
               </a:ext>
             </a:extLst>
           </a:blip>
@@ -14054,10 +17938,628 @@
           </a:prstGeom>
         </p:spPr>
       </p:pic>
+      <p:sp>
+        <p:nvSpPr>
+          <p:cNvPr id="5" name="テキスト ボックス 4">
+            <a:extLst>
+              <a:ext uri="{FF2B5EF4-FFF2-40B4-BE49-F238E27FC236}">
+                <a16:creationId xmlns:a16="http://schemas.microsoft.com/office/drawing/2014/main" id="{AEC5C30F-A5DC-43EA-8BB6-49AA01310E81}"/>
+              </a:ext>
+            </a:extLst>
+          </p:cNvPr>
+          <p:cNvSpPr txBox="1"/>
+          <p:nvPr/>
+        </p:nvSpPr>
+        <p:spPr>
+          <a:xfrm>
+            <a:off x="9661509" y="1680203"/>
+            <a:ext cx="1511952" cy="707886"/>
+          </a:xfrm>
+          <a:prstGeom prst="rect">
+            <a:avLst/>
+          </a:prstGeom>
+          <a:noFill/>
+        </p:spPr>
+        <p:txBody>
+          <a:bodyPr wrap="none" rtlCol="0">
+            <a:spAutoFit/>
+          </a:bodyPr>
+          <a:lstStyle/>
+          <a:p>
+            <a:r>
+              <a:rPr kumimoji="1" lang="en-US" altLang="ja-JP" sz="4000" dirty="0">
+                <a:solidFill>
+                  <a:schemeClr val="accent3">
+                    <a:lumMod val="50000"/>
+                  </a:schemeClr>
+                </a:solidFill>
+              </a:rPr>
+              <a:t>00</a:t>
+            </a:r>
+            <a:r>
+              <a:rPr kumimoji="1" lang="en-US" altLang="ja-JP" dirty="0">
+                <a:solidFill>
+                  <a:schemeClr val="accent3">
+                    <a:lumMod val="50000"/>
+                  </a:schemeClr>
+                </a:solidFill>
+              </a:rPr>
+              <a:t> </a:t>
+            </a:r>
+            <a:r>
+              <a:rPr kumimoji="1" lang="en-US" altLang="ja-JP" dirty="0">
+                <a:solidFill>
+                  <a:srgbClr val="929292"/>
+                </a:solidFill>
+              </a:rPr>
+              <a:t>/ 100</a:t>
+            </a:r>
+            <a:endParaRPr kumimoji="1" lang="ja-JP" altLang="en-US" dirty="0">
+              <a:solidFill>
+                <a:srgbClr val="929292"/>
+              </a:solidFill>
+            </a:endParaRPr>
+          </a:p>
+        </p:txBody>
+      </p:sp>
+      <p:sp>
+        <p:nvSpPr>
+          <p:cNvPr id="28" name="テキスト ボックス 27">
+            <a:extLst>
+              <a:ext uri="{FF2B5EF4-FFF2-40B4-BE49-F238E27FC236}">
+                <a16:creationId xmlns:a16="http://schemas.microsoft.com/office/drawing/2014/main" id="{C883ED87-CD86-4586-89C1-1CED30C0490A}"/>
+              </a:ext>
+            </a:extLst>
+          </p:cNvPr>
+          <p:cNvSpPr txBox="1"/>
+          <p:nvPr/>
+        </p:nvSpPr>
+        <p:spPr>
+          <a:xfrm>
+            <a:off x="1047404" y="1442800"/>
+            <a:ext cx="5935287" cy="954107"/>
+          </a:xfrm>
+          <a:prstGeom prst="rect">
+            <a:avLst/>
+          </a:prstGeom>
+          <a:noFill/>
+        </p:spPr>
+        <p:txBody>
+          <a:bodyPr wrap="square" rtlCol="0">
+            <a:spAutoFit/>
+          </a:bodyPr>
+          <a:lstStyle/>
+          <a:p>
+            <a:r>
+              <a:rPr kumimoji="1" lang="en-US" altLang="ja-JP" sz="2800" dirty="0"/>
+              <a:t>1</a:t>
+            </a:r>
+          </a:p>
+          <a:p>
+            <a:r>
+              <a:rPr kumimoji="1" lang="en-US" altLang="ja-JP" sz="2800" dirty="0"/>
+              <a:t>2</a:t>
+            </a:r>
+          </a:p>
+        </p:txBody>
+      </p:sp>
+      <p:sp>
+        <p:nvSpPr>
+          <p:cNvPr id="29" name="テキスト ボックス 28">
+            <a:extLst>
+              <a:ext uri="{FF2B5EF4-FFF2-40B4-BE49-F238E27FC236}">
+                <a16:creationId xmlns:a16="http://schemas.microsoft.com/office/drawing/2014/main" id="{63611B4A-A825-4872-958F-D64D6B7D850B}"/>
+              </a:ext>
+            </a:extLst>
+          </p:cNvPr>
+          <p:cNvSpPr txBox="1"/>
+          <p:nvPr/>
+        </p:nvSpPr>
+        <p:spPr>
+          <a:xfrm>
+            <a:off x="599052" y="2991795"/>
+            <a:ext cx="4826849" cy="1323439"/>
+          </a:xfrm>
+          <a:prstGeom prst="rect">
+            <a:avLst/>
+          </a:prstGeom>
+          <a:noFill/>
+        </p:spPr>
+        <p:txBody>
+          <a:bodyPr wrap="square" rtlCol="0">
+            <a:spAutoFit/>
+          </a:bodyPr>
+          <a:lstStyle/>
+          <a:p>
+            <a:r>
+              <a:rPr kumimoji="1" lang="en-US" altLang="ja-JP" sz="2000" dirty="0"/>
+              <a:t>1</a:t>
+            </a:r>
+          </a:p>
+          <a:p>
+            <a:r>
+              <a:rPr kumimoji="1" lang="en-US" altLang="ja-JP" sz="2000" dirty="0"/>
+              <a:t>2</a:t>
+            </a:r>
+          </a:p>
+          <a:p>
+            <a:r>
+              <a:rPr kumimoji="1" lang="en-US" altLang="ja-JP" sz="2000" dirty="0"/>
+              <a:t>3</a:t>
+            </a:r>
+          </a:p>
+          <a:p>
+            <a:r>
+              <a:rPr kumimoji="1" lang="en-US" altLang="ja-JP" sz="2000" dirty="0"/>
+              <a:t>4</a:t>
+            </a:r>
+          </a:p>
+        </p:txBody>
+      </p:sp>
+      <p:sp>
+        <p:nvSpPr>
+          <p:cNvPr id="30" name="テキスト ボックス 29">
+            <a:extLst>
+              <a:ext uri="{FF2B5EF4-FFF2-40B4-BE49-F238E27FC236}">
+                <a16:creationId xmlns:a16="http://schemas.microsoft.com/office/drawing/2014/main" id="{90580C80-45E9-4347-979A-9C8534A067A8}"/>
+              </a:ext>
+            </a:extLst>
+          </p:cNvPr>
+          <p:cNvSpPr txBox="1"/>
+          <p:nvPr/>
+        </p:nvSpPr>
+        <p:spPr>
+          <a:xfrm>
+            <a:off x="599052" y="5158230"/>
+            <a:ext cx="4826849" cy="1015663"/>
+          </a:xfrm>
+          <a:prstGeom prst="rect">
+            <a:avLst/>
+          </a:prstGeom>
+          <a:noFill/>
+        </p:spPr>
+        <p:txBody>
+          <a:bodyPr wrap="square" rtlCol="0">
+            <a:spAutoFit/>
+          </a:bodyPr>
+          <a:lstStyle/>
+          <a:p>
+            <a:r>
+              <a:rPr kumimoji="1" lang="en-US" altLang="ja-JP" sz="2000" dirty="0"/>
+              <a:t>1</a:t>
+            </a:r>
+          </a:p>
+          <a:p>
+            <a:r>
+              <a:rPr kumimoji="1" lang="en-US" altLang="ja-JP" sz="2000" dirty="0"/>
+              <a:t>2</a:t>
+            </a:r>
+          </a:p>
+          <a:p>
+            <a:r>
+              <a:rPr kumimoji="1" lang="en-US" altLang="ja-JP" sz="2000" dirty="0"/>
+              <a:t>3</a:t>
+            </a:r>
+          </a:p>
+        </p:txBody>
+      </p:sp>
+      <p:pic>
+        <p:nvPicPr>
+          <p:cNvPr id="31" name="グラフィックス 30" descr="目が回った顔 (塗りつぶしなし) 単色塗りつぶし">
+            <a:extLst>
+              <a:ext uri="{FF2B5EF4-FFF2-40B4-BE49-F238E27FC236}">
+                <a16:creationId xmlns:a16="http://schemas.microsoft.com/office/drawing/2014/main" id="{8E39D110-D9B4-4719-84D6-44AA20793FE8}"/>
+              </a:ext>
+            </a:extLst>
+          </p:cNvPr>
+          <p:cNvPicPr>
+            <a:picLocks noChangeAspect="1"/>
+          </p:cNvPicPr>
+          <p:nvPr/>
+        </p:nvPicPr>
+        <p:blipFill>
+          <a:blip r:embed="rId9">
+            <a:extLst>
+              <a:ext uri="{96DAC541-7B7A-43D3-8B79-37D633B846F1}">
+                <asvg:svgBlip xmlns:asvg="http://schemas.microsoft.com/office/drawing/2016/SVG/main" r:embed="rId10"/>
+              </a:ext>
+            </a:extLst>
+          </a:blip>
+          <a:stretch>
+            <a:fillRect/>
+          </a:stretch>
+        </p:blipFill>
+        <p:spPr>
+          <a:xfrm>
+            <a:off x="9021453" y="479347"/>
+            <a:ext cx="735351" cy="735351"/>
+          </a:xfrm>
+          <a:prstGeom prst="rect">
+            <a:avLst/>
+          </a:prstGeom>
+        </p:spPr>
+      </p:pic>
+      <p:pic>
+        <p:nvPicPr>
+          <p:cNvPr id="36" name="グラフィックス 35" descr="無表情な顔 (塗りつぶしなし) 単色塗りつぶし">
+            <a:extLst>
+              <a:ext uri="{FF2B5EF4-FFF2-40B4-BE49-F238E27FC236}">
+                <a16:creationId xmlns:a16="http://schemas.microsoft.com/office/drawing/2014/main" id="{1EA1EA56-EAD2-4274-AC28-BDC5780DFB69}"/>
+              </a:ext>
+            </a:extLst>
+          </p:cNvPr>
+          <p:cNvPicPr>
+            <a:picLocks noChangeAspect="1"/>
+          </p:cNvPicPr>
+          <p:nvPr/>
+        </p:nvPicPr>
+        <p:blipFill>
+          <a:blip r:embed="rId11">
+            <a:extLst>
+              <a:ext uri="{96DAC541-7B7A-43D3-8B79-37D633B846F1}">
+                <asvg:svgBlip xmlns:asvg="http://schemas.microsoft.com/office/drawing/2016/SVG/main" r:embed="rId12"/>
+              </a:ext>
+            </a:extLst>
+          </a:blip>
+          <a:stretch>
+            <a:fillRect/>
+          </a:stretch>
+        </p:blipFill>
+        <p:spPr>
+          <a:xfrm>
+            <a:off x="7569786" y="471586"/>
+            <a:ext cx="735351" cy="735351"/>
+          </a:xfrm>
+          <a:prstGeom prst="rect">
+            <a:avLst/>
+          </a:prstGeom>
+        </p:spPr>
+      </p:pic>
+      <p:sp>
+        <p:nvSpPr>
+          <p:cNvPr id="37" name="テキスト ボックス 36">
+            <a:extLst>
+              <a:ext uri="{FF2B5EF4-FFF2-40B4-BE49-F238E27FC236}">
+                <a16:creationId xmlns:a16="http://schemas.microsoft.com/office/drawing/2014/main" id="{808DDCC1-F5AD-44EC-B78C-4EF16CF8D694}"/>
+              </a:ext>
+            </a:extLst>
+          </p:cNvPr>
+          <p:cNvSpPr txBox="1"/>
+          <p:nvPr/>
+        </p:nvSpPr>
+        <p:spPr>
+          <a:xfrm>
+            <a:off x="6074273" y="2991795"/>
+            <a:ext cx="5469578" cy="1631216"/>
+          </a:xfrm>
+          <a:prstGeom prst="rect">
+            <a:avLst/>
+          </a:prstGeom>
+          <a:noFill/>
+        </p:spPr>
+        <p:txBody>
+          <a:bodyPr wrap="square" rtlCol="0">
+            <a:spAutoFit/>
+          </a:bodyPr>
+          <a:lstStyle/>
+          <a:p>
+            <a:r>
+              <a:rPr kumimoji="1" lang="en-US" altLang="ja-JP" sz="2000" dirty="0"/>
+              <a:t>1</a:t>
+            </a:r>
+          </a:p>
+          <a:p>
+            <a:r>
+              <a:rPr kumimoji="1" lang="en-US" altLang="ja-JP" sz="2000" dirty="0"/>
+              <a:t>2</a:t>
+            </a:r>
+          </a:p>
+          <a:p>
+            <a:r>
+              <a:rPr kumimoji="1" lang="en-US" altLang="ja-JP" sz="2000" dirty="0"/>
+              <a:t>3</a:t>
+            </a:r>
+          </a:p>
+          <a:p>
+            <a:r>
+              <a:rPr kumimoji="1" lang="en-US" altLang="ja-JP" sz="2000" dirty="0"/>
+              <a:t>4</a:t>
+            </a:r>
+          </a:p>
+          <a:p>
+            <a:r>
+              <a:rPr kumimoji="1" lang="en-US" altLang="ja-JP" sz="2000" dirty="0"/>
+              <a:t>5</a:t>
+            </a:r>
+          </a:p>
+        </p:txBody>
+      </p:sp>
+      <p:pic>
+        <p:nvPicPr>
+          <p:cNvPr id="25" name="グラフィックス 24" descr="ユーザー 単色塗りつぶし">
+            <a:extLst>
+              <a:ext uri="{FF2B5EF4-FFF2-40B4-BE49-F238E27FC236}">
+                <a16:creationId xmlns:a16="http://schemas.microsoft.com/office/drawing/2014/main" id="{89260A83-ABDD-48B6-AE2C-352EB56AA6ED}"/>
+              </a:ext>
+            </a:extLst>
+          </p:cNvPr>
+          <p:cNvPicPr>
+            <a:picLocks noChangeAspect="1"/>
+          </p:cNvPicPr>
+          <p:nvPr/>
+        </p:nvPicPr>
+        <p:blipFill>
+          <a:blip r:embed="rId13">
+            <a:extLst>
+              <a:ext uri="{96DAC541-7B7A-43D3-8B79-37D633B846F1}">
+                <asvg:svgBlip xmlns:asvg="http://schemas.microsoft.com/office/drawing/2016/SVG/main" r:embed="rId14"/>
+              </a:ext>
+            </a:extLst>
+          </a:blip>
+          <a:stretch>
+            <a:fillRect/>
+          </a:stretch>
+        </p:blipFill>
+        <p:spPr>
+          <a:xfrm>
+            <a:off x="5927649" y="5530367"/>
+            <a:ext cx="1055042" cy="1055042"/>
+          </a:xfrm>
+          <a:prstGeom prst="rect">
+            <a:avLst/>
+          </a:prstGeom>
+        </p:spPr>
+      </p:pic>
+      <p:sp>
+        <p:nvSpPr>
+          <p:cNvPr id="32" name="吹き出し: 角を丸めた四角形 31">
+            <a:extLst>
+              <a:ext uri="{FF2B5EF4-FFF2-40B4-BE49-F238E27FC236}">
+                <a16:creationId xmlns:a16="http://schemas.microsoft.com/office/drawing/2014/main" id="{081E957D-2420-4893-9EE6-064B44190329}"/>
+              </a:ext>
+            </a:extLst>
+          </p:cNvPr>
+          <p:cNvSpPr/>
+          <p:nvPr/>
+        </p:nvSpPr>
+        <p:spPr>
+          <a:xfrm>
+            <a:off x="7444740" y="5294713"/>
+            <a:ext cx="4148207" cy="1160667"/>
+          </a:xfrm>
+          <a:prstGeom prst="wedgeRoundRectCallout">
+            <a:avLst>
+              <a:gd name="adj1" fmla="val -60539"/>
+              <a:gd name="adj2" fmla="val 22806"/>
+              <a:gd name="adj3" fmla="val 16667"/>
+            </a:avLst>
+          </a:prstGeom>
+          <a:solidFill>
+            <a:srgbClr val="FEFBF5"/>
+          </a:solidFill>
+          <a:ln w="28575">
+            <a:solidFill>
+              <a:schemeClr val="bg2">
+                <a:lumMod val="75000"/>
+              </a:schemeClr>
+            </a:solidFill>
+          </a:ln>
+        </p:spPr>
+        <p:style>
+          <a:lnRef idx="2">
+            <a:schemeClr val="accent1">
+              <a:shade val="50000"/>
+            </a:schemeClr>
+          </a:lnRef>
+          <a:fillRef idx="1">
+            <a:schemeClr val="accent1"/>
+          </a:fillRef>
+          <a:effectRef idx="0">
+            <a:schemeClr val="accent1"/>
+          </a:effectRef>
+          <a:fontRef idx="minor">
+            <a:schemeClr val="lt1"/>
+          </a:fontRef>
+        </p:style>
+        <p:txBody>
+          <a:bodyPr rtlCol="0" anchor="ctr"/>
+          <a:lstStyle/>
+          <a:p>
+            <a:pPr algn="ctr">
+              <a:lnSpc>
+                <a:spcPct val="150000"/>
+              </a:lnSpc>
+            </a:pPr>
+            <a:r>
+              <a:rPr kumimoji="1" lang="ja-JP" altLang="en-US" dirty="0">
+                <a:solidFill>
+                  <a:sysClr val="windowText" lastClr="000000"/>
+                </a:solidFill>
+              </a:rPr>
+              <a:t>わわ</a:t>
+            </a:r>
+            <a:endParaRPr kumimoji="1" lang="en-US" altLang="ja-JP" dirty="0">
+              <a:solidFill>
+                <a:sysClr val="windowText" lastClr="000000"/>
+              </a:solidFill>
+            </a:endParaRPr>
+          </a:p>
+        </p:txBody>
+      </p:sp>
+      <p:sp>
+        <p:nvSpPr>
+          <p:cNvPr id="33" name="正方形/長方形 32">
+            <a:extLst>
+              <a:ext uri="{FF2B5EF4-FFF2-40B4-BE49-F238E27FC236}">
+                <a16:creationId xmlns:a16="http://schemas.microsoft.com/office/drawing/2014/main" id="{2CB90CA6-B5B5-453B-BA6A-69EB75DA0324}"/>
+              </a:ext>
+            </a:extLst>
+          </p:cNvPr>
+          <p:cNvSpPr/>
+          <p:nvPr/>
+        </p:nvSpPr>
+        <p:spPr>
+          <a:xfrm>
+            <a:off x="3784941" y="320921"/>
+            <a:ext cx="1391395" cy="507425"/>
+          </a:xfrm>
+          <a:prstGeom prst="rect">
+            <a:avLst/>
+          </a:prstGeom>
+          <a:noFill/>
+          <a:ln w="28575">
+            <a:noFill/>
+          </a:ln>
+        </p:spPr>
+        <p:style>
+          <a:lnRef idx="1">
+            <a:schemeClr val="accent4"/>
+          </a:lnRef>
+          <a:fillRef idx="3">
+            <a:schemeClr val="accent4"/>
+          </a:fillRef>
+          <a:effectRef idx="2">
+            <a:schemeClr val="accent4"/>
+          </a:effectRef>
+          <a:fontRef idx="minor">
+            <a:schemeClr val="lt1"/>
+          </a:fontRef>
+        </p:style>
+        <p:txBody>
+          <a:bodyPr rtlCol="0" anchor="ctr" anchorCtr="0"/>
+          <a:lstStyle/>
+          <a:p>
+            <a:pPr algn="ctr"/>
+            <a:r>
+              <a:rPr kumimoji="1" lang="ja-JP" altLang="en-US" sz="2800" b="1" dirty="0">
+                <a:solidFill>
+                  <a:schemeClr val="bg1">
+                    <a:lumMod val="50000"/>
+                  </a:schemeClr>
+                </a:solidFill>
+                <a:latin typeface="HGP教科書体" panose="02020600000000000000" pitchFamily="18" charset="-128"/>
+                <a:ea typeface="HGP教科書体" panose="02020600000000000000" pitchFamily="18" charset="-128"/>
+              </a:rPr>
+              <a:t>未達成</a:t>
+            </a:r>
+            <a:endParaRPr kumimoji="1" lang="en-US" altLang="ja-JP" sz="2800" b="1" dirty="0">
+              <a:solidFill>
+                <a:schemeClr val="bg1">
+                  <a:lumMod val="50000"/>
+                </a:schemeClr>
+              </a:solidFill>
+              <a:latin typeface="HGP教科書体" panose="02020600000000000000" pitchFamily="18" charset="-128"/>
+              <a:ea typeface="HGP教科書体" panose="02020600000000000000" pitchFamily="18" charset="-128"/>
+            </a:endParaRPr>
+          </a:p>
+        </p:txBody>
+      </p:sp>
+      <p:sp>
+        <p:nvSpPr>
+          <p:cNvPr id="34" name="正方形/長方形 33">
+            <a:extLst>
+              <a:ext uri="{FF2B5EF4-FFF2-40B4-BE49-F238E27FC236}">
+                <a16:creationId xmlns:a16="http://schemas.microsoft.com/office/drawing/2014/main" id="{1565BAB5-5AF7-4227-BBF8-25AED3C37270}"/>
+              </a:ext>
+            </a:extLst>
+          </p:cNvPr>
+          <p:cNvSpPr/>
+          <p:nvPr/>
+        </p:nvSpPr>
+        <p:spPr>
+          <a:xfrm>
+            <a:off x="4295641" y="707272"/>
+            <a:ext cx="1130260" cy="583800"/>
+          </a:xfrm>
+          <a:prstGeom prst="rect">
+            <a:avLst/>
+          </a:prstGeom>
+          <a:noFill/>
+          <a:ln w="28575">
+            <a:noFill/>
+          </a:ln>
+        </p:spPr>
+        <p:style>
+          <a:lnRef idx="1">
+            <a:schemeClr val="accent4"/>
+          </a:lnRef>
+          <a:fillRef idx="3">
+            <a:schemeClr val="accent4"/>
+          </a:fillRef>
+          <a:effectRef idx="2">
+            <a:schemeClr val="accent4"/>
+          </a:effectRef>
+          <a:fontRef idx="minor">
+            <a:schemeClr val="lt1"/>
+          </a:fontRef>
+        </p:style>
+        <p:txBody>
+          <a:bodyPr rtlCol="0" anchor="ctr" anchorCtr="0"/>
+          <a:lstStyle/>
+          <a:p>
+            <a:pPr algn="ctr"/>
+            <a:r>
+              <a:rPr kumimoji="1" lang="ja-JP" altLang="en-US" sz="2800" b="1" dirty="0">
+                <a:solidFill>
+                  <a:schemeClr val="accent3">
+                    <a:lumMod val="50000"/>
+                  </a:schemeClr>
+                </a:solidFill>
+                <a:latin typeface="HGP教科書体" panose="02020600000000000000" pitchFamily="18" charset="-128"/>
+                <a:ea typeface="HGP教科書体" panose="02020600000000000000" pitchFamily="18" charset="-128"/>
+              </a:rPr>
+              <a:t>達成</a:t>
+            </a:r>
+            <a:endParaRPr kumimoji="1" lang="en-US" altLang="ja-JP" sz="2800" b="1" dirty="0">
+              <a:solidFill>
+                <a:schemeClr val="tx1"/>
+              </a:solidFill>
+              <a:latin typeface="HGP教科書体" panose="02020600000000000000" pitchFamily="18" charset="-128"/>
+              <a:ea typeface="HGP教科書体" panose="02020600000000000000" pitchFamily="18" charset="-128"/>
+            </a:endParaRPr>
+          </a:p>
+        </p:txBody>
+      </p:sp>
+      <p:pic>
+        <p:nvPicPr>
+          <p:cNvPr id="35" name="グラフィックス 34" descr="ニヤリとした顔 (塗りつぶしなし) 単色塗りつぶし">
+            <a:extLst>
+              <a:ext uri="{FF2B5EF4-FFF2-40B4-BE49-F238E27FC236}">
+                <a16:creationId xmlns:a16="http://schemas.microsoft.com/office/drawing/2014/main" id="{1E2B58E3-7F84-4548-9F15-BDDE842DF35D}"/>
+              </a:ext>
+            </a:extLst>
+          </p:cNvPr>
+          <p:cNvPicPr>
+            <a:picLocks noChangeAspect="1"/>
+          </p:cNvPicPr>
+          <p:nvPr/>
+        </p:nvPicPr>
+        <p:blipFill>
+          <a:blip r:embed="rId15">
+            <a:extLst>
+              <a:ext uri="{96DAC541-7B7A-43D3-8B79-37D633B846F1}">
+                <asvg:svgBlip xmlns:asvg="http://schemas.microsoft.com/office/drawing/2016/SVG/main" r:embed="rId16"/>
+              </a:ext>
+            </a:extLst>
+          </a:blip>
+          <a:stretch>
+            <a:fillRect/>
+          </a:stretch>
+        </p:blipFill>
+        <p:spPr>
+          <a:xfrm>
+            <a:off x="11038778" y="1382123"/>
+            <a:ext cx="735351" cy="735351"/>
+          </a:xfrm>
+          <a:prstGeom prst="rect">
+            <a:avLst/>
+          </a:prstGeom>
+        </p:spPr>
+      </p:pic>
     </p:spTree>
     <p:extLst>
       <p:ext uri="{BB962C8B-B14F-4D97-AF65-F5344CB8AC3E}">
-        <p14:creationId xmlns:p14="http://schemas.microsoft.com/office/powerpoint/2010/main" val="973871994"/>
+        <p14:creationId xmlns:p14="http://schemas.microsoft.com/office/powerpoint/2010/main" val="2346361470"/>
       </p:ext>
     </p:extLst>
   </p:cSld>
@@ -14067,7 +18569,7 @@
 </p:sld>
 </file>
 
-<file path=ppt/slides/slide23.xml><?xml version="1.0" encoding="utf-8"?>
+<file path=ppt/slides/slide25.xml><?xml version="1.0" encoding="utf-8"?>
 <p:sld xmlns:a="http://schemas.openxmlformats.org/drawingml/2006/main" xmlns:r="http://schemas.openxmlformats.org/officeDocument/2006/relationships" xmlns:p="http://schemas.openxmlformats.org/presentationml/2006/main">
   <p:cSld>
     <p:spTree>
@@ -14378,7 +18880,7 @@
 </p:sld>
 </file>
 
-<file path=ppt/slides/slide24.xml><?xml version="1.0" encoding="utf-8"?>
+<file path=ppt/slides/slide26.xml><?xml version="1.0" encoding="utf-8"?>
 <p:sld xmlns:a="http://schemas.openxmlformats.org/drawingml/2006/main" xmlns:r="http://schemas.openxmlformats.org/officeDocument/2006/relationships" xmlns:p="http://schemas.openxmlformats.org/presentationml/2006/main" show="0">
   <p:cSld>
     <p:spTree>
@@ -14454,6 +18956,222 @@
           </a:p>
         </p:txBody>
       </p:sp>
+      <p:pic>
+        <p:nvPicPr>
+          <p:cNvPr id="3" name="グラフィックス 2" descr="ハート付きの笑顔 (塗りつぶし) 単色塗りつぶし">
+            <a:extLst>
+              <a:ext uri="{FF2B5EF4-FFF2-40B4-BE49-F238E27FC236}">
+                <a16:creationId xmlns:a16="http://schemas.microsoft.com/office/drawing/2014/main" id="{BECD7C66-2FBC-4760-83C6-5712687C3B86}"/>
+              </a:ext>
+            </a:extLst>
+          </p:cNvPr>
+          <p:cNvPicPr>
+            <a:picLocks noChangeAspect="1"/>
+          </p:cNvPicPr>
+          <p:nvPr/>
+        </p:nvPicPr>
+        <p:blipFill>
+          <a:blip r:embed="rId2">
+            <a:extLst>
+              <a:ext uri="{96DAC541-7B7A-43D3-8B79-37D633B846F1}">
+                <asvg:svgBlip xmlns:asvg="http://schemas.microsoft.com/office/drawing/2016/SVG/main" r:embed="rId3"/>
+              </a:ext>
+            </a:extLst>
+          </a:blip>
+          <a:stretch>
+            <a:fillRect/>
+          </a:stretch>
+        </p:blipFill>
+        <p:spPr>
+          <a:xfrm>
+            <a:off x="1508324" y="1387805"/>
+            <a:ext cx="735351" cy="735351"/>
+          </a:xfrm>
+          <a:prstGeom prst="rect">
+            <a:avLst/>
+          </a:prstGeom>
+        </p:spPr>
+      </p:pic>
+      <p:pic>
+        <p:nvPicPr>
+          <p:cNvPr id="4" name="グラフィックス 3" descr="困った顔 (塗りつぶし) 単色塗りつぶし">
+            <a:extLst>
+              <a:ext uri="{FF2B5EF4-FFF2-40B4-BE49-F238E27FC236}">
+                <a16:creationId xmlns:a16="http://schemas.microsoft.com/office/drawing/2014/main" id="{0F89CBD0-0C25-46A7-993D-33EDF4737EF2}"/>
+              </a:ext>
+            </a:extLst>
+          </p:cNvPr>
+          <p:cNvPicPr>
+            <a:picLocks noChangeAspect="1"/>
+          </p:cNvPicPr>
+          <p:nvPr/>
+        </p:nvPicPr>
+        <p:blipFill>
+          <a:blip r:embed="rId4">
+            <a:extLst>
+              <a:ext uri="{96DAC541-7B7A-43D3-8B79-37D633B846F1}">
+                <asvg:svgBlip xmlns:asvg="http://schemas.microsoft.com/office/drawing/2016/SVG/main" r:embed="rId5"/>
+              </a:ext>
+            </a:extLst>
+          </a:blip>
+          <a:stretch>
+            <a:fillRect/>
+          </a:stretch>
+        </p:blipFill>
+        <p:spPr>
+          <a:xfrm>
+            <a:off x="3610779" y="1387803"/>
+            <a:ext cx="735351" cy="735351"/>
+          </a:xfrm>
+          <a:prstGeom prst="rect">
+            <a:avLst/>
+          </a:prstGeom>
+        </p:spPr>
+      </p:pic>
+      <p:pic>
+        <p:nvPicPr>
+          <p:cNvPr id="5" name="コンテンツ プレースホルダー 7" descr="ニヤリとした顔 (塗りつぶし) 単色塗りつぶし">
+            <a:extLst>
+              <a:ext uri="{FF2B5EF4-FFF2-40B4-BE49-F238E27FC236}">
+                <a16:creationId xmlns:a16="http://schemas.microsoft.com/office/drawing/2014/main" id="{890A1467-35F2-4F98-ADF2-98E108DFB309}"/>
+              </a:ext>
+            </a:extLst>
+          </p:cNvPr>
+          <p:cNvPicPr>
+            <a:picLocks noChangeAspect="1"/>
+          </p:cNvPicPr>
+          <p:nvPr/>
+        </p:nvPicPr>
+        <p:blipFill>
+          <a:blip r:embed="rId6">
+            <a:extLst>
+              <a:ext uri="{96DAC541-7B7A-43D3-8B79-37D633B846F1}">
+                <asvg:svgBlip xmlns:asvg="http://schemas.microsoft.com/office/drawing/2016/SVG/main" r:embed="rId7"/>
+              </a:ext>
+            </a:extLst>
+          </a:blip>
+          <a:stretch>
+            <a:fillRect/>
+          </a:stretch>
+        </p:blipFill>
+        <p:spPr>
+          <a:xfrm>
+            <a:off x="2191876" y="1387804"/>
+            <a:ext cx="735351" cy="735351"/>
+          </a:xfrm>
+          <a:prstGeom prst="rect">
+            <a:avLst/>
+          </a:prstGeom>
+        </p:spPr>
+      </p:pic>
+      <p:pic>
+        <p:nvPicPr>
+          <p:cNvPr id="7" name="グラフィックス 6" descr="無表情な顔 (塗りつぶし) 単色塗りつぶし">
+            <a:extLst>
+              <a:ext uri="{FF2B5EF4-FFF2-40B4-BE49-F238E27FC236}">
+                <a16:creationId xmlns:a16="http://schemas.microsoft.com/office/drawing/2014/main" id="{CAAEE752-C6E9-4F44-8EA4-7A6728074542}"/>
+              </a:ext>
+            </a:extLst>
+          </p:cNvPr>
+          <p:cNvPicPr>
+            <a:picLocks noChangeAspect="1"/>
+          </p:cNvPicPr>
+          <p:nvPr/>
+        </p:nvPicPr>
+        <p:blipFill>
+          <a:blip r:embed="rId8">
+            <a:extLst>
+              <a:ext uri="{96DAC541-7B7A-43D3-8B79-37D633B846F1}">
+                <asvg:svgBlip xmlns:asvg="http://schemas.microsoft.com/office/drawing/2016/SVG/main" r:embed="rId9"/>
+              </a:ext>
+            </a:extLst>
+          </a:blip>
+          <a:stretch>
+            <a:fillRect/>
+          </a:stretch>
+        </p:blipFill>
+        <p:spPr>
+          <a:xfrm>
+            <a:off x="2875428" y="1387805"/>
+            <a:ext cx="735351" cy="735351"/>
+          </a:xfrm>
+          <a:prstGeom prst="rect">
+            <a:avLst/>
+          </a:prstGeom>
+        </p:spPr>
+      </p:pic>
+      <p:pic>
+        <p:nvPicPr>
+          <p:cNvPr id="8" name="グラフィックス 7" descr="目が回った顔 (塗りつぶしなし) 単色塗りつぶし">
+            <a:extLst>
+              <a:ext uri="{FF2B5EF4-FFF2-40B4-BE49-F238E27FC236}">
+                <a16:creationId xmlns:a16="http://schemas.microsoft.com/office/drawing/2014/main" id="{739CF3B6-1402-48C8-94F1-90A44A64BDB1}"/>
+              </a:ext>
+            </a:extLst>
+          </p:cNvPr>
+          <p:cNvPicPr>
+            <a:picLocks noChangeAspect="1"/>
+          </p:cNvPicPr>
+          <p:nvPr/>
+        </p:nvPicPr>
+        <p:blipFill>
+          <a:blip r:embed="rId10">
+            <a:extLst>
+              <a:ext uri="{96DAC541-7B7A-43D3-8B79-37D633B846F1}">
+                <asvg:svgBlip xmlns:asvg="http://schemas.microsoft.com/office/drawing/2016/SVG/main" r:embed="rId11"/>
+              </a:ext>
+            </a:extLst>
+          </a:blip>
+          <a:stretch>
+            <a:fillRect/>
+          </a:stretch>
+        </p:blipFill>
+        <p:spPr>
+          <a:xfrm>
+            <a:off x="1522473" y="323405"/>
+            <a:ext cx="735351" cy="735351"/>
+          </a:xfrm>
+          <a:prstGeom prst="rect">
+            <a:avLst/>
+          </a:prstGeom>
+        </p:spPr>
+      </p:pic>
+      <p:pic>
+        <p:nvPicPr>
+          <p:cNvPr id="12" name="グラフィックス 11" descr="目が回った顔 (塗りつぶし) 単色塗りつぶし">
+            <a:extLst>
+              <a:ext uri="{FF2B5EF4-FFF2-40B4-BE49-F238E27FC236}">
+                <a16:creationId xmlns:a16="http://schemas.microsoft.com/office/drawing/2014/main" id="{71A36AAF-B3B1-4644-9B05-2BC509C719B9}"/>
+              </a:ext>
+            </a:extLst>
+          </p:cNvPr>
+          <p:cNvPicPr>
+            <a:picLocks noChangeAspect="1"/>
+          </p:cNvPicPr>
+          <p:nvPr/>
+        </p:nvPicPr>
+        <p:blipFill>
+          <a:blip r:embed="rId12">
+            <a:extLst>
+              <a:ext uri="{96DAC541-7B7A-43D3-8B79-37D633B846F1}">
+                <asvg:svgBlip xmlns:asvg="http://schemas.microsoft.com/office/drawing/2016/SVG/main" r:embed="rId13"/>
+              </a:ext>
+            </a:extLst>
+          </a:blip>
+          <a:stretch>
+            <a:fillRect/>
+          </a:stretch>
+        </p:blipFill>
+        <p:spPr>
+          <a:xfrm>
+            <a:off x="4294331" y="1387805"/>
+            <a:ext cx="735351" cy="735351"/>
+          </a:xfrm>
+          <a:prstGeom prst="rect">
+            <a:avLst/>
+          </a:prstGeom>
+        </p:spPr>
+      </p:pic>
     </p:spTree>
     <p:extLst>
       <p:ext uri="{BB962C8B-B14F-4D97-AF65-F5344CB8AC3E}">
@@ -15578,6 +20296,9 @@
                     <p:cTn id="3" fill="hold">
                       <p:stCondLst>
                         <p:cond delay="indefinite"/>
+                        <p:cond evt="onBegin" delay="0">
+                          <p:tn val="2"/>
+                        </p:cond>
                       </p:stCondLst>
                       <p:childTnLst>
                         <p:par>
@@ -15587,7 +20308,7 @@
                             </p:stCondLst>
                             <p:childTnLst>
                               <p:par>
-                                <p:cTn id="5" presetID="2" presetClass="entr" presetSubtype="4" fill="hold" grpId="0" nodeType="clickEffect">
+                                <p:cTn id="5" presetID="2" presetClass="entr" presetSubtype="4" fill="hold" grpId="0" nodeType="withEffect">
                                   <p:stCondLst>
                                     <p:cond delay="0"/>
                                   </p:stCondLst>
@@ -15612,7 +20333,7 @@
                                     </p:set>
                                     <p:anim calcmode="lin" valueType="num">
                                       <p:cBhvr additive="base">
-                                        <p:cTn id="7" dur="750" fill="hold"/>
+                                        <p:cTn id="7" dur="500" fill="hold"/>
                                         <p:tgtEl>
                                           <p:spTgt spid="29"/>
                                         </p:tgtEl>
@@ -15635,7 +20356,7 @@
                                     </p:anim>
                                     <p:anim calcmode="lin" valueType="num">
                                       <p:cBhvr additive="base">
-                                        <p:cTn id="8" dur="750" fill="hold"/>
+                                        <p:cTn id="8" dur="500" fill="hold"/>
                                         <p:tgtEl>
                                           <p:spTgt spid="29"/>
                                         </p:tgtEl>
@@ -15726,7 +20447,7 @@
         </p:nvPicPr>
         <p:blipFill>
           <a:blip r:embed="rId3">
-            <a:alphaModFix amt="20000"/>
+            <a:alphaModFix amt="40000"/>
           </a:blip>
           <a:stretch>
             <a:fillRect/>
@@ -16742,6 +21463,18 @@
   <p:clrMapOvr>
     <a:masterClrMapping/>
   </p:clrMapOvr>
+  <mc:AlternateContent xmlns:mc="http://schemas.openxmlformats.org/markup-compatibility/2006">
+    <mc:Choice xmlns:p14="http://schemas.microsoft.com/office/powerpoint/2010/main" Requires="p14">
+      <p:transition spd="med" p14:dur="700">
+        <p:fade/>
+      </p:transition>
+    </mc:Choice>
+    <mc:Fallback>
+      <p:transition spd="med">
+        <p:fade/>
+      </p:transition>
+    </mc:Fallback>
+  </mc:AlternateContent>
 </p:sld>
 </file>
 
@@ -16764,139 +21497,67 @@
       </p:grpSpPr>
       <p:sp>
         <p:nvSpPr>
-          <p:cNvPr id="3" name="コンテンツ プレースホルダー 2">
-            <a:extLst>
-              <a:ext uri="{FF2B5EF4-FFF2-40B4-BE49-F238E27FC236}">
-                <a16:creationId xmlns:a16="http://schemas.microsoft.com/office/drawing/2014/main" id="{7D3A1EDC-CF41-4438-BB57-18569B953129}"/>
-              </a:ext>
-            </a:extLst>
-          </p:cNvPr>
-          <p:cNvSpPr>
-            <a:spLocks noGrp="1"/>
-          </p:cNvSpPr>
-          <p:nvPr>
-            <p:ph idx="4294967295"/>
-          </p:nvPr>
+          <p:cNvPr id="13" name="正方形/長方形 12">
+            <a:extLst>
+              <a:ext uri="{FF2B5EF4-FFF2-40B4-BE49-F238E27FC236}">
+                <a16:creationId xmlns:a16="http://schemas.microsoft.com/office/drawing/2014/main" id="{B4A1BB53-D706-4112-9500-62C412243480}"/>
+              </a:ext>
+            </a:extLst>
+          </p:cNvPr>
+          <p:cNvSpPr/>
+          <p:nvPr/>
         </p:nvSpPr>
         <p:spPr>
           <a:xfrm>
-            <a:off x="3740512" y="1165301"/>
-            <a:ext cx="5441802" cy="5484881"/>
+            <a:off x="368802" y="781060"/>
+            <a:ext cx="11454395" cy="482301"/>
           </a:xfrm>
+          <a:prstGeom prst="rect">
+            <a:avLst/>
+          </a:prstGeom>
+          <a:solidFill>
+            <a:schemeClr val="bg1">
+              <a:lumMod val="75000"/>
+            </a:schemeClr>
+          </a:solidFill>
+          <a:ln>
+            <a:noFill/>
+          </a:ln>
         </p:spPr>
-        <p:txBody>
-          <a:bodyPr rtlCol="0" anchor="ctr" anchorCtr="0">
-            <a:normAutofit/>
-          </a:bodyPr>
+        <p:style>
+          <a:lnRef idx="2">
+            <a:schemeClr val="accent1">
+              <a:shade val="50000"/>
+            </a:schemeClr>
+          </a:lnRef>
+          <a:fillRef idx="1">
+            <a:schemeClr val="accent1"/>
+          </a:fillRef>
+          <a:effectRef idx="0">
+            <a:schemeClr val="accent1"/>
+          </a:effectRef>
+          <a:fontRef idx="minor">
+            <a:schemeClr val="lt1"/>
+          </a:fontRef>
+        </p:style>
+        <p:txBody>
+          <a:bodyPr rtlCol="0" anchor="t" anchorCtr="0"/>
           <a:lstStyle/>
           <a:p>
-            <a:pPr marL="0" indent="0">
-              <a:buNone/>
-            </a:pPr>
-            <a:r>
-              <a:rPr lang="ja-JP" altLang="en-US" sz="4000" dirty="0">
-                <a:solidFill>
-                  <a:schemeClr val="accent1">
-                    <a:lumMod val="75000"/>
-                  </a:schemeClr>
-                </a:solidFill>
-              </a:rPr>
-              <a:t>❶</a:t>
-            </a:r>
-            <a:r>
-              <a:rPr lang="ja-JP" altLang="en-US" sz="4000" dirty="0"/>
-              <a:t> チーム紹介</a:t>
-            </a:r>
-            <a:endParaRPr lang="en-US" altLang="ja-JP" sz="4000" dirty="0"/>
-          </a:p>
-          <a:p>
-            <a:pPr marL="0" indent="0">
-              <a:buNone/>
-            </a:pPr>
-            <a:r>
-              <a:rPr lang="ja-JP" altLang="en-US" sz="4000" dirty="0">
-                <a:solidFill>
-                  <a:schemeClr val="accent1">
-                    <a:lumMod val="75000"/>
-                  </a:schemeClr>
-                </a:solidFill>
-              </a:rPr>
-              <a:t>❷</a:t>
-            </a:r>
-            <a:r>
-              <a:rPr lang="ja-JP" altLang="en-US" sz="4000" dirty="0"/>
-              <a:t> システムについて</a:t>
-            </a:r>
-            <a:endParaRPr lang="en-US" altLang="ja-JP" sz="4000" dirty="0"/>
-          </a:p>
-          <a:p>
-            <a:pPr marL="0" indent="0">
-              <a:buNone/>
-            </a:pPr>
-            <a:r>
-              <a:rPr lang="ja-JP" altLang="en-US" sz="4000" dirty="0">
-                <a:solidFill>
-                  <a:schemeClr val="accent1">
-                    <a:lumMod val="75000"/>
-                  </a:schemeClr>
-                </a:solidFill>
-              </a:rPr>
-              <a:t>❸</a:t>
-            </a:r>
-            <a:r>
-              <a:rPr lang="ja-JP" altLang="en-US" sz="4000" dirty="0"/>
-              <a:t> デモンストレーション</a:t>
-            </a:r>
-            <a:endParaRPr lang="en-US" altLang="ja-JP" sz="4000" dirty="0"/>
-          </a:p>
-          <a:p>
-            <a:pPr marL="0" indent="0">
-              <a:buNone/>
-            </a:pPr>
-            <a:r>
-              <a:rPr lang="ja-JP" altLang="en-US" sz="4000" dirty="0">
-                <a:solidFill>
-                  <a:schemeClr val="accent1">
-                    <a:lumMod val="75000"/>
-                  </a:schemeClr>
-                </a:solidFill>
-              </a:rPr>
-              <a:t>❹</a:t>
-            </a:r>
-            <a:r>
-              <a:rPr lang="ja-JP" altLang="en-US" sz="4000" dirty="0"/>
-              <a:t> チームの振り返り</a:t>
-            </a:r>
-            <a:endParaRPr lang="en-US" altLang="ja-JP" sz="4000" dirty="0"/>
-          </a:p>
-          <a:p>
-            <a:pPr marL="0" indent="0">
-              <a:buNone/>
-            </a:pPr>
-            <a:r>
-              <a:rPr lang="ja-JP" altLang="en-US" sz="4000" dirty="0">
-                <a:solidFill>
-                  <a:schemeClr val="accent1">
-                    <a:lumMod val="75000"/>
-                  </a:schemeClr>
-                </a:solidFill>
-              </a:rPr>
-              <a:t>❺</a:t>
-            </a:r>
-            <a:r>
-              <a:rPr lang="ja-JP" altLang="en-US" sz="4000" dirty="0"/>
-              <a:t> 個人振り返り</a:t>
-            </a:r>
-            <a:endParaRPr lang="en-US" altLang="ja-JP" sz="4000" dirty="0"/>
-          </a:p>
-        </p:txBody>
-      </p:sp>
-      <p:sp>
-        <p:nvSpPr>
-          <p:cNvPr id="26" name="タイトル 1">
-            <a:extLst>
-              <a:ext uri="{FF2B5EF4-FFF2-40B4-BE49-F238E27FC236}">
-                <a16:creationId xmlns:a16="http://schemas.microsoft.com/office/drawing/2014/main" id="{29D3365D-FB6D-46ED-B877-CD86DFF19C67}"/>
+            <a:endParaRPr kumimoji="1" lang="ja-JP" altLang="en-US" sz="4000" dirty="0">
+              <a:solidFill>
+                <a:schemeClr val="tx1"/>
+              </a:solidFill>
+            </a:endParaRPr>
+          </a:p>
+        </p:txBody>
+      </p:sp>
+      <p:sp>
+        <p:nvSpPr>
+          <p:cNvPr id="2" name="タイトル 1">
+            <a:extLst>
+              <a:ext uri="{FF2B5EF4-FFF2-40B4-BE49-F238E27FC236}">
+                <a16:creationId xmlns:a16="http://schemas.microsoft.com/office/drawing/2014/main" id="{5CFB284A-573D-46BB-8DDB-1E198A12A19F}"/>
               </a:ext>
             </a:extLst>
           </p:cNvPr>
@@ -16920,76 +21581,40 @@
             <a:pPr rtl="0"/>
             <a:r>
               <a:rPr lang="ja-JP" altLang="en-US" sz="3200" b="0" dirty="0"/>
-              <a:t>発表の流れ</a:t>
+              <a:t>チーム紹介</a:t>
             </a:r>
             <a:endParaRPr lang="ja" sz="3200" b="0" dirty="0"/>
           </a:p>
         </p:txBody>
       </p:sp>
-      <p:pic>
-        <p:nvPicPr>
-          <p:cNvPr id="27" name="グラフィックス 26" descr="地球: 南北アメリカ 単色塗りつぶし">
-            <a:extLst>
-              <a:ext uri="{FF2B5EF4-FFF2-40B4-BE49-F238E27FC236}">
-                <a16:creationId xmlns:a16="http://schemas.microsoft.com/office/drawing/2014/main" id="{4E684FB7-09AF-488F-A500-952652F32C3B}"/>
-              </a:ext>
-            </a:extLst>
-          </p:cNvPr>
-          <p:cNvPicPr>
-            <a:picLocks noChangeAspect="1"/>
-          </p:cNvPicPr>
+      <p:sp>
+        <p:nvSpPr>
+          <p:cNvPr id="5" name="正方形/長方形 4">
+            <a:extLst>
+              <a:ext uri="{FF2B5EF4-FFF2-40B4-BE49-F238E27FC236}">
+                <a16:creationId xmlns:a16="http://schemas.microsoft.com/office/drawing/2014/main" id="{26D6CDA1-F062-410A-9924-6B73C8ED56F8}"/>
+              </a:ext>
+            </a:extLst>
+          </p:cNvPr>
+          <p:cNvSpPr/>
           <p:nvPr/>
-        </p:nvPicPr>
-        <p:blipFill>
-          <a:blip r:embed="rId3">
-            <a:extLst>
-              <a:ext uri="{96DAC541-7B7A-43D3-8B79-37D633B846F1}">
-                <asvg:svgBlip xmlns:asvg="http://schemas.microsoft.com/office/drawing/2016/SVG/main" r:embed="rId4"/>
-              </a:ext>
-            </a:extLst>
-          </a:blip>
-          <a:stretch>
-            <a:fillRect/>
-          </a:stretch>
-        </p:blipFill>
+        </p:nvSpPr>
         <p:spPr>
           <a:xfrm>
-            <a:off x="599052" y="385379"/>
-            <a:ext cx="779922" cy="779922"/>
-          </a:xfrm>
-          <a:prstGeom prst="rect">
-            <a:avLst/>
-          </a:prstGeom>
-        </p:spPr>
-      </p:pic>
-      <p:sp>
-        <p:nvSpPr>
-          <p:cNvPr id="29" name="正方形/長方形 28">
-            <a:extLst>
-              <a:ext uri="{FF2B5EF4-FFF2-40B4-BE49-F238E27FC236}">
-                <a16:creationId xmlns:a16="http://schemas.microsoft.com/office/drawing/2014/main" id="{D32488B5-137B-45D2-9228-AFEF01DBEB54}"/>
-              </a:ext>
-            </a:extLst>
-          </p:cNvPr>
-          <p:cNvSpPr/>
-          <p:nvPr/>
-        </p:nvSpPr>
-        <p:spPr>
-          <a:xfrm>
-            <a:off x="1843548" y="2588255"/>
-            <a:ext cx="8577707" cy="4061927"/>
+            <a:off x="4339431" y="1642089"/>
+            <a:ext cx="4791116" cy="825910"/>
           </a:xfrm>
           <a:prstGeom prst="rect">
             <a:avLst/>
           </a:prstGeom>
           <a:solidFill>
-            <a:srgbClr val="FEFBF5">
-              <a:alpha val="85000"/>
-            </a:srgbClr>
+            <a:srgbClr val="FFFFFF"/>
           </a:solidFill>
           <a:ln w="28575">
             <a:solidFill>
-              <a:srgbClr val="FEFBF5"/>
+              <a:schemeClr val="bg1">
+                <a:lumMod val="90000"/>
+              </a:schemeClr>
             </a:solidFill>
           </a:ln>
         </p:spPr>
@@ -17014,6 +21639,74 @@
           <a:lstStyle/>
           <a:p>
             <a:pPr algn="ctr"/>
+            <a:r>
+              <a:rPr kumimoji="1" lang="en-US" altLang="ja-JP" sz="4000" b="1" dirty="0">
+                <a:solidFill>
+                  <a:schemeClr val="tx1"/>
+                </a:solidFill>
+              </a:rPr>
+              <a:t>worldMap</a:t>
+            </a:r>
+            <a:endParaRPr kumimoji="1" lang="ja-JP" altLang="en-US" sz="4000" b="1" dirty="0">
+              <a:solidFill>
+                <a:schemeClr val="tx1"/>
+              </a:solidFill>
+            </a:endParaRPr>
+          </a:p>
+        </p:txBody>
+      </p:sp>
+      <p:sp>
+        <p:nvSpPr>
+          <p:cNvPr id="11" name="正方形/長方形 10">
+            <a:extLst>
+              <a:ext uri="{FF2B5EF4-FFF2-40B4-BE49-F238E27FC236}">
+                <a16:creationId xmlns:a16="http://schemas.microsoft.com/office/drawing/2014/main" id="{675B1ED1-6C13-4F9C-B4F2-1D8B6AA2B6CE}"/>
+              </a:ext>
+            </a:extLst>
+          </p:cNvPr>
+          <p:cNvSpPr/>
+          <p:nvPr/>
+        </p:nvSpPr>
+        <p:spPr>
+          <a:xfrm>
+            <a:off x="4339430" y="2740644"/>
+            <a:ext cx="6536789" cy="3710967"/>
+          </a:xfrm>
+          <a:prstGeom prst="rect">
+            <a:avLst/>
+          </a:prstGeom>
+          <a:solidFill>
+            <a:srgbClr val="FFFFFF"/>
+          </a:solidFill>
+          <a:ln w="28575">
+            <a:solidFill>
+              <a:schemeClr val="bg1">
+                <a:lumMod val="90000"/>
+              </a:schemeClr>
+            </a:solidFill>
+          </a:ln>
+        </p:spPr>
+        <p:style>
+          <a:lnRef idx="2">
+            <a:schemeClr val="accent1">
+              <a:shade val="50000"/>
+            </a:schemeClr>
+          </a:lnRef>
+          <a:fillRef idx="1">
+            <a:schemeClr val="accent1"/>
+          </a:fillRef>
+          <a:effectRef idx="0">
+            <a:schemeClr val="accent1"/>
+          </a:effectRef>
+          <a:fontRef idx="minor">
+            <a:schemeClr val="lt1"/>
+          </a:fontRef>
+        </p:style>
+        <p:txBody>
+          <a:bodyPr rtlCol="0" anchor="ctr"/>
+          <a:lstStyle/>
+          <a:p>
+            <a:pPr algn="ctr"/>
             <a:endParaRPr kumimoji="1" lang="ja-JP" altLang="en-US" sz="4400" b="1" dirty="0">
               <a:solidFill>
                 <a:schemeClr val="tx1"/>
@@ -17022,16 +21715,837 @@
           </a:p>
         </p:txBody>
       </p:sp>
+      <p:sp>
+        <p:nvSpPr>
+          <p:cNvPr id="3" name="コンテンツ プレースホルダー 2">
+            <a:extLst>
+              <a:ext uri="{FF2B5EF4-FFF2-40B4-BE49-F238E27FC236}">
+                <a16:creationId xmlns:a16="http://schemas.microsoft.com/office/drawing/2014/main" id="{7D3A1EDC-CF41-4438-BB57-18569B953129}"/>
+              </a:ext>
+            </a:extLst>
+          </p:cNvPr>
+          <p:cNvSpPr>
+            <a:spLocks noGrp="1"/>
+          </p:cNvSpPr>
+          <p:nvPr>
+            <p:ph idx="4294967295"/>
+          </p:nvPr>
+        </p:nvSpPr>
+        <p:spPr>
+          <a:xfrm>
+            <a:off x="4160210" y="2740643"/>
+            <a:ext cx="2277686" cy="3721679"/>
+          </a:xfrm>
+        </p:spPr>
+        <p:txBody>
+          <a:bodyPr rtlCol="0" anchor="ctr" anchorCtr="0">
+            <a:normAutofit/>
+          </a:bodyPr>
+          <a:lstStyle/>
+          <a:p>
+            <a:pPr marL="0" indent="0" algn="r">
+              <a:lnSpc>
+                <a:spcPct val="100000"/>
+              </a:lnSpc>
+              <a:buNone/>
+            </a:pPr>
+            <a:r>
+              <a:rPr lang="ja-JP" altLang="en-US" sz="2400" b="1" dirty="0"/>
+              <a:t>小林葵</a:t>
+            </a:r>
+            <a:endParaRPr lang="en-US" altLang="ja-JP" sz="2400" b="1" dirty="0"/>
+          </a:p>
+          <a:p>
+            <a:pPr marL="0" indent="0" algn="r">
+              <a:lnSpc>
+                <a:spcPct val="100000"/>
+              </a:lnSpc>
+              <a:buNone/>
+            </a:pPr>
+            <a:r>
+              <a:rPr lang="ja-JP" altLang="en-US" sz="2400" b="1" dirty="0"/>
+              <a:t>上甲健太郎</a:t>
+            </a:r>
+            <a:endParaRPr lang="en-US" altLang="ja-JP" sz="2400" b="1" dirty="0"/>
+          </a:p>
+          <a:p>
+            <a:pPr marL="0" indent="0" algn="r">
+              <a:lnSpc>
+                <a:spcPct val="100000"/>
+              </a:lnSpc>
+              <a:buNone/>
+            </a:pPr>
+            <a:r>
+              <a:rPr lang="ja-JP" altLang="en-US" sz="2400" b="1" dirty="0"/>
+              <a:t>杉森祐樹</a:t>
+            </a:r>
+            <a:endParaRPr lang="en-US" altLang="ja-JP" sz="2400" b="1" dirty="0"/>
+          </a:p>
+          <a:p>
+            <a:pPr marL="0" indent="0" algn="r">
+              <a:lnSpc>
+                <a:spcPct val="100000"/>
+              </a:lnSpc>
+              <a:buNone/>
+            </a:pPr>
+            <a:r>
+              <a:rPr lang="ja-JP" altLang="en-US" sz="2400" b="1" dirty="0"/>
+              <a:t>水井健人</a:t>
+            </a:r>
+            <a:endParaRPr lang="en-US" altLang="ja-JP" sz="2400" b="1" dirty="0"/>
+          </a:p>
+          <a:p>
+            <a:pPr marL="0" indent="0" algn="r">
+              <a:lnSpc>
+                <a:spcPct val="100000"/>
+              </a:lnSpc>
+              <a:buNone/>
+            </a:pPr>
+            <a:r>
+              <a:rPr lang="ja-JP" altLang="en-US" sz="2400" b="1" dirty="0"/>
+              <a:t>舟見玲奈</a:t>
+            </a:r>
+            <a:endParaRPr lang="en-US" altLang="ja-JP" sz="2400" b="1" dirty="0"/>
+          </a:p>
+          <a:p>
+            <a:pPr marL="0" indent="0" algn="r">
+              <a:lnSpc>
+                <a:spcPct val="100000"/>
+              </a:lnSpc>
+              <a:buNone/>
+            </a:pPr>
+            <a:r>
+              <a:rPr lang="ja-JP" altLang="en-US" sz="2400" b="1" dirty="0"/>
+              <a:t>蔭山ゆり</a:t>
+            </a:r>
+            <a:endParaRPr lang="en-US" altLang="ja-JP" sz="2400" b="1" dirty="0"/>
+          </a:p>
+        </p:txBody>
+      </p:sp>
+      <p:sp>
+        <p:nvSpPr>
+          <p:cNvPr id="6" name="コンテンツ プレースホルダー 2">
+            <a:extLst>
+              <a:ext uri="{FF2B5EF4-FFF2-40B4-BE49-F238E27FC236}">
+                <a16:creationId xmlns:a16="http://schemas.microsoft.com/office/drawing/2014/main" id="{C408007A-1335-40B4-81C8-9096D7165D9A}"/>
+              </a:ext>
+            </a:extLst>
+          </p:cNvPr>
+          <p:cNvSpPr txBox="1">
+            <a:spLocks/>
+          </p:cNvSpPr>
+          <p:nvPr/>
+        </p:nvSpPr>
+        <p:spPr>
+          <a:xfrm>
+            <a:off x="6437896" y="2740643"/>
+            <a:ext cx="5385301" cy="3710967"/>
+          </a:xfrm>
+          <a:prstGeom prst="rect">
+            <a:avLst/>
+          </a:prstGeom>
+        </p:spPr>
+        <p:txBody>
+          <a:bodyPr vert="horz" lIns="91440" tIns="45720" rIns="91440" bIns="45720" rtlCol="0" anchor="ctr" anchorCtr="0">
+            <a:normAutofit/>
+          </a:bodyPr>
+          <a:lstStyle>
+            <a:lvl1pPr marL="228600" indent="-228600" algn="l" defTabSz="914400" rtl="0" eaLnBrk="1" latinLnBrk="0" hangingPunct="1">
+              <a:lnSpc>
+                <a:spcPct val="150000"/>
+              </a:lnSpc>
+              <a:spcBef>
+                <a:spcPts val="1500"/>
+              </a:spcBef>
+              <a:buClr>
+                <a:schemeClr val="accent2"/>
+              </a:buClr>
+              <a:buFont typeface="Wingdings" panose="05000000000000000000" pitchFamily="2" charset="2"/>
+              <a:buChar char="§"/>
+              <a:defRPr kumimoji="1" sz="1500" kern="1200" spc="150" baseline="0">
+                <a:solidFill>
+                  <a:schemeClr val="tx1"/>
+                </a:solidFill>
+                <a:latin typeface="+mj-lt"/>
+                <a:ea typeface="Meiryo UI" panose="020B0604030504040204" pitchFamily="34" charset="-128"/>
+                <a:cs typeface="+mn-cs"/>
+              </a:defRPr>
+            </a:lvl1pPr>
+            <a:lvl2pPr marL="685800" indent="-228600" algn="l" defTabSz="914400" rtl="0" eaLnBrk="1" latinLnBrk="0" hangingPunct="1">
+              <a:lnSpc>
+                <a:spcPct val="150000"/>
+              </a:lnSpc>
+              <a:spcBef>
+                <a:spcPts val="500"/>
+              </a:spcBef>
+              <a:buClr>
+                <a:schemeClr val="accent2"/>
+              </a:buClr>
+              <a:buFont typeface="Wingdings" panose="05000000000000000000" pitchFamily="2" charset="2"/>
+              <a:buChar char="§"/>
+              <a:defRPr kumimoji="1" sz="1500" kern="1200" spc="150" baseline="0">
+                <a:solidFill>
+                  <a:schemeClr val="tx1"/>
+                </a:solidFill>
+                <a:latin typeface="+mj-lt"/>
+                <a:ea typeface="Meiryo UI" panose="020B0604030504040204" pitchFamily="34" charset="-128"/>
+                <a:cs typeface="+mn-cs"/>
+              </a:defRPr>
+            </a:lvl2pPr>
+            <a:lvl3pPr marL="1143000" indent="-228600" algn="l" defTabSz="914400" rtl="0" eaLnBrk="1" latinLnBrk="0" hangingPunct="1">
+              <a:lnSpc>
+                <a:spcPct val="150000"/>
+              </a:lnSpc>
+              <a:spcBef>
+                <a:spcPts val="500"/>
+              </a:spcBef>
+              <a:buClr>
+                <a:schemeClr val="accent2"/>
+              </a:buClr>
+              <a:buFont typeface="Wingdings" panose="05000000000000000000" pitchFamily="2" charset="2"/>
+              <a:buChar char="§"/>
+              <a:defRPr kumimoji="1" sz="1400" kern="1200" spc="150" baseline="0">
+                <a:solidFill>
+                  <a:schemeClr val="tx1"/>
+                </a:solidFill>
+                <a:latin typeface="+mj-lt"/>
+                <a:ea typeface="Meiryo UI" panose="020B0604030504040204" pitchFamily="34" charset="-128"/>
+                <a:cs typeface="+mn-cs"/>
+              </a:defRPr>
+            </a:lvl3pPr>
+            <a:lvl4pPr marL="1600200" indent="-228600" algn="l" defTabSz="914400" rtl="0" eaLnBrk="1" latinLnBrk="0" hangingPunct="1">
+              <a:lnSpc>
+                <a:spcPct val="150000"/>
+              </a:lnSpc>
+              <a:spcBef>
+                <a:spcPts val="500"/>
+              </a:spcBef>
+              <a:buClr>
+                <a:schemeClr val="accent2"/>
+              </a:buClr>
+              <a:buFont typeface="Wingdings" panose="05000000000000000000" pitchFamily="2" charset="2"/>
+              <a:buChar char="§"/>
+              <a:defRPr kumimoji="1" sz="1400" kern="1200" spc="150" baseline="0">
+                <a:solidFill>
+                  <a:schemeClr val="tx1"/>
+                </a:solidFill>
+                <a:latin typeface="+mj-lt"/>
+                <a:ea typeface="Meiryo UI" panose="020B0604030504040204" pitchFamily="34" charset="-128"/>
+                <a:cs typeface="+mn-cs"/>
+              </a:defRPr>
+            </a:lvl4pPr>
+            <a:lvl5pPr marL="2057400" indent="-228600" algn="l" defTabSz="914400" rtl="0" eaLnBrk="1" latinLnBrk="0" hangingPunct="1">
+              <a:lnSpc>
+                <a:spcPct val="150000"/>
+              </a:lnSpc>
+              <a:spcBef>
+                <a:spcPts val="500"/>
+              </a:spcBef>
+              <a:buClr>
+                <a:schemeClr val="accent2"/>
+              </a:buClr>
+              <a:buFont typeface="Wingdings" panose="05000000000000000000" pitchFamily="2" charset="2"/>
+              <a:buChar char="§"/>
+              <a:defRPr kumimoji="1" sz="1400" kern="1200" spc="150" baseline="0">
+                <a:solidFill>
+                  <a:schemeClr val="tx1"/>
+                </a:solidFill>
+                <a:latin typeface="+mj-lt"/>
+                <a:ea typeface="Meiryo UI" panose="020B0604030504040204" pitchFamily="34" charset="-128"/>
+                <a:cs typeface="+mn-cs"/>
+              </a:defRPr>
+            </a:lvl5pPr>
+            <a:lvl6pPr marL="2514600" indent="-228600" algn="l" defTabSz="914400" rtl="0" eaLnBrk="1" latinLnBrk="0" hangingPunct="1">
+              <a:lnSpc>
+                <a:spcPct val="90000"/>
+              </a:lnSpc>
+              <a:spcBef>
+                <a:spcPts val="500"/>
+              </a:spcBef>
+              <a:buFont typeface="Arial" panose="020B0604020202020204" pitchFamily="34" charset="0"/>
+              <a:buChar char="•"/>
+              <a:defRPr kumimoji="1" sz="1800" kern="1200">
+                <a:solidFill>
+                  <a:schemeClr val="tx1"/>
+                </a:solidFill>
+                <a:latin typeface="+mn-lt"/>
+                <a:ea typeface="+mn-ea"/>
+                <a:cs typeface="+mn-cs"/>
+              </a:defRPr>
+            </a:lvl6pPr>
+            <a:lvl7pPr marL="2971800" indent="-228600" algn="l" defTabSz="914400" rtl="0" eaLnBrk="1" latinLnBrk="0" hangingPunct="1">
+              <a:lnSpc>
+                <a:spcPct val="90000"/>
+              </a:lnSpc>
+              <a:spcBef>
+                <a:spcPts val="500"/>
+              </a:spcBef>
+              <a:buFont typeface="Arial" panose="020B0604020202020204" pitchFamily="34" charset="0"/>
+              <a:buChar char="•"/>
+              <a:defRPr kumimoji="1" sz="1800" kern="1200">
+                <a:solidFill>
+                  <a:schemeClr val="tx1"/>
+                </a:solidFill>
+                <a:latin typeface="+mn-lt"/>
+                <a:ea typeface="+mn-ea"/>
+                <a:cs typeface="+mn-cs"/>
+              </a:defRPr>
+            </a:lvl7pPr>
+            <a:lvl8pPr marL="3429000" indent="-228600" algn="l" defTabSz="914400" rtl="0" eaLnBrk="1" latinLnBrk="0" hangingPunct="1">
+              <a:lnSpc>
+                <a:spcPct val="90000"/>
+              </a:lnSpc>
+              <a:spcBef>
+                <a:spcPts val="500"/>
+              </a:spcBef>
+              <a:buFont typeface="Arial" panose="020B0604020202020204" pitchFamily="34" charset="0"/>
+              <a:buChar char="•"/>
+              <a:defRPr kumimoji="1" sz="1800" kern="1200">
+                <a:solidFill>
+                  <a:schemeClr val="tx1"/>
+                </a:solidFill>
+                <a:latin typeface="+mn-lt"/>
+                <a:ea typeface="+mn-ea"/>
+                <a:cs typeface="+mn-cs"/>
+              </a:defRPr>
+            </a:lvl8pPr>
+            <a:lvl9pPr marL="3886200" indent="-228600" algn="l" defTabSz="914400" rtl="0" eaLnBrk="1" latinLnBrk="0" hangingPunct="1">
+              <a:lnSpc>
+                <a:spcPct val="90000"/>
+              </a:lnSpc>
+              <a:spcBef>
+                <a:spcPts val="500"/>
+              </a:spcBef>
+              <a:buFont typeface="Arial" panose="020B0604020202020204" pitchFamily="34" charset="0"/>
+              <a:buChar char="•"/>
+              <a:defRPr kumimoji="1" sz="1800" kern="1200">
+                <a:solidFill>
+                  <a:schemeClr val="tx1"/>
+                </a:solidFill>
+                <a:latin typeface="+mn-lt"/>
+                <a:ea typeface="+mn-ea"/>
+                <a:cs typeface="+mn-cs"/>
+              </a:defRPr>
+            </a:lvl9pPr>
+          </a:lstStyle>
+          <a:p>
+            <a:pPr marL="0" indent="0">
+              <a:lnSpc>
+                <a:spcPct val="100000"/>
+              </a:lnSpc>
+              <a:buFont typeface="Wingdings" panose="05000000000000000000" pitchFamily="2" charset="2"/>
+              <a:buNone/>
+            </a:pPr>
+            <a:r>
+              <a:rPr lang="en-US" altLang="ja-JP" sz="2400" dirty="0">
+                <a:solidFill>
+                  <a:schemeClr val="bg1">
+                    <a:lumMod val="50000"/>
+                  </a:schemeClr>
+                </a:solidFill>
+              </a:rPr>
+              <a:t>/</a:t>
+            </a:r>
+            <a:r>
+              <a:rPr lang="ja-JP" altLang="en-US" sz="2400" dirty="0">
+                <a:solidFill>
+                  <a:schemeClr val="bg1">
+                    <a:lumMod val="50000"/>
+                  </a:schemeClr>
+                </a:solidFill>
+              </a:rPr>
+              <a:t>　チームリーダー</a:t>
+            </a:r>
+            <a:endParaRPr lang="en-US" altLang="ja-JP" sz="2400" dirty="0">
+              <a:solidFill>
+                <a:schemeClr val="bg1">
+                  <a:lumMod val="50000"/>
+                </a:schemeClr>
+              </a:solidFill>
+            </a:endParaRPr>
+          </a:p>
+          <a:p>
+            <a:pPr marL="0" indent="0">
+              <a:lnSpc>
+                <a:spcPct val="100000"/>
+              </a:lnSpc>
+              <a:buFont typeface="Wingdings" panose="05000000000000000000" pitchFamily="2" charset="2"/>
+              <a:buNone/>
+            </a:pPr>
+            <a:r>
+              <a:rPr lang="en-US" altLang="ja-JP" sz="2400" dirty="0">
+                <a:solidFill>
+                  <a:schemeClr val="bg1">
+                    <a:lumMod val="50000"/>
+                  </a:schemeClr>
+                </a:solidFill>
+              </a:rPr>
+              <a:t>/</a:t>
+            </a:r>
+            <a:r>
+              <a:rPr lang="ja-JP" altLang="en-US" sz="2400" dirty="0">
+                <a:solidFill>
+                  <a:schemeClr val="bg1">
+                    <a:lumMod val="50000"/>
+                  </a:schemeClr>
+                </a:solidFill>
+              </a:rPr>
+              <a:t>　構成管理担当</a:t>
+            </a:r>
+            <a:endParaRPr lang="en-US" altLang="ja-JP" sz="2400" dirty="0">
+              <a:solidFill>
+                <a:schemeClr val="bg1">
+                  <a:lumMod val="50000"/>
+                </a:schemeClr>
+              </a:solidFill>
+            </a:endParaRPr>
+          </a:p>
+          <a:p>
+            <a:pPr marL="0" indent="0">
+              <a:lnSpc>
+                <a:spcPct val="100000"/>
+              </a:lnSpc>
+              <a:buFont typeface="Wingdings" panose="05000000000000000000" pitchFamily="2" charset="2"/>
+              <a:buNone/>
+            </a:pPr>
+            <a:r>
+              <a:rPr lang="en-US" altLang="ja-JP" sz="2400" dirty="0">
+                <a:solidFill>
+                  <a:schemeClr val="bg1">
+                    <a:lumMod val="50000"/>
+                  </a:schemeClr>
+                </a:solidFill>
+              </a:rPr>
+              <a:t>/</a:t>
+            </a:r>
+            <a:r>
+              <a:rPr lang="ja-JP" altLang="en-US" sz="2400" dirty="0">
+                <a:solidFill>
+                  <a:schemeClr val="bg1">
+                    <a:lumMod val="50000"/>
+                  </a:schemeClr>
+                </a:solidFill>
+              </a:rPr>
+              <a:t>　</a:t>
+            </a:r>
+            <a:r>
+              <a:rPr lang="en-US" altLang="ja-JP" sz="2400" dirty="0">
+                <a:solidFill>
+                  <a:schemeClr val="bg1">
+                    <a:lumMod val="50000"/>
+                  </a:schemeClr>
+                </a:solidFill>
+              </a:rPr>
+              <a:t>DBA</a:t>
+            </a:r>
+            <a:r>
+              <a:rPr lang="ja-JP" altLang="en-US" sz="2400" dirty="0">
+                <a:solidFill>
+                  <a:schemeClr val="bg1">
+                    <a:lumMod val="50000"/>
+                  </a:schemeClr>
+                </a:solidFill>
+              </a:rPr>
+              <a:t>・コミュニケーション担当</a:t>
+            </a:r>
+            <a:endParaRPr lang="en-US" altLang="ja-JP" sz="2400" dirty="0">
+              <a:solidFill>
+                <a:schemeClr val="bg1">
+                  <a:lumMod val="50000"/>
+                </a:schemeClr>
+              </a:solidFill>
+            </a:endParaRPr>
+          </a:p>
+          <a:p>
+            <a:pPr marL="0" indent="0">
+              <a:lnSpc>
+                <a:spcPct val="100000"/>
+              </a:lnSpc>
+              <a:buFont typeface="Wingdings" panose="05000000000000000000" pitchFamily="2" charset="2"/>
+              <a:buNone/>
+            </a:pPr>
+            <a:r>
+              <a:rPr lang="en-US" altLang="ja-JP" sz="2400" dirty="0">
+                <a:solidFill>
+                  <a:schemeClr val="bg1">
+                    <a:lumMod val="50000"/>
+                  </a:schemeClr>
+                </a:solidFill>
+              </a:rPr>
+              <a:t>/</a:t>
+            </a:r>
+            <a:r>
+              <a:rPr lang="ja-JP" altLang="en-US" sz="2400" dirty="0">
+                <a:solidFill>
+                  <a:schemeClr val="bg1">
+                    <a:lumMod val="50000"/>
+                  </a:schemeClr>
+                </a:solidFill>
+              </a:rPr>
+              <a:t>　</a:t>
+            </a:r>
+            <a:r>
+              <a:rPr lang="en-US" altLang="ja-JP" sz="2400" dirty="0">
+                <a:solidFill>
+                  <a:schemeClr val="bg1">
+                    <a:lumMod val="50000"/>
+                  </a:schemeClr>
+                </a:solidFill>
+              </a:rPr>
+              <a:t>DBA</a:t>
+            </a:r>
+            <a:r>
+              <a:rPr lang="ja-JP" altLang="en-US" sz="2400" dirty="0">
+                <a:solidFill>
+                  <a:schemeClr val="bg1">
+                    <a:lumMod val="50000"/>
+                  </a:schemeClr>
+                </a:solidFill>
+              </a:rPr>
+              <a:t>・コミュニケーション担当</a:t>
+            </a:r>
+            <a:endParaRPr lang="en-US" altLang="ja-JP" sz="2400" dirty="0">
+              <a:solidFill>
+                <a:schemeClr val="bg1">
+                  <a:lumMod val="50000"/>
+                </a:schemeClr>
+              </a:solidFill>
+            </a:endParaRPr>
+          </a:p>
+          <a:p>
+            <a:pPr marL="0" indent="0">
+              <a:lnSpc>
+                <a:spcPct val="100000"/>
+              </a:lnSpc>
+              <a:buFont typeface="Wingdings" panose="05000000000000000000" pitchFamily="2" charset="2"/>
+              <a:buNone/>
+            </a:pPr>
+            <a:r>
+              <a:rPr lang="en-US" altLang="ja-JP" sz="2400" dirty="0">
+                <a:solidFill>
+                  <a:schemeClr val="bg1">
+                    <a:lumMod val="50000"/>
+                  </a:schemeClr>
+                </a:solidFill>
+              </a:rPr>
+              <a:t>/</a:t>
+            </a:r>
+            <a:r>
+              <a:rPr lang="ja-JP" altLang="en-US" sz="2400" dirty="0">
+                <a:solidFill>
+                  <a:schemeClr val="bg1">
+                    <a:lumMod val="50000"/>
+                  </a:schemeClr>
+                </a:solidFill>
+              </a:rPr>
+              <a:t>　品質管理担当</a:t>
+            </a:r>
+            <a:endParaRPr lang="en-US" altLang="ja-JP" sz="2400" dirty="0">
+              <a:solidFill>
+                <a:schemeClr val="bg1">
+                  <a:lumMod val="50000"/>
+                </a:schemeClr>
+              </a:solidFill>
+            </a:endParaRPr>
+          </a:p>
+          <a:p>
+            <a:pPr marL="0" indent="0">
+              <a:lnSpc>
+                <a:spcPct val="100000"/>
+              </a:lnSpc>
+              <a:buFont typeface="Wingdings" panose="05000000000000000000" pitchFamily="2" charset="2"/>
+              <a:buNone/>
+            </a:pPr>
+            <a:r>
+              <a:rPr lang="en-US" altLang="ja-JP" sz="2400" dirty="0">
+                <a:solidFill>
+                  <a:schemeClr val="bg1">
+                    <a:lumMod val="50000"/>
+                  </a:schemeClr>
+                </a:solidFill>
+              </a:rPr>
+              <a:t>/</a:t>
+            </a:r>
+            <a:r>
+              <a:rPr lang="ja-JP" altLang="en-US" sz="2400" dirty="0">
+                <a:solidFill>
+                  <a:schemeClr val="bg1">
+                    <a:lumMod val="50000"/>
+                  </a:schemeClr>
+                </a:solidFill>
+              </a:rPr>
+              <a:t>　発表担当</a:t>
+            </a:r>
+            <a:endParaRPr lang="en-US" altLang="ja-JP" sz="2400" dirty="0">
+              <a:solidFill>
+                <a:schemeClr val="bg1">
+                  <a:lumMod val="50000"/>
+                </a:schemeClr>
+              </a:solidFill>
+            </a:endParaRPr>
+          </a:p>
+        </p:txBody>
+      </p:sp>
+      <p:sp>
+        <p:nvSpPr>
+          <p:cNvPr id="7" name="四角形: 対角を切り取る 6">
+            <a:extLst>
+              <a:ext uri="{FF2B5EF4-FFF2-40B4-BE49-F238E27FC236}">
+                <a16:creationId xmlns:a16="http://schemas.microsoft.com/office/drawing/2014/main" id="{69748F53-9FD1-484D-AFF8-0C13B573F564}"/>
+              </a:ext>
+            </a:extLst>
+          </p:cNvPr>
+          <p:cNvSpPr/>
+          <p:nvPr/>
+        </p:nvSpPr>
+        <p:spPr>
+          <a:xfrm>
+            <a:off x="1378974" y="1642088"/>
+            <a:ext cx="2708517" cy="825910"/>
+          </a:xfrm>
+          <a:prstGeom prst="snip2DiagRect">
+            <a:avLst/>
+          </a:prstGeom>
+          <a:solidFill>
+            <a:schemeClr val="bg1"/>
+          </a:solidFill>
+          <a:ln w="28575">
+            <a:solidFill>
+              <a:schemeClr val="bg1">
+                <a:lumMod val="50000"/>
+              </a:schemeClr>
+            </a:solidFill>
+            <a:prstDash val="dash"/>
+          </a:ln>
+        </p:spPr>
+        <p:style>
+          <a:lnRef idx="2">
+            <a:schemeClr val="accent1">
+              <a:shade val="50000"/>
+            </a:schemeClr>
+          </a:lnRef>
+          <a:fillRef idx="1">
+            <a:schemeClr val="accent1"/>
+          </a:fillRef>
+          <a:effectRef idx="0">
+            <a:schemeClr val="accent1"/>
+          </a:effectRef>
+          <a:fontRef idx="minor">
+            <a:schemeClr val="lt1"/>
+          </a:fontRef>
+        </p:style>
+        <p:txBody>
+          <a:bodyPr rtlCol="0" anchor="ctr"/>
+          <a:lstStyle/>
+          <a:p>
+            <a:pPr algn="ctr"/>
+            <a:r>
+              <a:rPr kumimoji="1" lang="ja-JP" altLang="en-US" sz="3200" dirty="0">
+                <a:solidFill>
+                  <a:schemeClr val="tx1"/>
+                </a:solidFill>
+              </a:rPr>
+              <a:t>チーム名</a:t>
+            </a:r>
+          </a:p>
+        </p:txBody>
+      </p:sp>
+      <p:sp>
+        <p:nvSpPr>
+          <p:cNvPr id="8" name="四角形: 対角を切り取る 7">
+            <a:extLst>
+              <a:ext uri="{FF2B5EF4-FFF2-40B4-BE49-F238E27FC236}">
+                <a16:creationId xmlns:a16="http://schemas.microsoft.com/office/drawing/2014/main" id="{7AE6C8CB-1897-4018-9CD4-3481B0D00EEE}"/>
+              </a:ext>
+            </a:extLst>
+          </p:cNvPr>
+          <p:cNvSpPr/>
+          <p:nvPr/>
+        </p:nvSpPr>
+        <p:spPr>
+          <a:xfrm>
+            <a:off x="1378974" y="2740644"/>
+            <a:ext cx="2708517" cy="3710966"/>
+          </a:xfrm>
+          <a:prstGeom prst="snip2DiagRect">
+            <a:avLst/>
+          </a:prstGeom>
+          <a:solidFill>
+            <a:schemeClr val="bg1"/>
+          </a:solidFill>
+          <a:ln w="28575">
+            <a:solidFill>
+              <a:schemeClr val="bg1">
+                <a:lumMod val="50000"/>
+              </a:schemeClr>
+            </a:solidFill>
+            <a:prstDash val="dash"/>
+          </a:ln>
+        </p:spPr>
+        <p:style>
+          <a:lnRef idx="2">
+            <a:schemeClr val="accent1">
+              <a:shade val="50000"/>
+            </a:schemeClr>
+          </a:lnRef>
+          <a:fillRef idx="1">
+            <a:schemeClr val="accent1"/>
+          </a:fillRef>
+          <a:effectRef idx="0">
+            <a:schemeClr val="accent1"/>
+          </a:effectRef>
+          <a:fontRef idx="minor">
+            <a:schemeClr val="lt1"/>
+          </a:fontRef>
+        </p:style>
+        <p:txBody>
+          <a:bodyPr rtlCol="0" anchor="ctr"/>
+          <a:lstStyle/>
+          <a:p>
+            <a:pPr algn="ctr"/>
+            <a:r>
+              <a:rPr kumimoji="1" lang="ja-JP" altLang="en-US" sz="2800" dirty="0">
+                <a:solidFill>
+                  <a:schemeClr val="tx1"/>
+                </a:solidFill>
+              </a:rPr>
+              <a:t>メンバー</a:t>
+            </a:r>
+            <a:r>
+              <a:rPr kumimoji="1" lang="en-US" altLang="ja-JP" sz="2800" dirty="0">
+                <a:solidFill>
+                  <a:schemeClr val="tx1"/>
+                </a:solidFill>
+              </a:rPr>
+              <a:t> </a:t>
+            </a:r>
+            <a:r>
+              <a:rPr kumimoji="1" lang="en-US" altLang="ja-JP" sz="2400" dirty="0">
+                <a:solidFill>
+                  <a:schemeClr val="bg1">
+                    <a:lumMod val="50000"/>
+                  </a:schemeClr>
+                </a:solidFill>
+              </a:rPr>
+              <a:t>/ </a:t>
+            </a:r>
+            <a:r>
+              <a:rPr kumimoji="1" lang="ja-JP" altLang="en-US" sz="2400" dirty="0">
+                <a:solidFill>
+                  <a:schemeClr val="bg1">
+                    <a:lumMod val="50000"/>
+                  </a:schemeClr>
+                </a:solidFill>
+              </a:rPr>
+              <a:t>担当</a:t>
+            </a:r>
+            <a:endParaRPr kumimoji="1" lang="ja-JP" altLang="en-US" sz="2800" dirty="0">
+              <a:solidFill>
+                <a:schemeClr val="bg1">
+                  <a:lumMod val="50000"/>
+                </a:schemeClr>
+              </a:solidFill>
+            </a:endParaRPr>
+          </a:p>
+        </p:txBody>
+      </p:sp>
+      <p:pic>
+        <p:nvPicPr>
+          <p:cNvPr id="10" name="グラフィックス 9" descr="地球: 南北アメリカ 単色塗りつぶし">
+            <a:extLst>
+              <a:ext uri="{FF2B5EF4-FFF2-40B4-BE49-F238E27FC236}">
+                <a16:creationId xmlns:a16="http://schemas.microsoft.com/office/drawing/2014/main" id="{D03C300E-C097-4907-B3F4-888DC850CF9D}"/>
+              </a:ext>
+            </a:extLst>
+          </p:cNvPr>
+          <p:cNvPicPr>
+            <a:picLocks noChangeAspect="1"/>
+          </p:cNvPicPr>
+          <p:nvPr/>
+        </p:nvPicPr>
+        <p:blipFill>
+          <a:blip r:embed="rId3">
+            <a:extLst>
+              <a:ext uri="{96DAC541-7B7A-43D3-8B79-37D633B846F1}">
+                <asvg:svgBlip xmlns:asvg="http://schemas.microsoft.com/office/drawing/2016/SVG/main" r:embed="rId4"/>
+              </a:ext>
+            </a:extLst>
+          </a:blip>
+          <a:stretch>
+            <a:fillRect/>
+          </a:stretch>
+        </p:blipFill>
+        <p:spPr>
+          <a:xfrm>
+            <a:off x="599052" y="385379"/>
+            <a:ext cx="779922" cy="779922"/>
+          </a:xfrm>
+          <a:prstGeom prst="rect">
+            <a:avLst/>
+          </a:prstGeom>
+        </p:spPr>
+      </p:pic>
+      <p:pic>
+        <p:nvPicPr>
+          <p:cNvPr id="12" name="図 11">
+            <a:extLst>
+              <a:ext uri="{FF2B5EF4-FFF2-40B4-BE49-F238E27FC236}">
+                <a16:creationId xmlns:a16="http://schemas.microsoft.com/office/drawing/2014/main" id="{F641F721-7F55-4B34-B380-45A02308A189}"/>
+              </a:ext>
+            </a:extLst>
+          </p:cNvPr>
+          <p:cNvPicPr>
+            <a:picLocks noChangeAspect="1"/>
+          </p:cNvPicPr>
+          <p:nvPr/>
+        </p:nvPicPr>
+        <p:blipFill>
+          <a:blip r:embed="rId5">
+            <a:duotone>
+              <a:prstClr val="black"/>
+              <a:srgbClr val="D9C3A5">
+                <a:tint val="50000"/>
+                <a:satMod val="180000"/>
+              </a:srgbClr>
+            </a:duotone>
+            <a:alphaModFix/>
+          </a:blip>
+          <a:stretch>
+            <a:fillRect/>
+          </a:stretch>
+        </p:blipFill>
+        <p:spPr>
+          <a:xfrm>
+            <a:off x="-33338" y="-103239"/>
+            <a:ext cx="12293918" cy="7197213"/>
+          </a:xfrm>
+          <a:prstGeom prst="rect">
+            <a:avLst/>
+          </a:prstGeom>
+        </p:spPr>
+      </p:pic>
     </p:spTree>
     <p:extLst>
       <p:ext uri="{BB962C8B-B14F-4D97-AF65-F5344CB8AC3E}">
-        <p14:creationId xmlns:p14="http://schemas.microsoft.com/office/powerpoint/2010/main" val="717803402"/>
+        <p14:creationId xmlns:p14="http://schemas.microsoft.com/office/powerpoint/2010/main" val="1145492953"/>
       </p:ext>
     </p:extLst>
   </p:cSld>
   <p:clrMapOvr>
     <a:masterClrMapping/>
   </p:clrMapOvr>
+  <mc:AlternateContent xmlns:mc="http://schemas.openxmlformats.org/markup-compatibility/2006">
+    <mc:Choice xmlns:p159="http://schemas.microsoft.com/office/powerpoint/2015/09/main" Requires="p159">
+      <p:transition xmlns:p14="http://schemas.microsoft.com/office/powerpoint/2010/main" spd="slow" p14:dur="2000">
+        <p159:morph option="byObject"/>
+      </p:transition>
+    </mc:Choice>
+    <mc:Fallback>
+      <p:transition spd="slow">
+        <p:fade/>
+      </p:transition>
+    </mc:Fallback>
+  </mc:AlternateContent>
 </p:sld>
 </file>
 
@@ -17383,9 +22897,9 @@
     <a:masterClrMapping/>
   </p:clrMapOvr>
   <mc:AlternateContent xmlns:mc="http://schemas.openxmlformats.org/markup-compatibility/2006">
-    <mc:Choice xmlns:p159="http://schemas.microsoft.com/office/powerpoint/2015/09/main" Requires="p159">
-      <p:transition xmlns:p14="http://schemas.microsoft.com/office/powerpoint/2010/main" spd="slow" p14:dur="2000">
-        <p159:morph option="byObject"/>
+    <mc:Choice xmlns:p15="http://schemas.microsoft.com/office/powerpoint/2012/main" Requires="p15">
+      <p:transition xmlns:p14="http://schemas.microsoft.com/office/powerpoint/2010/main" spd="slow" p14:dur="1250">
+        <p15:prstTrans prst="airplane"/>
       </p:transition>
     </mc:Choice>
     <mc:Fallback>
@@ -17414,241 +22928,6 @@
           <a:chExt cx="0" cy="0"/>
         </a:xfrm>
       </p:grpSpPr>
-      <p:sp>
-        <p:nvSpPr>
-          <p:cNvPr id="6" name="コンテンツ プレースホルダー 3">
-            <a:extLst>
-              <a:ext uri="{FF2B5EF4-FFF2-40B4-BE49-F238E27FC236}">
-                <a16:creationId xmlns:a16="http://schemas.microsoft.com/office/drawing/2014/main" id="{A9F2C10F-B6CF-4074-BBCD-84567EEAA614}"/>
-              </a:ext>
-            </a:extLst>
-          </p:cNvPr>
-          <p:cNvSpPr txBox="1">
-            <a:spLocks/>
-          </p:cNvSpPr>
-          <p:nvPr/>
-        </p:nvSpPr>
-        <p:spPr>
-          <a:xfrm>
-            <a:off x="747198" y="1305035"/>
-            <a:ext cx="10904088" cy="1017638"/>
-          </a:xfrm>
-          <a:prstGeom prst="rect">
-            <a:avLst/>
-          </a:prstGeom>
-        </p:spPr>
-        <p:txBody>
-          <a:bodyPr vert="horz" lIns="91440" tIns="45720" rIns="91440" bIns="45720" rtlCol="0">
-            <a:noAutofit/>
-          </a:bodyPr>
-          <a:lstStyle>
-            <a:lvl1pPr marL="228600" indent="-228600" algn="l" defTabSz="914400" rtl="0" eaLnBrk="1" latinLnBrk="0" hangingPunct="1">
-              <a:lnSpc>
-                <a:spcPct val="150000"/>
-              </a:lnSpc>
-              <a:spcBef>
-                <a:spcPts val="1500"/>
-              </a:spcBef>
-              <a:buClr>
-                <a:schemeClr val="accent2"/>
-              </a:buClr>
-              <a:buFont typeface="Wingdings" panose="05000000000000000000" pitchFamily="2" charset="2"/>
-              <a:buChar char="§"/>
-              <a:defRPr kumimoji="1" sz="1500" kern="1200" spc="150" baseline="0">
-                <a:solidFill>
-                  <a:schemeClr val="tx1"/>
-                </a:solidFill>
-                <a:latin typeface="+mj-lt"/>
-                <a:ea typeface="Meiryo UI" panose="020B0604030504040204" pitchFamily="34" charset="-128"/>
-                <a:cs typeface="+mn-cs"/>
-              </a:defRPr>
-            </a:lvl1pPr>
-            <a:lvl2pPr marL="685800" indent="-228600" algn="l" defTabSz="914400" rtl="0" eaLnBrk="1" latinLnBrk="0" hangingPunct="1">
-              <a:lnSpc>
-                <a:spcPct val="150000"/>
-              </a:lnSpc>
-              <a:spcBef>
-                <a:spcPts val="500"/>
-              </a:spcBef>
-              <a:buClr>
-                <a:schemeClr val="accent2"/>
-              </a:buClr>
-              <a:buFont typeface="Wingdings" panose="05000000000000000000" pitchFamily="2" charset="2"/>
-              <a:buChar char="§"/>
-              <a:defRPr kumimoji="1" sz="1500" kern="1200" spc="150" baseline="0">
-                <a:solidFill>
-                  <a:schemeClr val="tx1"/>
-                </a:solidFill>
-                <a:latin typeface="+mj-lt"/>
-                <a:ea typeface="Meiryo UI" panose="020B0604030504040204" pitchFamily="34" charset="-128"/>
-                <a:cs typeface="+mn-cs"/>
-              </a:defRPr>
-            </a:lvl2pPr>
-            <a:lvl3pPr marL="1143000" indent="-228600" algn="l" defTabSz="914400" rtl="0" eaLnBrk="1" latinLnBrk="0" hangingPunct="1">
-              <a:lnSpc>
-                <a:spcPct val="150000"/>
-              </a:lnSpc>
-              <a:spcBef>
-                <a:spcPts val="500"/>
-              </a:spcBef>
-              <a:buClr>
-                <a:schemeClr val="accent2"/>
-              </a:buClr>
-              <a:buFont typeface="Wingdings" panose="05000000000000000000" pitchFamily="2" charset="2"/>
-              <a:buChar char="§"/>
-              <a:defRPr kumimoji="1" sz="1400" kern="1200" spc="150" baseline="0">
-                <a:solidFill>
-                  <a:schemeClr val="tx1"/>
-                </a:solidFill>
-                <a:latin typeface="+mj-lt"/>
-                <a:ea typeface="Meiryo UI" panose="020B0604030504040204" pitchFamily="34" charset="-128"/>
-                <a:cs typeface="+mn-cs"/>
-              </a:defRPr>
-            </a:lvl3pPr>
-            <a:lvl4pPr marL="1600200" indent="-228600" algn="l" defTabSz="914400" rtl="0" eaLnBrk="1" latinLnBrk="0" hangingPunct="1">
-              <a:lnSpc>
-                <a:spcPct val="150000"/>
-              </a:lnSpc>
-              <a:spcBef>
-                <a:spcPts val="500"/>
-              </a:spcBef>
-              <a:buClr>
-                <a:schemeClr val="accent2"/>
-              </a:buClr>
-              <a:buFont typeface="Wingdings" panose="05000000000000000000" pitchFamily="2" charset="2"/>
-              <a:buChar char="§"/>
-              <a:defRPr kumimoji="1" sz="1400" kern="1200" spc="150" baseline="0">
-                <a:solidFill>
-                  <a:schemeClr val="tx1"/>
-                </a:solidFill>
-                <a:latin typeface="+mj-lt"/>
-                <a:ea typeface="Meiryo UI" panose="020B0604030504040204" pitchFamily="34" charset="-128"/>
-                <a:cs typeface="+mn-cs"/>
-              </a:defRPr>
-            </a:lvl4pPr>
-            <a:lvl5pPr marL="2057400" indent="-228600" algn="l" defTabSz="914400" rtl="0" eaLnBrk="1" latinLnBrk="0" hangingPunct="1">
-              <a:lnSpc>
-                <a:spcPct val="150000"/>
-              </a:lnSpc>
-              <a:spcBef>
-                <a:spcPts val="500"/>
-              </a:spcBef>
-              <a:buClr>
-                <a:schemeClr val="accent2"/>
-              </a:buClr>
-              <a:buFont typeface="Wingdings" panose="05000000000000000000" pitchFamily="2" charset="2"/>
-              <a:buChar char="§"/>
-              <a:defRPr kumimoji="1" sz="1400" kern="1200" spc="150" baseline="0">
-                <a:solidFill>
-                  <a:schemeClr val="tx1"/>
-                </a:solidFill>
-                <a:latin typeface="+mj-lt"/>
-                <a:ea typeface="Meiryo UI" panose="020B0604030504040204" pitchFamily="34" charset="-128"/>
-                <a:cs typeface="+mn-cs"/>
-              </a:defRPr>
-            </a:lvl5pPr>
-            <a:lvl6pPr marL="2514600" indent="-228600" algn="l" defTabSz="914400" rtl="0" eaLnBrk="1" latinLnBrk="0" hangingPunct="1">
-              <a:lnSpc>
-                <a:spcPct val="90000"/>
-              </a:lnSpc>
-              <a:spcBef>
-                <a:spcPts val="500"/>
-              </a:spcBef>
-              <a:buFont typeface="Arial" panose="020B0604020202020204" pitchFamily="34" charset="0"/>
-              <a:buChar char="•"/>
-              <a:defRPr kumimoji="1" sz="1800" kern="1200">
-                <a:solidFill>
-                  <a:schemeClr val="tx1"/>
-                </a:solidFill>
-                <a:latin typeface="+mn-lt"/>
-                <a:ea typeface="+mn-ea"/>
-                <a:cs typeface="+mn-cs"/>
-              </a:defRPr>
-            </a:lvl6pPr>
-            <a:lvl7pPr marL="2971800" indent="-228600" algn="l" defTabSz="914400" rtl="0" eaLnBrk="1" latinLnBrk="0" hangingPunct="1">
-              <a:lnSpc>
-                <a:spcPct val="90000"/>
-              </a:lnSpc>
-              <a:spcBef>
-                <a:spcPts val="500"/>
-              </a:spcBef>
-              <a:buFont typeface="Arial" panose="020B0604020202020204" pitchFamily="34" charset="0"/>
-              <a:buChar char="•"/>
-              <a:defRPr kumimoji="1" sz="1800" kern="1200">
-                <a:solidFill>
-                  <a:schemeClr val="tx1"/>
-                </a:solidFill>
-                <a:latin typeface="+mn-lt"/>
-                <a:ea typeface="+mn-ea"/>
-                <a:cs typeface="+mn-cs"/>
-              </a:defRPr>
-            </a:lvl7pPr>
-            <a:lvl8pPr marL="3429000" indent="-228600" algn="l" defTabSz="914400" rtl="0" eaLnBrk="1" latinLnBrk="0" hangingPunct="1">
-              <a:lnSpc>
-                <a:spcPct val="90000"/>
-              </a:lnSpc>
-              <a:spcBef>
-                <a:spcPts val="500"/>
-              </a:spcBef>
-              <a:buFont typeface="Arial" panose="020B0604020202020204" pitchFamily="34" charset="0"/>
-              <a:buChar char="•"/>
-              <a:defRPr kumimoji="1" sz="1800" kern="1200">
-                <a:solidFill>
-                  <a:schemeClr val="tx1"/>
-                </a:solidFill>
-                <a:latin typeface="+mn-lt"/>
-                <a:ea typeface="+mn-ea"/>
-                <a:cs typeface="+mn-cs"/>
-              </a:defRPr>
-            </a:lvl8pPr>
-            <a:lvl9pPr marL="3886200" indent="-228600" algn="l" defTabSz="914400" rtl="0" eaLnBrk="1" latinLnBrk="0" hangingPunct="1">
-              <a:lnSpc>
-                <a:spcPct val="90000"/>
-              </a:lnSpc>
-              <a:spcBef>
-                <a:spcPts val="500"/>
-              </a:spcBef>
-              <a:buFont typeface="Arial" panose="020B0604020202020204" pitchFamily="34" charset="0"/>
-              <a:buChar char="•"/>
-              <a:defRPr kumimoji="1" sz="1800" kern="1200">
-                <a:solidFill>
-                  <a:schemeClr val="tx1"/>
-                </a:solidFill>
-                <a:latin typeface="+mn-lt"/>
-                <a:ea typeface="+mn-ea"/>
-                <a:cs typeface="+mn-cs"/>
-              </a:defRPr>
-            </a:lvl9pPr>
-          </a:lstStyle>
-          <a:p>
-            <a:pPr marL="0" indent="0" algn="ctr">
-              <a:lnSpc>
-                <a:spcPct val="100000"/>
-              </a:lnSpc>
-              <a:buFont typeface="Wingdings" panose="05000000000000000000" pitchFamily="2" charset="2"/>
-              <a:buNone/>
-            </a:pPr>
-            <a:r>
-              <a:rPr lang="en-US" altLang="ja-JP" sz="6000" dirty="0">
-                <a:latin typeface="Arial Black" panose="020B0A04020102020204" pitchFamily="34" charset="0"/>
-              </a:rPr>
-              <a:t>mynote++</a:t>
-            </a:r>
-          </a:p>
-          <a:p>
-            <a:pPr marL="0" indent="0" algn="ctr">
-              <a:lnSpc>
-                <a:spcPct val="100000"/>
-              </a:lnSpc>
-              <a:buFont typeface="Wingdings" panose="05000000000000000000" pitchFamily="2" charset="2"/>
-              <a:buNone/>
-            </a:pPr>
-            <a:endParaRPr lang="ja-JP" altLang="en-US" sz="6000" dirty="0">
-              <a:latin typeface="Arial Black" panose="020B0A04020102020204" pitchFamily="34" charset="0"/>
-            </a:endParaRPr>
-          </a:p>
-        </p:txBody>
-      </p:sp>
       <p:sp>
         <p:nvSpPr>
           <p:cNvPr id="9" name="正方形/長方形 8">
@@ -17763,7 +23042,7 @@
                   <a:schemeClr val="tx1"/>
                 </a:solidFill>
               </a:rPr>
-              <a:t>①受講生同士の気軽な教え合い</a:t>
+              <a:t>受講生同士の気軽な教え合い</a:t>
             </a:r>
             <a:endParaRPr kumimoji="1" lang="en-US" altLang="ja-JP" sz="2800" dirty="0">
               <a:solidFill>
@@ -17787,7 +23066,7 @@
                   <a:schemeClr val="tx1"/>
                 </a:solidFill>
               </a:rPr>
-              <a:t>②いろんな人のノートを見ることで</a:t>
+              <a:t>いろんな人のノートを見て</a:t>
             </a:r>
             <a:endParaRPr kumimoji="1" lang="en-US" altLang="ja-JP" sz="2800" dirty="0">
               <a:solidFill>
@@ -17803,7 +23082,7 @@
                   <a:schemeClr val="tx1"/>
                 </a:solidFill>
               </a:rPr>
-              <a:t>学びを深める</a:t>
+              <a:t>学びを深められる</a:t>
             </a:r>
             <a:endParaRPr kumimoji="1" lang="en-US" altLang="ja-JP" sz="2800" dirty="0">
               <a:solidFill>
@@ -17827,7 +23106,7 @@
                   <a:schemeClr val="tx1"/>
                 </a:solidFill>
               </a:rPr>
-              <a:t>③ついでにノートの管理もできる　</a:t>
+              <a:t>ついでにノートの管理もできる　</a:t>
             </a:r>
           </a:p>
         </p:txBody>
@@ -18654,7 +23933,23 @@
                   <a:sysClr val="windowText" lastClr="000000"/>
                 </a:solidFill>
               </a:rPr>
-              <a:t>分かってるとはいいがたい、</a:t>
+              <a:t>誰かと </a:t>
+            </a:r>
+            <a:r>
+              <a:rPr kumimoji="1" lang="ja-JP" altLang="en-US" sz="2000" b="1" dirty="0">
+                <a:solidFill>
+                  <a:sysClr val="windowText" lastClr="000000"/>
+                </a:solidFill>
+              </a:rPr>
+              <a:t>学びを共有 </a:t>
+            </a:r>
+            <a:r>
+              <a:rPr kumimoji="1" lang="ja-JP" altLang="en-US" dirty="0">
+                <a:solidFill>
+                  <a:sysClr val="windowText" lastClr="000000"/>
+                </a:solidFill>
+              </a:rPr>
+              <a:t>できるような</a:t>
             </a:r>
             <a:endParaRPr kumimoji="1" lang="en-US" altLang="ja-JP" dirty="0">
               <a:solidFill>
@@ -18669,14 +23964,22 @@
               </a:lnSpc>
             </a:pPr>
             <a:r>
-              <a:rPr kumimoji="1" lang="ja-JP" altLang="en-US" b="1" dirty="0">
+              <a:rPr kumimoji="1" lang="ja-JP" altLang="en-US" sz="2000" b="1" dirty="0">
                 <a:solidFill>
                   <a:sysClr val="windowText" lastClr="000000"/>
                 </a:solidFill>
               </a:rPr>
-              <a:t>質問するほどではない</a:t>
-            </a:r>
-            <a:endParaRPr kumimoji="1" lang="en-US" altLang="ja-JP" b="1" dirty="0">
+              <a:t>手軽なツール </a:t>
+            </a:r>
+            <a:r>
+              <a:rPr kumimoji="1" lang="ja-JP" altLang="en-US" dirty="0">
+                <a:solidFill>
+                  <a:sysClr val="windowText" lastClr="000000"/>
+                </a:solidFill>
+              </a:rPr>
+              <a:t>があったらなぁ</a:t>
+            </a:r>
+            <a:endParaRPr kumimoji="1" lang="en-US" altLang="ja-JP" dirty="0">
               <a:solidFill>
                 <a:sysClr val="windowText" lastClr="000000"/>
               </a:solidFill>
@@ -18730,6 +24033,363 @@
   <p:clrMapOvr>
     <a:masterClrMapping/>
   </p:clrMapOvr>
+  <p:timing>
+    <p:tnLst>
+      <p:par>
+        <p:cTn id="1" dur="indefinite" restart="never" nodeType="tmRoot">
+          <p:childTnLst>
+            <p:seq concurrent="1" nextAc="seek">
+              <p:cTn id="2" dur="indefinite" nodeType="mainSeq">
+                <p:childTnLst>
+                  <p:par>
+                    <p:cTn id="3" fill="hold">
+                      <p:stCondLst>
+                        <p:cond delay="indefinite"/>
+                      </p:stCondLst>
+                      <p:childTnLst>
+                        <p:par>
+                          <p:cTn id="4" fill="hold">
+                            <p:stCondLst>
+                              <p:cond delay="0"/>
+                            </p:stCondLst>
+                            <p:childTnLst>
+                              <p:par>
+                                <p:cTn id="5" presetID="42" presetClass="entr" presetSubtype="0" fill="hold" grpId="0" nodeType="clickEffect">
+                                  <p:stCondLst>
+                                    <p:cond delay="0"/>
+                                  </p:stCondLst>
+                                  <p:childTnLst>
+                                    <p:set>
+                                      <p:cBhvr>
+                                        <p:cTn id="6" dur="1" fill="hold">
+                                          <p:stCondLst>
+                                            <p:cond delay="0"/>
+                                          </p:stCondLst>
+                                        </p:cTn>
+                                        <p:tgtEl>
+                                          <p:spTgt spid="8"/>
+                                        </p:tgtEl>
+                                        <p:attrNameLst>
+                                          <p:attrName>style.visibility</p:attrName>
+                                        </p:attrNameLst>
+                                      </p:cBhvr>
+                                      <p:to>
+                                        <p:strVal val="visible"/>
+                                      </p:to>
+                                    </p:set>
+                                    <p:animEffect transition="in" filter="fade">
+                                      <p:cBhvr>
+                                        <p:cTn id="7" dur="500"/>
+                                        <p:tgtEl>
+                                          <p:spTgt spid="8"/>
+                                        </p:tgtEl>
+                                      </p:cBhvr>
+                                    </p:animEffect>
+                                    <p:anim calcmode="lin" valueType="num">
+                                      <p:cBhvr>
+                                        <p:cTn id="8" dur="500" fill="hold"/>
+                                        <p:tgtEl>
+                                          <p:spTgt spid="8"/>
+                                        </p:tgtEl>
+                                        <p:attrNameLst>
+                                          <p:attrName>ppt_x</p:attrName>
+                                        </p:attrNameLst>
+                                      </p:cBhvr>
+                                      <p:tavLst>
+                                        <p:tav tm="0">
+                                          <p:val>
+                                            <p:strVal val="#ppt_x"/>
+                                          </p:val>
+                                        </p:tav>
+                                        <p:tav tm="100000">
+                                          <p:val>
+                                            <p:strVal val="#ppt_x"/>
+                                          </p:val>
+                                        </p:tav>
+                                      </p:tavLst>
+                                    </p:anim>
+                                    <p:anim calcmode="lin" valueType="num">
+                                      <p:cBhvr>
+                                        <p:cTn id="9" dur="500" fill="hold"/>
+                                        <p:tgtEl>
+                                          <p:spTgt spid="8"/>
+                                        </p:tgtEl>
+                                        <p:attrNameLst>
+                                          <p:attrName>ppt_y</p:attrName>
+                                        </p:attrNameLst>
+                                      </p:cBhvr>
+                                      <p:tavLst>
+                                        <p:tav tm="0">
+                                          <p:val>
+                                            <p:strVal val="#ppt_y+.1"/>
+                                          </p:val>
+                                        </p:tav>
+                                        <p:tav tm="100000">
+                                          <p:val>
+                                            <p:strVal val="#ppt_y"/>
+                                          </p:val>
+                                        </p:tav>
+                                      </p:tavLst>
+                                    </p:anim>
+                                  </p:childTnLst>
+                                </p:cTn>
+                              </p:par>
+                            </p:childTnLst>
+                          </p:cTn>
+                        </p:par>
+                      </p:childTnLst>
+                    </p:cTn>
+                  </p:par>
+                  <p:par>
+                    <p:cTn id="10" fill="hold">
+                      <p:stCondLst>
+                        <p:cond delay="indefinite"/>
+                      </p:stCondLst>
+                      <p:childTnLst>
+                        <p:par>
+                          <p:cTn id="11" fill="hold">
+                            <p:stCondLst>
+                              <p:cond delay="0"/>
+                            </p:stCondLst>
+                            <p:childTnLst>
+                              <p:par>
+                                <p:cTn id="12" presetID="42" presetClass="entr" presetSubtype="0" fill="hold" grpId="0" nodeType="clickEffect">
+                                  <p:stCondLst>
+                                    <p:cond delay="0"/>
+                                  </p:stCondLst>
+                                  <p:childTnLst>
+                                    <p:set>
+                                      <p:cBhvr>
+                                        <p:cTn id="13" dur="1" fill="hold">
+                                          <p:stCondLst>
+                                            <p:cond delay="0"/>
+                                          </p:stCondLst>
+                                        </p:cTn>
+                                        <p:tgtEl>
+                                          <p:spTgt spid="27"/>
+                                        </p:tgtEl>
+                                        <p:attrNameLst>
+                                          <p:attrName>style.visibility</p:attrName>
+                                        </p:attrNameLst>
+                                      </p:cBhvr>
+                                      <p:to>
+                                        <p:strVal val="visible"/>
+                                      </p:to>
+                                    </p:set>
+                                    <p:animEffect transition="in" filter="fade">
+                                      <p:cBhvr>
+                                        <p:cTn id="14" dur="500"/>
+                                        <p:tgtEl>
+                                          <p:spTgt spid="27"/>
+                                        </p:tgtEl>
+                                      </p:cBhvr>
+                                    </p:animEffect>
+                                    <p:anim calcmode="lin" valueType="num">
+                                      <p:cBhvr>
+                                        <p:cTn id="15" dur="500" fill="hold"/>
+                                        <p:tgtEl>
+                                          <p:spTgt spid="27"/>
+                                        </p:tgtEl>
+                                        <p:attrNameLst>
+                                          <p:attrName>ppt_x</p:attrName>
+                                        </p:attrNameLst>
+                                      </p:cBhvr>
+                                      <p:tavLst>
+                                        <p:tav tm="0">
+                                          <p:val>
+                                            <p:strVal val="#ppt_x"/>
+                                          </p:val>
+                                        </p:tav>
+                                        <p:tav tm="100000">
+                                          <p:val>
+                                            <p:strVal val="#ppt_x"/>
+                                          </p:val>
+                                        </p:tav>
+                                      </p:tavLst>
+                                    </p:anim>
+                                    <p:anim calcmode="lin" valueType="num">
+                                      <p:cBhvr>
+                                        <p:cTn id="16" dur="500" fill="hold"/>
+                                        <p:tgtEl>
+                                          <p:spTgt spid="27"/>
+                                        </p:tgtEl>
+                                        <p:attrNameLst>
+                                          <p:attrName>ppt_y</p:attrName>
+                                        </p:attrNameLst>
+                                      </p:cBhvr>
+                                      <p:tavLst>
+                                        <p:tav tm="0">
+                                          <p:val>
+                                            <p:strVal val="#ppt_y+.1"/>
+                                          </p:val>
+                                        </p:tav>
+                                        <p:tav tm="100000">
+                                          <p:val>
+                                            <p:strVal val="#ppt_y"/>
+                                          </p:val>
+                                        </p:tav>
+                                      </p:tavLst>
+                                    </p:anim>
+                                  </p:childTnLst>
+                                </p:cTn>
+                              </p:par>
+                            </p:childTnLst>
+                          </p:cTn>
+                        </p:par>
+                      </p:childTnLst>
+                    </p:cTn>
+                  </p:par>
+                  <p:par>
+                    <p:cTn id="17" fill="hold">
+                      <p:stCondLst>
+                        <p:cond delay="indefinite"/>
+                      </p:stCondLst>
+                      <p:childTnLst>
+                        <p:par>
+                          <p:cTn id="18" fill="hold">
+                            <p:stCondLst>
+                              <p:cond delay="0"/>
+                            </p:stCondLst>
+                            <p:childTnLst>
+                              <p:par>
+                                <p:cTn id="19" presetID="22" presetClass="entr" presetSubtype="4" fill="hold" grpId="0" nodeType="clickEffect">
+                                  <p:stCondLst>
+                                    <p:cond delay="250"/>
+                                  </p:stCondLst>
+                                  <p:childTnLst>
+                                    <p:set>
+                                      <p:cBhvr>
+                                        <p:cTn id="20" dur="1" fill="hold">
+                                          <p:stCondLst>
+                                            <p:cond delay="0"/>
+                                          </p:stCondLst>
+                                        </p:cTn>
+                                        <p:tgtEl>
+                                          <p:spTgt spid="10"/>
+                                        </p:tgtEl>
+                                        <p:attrNameLst>
+                                          <p:attrName>style.visibility</p:attrName>
+                                        </p:attrNameLst>
+                                      </p:cBhvr>
+                                      <p:to>
+                                        <p:strVal val="visible"/>
+                                      </p:to>
+                                    </p:set>
+                                    <p:animEffect transition="in" filter="wipe(down)">
+                                      <p:cBhvr>
+                                        <p:cTn id="21" dur="500"/>
+                                        <p:tgtEl>
+                                          <p:spTgt spid="10"/>
+                                        </p:tgtEl>
+                                      </p:cBhvr>
+                                    </p:animEffect>
+                                  </p:childTnLst>
+                                </p:cTn>
+                              </p:par>
+                              <p:par>
+                                <p:cTn id="22" presetID="22" presetClass="entr" presetSubtype="4" fill="hold" grpId="0" nodeType="withEffect">
+                                  <p:stCondLst>
+                                    <p:cond delay="250"/>
+                                  </p:stCondLst>
+                                  <p:childTnLst>
+                                    <p:set>
+                                      <p:cBhvr>
+                                        <p:cTn id="23" dur="1" fill="hold">
+                                          <p:stCondLst>
+                                            <p:cond delay="0"/>
+                                          </p:stCondLst>
+                                        </p:cTn>
+                                        <p:tgtEl>
+                                          <p:spTgt spid="25"/>
+                                        </p:tgtEl>
+                                        <p:attrNameLst>
+                                          <p:attrName>style.visibility</p:attrName>
+                                        </p:attrNameLst>
+                                      </p:cBhvr>
+                                      <p:to>
+                                        <p:strVal val="visible"/>
+                                      </p:to>
+                                    </p:set>
+                                    <p:animEffect transition="in" filter="wipe(down)">
+                                      <p:cBhvr>
+                                        <p:cTn id="24" dur="500"/>
+                                        <p:tgtEl>
+                                          <p:spTgt spid="25"/>
+                                        </p:tgtEl>
+                                      </p:cBhvr>
+                                    </p:animEffect>
+                                  </p:childTnLst>
+                                </p:cTn>
+                              </p:par>
+                              <p:par>
+                                <p:cTn id="25" presetID="22" presetClass="entr" presetSubtype="4" fill="hold" nodeType="withEffect">
+                                  <p:stCondLst>
+                                    <p:cond delay="0"/>
+                                  </p:stCondLst>
+                                  <p:childTnLst>
+                                    <p:set>
+                                      <p:cBhvr>
+                                        <p:cTn id="26" dur="1" fill="hold">
+                                          <p:stCondLst>
+                                            <p:cond delay="0"/>
+                                          </p:stCondLst>
+                                        </p:cTn>
+                                        <p:tgtEl>
+                                          <p:spTgt spid="12"/>
+                                        </p:tgtEl>
+                                        <p:attrNameLst>
+                                          <p:attrName>style.visibility</p:attrName>
+                                        </p:attrNameLst>
+                                      </p:cBhvr>
+                                      <p:to>
+                                        <p:strVal val="visible"/>
+                                      </p:to>
+                                    </p:set>
+                                    <p:animEffect transition="in" filter="wipe(down)">
+                                      <p:cBhvr>
+                                        <p:cTn id="27" dur="500"/>
+                                        <p:tgtEl>
+                                          <p:spTgt spid="12"/>
+                                        </p:tgtEl>
+                                      </p:cBhvr>
+                                    </p:animEffect>
+                                  </p:childTnLst>
+                                </p:cTn>
+                              </p:par>
+                            </p:childTnLst>
+                          </p:cTn>
+                        </p:par>
+                      </p:childTnLst>
+                    </p:cTn>
+                  </p:par>
+                </p:childTnLst>
+              </p:cTn>
+              <p:prevCondLst>
+                <p:cond evt="onPrev" delay="0">
+                  <p:tgtEl>
+                    <p:sldTgt/>
+                  </p:tgtEl>
+                </p:cond>
+              </p:prevCondLst>
+              <p:nextCondLst>
+                <p:cond evt="onNext" delay="0">
+                  <p:tgtEl>
+                    <p:sldTgt/>
+                  </p:tgtEl>
+                </p:cond>
+              </p:nextCondLst>
+            </p:seq>
+          </p:childTnLst>
+        </p:cTn>
+      </p:par>
+    </p:tnLst>
+    <p:bldLst>
+      <p:bldP spid="10" grpId="0" animBg="1"/>
+      <p:bldP spid="8" grpId="0" animBg="1"/>
+      <p:bldP spid="25" grpId="0" animBg="1"/>
+      <p:bldP spid="27" grpId="0" animBg="1"/>
+    </p:bldLst>
+  </p:timing>
 </p:sld>
 </file>
 

--- a/documents/worldMap発表資料.pptx
+++ b/documents/worldMap発表資料.pptx
@@ -5,10 +5,10 @@
     <p:sldMasterId id="2147483723" r:id="rId1"/>
   </p:sldMasterIdLst>
   <p:notesMasterIdLst>
-    <p:notesMasterId r:id="rId27"/>
+    <p:notesMasterId r:id="rId28"/>
   </p:notesMasterIdLst>
   <p:handoutMasterIdLst>
-    <p:handoutMasterId r:id="rId28"/>
+    <p:handoutMasterId r:id="rId29"/>
   </p:handoutMasterIdLst>
   <p:sldIdLst>
     <p:sldId id="296" r:id="rId2"/>
@@ -30,12 +30,13 @@
     <p:sldId id="331" r:id="rId18"/>
     <p:sldId id="325" r:id="rId19"/>
     <p:sldId id="314" r:id="rId20"/>
-    <p:sldId id="343" r:id="rId21"/>
-    <p:sldId id="342" r:id="rId22"/>
-    <p:sldId id="304" r:id="rId23"/>
-    <p:sldId id="309" r:id="rId24"/>
-    <p:sldId id="315" r:id="rId25"/>
-    <p:sldId id="335" r:id="rId26"/>
+    <p:sldId id="344" r:id="rId21"/>
+    <p:sldId id="343" r:id="rId22"/>
+    <p:sldId id="342" r:id="rId23"/>
+    <p:sldId id="304" r:id="rId24"/>
+    <p:sldId id="309" r:id="rId25"/>
+    <p:sldId id="315" r:id="rId26"/>
+    <p:sldId id="335" r:id="rId27"/>
   </p:sldIdLst>
   <p:sldSz cx="12192000" cy="6858000"/>
   <p:notesSz cx="6858000" cy="9144000"/>
@@ -1735,7 +1736,7 @@
     </p:spTree>
     <p:extLst>
       <p:ext uri="{BB962C8B-B14F-4D97-AF65-F5344CB8AC3E}">
-        <p14:creationId xmlns:p14="http://schemas.microsoft.com/office/powerpoint/2010/main" val="2766790121"/>
+        <p14:creationId xmlns:p14="http://schemas.microsoft.com/office/powerpoint/2010/main" val="4235314192"/>
       </p:ext>
     </p:extLst>
   </p:cSld>
@@ -1786,6 +1787,115 @@
         </p:nvSpPr>
         <p:spPr/>
         <p:txBody>
+          <a:bodyPr/>
+          <a:lstStyle/>
+          <a:p>
+            <a:endParaRPr kumimoji="1" lang="ja-JP" altLang="en-US" dirty="0"/>
+          </a:p>
+        </p:txBody>
+      </p:sp>
+      <p:sp>
+        <p:nvSpPr>
+          <p:cNvPr id="4" name="日付プレースホルダー 3"/>
+          <p:cNvSpPr>
+            <a:spLocks noGrp="1"/>
+          </p:cNvSpPr>
+          <p:nvPr>
+            <p:ph type="dt" idx="1"/>
+          </p:nvPr>
+        </p:nvSpPr>
+        <p:spPr/>
+        <p:txBody>
+          <a:bodyPr/>
+          <a:lstStyle/>
+          <a:p>
+            <a:fld id="{75C12AA9-855C-4BEA-B07F-DB8A0CF7ED54}" type="datetime1">
+              <a:rPr lang="ja-JP" altLang="en-US" smtClean="0"/>
+              <a:pPr/>
+              <a:t>2021/6/25</a:t>
+            </a:fld>
+            <a:endParaRPr lang="en-US" dirty="0"/>
+          </a:p>
+        </p:txBody>
+      </p:sp>
+      <p:sp>
+        <p:nvSpPr>
+          <p:cNvPr id="5" name="スライド番号プレースホルダー 4"/>
+          <p:cNvSpPr>
+            <a:spLocks noGrp="1"/>
+          </p:cNvSpPr>
+          <p:nvPr>
+            <p:ph type="sldNum" sz="quarter" idx="5"/>
+          </p:nvPr>
+        </p:nvSpPr>
+        <p:spPr/>
+        <p:txBody>
+          <a:bodyPr/>
+          <a:lstStyle/>
+          <a:p>
+            <a:fld id="{DB303FA8-A3F3-7640-B13D-36C73B3E5587}" type="slidenum">
+              <a:rPr lang="en-US" smtClean="0"/>
+              <a:pPr/>
+              <a:t>21</a:t>
+            </a:fld>
+            <a:endParaRPr lang="en-US" dirty="0"/>
+          </a:p>
+        </p:txBody>
+      </p:sp>
+    </p:spTree>
+    <p:extLst>
+      <p:ext uri="{BB962C8B-B14F-4D97-AF65-F5344CB8AC3E}">
+        <p14:creationId xmlns:p14="http://schemas.microsoft.com/office/powerpoint/2010/main" val="2766790121"/>
+      </p:ext>
+    </p:extLst>
+  </p:cSld>
+  <p:clrMapOvr>
+    <a:masterClrMapping/>
+  </p:clrMapOvr>
+</p:notes>
+</file>
+
+<file path=ppt/notesSlides/notesSlide19.xml><?xml version="1.0" encoding="utf-8"?>
+<p:notes xmlns:a="http://schemas.openxmlformats.org/drawingml/2006/main" xmlns:r="http://schemas.openxmlformats.org/officeDocument/2006/relationships" xmlns:p="http://schemas.openxmlformats.org/presentationml/2006/main">
+  <p:cSld>
+    <p:spTree>
+      <p:nvGrpSpPr>
+        <p:cNvPr id="1" name=""/>
+        <p:cNvGrpSpPr/>
+        <p:nvPr/>
+      </p:nvGrpSpPr>
+      <p:grpSpPr>
+        <a:xfrm>
+          <a:off x="0" y="0"/>
+          <a:ext cx="0" cy="0"/>
+          <a:chOff x="0" y="0"/>
+          <a:chExt cx="0" cy="0"/>
+        </a:xfrm>
+      </p:grpSpPr>
+      <p:sp>
+        <p:nvSpPr>
+          <p:cNvPr id="2" name="スライド イメージ プレースホルダー 1"/>
+          <p:cNvSpPr>
+            <a:spLocks noGrp="1" noRot="1" noChangeAspect="1"/>
+          </p:cNvSpPr>
+          <p:nvPr>
+            <p:ph type="sldImg"/>
+          </p:nvPr>
+        </p:nvSpPr>
+        <p:spPr/>
+      </p:sp>
+      <p:sp>
+        <p:nvSpPr>
+          <p:cNvPr id="3" name="ノート プレースホルダー 2"/>
+          <p:cNvSpPr>
+            <a:spLocks noGrp="1"/>
+          </p:cNvSpPr>
+          <p:nvPr>
+            <p:ph type="body" idx="1"/>
+          </p:nvPr>
+        </p:nvSpPr>
+        <p:spPr/>
+        <p:txBody>
           <a:bodyPr rtlCol="0"/>
           <a:lstStyle/>
           <a:p>
@@ -1812,7 +1922,7 @@
             <a:pPr rtl="0"/>
             <a:fld id="{DB303FA8-A3F3-7640-B13D-36C73B3E5587}" type="slidenum">
               <a:rPr lang="en-US" smtClean="0"/>
-              <a:t>21</a:t>
+              <a:t>22</a:t>
             </a:fld>
             <a:endParaRPr lang="en-US" dirty="0"/>
           </a:p>
@@ -11836,7 +11946,7 @@
         <p:spPr>
           <a:xfrm>
             <a:off x="358601" y="1349603"/>
-            <a:ext cx="11415528" cy="1150363"/>
+            <a:ext cx="11409623" cy="1150363"/>
           </a:xfrm>
           <a:prstGeom prst="rect">
             <a:avLst/>
@@ -11878,7 +11988,7 @@
                 <a:latin typeface="HGP教科書体" panose="02020600000000000000" pitchFamily="18" charset="-128"/>
                 <a:ea typeface="HGP教科書体" panose="02020600000000000000" pitchFamily="18" charset="-128"/>
               </a:rPr>
-              <a:t>目標</a:t>
+              <a:t>○○担当として</a:t>
             </a:r>
             <a:endParaRPr kumimoji="1" lang="en-US" altLang="ja-JP" sz="2000" dirty="0">
               <a:solidFill>
@@ -12105,7 +12215,7 @@
             <a:pPr rtl="0"/>
             <a:r>
               <a:rPr lang="ja-JP" altLang="en-US" sz="3200" b="0" dirty="0"/>
-              <a:t>蔭山 ゆり </a:t>
+              <a:t>姓 名 </a:t>
             </a:r>
             <a:r>
               <a:rPr lang="en-US" altLang="ja-JP" b="0" dirty="0"/>
@@ -12113,7 +12223,7 @@
             </a:r>
             <a:r>
               <a:rPr lang="ja-JP" altLang="en-US" b="0" dirty="0"/>
-              <a:t>発表担当</a:t>
+              <a:t>担当</a:t>
             </a:r>
             <a:endParaRPr lang="ja" sz="3200" b="0" dirty="0"/>
           </a:p>
@@ -12191,7 +12301,7 @@
                   </a:schemeClr>
                 </a:solidFill>
               </a:rPr>
-              <a:t>60</a:t>
+              <a:t>00</a:t>
             </a:r>
             <a:r>
               <a:rPr kumimoji="1" lang="en-US" altLang="ja-JP" sz="2000" dirty="0">
@@ -12305,8 +12415,8 @@
         </p:nvSpPr>
         <p:spPr>
           <a:xfrm>
-            <a:off x="1152773" y="1325775"/>
-            <a:ext cx="6269106" cy="1122871"/>
+            <a:off x="599052" y="1721413"/>
+            <a:ext cx="6269106" cy="648319"/>
           </a:xfrm>
           <a:prstGeom prst="rect">
             <a:avLst/>
@@ -12325,26 +12435,10 @@
               </a:lnSpc>
             </a:pPr>
             <a:r>
-              <a:rPr kumimoji="1" lang="ja-JP" altLang="en-US" sz="2400" dirty="0"/>
-              <a:t>　プログラミングにたくさんチャレンジする</a:t>
-            </a:r>
-            <a:endParaRPr kumimoji="1" lang="en-US" altLang="ja-JP" sz="2400" dirty="0"/>
-          </a:p>
-          <a:p>
-            <a:pPr>
-              <a:lnSpc>
-                <a:spcPct val="150000"/>
-              </a:lnSpc>
-            </a:pPr>
-            <a:r>
-              <a:rPr kumimoji="1" lang="en-US" altLang="ja-JP" sz="2400" dirty="0"/>
-              <a:t>	</a:t>
-            </a:r>
-            <a:r>
-              <a:rPr kumimoji="1" lang="ja-JP" altLang="en-US" sz="2400" dirty="0"/>
-              <a:t>チーム内の良い空気づくりに貢献する</a:t>
-            </a:r>
-            <a:endParaRPr kumimoji="1" lang="en-US" altLang="ja-JP" sz="2400" dirty="0"/>
+              <a:rPr kumimoji="1" lang="ja-JP" altLang="en-US" sz="2800" dirty="0"/>
+              <a:t>わわわ～</a:t>
+            </a:r>
+            <a:endParaRPr kumimoji="1" lang="en-US" altLang="ja-JP" sz="2800" dirty="0"/>
           </a:p>
         </p:txBody>
       </p:sp>
@@ -12474,7 +12568,7 @@
         </p:nvSpPr>
         <p:spPr>
           <a:xfrm>
-            <a:off x="9032874" y="1859757"/>
+            <a:off x="9771596" y="480180"/>
             <a:ext cx="1130260" cy="583800"/>
           </a:xfrm>
           <a:prstGeom prst="rect">
@@ -12528,10 +12622,10 @@
       </p:sp>
       <p:sp>
         <p:nvSpPr>
-          <p:cNvPr id="40" name="正方形/長方形 39">
-            <a:extLst>
-              <a:ext uri="{FF2B5EF4-FFF2-40B4-BE49-F238E27FC236}">
-                <a16:creationId xmlns:a16="http://schemas.microsoft.com/office/drawing/2014/main" id="{99CF4FAB-8655-42E9-B80C-81EAC462BDC5}"/>
+          <p:cNvPr id="47" name="正方形/長方形 46">
+            <a:extLst>
+              <a:ext uri="{FF2B5EF4-FFF2-40B4-BE49-F238E27FC236}">
+                <a16:creationId xmlns:a16="http://schemas.microsoft.com/office/drawing/2014/main" id="{BBA0D4CD-1DC8-48C1-90C1-A4B1861089E7}"/>
               </a:ext>
             </a:extLst>
           </p:cNvPr>
@@ -12540,76 +12634,8 @@
         </p:nvSpPr>
         <p:spPr>
           <a:xfrm>
-            <a:off x="9021453" y="1391238"/>
-            <a:ext cx="1797948" cy="507425"/>
-          </a:xfrm>
-          <a:prstGeom prst="rect">
-            <a:avLst/>
-          </a:prstGeom>
-          <a:noFill/>
-          <a:ln w="28575">
-            <a:noFill/>
-          </a:ln>
-        </p:spPr>
-        <p:style>
-          <a:lnRef idx="1">
-            <a:schemeClr val="accent4"/>
-          </a:lnRef>
-          <a:fillRef idx="3">
-            <a:schemeClr val="accent4"/>
-          </a:fillRef>
-          <a:effectRef idx="2">
-            <a:schemeClr val="accent4"/>
-          </a:effectRef>
-          <a:fontRef idx="minor">
-            <a:schemeClr val="lt1"/>
-          </a:fontRef>
-        </p:style>
-        <p:txBody>
-          <a:bodyPr rtlCol="0" anchor="ctr" anchorCtr="0"/>
-          <a:lstStyle/>
-          <a:p>
-            <a:pPr algn="ctr"/>
-            <a:r>
-              <a:rPr kumimoji="1" lang="ja-JP" altLang="en-US" sz="2800" b="1" dirty="0">
-                <a:solidFill>
-                  <a:schemeClr val="bg1">
-                    <a:lumMod val="50000"/>
-                  </a:schemeClr>
-                </a:solidFill>
-                <a:latin typeface="HGP教科書体" panose="02020600000000000000" pitchFamily="18" charset="-128"/>
-                <a:ea typeface="HGP教科書体" panose="02020600000000000000" pitchFamily="18" charset="-128"/>
-              </a:rPr>
-              <a:t>達成ならず</a:t>
-            </a:r>
-            <a:endParaRPr kumimoji="1" lang="en-US" altLang="ja-JP" sz="2800" b="1" dirty="0">
-              <a:solidFill>
-                <a:schemeClr val="bg1">
-                  <a:lumMod val="50000"/>
-                </a:schemeClr>
-              </a:solidFill>
-              <a:latin typeface="HGP教科書体" panose="02020600000000000000" pitchFamily="18" charset="-128"/>
-              <a:ea typeface="HGP教科書体" panose="02020600000000000000" pitchFamily="18" charset="-128"/>
-            </a:endParaRPr>
-          </a:p>
-        </p:txBody>
-      </p:sp>
-      <p:sp>
-        <p:nvSpPr>
-          <p:cNvPr id="47" name="正方形/長方形 46">
-            <a:extLst>
-              <a:ext uri="{FF2B5EF4-FFF2-40B4-BE49-F238E27FC236}">
-                <a16:creationId xmlns:a16="http://schemas.microsoft.com/office/drawing/2014/main" id="{BBA0D4CD-1DC8-48C1-90C1-A4B1861089E7}"/>
-              </a:ext>
-            </a:extLst>
-          </p:cNvPr>
-          <p:cNvSpPr/>
-          <p:nvPr/>
-        </p:nvSpPr>
-        <p:spPr>
-          <a:xfrm>
-            <a:off x="358601" y="2642632"/>
-            <a:ext cx="11415528" cy="2474726"/>
+            <a:off x="358601" y="2632948"/>
+            <a:ext cx="11409623" cy="2484410"/>
           </a:xfrm>
           <a:prstGeom prst="rect">
             <a:avLst/>
@@ -12651,7 +12677,7 @@
                 <a:latin typeface="HGP教科書体" panose="02020600000000000000" pitchFamily="18" charset="-128"/>
                 <a:ea typeface="HGP教科書体" panose="02020600000000000000" pitchFamily="18" charset="-128"/>
               </a:rPr>
-              <a:t>わ</a:t>
+              <a:t>一番言いたいこと</a:t>
             </a:r>
             <a:endParaRPr kumimoji="1" lang="en-US" altLang="ja-JP" sz="2000" dirty="0">
               <a:solidFill>
@@ -12660,6 +12686,46 @@
               <a:latin typeface="HGP教科書体" panose="02020600000000000000" pitchFamily="18" charset="-128"/>
               <a:ea typeface="HGP教科書体" panose="02020600000000000000" pitchFamily="18" charset="-128"/>
             </a:endParaRPr>
+          </a:p>
+        </p:txBody>
+      </p:sp>
+      <p:sp>
+        <p:nvSpPr>
+          <p:cNvPr id="48" name="テキスト ボックス 47">
+            <a:extLst>
+              <a:ext uri="{FF2B5EF4-FFF2-40B4-BE49-F238E27FC236}">
+                <a16:creationId xmlns:a16="http://schemas.microsoft.com/office/drawing/2014/main" id="{39AEC537-9EDF-4360-B24B-926D7DD5DFAF}"/>
+              </a:ext>
+            </a:extLst>
+          </p:cNvPr>
+          <p:cNvSpPr txBox="1"/>
+          <p:nvPr/>
+        </p:nvSpPr>
+        <p:spPr>
+          <a:xfrm>
+            <a:off x="725833" y="2933743"/>
+            <a:ext cx="5805596" cy="648319"/>
+          </a:xfrm>
+          <a:prstGeom prst="rect">
+            <a:avLst/>
+          </a:prstGeom>
+          <a:noFill/>
+        </p:spPr>
+        <p:txBody>
+          <a:bodyPr wrap="square" rtlCol="0">
+            <a:spAutoFit/>
+          </a:bodyPr>
+          <a:lstStyle/>
+          <a:p>
+            <a:pPr>
+              <a:lnSpc>
+                <a:spcPct val="150000"/>
+              </a:lnSpc>
+            </a:pPr>
+            <a:r>
+              <a:rPr kumimoji="1" lang="en-US" altLang="ja-JP" sz="2800" dirty="0"/>
+              <a:t>Awa~</a:t>
+            </a:r>
           </a:p>
         </p:txBody>
       </p:sp>
@@ -12987,75 +13053,6 @@
       </p:sp>
       <p:sp>
         <p:nvSpPr>
-          <p:cNvPr id="15" name="正方形/長方形 14">
-            <a:extLst>
-              <a:ext uri="{FF2B5EF4-FFF2-40B4-BE49-F238E27FC236}">
-                <a16:creationId xmlns:a16="http://schemas.microsoft.com/office/drawing/2014/main" id="{AF2861BF-3022-4976-99F4-D0D1F70589FA}"/>
-              </a:ext>
-            </a:extLst>
-          </p:cNvPr>
-          <p:cNvSpPr/>
-          <p:nvPr/>
-        </p:nvSpPr>
-        <p:spPr>
-          <a:xfrm>
-            <a:off x="358601" y="1349603"/>
-            <a:ext cx="11415528" cy="1150363"/>
-          </a:xfrm>
-          <a:prstGeom prst="rect">
-            <a:avLst/>
-          </a:prstGeom>
-          <a:solidFill>
-            <a:srgbClr val="FFFFFF"/>
-          </a:solidFill>
-          <a:ln w="28575">
-            <a:solidFill>
-              <a:schemeClr val="bg1">
-                <a:lumMod val="90000"/>
-              </a:schemeClr>
-            </a:solidFill>
-          </a:ln>
-        </p:spPr>
-        <p:style>
-          <a:lnRef idx="1">
-            <a:schemeClr val="accent4"/>
-          </a:lnRef>
-          <a:fillRef idx="3">
-            <a:schemeClr val="accent4"/>
-          </a:fillRef>
-          <a:effectRef idx="2">
-            <a:schemeClr val="accent4"/>
-          </a:effectRef>
-          <a:fontRef idx="minor">
-            <a:schemeClr val="lt1"/>
-          </a:fontRef>
-        </p:style>
-        <p:txBody>
-          <a:bodyPr rtlCol="0" anchor="t" anchorCtr="0"/>
-          <a:lstStyle/>
-          <a:p>
-            <a:r>
-              <a:rPr kumimoji="1" lang="ja-JP" altLang="en-US" sz="2000" dirty="0">
-                <a:solidFill>
-                  <a:schemeClr val="tx1"/>
-                </a:solidFill>
-                <a:latin typeface="HGP教科書体" panose="02020600000000000000" pitchFamily="18" charset="-128"/>
-                <a:ea typeface="HGP教科書体" panose="02020600000000000000" pitchFamily="18" charset="-128"/>
-              </a:rPr>
-              <a:t>目標</a:t>
-            </a:r>
-            <a:endParaRPr kumimoji="1" lang="en-US" altLang="ja-JP" sz="2000" dirty="0">
-              <a:solidFill>
-                <a:schemeClr val="tx1"/>
-              </a:solidFill>
-              <a:latin typeface="HGP教科書体" panose="02020600000000000000" pitchFamily="18" charset="-128"/>
-              <a:ea typeface="HGP教科書体" panose="02020600000000000000" pitchFamily="18" charset="-128"/>
-            </a:endParaRPr>
-          </a:p>
-        </p:txBody>
-      </p:sp>
-      <p:sp>
-        <p:nvSpPr>
           <p:cNvPr id="24" name="正方形/長方形 23">
             <a:extLst>
               <a:ext uri="{FF2B5EF4-FFF2-40B4-BE49-F238E27FC236}">
@@ -13269,7 +13266,7 @@
             <a:pPr rtl="0"/>
             <a:r>
               <a:rPr lang="ja-JP" altLang="en-US" sz="3200" b="0" dirty="0"/>
-              <a:t>姓 名 </a:t>
+              <a:t>蔭山 ゆり </a:t>
             </a:r>
             <a:r>
               <a:rPr lang="en-US" altLang="ja-JP" b="0" dirty="0"/>
@@ -13277,7 +13274,7 @@
             </a:r>
             <a:r>
               <a:rPr lang="ja-JP" altLang="en-US" b="0" dirty="0"/>
-              <a:t>担当</a:t>
+              <a:t>発表担当</a:t>
             </a:r>
             <a:endParaRPr lang="ja" sz="3200" b="0" dirty="0"/>
           </a:p>
@@ -13355,7 +13352,7 @@
                   </a:schemeClr>
                 </a:solidFill>
               </a:rPr>
-              <a:t>00</a:t>
+              <a:t>60</a:t>
             </a:r>
             <a:r>
               <a:rPr kumimoji="1" lang="en-US" altLang="ja-JP" sz="2000" dirty="0">
@@ -13455,47 +13452,6 @@
           </a:prstGeom>
         </p:spPr>
       </p:pic>
-      <p:sp>
-        <p:nvSpPr>
-          <p:cNvPr id="41" name="テキスト ボックス 40">
-            <a:extLst>
-              <a:ext uri="{FF2B5EF4-FFF2-40B4-BE49-F238E27FC236}">
-                <a16:creationId xmlns:a16="http://schemas.microsoft.com/office/drawing/2014/main" id="{F5B6F027-05F2-4C6D-AE1E-9A8D41C0E830}"/>
-              </a:ext>
-            </a:extLst>
-          </p:cNvPr>
-          <p:cNvSpPr txBox="1"/>
-          <p:nvPr/>
-        </p:nvSpPr>
-        <p:spPr>
-          <a:xfrm>
-            <a:off x="1152773" y="1325775"/>
-            <a:ext cx="6269106" cy="568874"/>
-          </a:xfrm>
-          <a:prstGeom prst="rect">
-            <a:avLst/>
-          </a:prstGeom>
-          <a:noFill/>
-        </p:spPr>
-        <p:txBody>
-          <a:bodyPr wrap="square" rtlCol="0">
-            <a:spAutoFit/>
-          </a:bodyPr>
-          <a:lstStyle/>
-          <a:p>
-            <a:pPr>
-              <a:lnSpc>
-                <a:spcPct val="150000"/>
-              </a:lnSpc>
-            </a:pPr>
-            <a:r>
-              <a:rPr kumimoji="1" lang="ja-JP" altLang="en-US" sz="2400" dirty="0"/>
-              <a:t>あ</a:t>
-            </a:r>
-            <a:endParaRPr kumimoji="1" lang="en-US" altLang="ja-JP" sz="2400" dirty="0"/>
-          </a:p>
-        </p:txBody>
-      </p:sp>
       <p:pic>
         <p:nvPicPr>
           <p:cNvPr id="42" name="グラフィックス 41" descr="ユーザー 単色塗りつぶし">
@@ -13610,6 +13566,791 @@
       </p:sp>
       <p:sp>
         <p:nvSpPr>
+          <p:cNvPr id="47" name="正方形/長方形 46">
+            <a:extLst>
+              <a:ext uri="{FF2B5EF4-FFF2-40B4-BE49-F238E27FC236}">
+                <a16:creationId xmlns:a16="http://schemas.microsoft.com/office/drawing/2014/main" id="{BBA0D4CD-1DC8-48C1-90C1-A4B1861089E7}"/>
+              </a:ext>
+            </a:extLst>
+          </p:cNvPr>
+          <p:cNvSpPr/>
+          <p:nvPr/>
+        </p:nvSpPr>
+        <p:spPr>
+          <a:xfrm>
+            <a:off x="358601" y="1377127"/>
+            <a:ext cx="11415528" cy="3740231"/>
+          </a:xfrm>
+          <a:prstGeom prst="rect">
+            <a:avLst/>
+          </a:prstGeom>
+          <a:solidFill>
+            <a:srgbClr val="FFFFFF"/>
+          </a:solidFill>
+          <a:ln w="28575">
+            <a:solidFill>
+              <a:schemeClr val="bg1">
+                <a:lumMod val="90000"/>
+              </a:schemeClr>
+            </a:solidFill>
+          </a:ln>
+        </p:spPr>
+        <p:style>
+          <a:lnRef idx="1">
+            <a:schemeClr val="accent4"/>
+          </a:lnRef>
+          <a:fillRef idx="3">
+            <a:schemeClr val="accent4"/>
+          </a:fillRef>
+          <a:effectRef idx="2">
+            <a:schemeClr val="accent4"/>
+          </a:effectRef>
+          <a:fontRef idx="minor">
+            <a:schemeClr val="lt1"/>
+          </a:fontRef>
+        </p:style>
+        <p:txBody>
+          <a:bodyPr rtlCol="0" anchor="t" anchorCtr="0"/>
+          <a:lstStyle/>
+          <a:p>
+            <a:pPr algn="ctr"/>
+            <a:r>
+              <a:rPr kumimoji="1" lang="ja-JP" altLang="en-US" sz="2400" dirty="0">
+                <a:solidFill>
+                  <a:schemeClr val="tx1"/>
+                </a:solidFill>
+                <a:latin typeface="HGP教科書体" panose="02020600000000000000" pitchFamily="18" charset="-128"/>
+                <a:ea typeface="HGP教科書体" panose="02020600000000000000" pitchFamily="18" charset="-128"/>
+              </a:rPr>
+              <a:t>フリースペース</a:t>
+            </a:r>
+            <a:endParaRPr kumimoji="1" lang="en-US" altLang="ja-JP" sz="2400" dirty="0">
+              <a:solidFill>
+                <a:schemeClr val="tx1"/>
+              </a:solidFill>
+              <a:latin typeface="HGP教科書体" panose="02020600000000000000" pitchFamily="18" charset="-128"/>
+              <a:ea typeface="HGP教科書体" panose="02020600000000000000" pitchFamily="18" charset="-128"/>
+            </a:endParaRPr>
+          </a:p>
+        </p:txBody>
+      </p:sp>
+    </p:spTree>
+    <p:extLst>
+      <p:ext uri="{BB962C8B-B14F-4D97-AF65-F5344CB8AC3E}">
+        <p14:creationId xmlns:p14="http://schemas.microsoft.com/office/powerpoint/2010/main" val="3479868107"/>
+      </p:ext>
+    </p:extLst>
+  </p:cSld>
+  <p:clrMapOvr>
+    <a:masterClrMapping/>
+  </p:clrMapOvr>
+</p:sld>
+</file>
+
+<file path=ppt/slides/slide21.xml><?xml version="1.0" encoding="utf-8"?>
+<p:sld xmlns:a="http://schemas.openxmlformats.org/drawingml/2006/main" xmlns:r="http://schemas.openxmlformats.org/officeDocument/2006/relationships" xmlns:p="http://schemas.openxmlformats.org/presentationml/2006/main">
+  <p:cSld>
+    <p:spTree>
+      <p:nvGrpSpPr>
+        <p:cNvPr id="1" name=""/>
+        <p:cNvGrpSpPr/>
+        <p:nvPr/>
+      </p:nvGrpSpPr>
+      <p:grpSpPr>
+        <a:xfrm>
+          <a:off x="0" y="0"/>
+          <a:ext cx="0" cy="0"/>
+          <a:chOff x="0" y="0"/>
+          <a:chExt cx="0" cy="0"/>
+        </a:xfrm>
+      </p:grpSpPr>
+      <p:sp>
+        <p:nvSpPr>
+          <p:cNvPr id="27" name="正方形/長方形 26">
+            <a:extLst>
+              <a:ext uri="{FF2B5EF4-FFF2-40B4-BE49-F238E27FC236}">
+                <a16:creationId xmlns:a16="http://schemas.microsoft.com/office/drawing/2014/main" id="{491FFD79-7801-41A6-8327-42B8A51BB0A0}"/>
+              </a:ext>
+            </a:extLst>
+          </p:cNvPr>
+          <p:cNvSpPr/>
+          <p:nvPr/>
+        </p:nvSpPr>
+        <p:spPr>
+          <a:xfrm>
+            <a:off x="358601" y="5253246"/>
+            <a:ext cx="8525619" cy="1380310"/>
+          </a:xfrm>
+          <a:prstGeom prst="rect">
+            <a:avLst/>
+          </a:prstGeom>
+          <a:solidFill>
+            <a:srgbClr val="FFFFFF"/>
+          </a:solidFill>
+          <a:ln w="28575">
+            <a:solidFill>
+              <a:schemeClr val="bg1">
+                <a:lumMod val="90000"/>
+              </a:schemeClr>
+            </a:solidFill>
+          </a:ln>
+        </p:spPr>
+        <p:style>
+          <a:lnRef idx="1">
+            <a:schemeClr val="accent4"/>
+          </a:lnRef>
+          <a:fillRef idx="3">
+            <a:schemeClr val="accent4"/>
+          </a:fillRef>
+          <a:effectRef idx="2">
+            <a:schemeClr val="accent4"/>
+          </a:effectRef>
+          <a:fontRef idx="minor">
+            <a:schemeClr val="lt1"/>
+          </a:fontRef>
+        </p:style>
+        <p:txBody>
+          <a:bodyPr rtlCol="0" anchor="t" anchorCtr="0"/>
+          <a:lstStyle/>
+          <a:p>
+            <a:r>
+              <a:rPr kumimoji="1" lang="ja-JP" altLang="en-US" sz="2000" dirty="0">
+                <a:solidFill>
+                  <a:schemeClr val="tx1"/>
+                </a:solidFill>
+                <a:latin typeface="HGP教科書体" panose="02020600000000000000" pitchFamily="18" charset="-128"/>
+                <a:ea typeface="HGP教科書体" panose="02020600000000000000" pitchFamily="18" charset="-128"/>
+              </a:rPr>
+              <a:t>メンバーより</a:t>
+            </a:r>
+          </a:p>
+        </p:txBody>
+      </p:sp>
+      <p:sp>
+        <p:nvSpPr>
+          <p:cNvPr id="15" name="正方形/長方形 14">
+            <a:extLst>
+              <a:ext uri="{FF2B5EF4-FFF2-40B4-BE49-F238E27FC236}">
+                <a16:creationId xmlns:a16="http://schemas.microsoft.com/office/drawing/2014/main" id="{AF2861BF-3022-4976-99F4-D0D1F70589FA}"/>
+              </a:ext>
+            </a:extLst>
+          </p:cNvPr>
+          <p:cNvSpPr/>
+          <p:nvPr/>
+        </p:nvSpPr>
+        <p:spPr>
+          <a:xfrm>
+            <a:off x="358601" y="1349603"/>
+            <a:ext cx="11415528" cy="1150363"/>
+          </a:xfrm>
+          <a:prstGeom prst="rect">
+            <a:avLst/>
+          </a:prstGeom>
+          <a:solidFill>
+            <a:srgbClr val="FFFFFF"/>
+          </a:solidFill>
+          <a:ln w="28575">
+            <a:solidFill>
+              <a:schemeClr val="bg1">
+                <a:lumMod val="90000"/>
+              </a:schemeClr>
+            </a:solidFill>
+          </a:ln>
+        </p:spPr>
+        <p:style>
+          <a:lnRef idx="1">
+            <a:schemeClr val="accent4"/>
+          </a:lnRef>
+          <a:fillRef idx="3">
+            <a:schemeClr val="accent4"/>
+          </a:fillRef>
+          <a:effectRef idx="2">
+            <a:schemeClr val="accent4"/>
+          </a:effectRef>
+          <a:fontRef idx="minor">
+            <a:schemeClr val="lt1"/>
+          </a:fontRef>
+        </p:style>
+        <p:txBody>
+          <a:bodyPr rtlCol="0" anchor="t" anchorCtr="0"/>
+          <a:lstStyle/>
+          <a:p>
+            <a:r>
+              <a:rPr kumimoji="1" lang="ja-JP" altLang="en-US" sz="2000" dirty="0">
+                <a:solidFill>
+                  <a:schemeClr val="tx1"/>
+                </a:solidFill>
+                <a:latin typeface="HGP教科書体" panose="02020600000000000000" pitchFamily="18" charset="-128"/>
+                <a:ea typeface="HGP教科書体" panose="02020600000000000000" pitchFamily="18" charset="-128"/>
+              </a:rPr>
+              <a:t>目標</a:t>
+            </a:r>
+            <a:endParaRPr kumimoji="1" lang="en-US" altLang="ja-JP" sz="2000" dirty="0">
+              <a:solidFill>
+                <a:schemeClr val="tx1"/>
+              </a:solidFill>
+              <a:latin typeface="HGP教科書体" panose="02020600000000000000" pitchFamily="18" charset="-128"/>
+              <a:ea typeface="HGP教科書体" panose="02020600000000000000" pitchFamily="18" charset="-128"/>
+            </a:endParaRPr>
+          </a:p>
+        </p:txBody>
+      </p:sp>
+      <p:sp>
+        <p:nvSpPr>
+          <p:cNvPr id="24" name="正方形/長方形 23">
+            <a:extLst>
+              <a:ext uri="{FF2B5EF4-FFF2-40B4-BE49-F238E27FC236}">
+                <a16:creationId xmlns:a16="http://schemas.microsoft.com/office/drawing/2014/main" id="{91C1B418-DC88-48F9-9F51-A0B7F6A9F741}"/>
+              </a:ext>
+            </a:extLst>
+          </p:cNvPr>
+          <p:cNvSpPr/>
+          <p:nvPr/>
+        </p:nvSpPr>
+        <p:spPr>
+          <a:xfrm>
+            <a:off x="9021453" y="5243631"/>
+            <a:ext cx="2746771" cy="1355126"/>
+          </a:xfrm>
+          <a:prstGeom prst="rect">
+            <a:avLst/>
+          </a:prstGeom>
+          <a:solidFill>
+            <a:srgbClr val="FFFFFF"/>
+          </a:solidFill>
+          <a:ln w="28575">
+            <a:solidFill>
+              <a:schemeClr val="bg1">
+                <a:lumMod val="90000"/>
+              </a:schemeClr>
+            </a:solidFill>
+          </a:ln>
+        </p:spPr>
+        <p:style>
+          <a:lnRef idx="1">
+            <a:schemeClr val="accent4"/>
+          </a:lnRef>
+          <a:fillRef idx="3">
+            <a:schemeClr val="accent4"/>
+          </a:fillRef>
+          <a:effectRef idx="2">
+            <a:schemeClr val="accent4"/>
+          </a:effectRef>
+          <a:fontRef idx="minor">
+            <a:schemeClr val="lt1"/>
+          </a:fontRef>
+        </p:style>
+        <p:txBody>
+          <a:bodyPr rtlCol="0" anchor="t" anchorCtr="0"/>
+          <a:lstStyle/>
+          <a:p>
+            <a:r>
+              <a:rPr kumimoji="1" lang="ja-JP" altLang="en-US" sz="2000" dirty="0">
+                <a:solidFill>
+                  <a:schemeClr val="tx1"/>
+                </a:solidFill>
+                <a:latin typeface="HGP教科書体" panose="02020600000000000000" pitchFamily="18" charset="-128"/>
+                <a:ea typeface="HGP教科書体" panose="02020600000000000000" pitchFamily="18" charset="-128"/>
+              </a:rPr>
+              <a:t>自己採点</a:t>
+            </a:r>
+            <a:endParaRPr kumimoji="1" lang="en-US" altLang="ja-JP" sz="2000" dirty="0">
+              <a:solidFill>
+                <a:schemeClr val="tx1"/>
+              </a:solidFill>
+              <a:latin typeface="HGP教科書体" panose="02020600000000000000" pitchFamily="18" charset="-128"/>
+              <a:ea typeface="HGP教科書体" panose="02020600000000000000" pitchFamily="18" charset="-128"/>
+            </a:endParaRPr>
+          </a:p>
+          <a:p>
+            <a:endParaRPr kumimoji="1" lang="en-US" altLang="ja-JP" sz="2000" dirty="0">
+              <a:solidFill>
+                <a:schemeClr val="tx1"/>
+              </a:solidFill>
+              <a:latin typeface="HGP教科書体" panose="02020600000000000000" pitchFamily="18" charset="-128"/>
+              <a:ea typeface="HGP教科書体" panose="02020600000000000000" pitchFamily="18" charset="-128"/>
+            </a:endParaRPr>
+          </a:p>
+        </p:txBody>
+      </p:sp>
+      <p:pic>
+        <p:nvPicPr>
+          <p:cNvPr id="22" name="グラフィックス 21" descr="ハート付きの笑顔 (塗りつぶしなし) 単色塗りつぶし">
+            <a:extLst>
+              <a:ext uri="{FF2B5EF4-FFF2-40B4-BE49-F238E27FC236}">
+                <a16:creationId xmlns:a16="http://schemas.microsoft.com/office/drawing/2014/main" id="{7DE3574C-15E9-4D20-A929-C7E2D6DE0836}"/>
+              </a:ext>
+            </a:extLst>
+          </p:cNvPr>
+          <p:cNvPicPr>
+            <a:picLocks noChangeAspect="1"/>
+          </p:cNvPicPr>
+          <p:nvPr/>
+        </p:nvPicPr>
+        <p:blipFill>
+          <a:blip r:embed="rId3">
+            <a:extLst>
+              <a:ext uri="{96DAC541-7B7A-43D3-8B79-37D633B846F1}">
+                <asvg:svgBlip xmlns:asvg="http://schemas.microsoft.com/office/drawing/2016/SVG/main" r:embed="rId4"/>
+              </a:ext>
+            </a:extLst>
+          </a:blip>
+          <a:stretch>
+            <a:fillRect/>
+          </a:stretch>
+        </p:blipFill>
+        <p:spPr>
+          <a:xfrm>
+            <a:off x="6106698" y="471586"/>
+            <a:ext cx="735351" cy="735351"/>
+          </a:xfrm>
+          <a:prstGeom prst="rect">
+            <a:avLst/>
+          </a:prstGeom>
+        </p:spPr>
+      </p:pic>
+      <p:pic>
+        <p:nvPicPr>
+          <p:cNvPr id="10" name="グラフィックス 9" descr="ニヤリとした顔 (塗りつぶしなし) 単色塗りつぶし">
+            <a:extLst>
+              <a:ext uri="{FF2B5EF4-FFF2-40B4-BE49-F238E27FC236}">
+                <a16:creationId xmlns:a16="http://schemas.microsoft.com/office/drawing/2014/main" id="{D68573FE-0FF6-4CE1-95BE-C63109EF9B20}"/>
+              </a:ext>
+            </a:extLst>
+          </p:cNvPr>
+          <p:cNvPicPr>
+            <a:picLocks noChangeAspect="1"/>
+          </p:cNvPicPr>
+          <p:nvPr/>
+        </p:nvPicPr>
+        <p:blipFill>
+          <a:blip r:embed="rId5">
+            <a:extLst>
+              <a:ext uri="{96DAC541-7B7A-43D3-8B79-37D633B846F1}">
+                <asvg:svgBlip xmlns:asvg="http://schemas.microsoft.com/office/drawing/2016/SVG/main" r:embed="rId6"/>
+              </a:ext>
+            </a:extLst>
+          </a:blip>
+          <a:stretch>
+            <a:fillRect/>
+          </a:stretch>
+        </p:blipFill>
+        <p:spPr>
+          <a:xfrm>
+            <a:off x="10901856" y="5553518"/>
+            <a:ext cx="735351" cy="735351"/>
+          </a:xfrm>
+          <a:prstGeom prst="rect">
+            <a:avLst/>
+          </a:prstGeom>
+        </p:spPr>
+      </p:pic>
+      <p:pic>
+        <p:nvPicPr>
+          <p:cNvPr id="20" name="グラフィックス 19" descr="困った顔 (塗りつぶしなし) 単色塗りつぶし">
+            <a:extLst>
+              <a:ext uri="{FF2B5EF4-FFF2-40B4-BE49-F238E27FC236}">
+                <a16:creationId xmlns:a16="http://schemas.microsoft.com/office/drawing/2014/main" id="{17D369F9-96BE-477B-A209-6B76E05CA83A}"/>
+              </a:ext>
+            </a:extLst>
+          </p:cNvPr>
+          <p:cNvPicPr>
+            <a:picLocks noChangeAspect="1"/>
+          </p:cNvPicPr>
+          <p:nvPr/>
+        </p:nvPicPr>
+        <p:blipFill>
+          <a:blip r:embed="rId7">
+            <a:extLst>
+              <a:ext uri="{96DAC541-7B7A-43D3-8B79-37D633B846F1}">
+                <asvg:svgBlip xmlns:asvg="http://schemas.microsoft.com/office/drawing/2016/SVG/main" r:embed="rId8"/>
+              </a:ext>
+            </a:extLst>
+          </a:blip>
+          <a:stretch>
+            <a:fillRect/>
+          </a:stretch>
+        </p:blipFill>
+        <p:spPr>
+          <a:xfrm>
+            <a:off x="8297523" y="471585"/>
+            <a:ext cx="735351" cy="735351"/>
+          </a:xfrm>
+          <a:prstGeom prst="rect">
+            <a:avLst/>
+          </a:prstGeom>
+        </p:spPr>
+      </p:pic>
+      <p:sp>
+        <p:nvSpPr>
+          <p:cNvPr id="21" name="タイトル 1">
+            <a:extLst>
+              <a:ext uri="{FF2B5EF4-FFF2-40B4-BE49-F238E27FC236}">
+                <a16:creationId xmlns:a16="http://schemas.microsoft.com/office/drawing/2014/main" id="{E01F4966-AC20-4CE9-B938-7DD680115297}"/>
+              </a:ext>
+            </a:extLst>
+          </p:cNvPr>
+          <p:cNvSpPr>
+            <a:spLocks noGrp="1"/>
+          </p:cNvSpPr>
+          <p:nvPr>
+            <p:ph type="title"/>
+          </p:nvPr>
+        </p:nvSpPr>
+        <p:spPr>
+          <a:xfrm>
+            <a:off x="1378975" y="483440"/>
+            <a:ext cx="10164876" cy="583800"/>
+          </a:xfrm>
+        </p:spPr>
+        <p:txBody>
+          <a:bodyPr rtlCol="0"/>
+          <a:lstStyle/>
+          <a:p>
+            <a:pPr rtl="0"/>
+            <a:r>
+              <a:rPr lang="ja-JP" altLang="en-US" sz="3200" b="0" dirty="0"/>
+              <a:t>姓 名 </a:t>
+            </a:r>
+            <a:r>
+              <a:rPr lang="en-US" altLang="ja-JP" b="0" dirty="0"/>
+              <a:t>/ </a:t>
+            </a:r>
+            <a:r>
+              <a:rPr lang="ja-JP" altLang="en-US" b="0" dirty="0"/>
+              <a:t>担当</a:t>
+            </a:r>
+            <a:endParaRPr lang="ja" sz="3200" b="0" dirty="0"/>
+          </a:p>
+        </p:txBody>
+      </p:sp>
+      <p:pic>
+        <p:nvPicPr>
+          <p:cNvPr id="23" name="グラフィックス 22" descr="地球: 南北アメリカ 単色塗りつぶし">
+            <a:extLst>
+              <a:ext uri="{FF2B5EF4-FFF2-40B4-BE49-F238E27FC236}">
+                <a16:creationId xmlns:a16="http://schemas.microsoft.com/office/drawing/2014/main" id="{12257C1A-E500-47D5-B295-0D988A417CA9}"/>
+              </a:ext>
+            </a:extLst>
+          </p:cNvPr>
+          <p:cNvPicPr>
+            <a:picLocks noChangeAspect="1"/>
+          </p:cNvPicPr>
+          <p:nvPr/>
+        </p:nvPicPr>
+        <p:blipFill>
+          <a:blip r:embed="rId9">
+            <a:extLst>
+              <a:ext uri="{96DAC541-7B7A-43D3-8B79-37D633B846F1}">
+                <asvg:svgBlip xmlns:asvg="http://schemas.microsoft.com/office/drawing/2016/SVG/main" r:embed="rId10"/>
+              </a:ext>
+            </a:extLst>
+          </a:blip>
+          <a:stretch>
+            <a:fillRect/>
+          </a:stretch>
+        </p:blipFill>
+        <p:spPr>
+          <a:xfrm>
+            <a:off x="599052" y="385379"/>
+            <a:ext cx="779922" cy="779922"/>
+          </a:xfrm>
+          <a:prstGeom prst="rect">
+            <a:avLst/>
+          </a:prstGeom>
+        </p:spPr>
+      </p:pic>
+      <p:sp>
+        <p:nvSpPr>
+          <p:cNvPr id="5" name="テキスト ボックス 4">
+            <a:extLst>
+              <a:ext uri="{FF2B5EF4-FFF2-40B4-BE49-F238E27FC236}">
+                <a16:creationId xmlns:a16="http://schemas.microsoft.com/office/drawing/2014/main" id="{AEC5C30F-A5DC-43EA-8BB6-49AA01310E81}"/>
+              </a:ext>
+            </a:extLst>
+          </p:cNvPr>
+          <p:cNvSpPr txBox="1"/>
+          <p:nvPr/>
+        </p:nvSpPr>
+        <p:spPr>
+          <a:xfrm>
+            <a:off x="9174888" y="5666506"/>
+            <a:ext cx="1644513" cy="769441"/>
+          </a:xfrm>
+          <a:prstGeom prst="rect">
+            <a:avLst/>
+          </a:prstGeom>
+          <a:noFill/>
+        </p:spPr>
+        <p:txBody>
+          <a:bodyPr wrap="square" rtlCol="0">
+            <a:spAutoFit/>
+          </a:bodyPr>
+          <a:lstStyle/>
+          <a:p>
+            <a:r>
+              <a:rPr kumimoji="1" lang="en-US" altLang="ja-JP" sz="4400" dirty="0">
+                <a:solidFill>
+                  <a:schemeClr val="accent3">
+                    <a:lumMod val="50000"/>
+                  </a:schemeClr>
+                </a:solidFill>
+              </a:rPr>
+              <a:t>00</a:t>
+            </a:r>
+            <a:r>
+              <a:rPr kumimoji="1" lang="en-US" altLang="ja-JP" sz="2000" dirty="0">
+                <a:solidFill>
+                  <a:schemeClr val="accent3">
+                    <a:lumMod val="50000"/>
+                  </a:schemeClr>
+                </a:solidFill>
+              </a:rPr>
+              <a:t> </a:t>
+            </a:r>
+            <a:r>
+              <a:rPr kumimoji="1" lang="en-US" altLang="ja-JP" sz="2000" dirty="0">
+                <a:solidFill>
+                  <a:srgbClr val="929292"/>
+                </a:solidFill>
+              </a:rPr>
+              <a:t>/ 100</a:t>
+            </a:r>
+            <a:endParaRPr kumimoji="1" lang="ja-JP" altLang="en-US" sz="2000" dirty="0">
+              <a:solidFill>
+                <a:srgbClr val="929292"/>
+              </a:solidFill>
+            </a:endParaRPr>
+          </a:p>
+        </p:txBody>
+      </p:sp>
+      <p:pic>
+        <p:nvPicPr>
+          <p:cNvPr id="31" name="グラフィックス 30" descr="目が回った顔 (塗りつぶしなし) 単色塗りつぶし">
+            <a:extLst>
+              <a:ext uri="{FF2B5EF4-FFF2-40B4-BE49-F238E27FC236}">
+                <a16:creationId xmlns:a16="http://schemas.microsoft.com/office/drawing/2014/main" id="{8E39D110-D9B4-4719-84D6-44AA20793FE8}"/>
+              </a:ext>
+            </a:extLst>
+          </p:cNvPr>
+          <p:cNvPicPr>
+            <a:picLocks noChangeAspect="1"/>
+          </p:cNvPicPr>
+          <p:nvPr/>
+        </p:nvPicPr>
+        <p:blipFill>
+          <a:blip r:embed="rId11">
+            <a:extLst>
+              <a:ext uri="{96DAC541-7B7A-43D3-8B79-37D633B846F1}">
+                <asvg:svgBlip xmlns:asvg="http://schemas.microsoft.com/office/drawing/2016/SVG/main" r:embed="rId12"/>
+              </a:ext>
+            </a:extLst>
+          </a:blip>
+          <a:stretch>
+            <a:fillRect/>
+          </a:stretch>
+        </p:blipFill>
+        <p:spPr>
+          <a:xfrm>
+            <a:off x="9021453" y="479347"/>
+            <a:ext cx="735351" cy="735351"/>
+          </a:xfrm>
+          <a:prstGeom prst="rect">
+            <a:avLst/>
+          </a:prstGeom>
+        </p:spPr>
+      </p:pic>
+      <p:pic>
+        <p:nvPicPr>
+          <p:cNvPr id="36" name="グラフィックス 35" descr="無表情な顔 (塗りつぶしなし) 単色塗りつぶし">
+            <a:extLst>
+              <a:ext uri="{FF2B5EF4-FFF2-40B4-BE49-F238E27FC236}">
+                <a16:creationId xmlns:a16="http://schemas.microsoft.com/office/drawing/2014/main" id="{1EA1EA56-EAD2-4274-AC28-BDC5780DFB69}"/>
+              </a:ext>
+            </a:extLst>
+          </p:cNvPr>
+          <p:cNvPicPr>
+            <a:picLocks noChangeAspect="1"/>
+          </p:cNvPicPr>
+          <p:nvPr/>
+        </p:nvPicPr>
+        <p:blipFill>
+          <a:blip r:embed="rId13">
+            <a:extLst>
+              <a:ext uri="{96DAC541-7B7A-43D3-8B79-37D633B846F1}">
+                <asvg:svgBlip xmlns:asvg="http://schemas.microsoft.com/office/drawing/2016/SVG/main" r:embed="rId14"/>
+              </a:ext>
+            </a:extLst>
+          </a:blip>
+          <a:stretch>
+            <a:fillRect/>
+          </a:stretch>
+        </p:blipFill>
+        <p:spPr>
+          <a:xfrm>
+            <a:off x="7569786" y="471586"/>
+            <a:ext cx="735351" cy="735351"/>
+          </a:xfrm>
+          <a:prstGeom prst="rect">
+            <a:avLst/>
+          </a:prstGeom>
+        </p:spPr>
+      </p:pic>
+      <p:sp>
+        <p:nvSpPr>
+          <p:cNvPr id="41" name="テキスト ボックス 40">
+            <a:extLst>
+              <a:ext uri="{FF2B5EF4-FFF2-40B4-BE49-F238E27FC236}">
+                <a16:creationId xmlns:a16="http://schemas.microsoft.com/office/drawing/2014/main" id="{F5B6F027-05F2-4C6D-AE1E-9A8D41C0E830}"/>
+              </a:ext>
+            </a:extLst>
+          </p:cNvPr>
+          <p:cNvSpPr txBox="1"/>
+          <p:nvPr/>
+        </p:nvSpPr>
+        <p:spPr>
+          <a:xfrm>
+            <a:off x="1152773" y="1325775"/>
+            <a:ext cx="6269106" cy="568874"/>
+          </a:xfrm>
+          <a:prstGeom prst="rect">
+            <a:avLst/>
+          </a:prstGeom>
+          <a:noFill/>
+        </p:spPr>
+        <p:txBody>
+          <a:bodyPr wrap="square" rtlCol="0">
+            <a:spAutoFit/>
+          </a:bodyPr>
+          <a:lstStyle/>
+          <a:p>
+            <a:pPr>
+              <a:lnSpc>
+                <a:spcPct val="150000"/>
+              </a:lnSpc>
+            </a:pPr>
+            <a:r>
+              <a:rPr kumimoji="1" lang="ja-JP" altLang="en-US" sz="2400" dirty="0"/>
+              <a:t>あ</a:t>
+            </a:r>
+            <a:endParaRPr kumimoji="1" lang="en-US" altLang="ja-JP" sz="2400" dirty="0"/>
+          </a:p>
+        </p:txBody>
+      </p:sp>
+      <p:pic>
+        <p:nvPicPr>
+          <p:cNvPr id="42" name="グラフィックス 41" descr="ユーザー 単色塗りつぶし">
+            <a:extLst>
+              <a:ext uri="{FF2B5EF4-FFF2-40B4-BE49-F238E27FC236}">
+                <a16:creationId xmlns:a16="http://schemas.microsoft.com/office/drawing/2014/main" id="{6CF699F4-CF46-4C02-B200-2B6D830D8BCA}"/>
+              </a:ext>
+            </a:extLst>
+          </p:cNvPr>
+          <p:cNvPicPr>
+            <a:picLocks noChangeAspect="1"/>
+          </p:cNvPicPr>
+          <p:nvPr/>
+        </p:nvPicPr>
+        <p:blipFill>
+          <a:blip r:embed="rId15">
+            <a:extLst>
+              <a:ext uri="{96DAC541-7B7A-43D3-8B79-37D633B846F1}">
+                <asvg:svgBlip xmlns:asvg="http://schemas.microsoft.com/office/drawing/2016/SVG/main" r:embed="rId16"/>
+              </a:ext>
+            </a:extLst>
+          </a:blip>
+          <a:stretch>
+            <a:fillRect/>
+          </a:stretch>
+        </p:blipFill>
+        <p:spPr>
+          <a:xfrm>
+            <a:off x="599052" y="5567159"/>
+            <a:ext cx="1055042" cy="1055042"/>
+          </a:xfrm>
+          <a:prstGeom prst="rect">
+            <a:avLst/>
+          </a:prstGeom>
+        </p:spPr>
+      </p:pic>
+      <p:sp>
+        <p:nvSpPr>
+          <p:cNvPr id="44" name="吹き出し: 角を丸めた四角形 43">
+            <a:extLst>
+              <a:ext uri="{FF2B5EF4-FFF2-40B4-BE49-F238E27FC236}">
+                <a16:creationId xmlns:a16="http://schemas.microsoft.com/office/drawing/2014/main" id="{DDF871A6-0182-4065-B082-728552ACEB4C}"/>
+              </a:ext>
+            </a:extLst>
+          </p:cNvPr>
+          <p:cNvSpPr/>
+          <p:nvPr/>
+        </p:nvSpPr>
+        <p:spPr>
+          <a:xfrm>
+            <a:off x="2430054" y="5389134"/>
+            <a:ext cx="5875083" cy="1108534"/>
+          </a:xfrm>
+          <a:prstGeom prst="wedgeRoundRectCallout">
+            <a:avLst>
+              <a:gd name="adj1" fmla="val -60539"/>
+              <a:gd name="adj2" fmla="val 22806"/>
+              <a:gd name="adj3" fmla="val 16667"/>
+            </a:avLst>
+          </a:prstGeom>
+          <a:solidFill>
+            <a:srgbClr val="FEFBF5"/>
+          </a:solidFill>
+          <a:ln w="28575">
+            <a:solidFill>
+              <a:schemeClr val="bg2">
+                <a:lumMod val="75000"/>
+              </a:schemeClr>
+            </a:solidFill>
+          </a:ln>
+        </p:spPr>
+        <p:style>
+          <a:lnRef idx="2">
+            <a:schemeClr val="accent1">
+              <a:shade val="50000"/>
+            </a:schemeClr>
+          </a:lnRef>
+          <a:fillRef idx="1">
+            <a:schemeClr val="accent1"/>
+          </a:fillRef>
+          <a:effectRef idx="0">
+            <a:schemeClr val="accent1"/>
+          </a:effectRef>
+          <a:fontRef idx="minor">
+            <a:schemeClr val="lt1"/>
+          </a:fontRef>
+        </p:style>
+        <p:txBody>
+          <a:bodyPr rtlCol="0" anchor="ctr"/>
+          <a:lstStyle/>
+          <a:p>
+            <a:pPr algn="ctr">
+              <a:lnSpc>
+                <a:spcPct val="150000"/>
+              </a:lnSpc>
+            </a:pPr>
+            <a:r>
+              <a:rPr kumimoji="1" lang="ja-JP" altLang="en-US" dirty="0">
+                <a:solidFill>
+                  <a:sysClr val="windowText" lastClr="000000"/>
+                </a:solidFill>
+              </a:rPr>
+              <a:t>わわ</a:t>
+            </a:r>
+            <a:endParaRPr kumimoji="1" lang="en-US" altLang="ja-JP" dirty="0">
+              <a:solidFill>
+                <a:sysClr val="windowText" lastClr="000000"/>
+              </a:solidFill>
+            </a:endParaRPr>
+          </a:p>
+        </p:txBody>
+      </p:sp>
+      <p:sp>
+        <p:nvSpPr>
           <p:cNvPr id="46" name="正方形/長方形 45">
             <a:extLst>
               <a:ext uri="{FF2B5EF4-FFF2-40B4-BE49-F238E27FC236}">
@@ -13865,7 +14606,7 @@
 </p:sld>
 </file>
 
-<file path=ppt/slides/slide21.xml><?xml version="1.0" encoding="utf-8"?>
+<file path=ppt/slides/slide22.xml><?xml version="1.0" encoding="utf-8"?>
 <p:sld xmlns:a="http://schemas.openxmlformats.org/drawingml/2006/main" xmlns:r="http://schemas.openxmlformats.org/officeDocument/2006/relationships" xmlns:p="http://schemas.openxmlformats.org/presentationml/2006/main">
   <p:cSld>
     <p:spTree>
@@ -14068,7 +14809,7 @@
 </p:sld>
 </file>
 
-<file path=ppt/slides/slide22.xml><?xml version="1.0" encoding="utf-8"?>
+<file path=ppt/slides/slide23.xml><?xml version="1.0" encoding="utf-8"?>
 <p:sld xmlns:a="http://schemas.openxmlformats.org/drawingml/2006/main" xmlns:r="http://schemas.openxmlformats.org/officeDocument/2006/relationships" xmlns:p="http://schemas.openxmlformats.org/presentationml/2006/main">
   <p:cSld>
     <p:spTree>
@@ -14379,7 +15120,7 @@
 </p:sld>
 </file>
 
-<file path=ppt/slides/slide23.xml><?xml version="1.0" encoding="utf-8"?>
+<file path=ppt/slides/slide24.xml><?xml version="1.0" encoding="utf-8"?>
 <p:sld xmlns:a="http://schemas.openxmlformats.org/drawingml/2006/main" xmlns:r="http://schemas.openxmlformats.org/officeDocument/2006/relationships" xmlns:p="http://schemas.openxmlformats.org/presentationml/2006/main" show="0">
   <p:cSld>
     <p:spTree>
@@ -15678,7 +16419,7 @@
 </p:sld>
 </file>
 
-<file path=ppt/slides/slide24.xml><?xml version="1.0" encoding="utf-8"?>
+<file path=ppt/slides/slide25.xml><?xml version="1.0" encoding="utf-8"?>
 <p:sld xmlns:a="http://schemas.openxmlformats.org/drawingml/2006/main" xmlns:r="http://schemas.openxmlformats.org/officeDocument/2006/relationships" xmlns:p="http://schemas.openxmlformats.org/presentationml/2006/main" show="0">
   <p:cSld>
     <p:spTree>
@@ -15983,7 +16724,7 @@
 </p:sld>
 </file>
 
-<file path=ppt/slides/slide25.xml><?xml version="1.0" encoding="utf-8"?>
+<file path=ppt/slides/slide26.xml><?xml version="1.0" encoding="utf-8"?>
 <p:sld xmlns:a="http://schemas.openxmlformats.org/drawingml/2006/main" xmlns:r="http://schemas.openxmlformats.org/officeDocument/2006/relationships" xmlns:p="http://schemas.openxmlformats.org/presentationml/2006/main" show="0">
   <p:cSld>
     <p:spTree>

--- a/documents/worldMap発表資料.pptx
+++ b/documents/worldMap発表資料.pptx
@@ -5,10 +5,10 @@
     <p:sldMasterId id="2147483723" r:id="rId1"/>
   </p:sldMasterIdLst>
   <p:notesMasterIdLst>
-    <p:notesMasterId r:id="rId28"/>
+    <p:notesMasterId r:id="rId29"/>
   </p:notesMasterIdLst>
   <p:handoutMasterIdLst>
-    <p:handoutMasterId r:id="rId29"/>
+    <p:handoutMasterId r:id="rId30"/>
   </p:handoutMasterIdLst>
   <p:sldIdLst>
     <p:sldId id="296" r:id="rId2"/>
@@ -37,6 +37,7 @@
     <p:sldId id="309" r:id="rId25"/>
     <p:sldId id="315" r:id="rId26"/>
     <p:sldId id="335" r:id="rId27"/>
+    <p:sldId id="345" r:id="rId28"/>
   </p:sldIdLst>
   <p:sldSz cx="12192000" cy="6858000"/>
   <p:notesSz cx="6858000" cy="9144000"/>
@@ -12973,7 +12974,7 @@
 </file>
 
 <file path=ppt/slides/slide20.xml><?xml version="1.0" encoding="utf-8"?>
-<p:sld xmlns:a="http://schemas.openxmlformats.org/drawingml/2006/main" xmlns:r="http://schemas.openxmlformats.org/officeDocument/2006/relationships" xmlns:p="http://schemas.openxmlformats.org/presentationml/2006/main">
+<p:sld xmlns:a="http://schemas.openxmlformats.org/drawingml/2006/main" xmlns:r="http://schemas.openxmlformats.org/officeDocument/2006/relationships" xmlns:p="http://schemas.openxmlformats.org/presentationml/2006/main" show="0">
   <p:cSld>
     <p:spTree>
       <p:nvGrpSpPr>
@@ -13648,7 +13649,7 @@
 </file>
 
 <file path=ppt/slides/slide21.xml><?xml version="1.0" encoding="utf-8"?>
-<p:sld xmlns:a="http://schemas.openxmlformats.org/drawingml/2006/main" xmlns:r="http://schemas.openxmlformats.org/officeDocument/2006/relationships" xmlns:p="http://schemas.openxmlformats.org/presentationml/2006/main">
+<p:sld xmlns:a="http://schemas.openxmlformats.org/drawingml/2006/main" xmlns:r="http://schemas.openxmlformats.org/officeDocument/2006/relationships" xmlns:p="http://schemas.openxmlformats.org/presentationml/2006/main" show="0">
   <p:cSld>
     <p:spTree>
       <p:nvGrpSpPr>
@@ -16817,6 +16818,9 @@
           <a:lstStyle/>
           <a:p>
             <a:pPr marL="0" indent="0">
+              <a:lnSpc>
+                <a:spcPct val="100000"/>
+              </a:lnSpc>
               <a:buNone/>
             </a:pPr>
             <a:r>
@@ -16827,22 +16831,109 @@
           </a:p>
           <a:p>
             <a:pPr marL="0" indent="0">
+              <a:lnSpc>
+                <a:spcPct val="100000"/>
+              </a:lnSpc>
+              <a:buNone/>
+            </a:pPr>
+            <a:r>
+              <a:rPr lang="ja-JP" altLang="en-US" dirty="0"/>
+              <a:t>原因と結果　原因が弱い</a:t>
+            </a:r>
+            <a:endParaRPr lang="en-US" altLang="ja-JP" dirty="0"/>
+          </a:p>
+          <a:p>
+            <a:pPr marL="0" indent="0">
+              <a:lnSpc>
+                <a:spcPct val="100000"/>
+              </a:lnSpc>
+              <a:buNone/>
+            </a:pPr>
+            <a:r>
+              <a:rPr lang="ja-JP" altLang="en-US" dirty="0"/>
+              <a:t>他チームを蹴落とす内容を挟んでもいい「質問アプリなんて～」</a:t>
+            </a:r>
+            <a:endParaRPr lang="en-US" altLang="ja-JP" dirty="0"/>
+          </a:p>
+          <a:p>
+            <a:pPr marL="0" indent="0">
+              <a:lnSpc>
+                <a:spcPct val="100000"/>
+              </a:lnSpc>
+              <a:buNone/>
+            </a:pPr>
+            <a:r>
+              <a:rPr lang="ja-JP" altLang="en-US" dirty="0"/>
+              <a:t>質問だけならスラックでもええやん</a:t>
+            </a:r>
+            <a:endParaRPr lang="en-US" altLang="ja-JP" dirty="0"/>
+          </a:p>
+          <a:p>
+            <a:pPr marL="0" indent="0">
+              <a:lnSpc>
+                <a:spcPct val="100000"/>
+              </a:lnSpc>
               <a:buNone/>
             </a:pPr>
             <a:endParaRPr lang="en-US" altLang="ja-JP" dirty="0"/>
           </a:p>
           <a:p>
             <a:pPr marL="0" indent="0">
+              <a:lnSpc>
+                <a:spcPct val="100000"/>
+              </a:lnSpc>
               <a:buNone/>
             </a:pPr>
             <a:r>
               <a:rPr lang="ja-JP" altLang="en-US" dirty="0"/>
-              <a:t>原因と結果　原因が弱い</a:t>
+              <a:t>ノートにした理由</a:t>
             </a:r>
             <a:endParaRPr lang="en-US" altLang="ja-JP" dirty="0"/>
           </a:p>
           <a:p>
             <a:pPr marL="0" indent="0">
+              <a:lnSpc>
+                <a:spcPct val="100000"/>
+              </a:lnSpc>
+              <a:buNone/>
+            </a:pPr>
+            <a:r>
+              <a:rPr lang="ja-JP" altLang="en-US" dirty="0"/>
+              <a:t>・相互コミュニケーションがないのでハードル低い　質問する前のステップとして活用</a:t>
+            </a:r>
+            <a:endParaRPr lang="en-US" altLang="ja-JP" dirty="0"/>
+          </a:p>
+          <a:p>
+            <a:pPr marL="0" indent="0">
+              <a:lnSpc>
+                <a:spcPct val="100000"/>
+              </a:lnSpc>
+              <a:buNone/>
+            </a:pPr>
+            <a:r>
+              <a:rPr lang="ja-JP" altLang="en-US" dirty="0"/>
+              <a:t>・自分じゃ気づかなかったけど言われてみれば！の発見にも役立つ</a:t>
+            </a:r>
+            <a:endParaRPr lang="en-US" altLang="ja-JP" dirty="0"/>
+          </a:p>
+          <a:p>
+            <a:pPr marL="0" indent="0">
+              <a:lnSpc>
+                <a:spcPct val="100000"/>
+              </a:lnSpc>
+              <a:buNone/>
+            </a:pPr>
+            <a:r>
+              <a:rPr lang="ja-JP" altLang="en-US" dirty="0"/>
+              <a:t>・</a:t>
+            </a:r>
+            <a:endParaRPr lang="en-US" altLang="ja-JP" dirty="0"/>
+          </a:p>
+          <a:p>
+            <a:pPr marL="0" indent="0">
+              <a:lnSpc>
+                <a:spcPct val="100000"/>
+              </a:lnSpc>
               <a:buNone/>
             </a:pPr>
             <a:endParaRPr lang="en-US" altLang="ja-JP" dirty="0"/>
@@ -16853,6 +16944,362 @@
     <p:extLst>
       <p:ext uri="{BB962C8B-B14F-4D97-AF65-F5344CB8AC3E}">
         <p14:creationId xmlns:p14="http://schemas.microsoft.com/office/powerpoint/2010/main" val="532303304"/>
+      </p:ext>
+    </p:extLst>
+  </p:cSld>
+  <p:clrMapOvr>
+    <a:masterClrMapping/>
+  </p:clrMapOvr>
+</p:sld>
+</file>
+
+<file path=ppt/slides/slide27.xml><?xml version="1.0" encoding="utf-8"?>
+<p:sld xmlns:a="http://schemas.openxmlformats.org/drawingml/2006/main" xmlns:r="http://schemas.openxmlformats.org/officeDocument/2006/relationships" xmlns:p="http://schemas.openxmlformats.org/presentationml/2006/main" show="0">
+  <p:cSld>
+    <p:spTree>
+      <p:nvGrpSpPr>
+        <p:cNvPr id="1" name=""/>
+        <p:cNvGrpSpPr/>
+        <p:nvPr/>
+      </p:nvGrpSpPr>
+      <p:grpSpPr>
+        <a:xfrm>
+          <a:off x="0" y="0"/>
+          <a:ext cx="0" cy="0"/>
+          <a:chOff x="0" y="0"/>
+          <a:chExt cx="0" cy="0"/>
+        </a:xfrm>
+      </p:grpSpPr>
+      <p:sp>
+        <p:nvSpPr>
+          <p:cNvPr id="2" name="日付プレースホルダー 1">
+            <a:extLst>
+              <a:ext uri="{FF2B5EF4-FFF2-40B4-BE49-F238E27FC236}">
+                <a16:creationId xmlns:a16="http://schemas.microsoft.com/office/drawing/2014/main" id="{3F35A2AA-D257-4703-B38F-63A2987199FA}"/>
+              </a:ext>
+            </a:extLst>
+          </p:cNvPr>
+          <p:cNvSpPr>
+            <a:spLocks noGrp="1"/>
+          </p:cNvSpPr>
+          <p:nvPr>
+            <p:ph type="dt" sz="half" idx="10"/>
+          </p:nvPr>
+        </p:nvSpPr>
+        <p:spPr/>
+        <p:txBody>
+          <a:bodyPr/>
+          <a:lstStyle/>
+          <a:p>
+            <a:fld id="{A2C8279F-4F17-4988-81F9-6030F363FD13}" type="datetime1">
+              <a:rPr lang="ja-JP" altLang="en-US" smtClean="0"/>
+              <a:t>2021/6/25</a:t>
+            </a:fld>
+            <a:endParaRPr lang="en-US" dirty="0"/>
+          </a:p>
+        </p:txBody>
+      </p:sp>
+      <p:sp>
+        <p:nvSpPr>
+          <p:cNvPr id="3" name="タイトル 2">
+            <a:extLst>
+              <a:ext uri="{FF2B5EF4-FFF2-40B4-BE49-F238E27FC236}">
+                <a16:creationId xmlns:a16="http://schemas.microsoft.com/office/drawing/2014/main" id="{F31681CE-1577-499A-A6FF-63FB6C4A5151}"/>
+              </a:ext>
+            </a:extLst>
+          </p:cNvPr>
+          <p:cNvSpPr>
+            <a:spLocks noGrp="1"/>
+          </p:cNvSpPr>
+          <p:nvPr>
+            <p:ph type="title"/>
+          </p:nvPr>
+        </p:nvSpPr>
+        <p:spPr/>
+        <p:txBody>
+          <a:bodyPr/>
+          <a:lstStyle/>
+          <a:p>
+            <a:endParaRPr kumimoji="1" lang="ja-JP" altLang="en-US"/>
+          </a:p>
+        </p:txBody>
+      </p:sp>
+      <p:sp>
+        <p:nvSpPr>
+          <p:cNvPr id="4" name="コンテンツ プレースホルダー 3">
+            <a:extLst>
+              <a:ext uri="{FF2B5EF4-FFF2-40B4-BE49-F238E27FC236}">
+                <a16:creationId xmlns:a16="http://schemas.microsoft.com/office/drawing/2014/main" id="{D82C6B04-394C-4AFD-9579-A639D735AB46}"/>
+              </a:ext>
+            </a:extLst>
+          </p:cNvPr>
+          <p:cNvSpPr>
+            <a:spLocks noGrp="1"/>
+          </p:cNvSpPr>
+          <p:nvPr>
+            <p:ph sz="quarter" idx="13"/>
+          </p:nvPr>
+        </p:nvSpPr>
+        <p:spPr/>
+        <p:txBody>
+          <a:bodyPr/>
+          <a:lstStyle/>
+          <a:p>
+            <a:pPr marL="0" indent="0">
+              <a:lnSpc>
+                <a:spcPct val="100000"/>
+              </a:lnSpc>
+              <a:buNone/>
+            </a:pPr>
+            <a:r>
+              <a:rPr lang="en-US" altLang="ja-JP" b="0" i="0" dirty="0">
+                <a:solidFill>
+                  <a:srgbClr val="1D1C1D"/>
+                </a:solidFill>
+                <a:effectLst/>
+                <a:latin typeface="NotoSansJP"/>
+              </a:rPr>
+              <a:t>a4</a:t>
+            </a:r>
+            <a:br>
+              <a:rPr lang="ja-JP" altLang="en-US" dirty="0"/>
+            </a:br>
+            <a:r>
+              <a:rPr lang="ja-JP" altLang="en-US" b="0" i="0" dirty="0">
+                <a:solidFill>
+                  <a:srgbClr val="1D1C1D"/>
+                </a:solidFill>
+                <a:effectLst/>
+                <a:latin typeface="NotoSansJP"/>
+              </a:rPr>
+              <a:t>システムについて</a:t>
+            </a:r>
+            <a:br>
+              <a:rPr lang="ja-JP" altLang="en-US" dirty="0"/>
+            </a:br>
+            <a:r>
+              <a:rPr lang="ja-JP" altLang="en-US" b="0" i="0" dirty="0">
+                <a:solidFill>
+                  <a:srgbClr val="1D1C1D"/>
+                </a:solidFill>
+                <a:effectLst/>
+                <a:latin typeface="NotoSansJP"/>
+              </a:rPr>
+              <a:t>コンセプト保留デモンストレーション</a:t>
+            </a:r>
+            <a:br>
+              <a:rPr lang="ja-JP" altLang="en-US" dirty="0"/>
+            </a:br>
+            <a:r>
+              <a:rPr lang="ja-JP" altLang="en-US" b="0" i="0" dirty="0">
+                <a:solidFill>
+                  <a:srgbClr val="1D1C1D"/>
+                </a:solidFill>
+                <a:effectLst/>
+                <a:latin typeface="NotoSansJP"/>
+              </a:rPr>
+              <a:t>もちろん、ユーザーの登録や、パスワード忘れの機能も常備してます。</a:t>
+            </a:r>
+            <a:br>
+              <a:rPr lang="ja-JP" altLang="en-US" dirty="0"/>
+            </a:br>
+            <a:r>
+              <a:rPr lang="ja-JP" altLang="en-US" b="0" i="0" dirty="0">
+                <a:solidFill>
+                  <a:srgbClr val="1D1C1D"/>
+                </a:solidFill>
+                <a:effectLst/>
+                <a:latin typeface="NotoSansJP"/>
+              </a:rPr>
+              <a:t>画像の反映に時間がかかるのであれば、そこは話で少しつなごう</a:t>
+            </a:r>
+            <a:br>
+              <a:rPr lang="ja-JP" altLang="en-US" dirty="0"/>
+            </a:br>
+            <a:r>
+              <a:rPr lang="ja-JP" altLang="en-US" b="0" i="0" dirty="0">
+                <a:solidFill>
+                  <a:srgbClr val="1D1C1D"/>
+                </a:solidFill>
+                <a:effectLst/>
+                <a:latin typeface="NotoSansJP"/>
+              </a:rPr>
+              <a:t>高いものがいいものとは限らないので、視野を広げてみてもらうため</a:t>
+            </a:r>
+            <a:br>
+              <a:rPr lang="ja-JP" altLang="en-US" dirty="0"/>
+            </a:br>
+            <a:r>
+              <a:rPr lang="ja-JP" altLang="en-US" b="0" i="0" dirty="0">
+                <a:solidFill>
+                  <a:srgbClr val="1D1C1D"/>
+                </a:solidFill>
+                <a:effectLst/>
+                <a:latin typeface="NotoSansJP"/>
+              </a:rPr>
+              <a:t>難しい機能なのに、難しさがあまり伝わらない</a:t>
+            </a:r>
+            <a:br>
+              <a:rPr lang="ja-JP" altLang="en-US" dirty="0"/>
+            </a:br>
+            <a:r>
+              <a:rPr lang="en-US" altLang="ja-JP" b="0" i="0" dirty="0">
+                <a:solidFill>
+                  <a:srgbClr val="1D1C1D"/>
+                </a:solidFill>
+                <a:effectLst/>
+                <a:latin typeface="NotoSansJP"/>
+              </a:rPr>
+              <a:t>ajax</a:t>
+            </a:r>
+            <a:r>
+              <a:rPr lang="ja-JP" altLang="en-US" b="0" i="0" dirty="0">
+                <a:solidFill>
+                  <a:srgbClr val="1D1C1D"/>
+                </a:solidFill>
+                <a:effectLst/>
+                <a:latin typeface="NotoSansJP"/>
+              </a:rPr>
+              <a:t>筆頭に習っていない知識があるという部分を強調システムについて</a:t>
+            </a:r>
+            <a:br>
+              <a:rPr lang="ja-JP" altLang="en-US" dirty="0"/>
+            </a:br>
+            <a:r>
+              <a:rPr lang="ja-JP" altLang="en-US" b="0" i="0" dirty="0">
+                <a:solidFill>
+                  <a:srgbClr val="1D1C1D"/>
+                </a:solidFill>
+                <a:effectLst/>
+                <a:latin typeface="NotoSansJP"/>
+              </a:rPr>
+              <a:t>一般の人は、ノートを共有する意味を知らない。</a:t>
+            </a:r>
+            <a:br>
+              <a:rPr lang="ja-JP" altLang="en-US" dirty="0"/>
+            </a:br>
+            <a:r>
+              <a:rPr lang="ja-JP" altLang="en-US" b="0" i="0" dirty="0">
+                <a:solidFill>
+                  <a:srgbClr val="1D1C1D"/>
+                </a:solidFill>
+                <a:effectLst/>
+                <a:latin typeface="NotoSansJP"/>
+              </a:rPr>
+              <a:t>そういう学びがあったのか</a:t>
+            </a:r>
+            <a:br>
+              <a:rPr lang="ja-JP" altLang="en-US" dirty="0"/>
+            </a:br>
+            <a:r>
+              <a:rPr lang="ja-JP" altLang="en-US" b="0" i="0" dirty="0">
+                <a:solidFill>
+                  <a:srgbClr val="1D1C1D"/>
+                </a:solidFill>
+                <a:effectLst/>
+                <a:latin typeface="NotoSansJP"/>
+              </a:rPr>
+              <a:t>ノートは自分が見れればいいの精神が強い</a:t>
+            </a:r>
+            <a:br>
+              <a:rPr lang="ja-JP" altLang="en-US" dirty="0"/>
+            </a:br>
+            <a:r>
+              <a:rPr lang="ja-JP" altLang="en-US" b="0" i="0" dirty="0">
+                <a:solidFill>
+                  <a:srgbClr val="1D1C1D"/>
+                </a:solidFill>
+                <a:effectLst/>
+                <a:latin typeface="NotoSansJP"/>
+              </a:rPr>
+              <a:t>（頭のいい人ほどそう考える）チームの振り返り</a:t>
+            </a:r>
+            <a:br>
+              <a:rPr lang="ja-JP" altLang="en-US" dirty="0"/>
+            </a:br>
+            <a:r>
+              <a:rPr lang="ja-JP" altLang="en-US" b="0" i="0" dirty="0">
+                <a:solidFill>
+                  <a:srgbClr val="1D1C1D"/>
+                </a:solidFill>
+                <a:effectLst/>
+                <a:latin typeface="NotoSansJP"/>
+              </a:rPr>
+              <a:t>何故スムーズな意見交換ができたのか</a:t>
+            </a:r>
+            <a:br>
+              <a:rPr lang="ja-JP" altLang="en-US" dirty="0"/>
+            </a:br>
+            <a:r>
+              <a:rPr lang="ja-JP" altLang="en-US" b="0" i="0" dirty="0">
+                <a:solidFill>
+                  <a:srgbClr val="1D1C1D"/>
+                </a:solidFill>
+                <a:effectLst/>
+                <a:latin typeface="NotoSansJP"/>
+              </a:rPr>
+              <a:t>誰が何に気をつけていたのか的確な分業はどのようにして生まれたのか？</a:t>
+            </a:r>
+            <a:br>
+              <a:rPr lang="ja-JP" altLang="en-US" dirty="0"/>
+            </a:br>
+            <a:r>
+              <a:rPr lang="ja-JP" altLang="en-US" b="0" i="0" dirty="0">
+                <a:solidFill>
+                  <a:srgbClr val="1D1C1D"/>
+                </a:solidFill>
+                <a:effectLst/>
+                <a:latin typeface="NotoSansJP"/>
+              </a:rPr>
+              <a:t>失敗から学びがあり、そうしたのか個人</a:t>
+            </a:r>
+            <a:br>
+              <a:rPr lang="ja-JP" altLang="en-US" dirty="0"/>
+            </a:br>
+            <a:r>
+              <a:rPr lang="ja-JP" altLang="en-US" b="0" i="0" dirty="0">
+                <a:solidFill>
+                  <a:srgbClr val="1D1C1D"/>
+                </a:solidFill>
+                <a:effectLst/>
+                <a:latin typeface="NotoSansJP"/>
+              </a:rPr>
+              <a:t>蔭山さん</a:t>
+            </a:r>
+            <a:br>
+              <a:rPr lang="ja-JP" altLang="en-US" dirty="0"/>
+            </a:br>
+            <a:r>
+              <a:rPr lang="ja-JP" altLang="en-US" b="0" i="0" dirty="0">
+                <a:solidFill>
+                  <a:srgbClr val="1D1C1D"/>
+                </a:solidFill>
+                <a:effectLst/>
+                <a:latin typeface="NotoSansJP"/>
+              </a:rPr>
+              <a:t>プログラミングにチャレンジできなかったことで何を学び、</a:t>
+            </a:r>
+            <a:br>
+              <a:rPr lang="ja-JP" altLang="en-US" dirty="0"/>
+            </a:br>
+            <a:r>
+              <a:rPr lang="ja-JP" altLang="en-US" b="0" i="0" dirty="0">
+                <a:solidFill>
+                  <a:srgbClr val="1D1C1D"/>
+                </a:solidFill>
+                <a:effectLst/>
+                <a:latin typeface="NotoSansJP"/>
+              </a:rPr>
+              <a:t>何を今後しなくてはならないか。最終的にプラス思考にもっていく。</a:t>
+            </a:r>
+            <a:endParaRPr lang="en-US" altLang="ja-JP" dirty="0"/>
+          </a:p>
+        </p:txBody>
+      </p:sp>
+    </p:spTree>
+    <p:extLst>
+      <p:ext uri="{BB962C8B-B14F-4D97-AF65-F5344CB8AC3E}">
+        <p14:creationId xmlns:p14="http://schemas.microsoft.com/office/powerpoint/2010/main" val="1739246407"/>
       </p:ext>
     </p:extLst>
   </p:cSld>

--- a/documents/worldMap発表資料.pptx
+++ b/documents/worldMap発表資料.pptx
@@ -12417,7 +12417,7 @@
         <p:spPr>
           <a:xfrm>
             <a:off x="599052" y="1721413"/>
-            <a:ext cx="6269106" cy="648319"/>
+            <a:ext cx="6269106" cy="568874"/>
           </a:xfrm>
           <a:prstGeom prst="rect">
             <a:avLst/>
@@ -12436,10 +12436,10 @@
               </a:lnSpc>
             </a:pPr>
             <a:r>
-              <a:rPr kumimoji="1" lang="ja-JP" altLang="en-US" sz="2800" dirty="0"/>
+              <a:rPr kumimoji="1" lang="ja-JP" altLang="en-US" sz="2400" dirty="0"/>
               <a:t>わわわ～</a:t>
             </a:r>
-            <a:endParaRPr kumimoji="1" lang="en-US" altLang="ja-JP" sz="2800" dirty="0"/>
+            <a:endParaRPr kumimoji="1" lang="en-US" altLang="ja-JP" sz="2400" dirty="0"/>
           </a:p>
         </p:txBody>
       </p:sp>
@@ -12705,7 +12705,7 @@
         <p:spPr>
           <a:xfrm>
             <a:off x="725833" y="2933743"/>
-            <a:ext cx="5805596" cy="648319"/>
+            <a:ext cx="5805596" cy="568874"/>
           </a:xfrm>
           <a:prstGeom prst="rect">
             <a:avLst/>
@@ -12724,7 +12724,7 @@
               </a:lnSpc>
             </a:pPr>
             <a:r>
-              <a:rPr kumimoji="1" lang="en-US" altLang="ja-JP" sz="2800" dirty="0"/>
+              <a:rPr kumimoji="1" lang="en-US" altLang="ja-JP" sz="2400" dirty="0"/>
               <a:t>Awa~</a:t>
             </a:r>
           </a:p>
